--- a/Praese/Presentation1.pptx
+++ b/Praese/Presentation1.pptx
@@ -14,7 +14,7 @@
     <p:sldId id="256" r:id="rId2"/>
     <p:sldId id="264" r:id="rId3"/>
     <p:sldId id="281" r:id="rId4"/>
-    <p:sldId id="282" r:id="rId5"/>
+    <p:sldId id="283" r:id="rId5"/>
     <p:sldId id="258" r:id="rId6"/>
     <p:sldId id="265" r:id="rId7"/>
     <p:sldId id="278" r:id="rId8"/>
@@ -145,10 +145,10 @@
             <p14:sldId id="264"/>
           </p14:sldIdLst>
         </p14:section>
-        <p14:section name="Platform" id="{6D0EC379-880B-2149-865E-C8386602CF30}">
+        <p14:section name="Platform" id="{7D85F695-C507-4743-9A24-895549E94244}">
           <p14:sldIdLst>
             <p14:sldId id="281"/>
-            <p14:sldId id="282"/>
+            <p14:sldId id="283"/>
           </p14:sldIdLst>
         </p14:section>
         <p14:section name="Pipeline" id="{B99B7CF2-6C8D-9341-8F9D-4A9BBFE13145}">
@@ -8836,17 +8836,7 @@
                   </a:schemeClr>
                 </a:solidFill>
               </a:rPr>
-              <a:t>Converting to </a:t>
-            </a:r>
-            <a:r>
-              <a:rPr lang="en-US" sz="2800" dirty="0" smtClean="0">
-                <a:solidFill>
-                  <a:schemeClr val="bg1">
-                    <a:lumMod val="50000"/>
-                  </a:schemeClr>
-                </a:solidFill>
-              </a:rPr>
-              <a:t>gray scale</a:t>
+              <a:t>Converting to gray scale</a:t>
             </a:r>
             <a:endParaRPr lang="en-US" dirty="0"/>
           </a:p>
@@ -9793,17 +9783,7 @@
                   </a:schemeClr>
                 </a:solidFill>
               </a:rPr>
-              <a:t>Converting to </a:t>
-            </a:r>
-            <a:r>
-              <a:rPr lang="en-US" sz="2800" dirty="0" smtClean="0">
-                <a:solidFill>
-                  <a:schemeClr val="bg1">
-                    <a:lumMod val="50000"/>
-                  </a:schemeClr>
-                </a:solidFill>
-              </a:rPr>
-              <a:t>gray scale</a:t>
+              <a:t>Converting to gray scale</a:t>
             </a:r>
             <a:endParaRPr lang="en-US" dirty="0"/>
           </a:p>
@@ -10981,17 +10961,7 @@
                   </a:schemeClr>
                 </a:solidFill>
               </a:rPr>
-              <a:t>Converting to </a:t>
-            </a:r>
-            <a:r>
-              <a:rPr lang="en-US" sz="2800" dirty="0" smtClean="0">
-                <a:solidFill>
-                  <a:schemeClr val="bg1">
-                    <a:lumMod val="50000"/>
-                  </a:schemeClr>
-                </a:solidFill>
-              </a:rPr>
-              <a:t>gray scale</a:t>
+              <a:t>Converting to gray scale</a:t>
             </a:r>
             <a:endParaRPr lang="en-US" dirty="0"/>
           </a:p>
@@ -12083,17 +12053,7 @@
                   </a:schemeClr>
                 </a:solidFill>
               </a:rPr>
-              <a:t>Converting to </a:t>
-            </a:r>
-            <a:r>
-              <a:rPr lang="en-US" sz="2800" dirty="0" smtClean="0">
-                <a:solidFill>
-                  <a:schemeClr val="bg1">
-                    <a:lumMod val="50000"/>
-                  </a:schemeClr>
-                </a:solidFill>
-              </a:rPr>
-              <a:t>gray scale</a:t>
+              <a:t>Converting to gray scale</a:t>
             </a:r>
             <a:endParaRPr lang="en-US" dirty="0"/>
           </a:p>
@@ -15694,7 +15654,7 @@
       </p:grpSpPr>
       <p:sp>
         <p:nvSpPr>
-          <p:cNvPr id="7" name="Title 6"/>
+          <p:cNvPr id="5" name="Title 4"/>
           <p:cNvSpPr>
             <a:spLocks noGrp="1"/>
           </p:cNvSpPr>
@@ -15709,18 +15669,15 @@
           <a:p>
             <a:r>
               <a:rPr lang="en-US" dirty="0" smtClean="0"/>
-              <a:t>The Platfor</a:t>
-            </a:r>
-            <a:r>
-              <a:rPr lang="en-US" dirty="0"/>
-              <a:t>m</a:t>
-            </a:r>
+              <a:t>The Platform</a:t>
+            </a:r>
+            <a:endParaRPr lang="en-US" dirty="0"/>
           </a:p>
         </p:txBody>
       </p:sp>
       <p:sp>
         <p:nvSpPr>
-          <p:cNvPr id="8" name="Subtitle 7"/>
+          <p:cNvPr id="6" name="Subtitle 5"/>
           <p:cNvSpPr>
             <a:spLocks noGrp="1"/>
           </p:cNvSpPr>
@@ -15730,8 +15687,8 @@
         </p:nvSpPr>
         <p:spPr>
           <a:xfrm>
-            <a:off x="1371600" y="2596180"/>
-            <a:ext cx="6400800" cy="1927860"/>
+            <a:off x="1371600" y="2535200"/>
+            <a:ext cx="6400800" cy="1752600"/>
           </a:xfrm>
         </p:spPr>
         <p:txBody>
@@ -15780,7 +15737,7 @@
     </p:spTree>
     <p:extLst>
       <p:ext uri="{BB962C8B-B14F-4D97-AF65-F5344CB8AC3E}">
-        <p14:creationId xmlns:p14="http://schemas.microsoft.com/office/powerpoint/2010/main" val="230864956"/>
+        <p14:creationId xmlns:p14="http://schemas.microsoft.com/office/powerpoint/2010/main" val="487466596"/>
       </p:ext>
     </p:extLst>
   </p:cSld>
@@ -15839,7 +15796,7 @@
       </p:sp>
       <p:pic>
         <p:nvPicPr>
-          <p:cNvPr id="5" name="Picture 4" descr="ZynqPlatformAnwendung.pdf"/>
+          <p:cNvPr id="2" name="Picture 1" descr="ZynqPlatformAnwendung.pdf"/>
           <p:cNvPicPr>
             <a:picLocks noChangeAspect="1"/>
           </p:cNvPicPr>
@@ -15859,38 +15816,8 @@
         </p:blipFill>
         <p:spPr>
           <a:xfrm>
-            <a:off x="121422" y="283710"/>
-            <a:ext cx="8877328" cy="5912667"/>
-          </a:xfrm>
-          <a:prstGeom prst="rect">
-            <a:avLst/>
-          </a:prstGeom>
-        </p:spPr>
-      </p:pic>
-      <p:pic>
-        <p:nvPicPr>
-          <p:cNvPr id="7" name="Picture 6" descr="ZynqPlatformAnwendung.pdf"/>
-          <p:cNvPicPr>
-            <a:picLocks noChangeAspect="1"/>
-          </p:cNvPicPr>
-          <p:nvPr/>
-        </p:nvPicPr>
-        <p:blipFill>
-          <a:blip r:embed="rId2">
-            <a:extLst>
-              <a:ext uri="{28A0092B-C50C-407E-A947-70E740481C1C}">
-                <a14:useLocalDpi xmlns:a14="http://schemas.microsoft.com/office/drawing/2010/main" val="0"/>
-              </a:ext>
-            </a:extLst>
-          </a:blip>
-          <a:stretch>
-            <a:fillRect/>
-          </a:stretch>
-        </p:blipFill>
-        <p:spPr>
-          <a:xfrm>
-            <a:off x="125190" y="287500"/>
-            <a:ext cx="8877328" cy="5912667"/>
+            <a:off x="136070" y="113410"/>
+            <a:ext cx="8972852" cy="5976290"/>
           </a:xfrm>
           <a:prstGeom prst="rect">
             <a:avLst/>
@@ -15900,7 +15827,7 @@
     </p:spTree>
     <p:extLst>
       <p:ext uri="{BB962C8B-B14F-4D97-AF65-F5344CB8AC3E}">
-        <p14:creationId xmlns:p14="http://schemas.microsoft.com/office/powerpoint/2010/main" val="1461357072"/>
+        <p14:creationId xmlns:p14="http://schemas.microsoft.com/office/powerpoint/2010/main" val="1308063671"/>
       </p:ext>
     </p:extLst>
   </p:cSld>

--- a/Praese/Presentation1.pptx
+++ b/Praese/Presentation1.pptx
@@ -5,39 +5,40 @@
     <p:sldMasterId id="2147483648" r:id="rId1"/>
   </p:sldMasterIdLst>
   <p:notesMasterIdLst>
-    <p:notesMasterId r:id="rId29"/>
+    <p:notesMasterId r:id="rId30"/>
   </p:notesMasterIdLst>
   <p:handoutMasterIdLst>
-    <p:handoutMasterId r:id="rId30"/>
+    <p:handoutMasterId r:id="rId31"/>
   </p:handoutMasterIdLst>
   <p:sldIdLst>
     <p:sldId id="256" r:id="rId2"/>
     <p:sldId id="264" r:id="rId3"/>
     <p:sldId id="281" r:id="rId4"/>
     <p:sldId id="283" r:id="rId5"/>
-    <p:sldId id="258" r:id="rId6"/>
-    <p:sldId id="265" r:id="rId7"/>
-    <p:sldId id="278" r:id="rId8"/>
-    <p:sldId id="257" r:id="rId9"/>
-    <p:sldId id="262" r:id="rId10"/>
-    <p:sldId id="263" r:id="rId11"/>
-    <p:sldId id="273" r:id="rId12"/>
-    <p:sldId id="266" r:id="rId13"/>
-    <p:sldId id="267" r:id="rId14"/>
-    <p:sldId id="268" r:id="rId15"/>
-    <p:sldId id="269" r:id="rId16"/>
-    <p:sldId id="270" r:id="rId17"/>
-    <p:sldId id="271" r:id="rId18"/>
-    <p:sldId id="272" r:id="rId19"/>
-    <p:sldId id="274" r:id="rId20"/>
-    <p:sldId id="279" r:id="rId21"/>
-    <p:sldId id="280" r:id="rId22"/>
-    <p:sldId id="275" r:id="rId23"/>
-    <p:sldId id="276" r:id="rId24"/>
-    <p:sldId id="277" r:id="rId25"/>
-    <p:sldId id="259" r:id="rId26"/>
-    <p:sldId id="260" r:id="rId27"/>
-    <p:sldId id="261" r:id="rId28"/>
+    <p:sldId id="284" r:id="rId6"/>
+    <p:sldId id="258" r:id="rId7"/>
+    <p:sldId id="265" r:id="rId8"/>
+    <p:sldId id="278" r:id="rId9"/>
+    <p:sldId id="257" r:id="rId10"/>
+    <p:sldId id="262" r:id="rId11"/>
+    <p:sldId id="263" r:id="rId12"/>
+    <p:sldId id="273" r:id="rId13"/>
+    <p:sldId id="266" r:id="rId14"/>
+    <p:sldId id="267" r:id="rId15"/>
+    <p:sldId id="268" r:id="rId16"/>
+    <p:sldId id="269" r:id="rId17"/>
+    <p:sldId id="270" r:id="rId18"/>
+    <p:sldId id="271" r:id="rId19"/>
+    <p:sldId id="272" r:id="rId20"/>
+    <p:sldId id="274" r:id="rId21"/>
+    <p:sldId id="279" r:id="rId22"/>
+    <p:sldId id="280" r:id="rId23"/>
+    <p:sldId id="275" r:id="rId24"/>
+    <p:sldId id="276" r:id="rId25"/>
+    <p:sldId id="277" r:id="rId26"/>
+    <p:sldId id="259" r:id="rId27"/>
+    <p:sldId id="260" r:id="rId28"/>
+    <p:sldId id="261" r:id="rId29"/>
   </p:sldIdLst>
   <p:sldSz cx="9144000" cy="6858000" type="screen4x3"/>
   <p:notesSz cx="6858000" cy="9144000"/>
@@ -149,6 +150,7 @@
           <p14:sldIdLst>
             <p14:sldId id="281"/>
             <p14:sldId id="283"/>
+            <p14:sldId id="284"/>
           </p14:sldIdLst>
         </p14:section>
         <p14:section name="Pipeline" id="{B99B7CF2-6C8D-9341-8F9D-4A9BBFE13145}">
@@ -249,7 +251,9 @@
             </a:lvl1pPr>
           </a:lstStyle>
           <a:p>
-            <a:endParaRPr lang="en-US"/>
+            <a:endParaRPr lang="en-US" dirty="0">
+              <a:latin typeface="HelveticaNeueLT Com 45 Lt"/>
+            </a:endParaRPr>
           </a:p>
         </p:txBody>
       </p:sp>
@@ -281,10 +285,14 @@
           </a:lstStyle>
           <a:p>
             <a:fld id="{FF45CA71-C673-7443-A31B-C95FF9ED7E65}" type="datetimeFigureOut">
-              <a:rPr lang="en-US" smtClean="0"/>
+              <a:rPr lang="en-US" smtClean="0">
+                <a:latin typeface="HelveticaNeueLT Com 45 Lt"/>
+              </a:rPr>
               <a:t>5/25/13</a:t>
             </a:fld>
-            <a:endParaRPr lang="en-US"/>
+            <a:endParaRPr lang="en-US" dirty="0">
+              <a:latin typeface="HelveticaNeueLT Com 45 Lt"/>
+            </a:endParaRPr>
           </a:p>
         </p:txBody>
       </p:sp>
@@ -315,7 +323,9 @@
             </a:lvl1pPr>
           </a:lstStyle>
           <a:p>
-            <a:endParaRPr lang="en-US"/>
+            <a:endParaRPr lang="en-US" dirty="0">
+              <a:latin typeface="HelveticaNeueLT Com 45 Lt"/>
+            </a:endParaRPr>
           </a:p>
         </p:txBody>
       </p:sp>
@@ -347,10 +357,14 @@
           </a:lstStyle>
           <a:p>
             <a:fld id="{BD13C8FB-A1EE-D24A-B2B6-8541D70CDBB5}" type="slidenum">
-              <a:rPr lang="en-US" smtClean="0"/>
+              <a:rPr lang="en-US" smtClean="0">
+                <a:latin typeface="HelveticaNeueLT Com 45 Lt"/>
+              </a:rPr>
               <a:t>‹#›</a:t>
             </a:fld>
-            <a:endParaRPr lang="en-US"/>
+            <a:endParaRPr lang="en-US" dirty="0">
+              <a:latin typeface="HelveticaNeueLT Com 45 Lt"/>
+            </a:endParaRPr>
           </a:p>
         </p:txBody>
       </p:sp>
@@ -411,11 +425,13 @@
           <a:bodyPr vert="horz" lIns="91440" tIns="45720" rIns="91440" bIns="45720" rtlCol="0"/>
           <a:lstStyle>
             <a:lvl1pPr algn="l">
-              <a:defRPr sz="1200"/>
+              <a:defRPr sz="1200">
+                <a:latin typeface="HelveticaNeueLT Com 45 Lt"/>
+              </a:defRPr>
             </a:lvl1pPr>
           </a:lstStyle>
           <a:p>
-            <a:endParaRPr lang="en-US"/>
+            <a:endParaRPr lang="en-US" dirty="0"/>
           </a:p>
         </p:txBody>
       </p:sp>
@@ -442,15 +458,18 @@
           <a:bodyPr vert="horz" lIns="91440" tIns="45720" rIns="91440" bIns="45720" rtlCol="0"/>
           <a:lstStyle>
             <a:lvl1pPr algn="r">
-              <a:defRPr sz="1200"/>
+              <a:defRPr sz="1200">
+                <a:latin typeface="HelveticaNeueLT Com 45 Lt"/>
+              </a:defRPr>
             </a:lvl1pPr>
           </a:lstStyle>
           <a:p>
             <a:fld id="{FB523993-DA73-FF4D-AF27-9F6E0E628F24}" type="datetimeFigureOut">
               <a:rPr lang="en-US" smtClean="0"/>
+              <a:pPr/>
               <a:t>5/25/13</a:t>
             </a:fld>
-            <a:endParaRPr lang="en-US"/>
+            <a:endParaRPr lang="en-US" dirty="0"/>
           </a:p>
         </p:txBody>
       </p:sp>
@@ -483,7 +502,7 @@
           <a:bodyPr vert="horz" lIns="91440" tIns="45720" rIns="91440" bIns="45720" rtlCol="0" anchor="ctr"/>
           <a:lstStyle/>
           <a:p>
-            <a:endParaRPr lang="en-US"/>
+            <a:endParaRPr lang="en-US" dirty="0"/>
           </a:p>
         </p:txBody>
       </p:sp>
@@ -512,38 +531,94 @@
           <a:p>
             <a:pPr lvl="0"/>
             <a:r>
-              <a:rPr lang="de-DE" smtClean="0"/>
-              <a:t>Click to edit Master text styles</a:t>
-            </a:r>
+              <a:rPr lang="de-DE" dirty="0" smtClean="0"/>
+              <a:t>Click </a:t>
+            </a:r>
+            <a:r>
+              <a:rPr lang="de-DE" dirty="0" err="1" smtClean="0"/>
+              <a:t>to</a:t>
+            </a:r>
+            <a:r>
+              <a:rPr lang="de-DE" dirty="0" smtClean="0"/>
+              <a:t> </a:t>
+            </a:r>
+            <a:r>
+              <a:rPr lang="de-DE" dirty="0" err="1" smtClean="0"/>
+              <a:t>edit</a:t>
+            </a:r>
+            <a:r>
+              <a:rPr lang="de-DE" dirty="0" smtClean="0"/>
+              <a:t> Master </a:t>
+            </a:r>
+            <a:r>
+              <a:rPr lang="de-DE" dirty="0" err="1" smtClean="0"/>
+              <a:t>text</a:t>
+            </a:r>
+            <a:r>
+              <a:rPr lang="de-DE" dirty="0" smtClean="0"/>
+              <a:t> </a:t>
+            </a:r>
+            <a:r>
+              <a:rPr lang="de-DE" dirty="0" err="1" smtClean="0"/>
+              <a:t>styles</a:t>
+            </a:r>
+            <a:endParaRPr lang="de-DE" dirty="0" smtClean="0"/>
           </a:p>
           <a:p>
             <a:pPr lvl="1"/>
             <a:r>
-              <a:rPr lang="de-DE" smtClean="0"/>
-              <a:t>Second level</a:t>
-            </a:r>
+              <a:rPr lang="de-DE" dirty="0" smtClean="0"/>
+              <a:t>Second </a:t>
+            </a:r>
+            <a:r>
+              <a:rPr lang="de-DE" dirty="0" err="1" smtClean="0"/>
+              <a:t>level</a:t>
+            </a:r>
+            <a:endParaRPr lang="de-DE" dirty="0" smtClean="0"/>
           </a:p>
           <a:p>
             <a:pPr lvl="2"/>
             <a:r>
-              <a:rPr lang="de-DE" smtClean="0"/>
-              <a:t>Third level</a:t>
-            </a:r>
+              <a:rPr lang="de-DE" dirty="0" smtClean="0"/>
+              <a:t>Third </a:t>
+            </a:r>
+            <a:r>
+              <a:rPr lang="de-DE" dirty="0" err="1" smtClean="0"/>
+              <a:t>level</a:t>
+            </a:r>
+            <a:endParaRPr lang="de-DE" dirty="0" smtClean="0"/>
           </a:p>
           <a:p>
             <a:pPr lvl="3"/>
             <a:r>
-              <a:rPr lang="de-DE" smtClean="0"/>
-              <a:t>Fourth level</a:t>
-            </a:r>
+              <a:rPr lang="de-DE" dirty="0" err="1" smtClean="0"/>
+              <a:t>Fourth</a:t>
+            </a:r>
+            <a:r>
+              <a:rPr lang="de-DE" dirty="0" smtClean="0"/>
+              <a:t> </a:t>
+            </a:r>
+            <a:r>
+              <a:rPr lang="de-DE" dirty="0" err="1" smtClean="0"/>
+              <a:t>level</a:t>
+            </a:r>
+            <a:endParaRPr lang="de-DE" dirty="0" smtClean="0"/>
           </a:p>
           <a:p>
             <a:pPr lvl="4"/>
             <a:r>
-              <a:rPr lang="de-DE" smtClean="0"/>
-              <a:t>Fifth level</a:t>
-            </a:r>
-            <a:endParaRPr lang="en-US"/>
+              <a:rPr lang="de-DE" dirty="0" err="1" smtClean="0"/>
+              <a:t>Fifth</a:t>
+            </a:r>
+            <a:r>
+              <a:rPr lang="de-DE" dirty="0" smtClean="0"/>
+              <a:t> </a:t>
+            </a:r>
+            <a:r>
+              <a:rPr lang="de-DE" dirty="0" err="1" smtClean="0"/>
+              <a:t>level</a:t>
+            </a:r>
+            <a:endParaRPr lang="en-US" dirty="0"/>
           </a:p>
         </p:txBody>
       </p:sp>
@@ -570,11 +645,13 @@
           <a:bodyPr vert="horz" lIns="91440" tIns="45720" rIns="91440" bIns="45720" rtlCol="0" anchor="b"/>
           <a:lstStyle>
             <a:lvl1pPr algn="l">
-              <a:defRPr sz="1200"/>
+              <a:defRPr sz="1200">
+                <a:latin typeface="HelveticaNeueLT Com 45 Lt"/>
+              </a:defRPr>
             </a:lvl1pPr>
           </a:lstStyle>
           <a:p>
-            <a:endParaRPr lang="en-US"/>
+            <a:endParaRPr lang="en-US" dirty="0"/>
           </a:p>
         </p:txBody>
       </p:sp>
@@ -601,15 +678,18 @@
           <a:bodyPr vert="horz" lIns="91440" tIns="45720" rIns="91440" bIns="45720" rtlCol="0" anchor="b"/>
           <a:lstStyle>
             <a:lvl1pPr algn="r">
-              <a:defRPr sz="1200"/>
+              <a:defRPr sz="1200">
+                <a:latin typeface="HelveticaNeueLT Com 45 Lt"/>
+              </a:defRPr>
             </a:lvl1pPr>
           </a:lstStyle>
           <a:p>
             <a:fld id="{2ADEDB94-756D-ED4B-814C-B4E518AF2B8F}" type="slidenum">
               <a:rPr lang="en-US" smtClean="0"/>
+              <a:pPr/>
               <a:t>‹#›</a:t>
             </a:fld>
-            <a:endParaRPr lang="en-US"/>
+            <a:endParaRPr lang="en-US" dirty="0"/>
           </a:p>
         </p:txBody>
       </p:sp>
@@ -628,7 +708,7 @@
         <a:solidFill>
           <a:schemeClr val="tx1"/>
         </a:solidFill>
-        <a:latin typeface="+mn-lt"/>
+        <a:latin typeface="HelveticaNeueLT Com 45 Lt"/>
         <a:ea typeface="+mn-ea"/>
         <a:cs typeface="+mn-cs"/>
       </a:defRPr>
@@ -638,7 +718,7 @@
         <a:solidFill>
           <a:schemeClr val="tx1"/>
         </a:solidFill>
-        <a:latin typeface="+mn-lt"/>
+        <a:latin typeface="HelveticaNeueLT Com 45 Lt"/>
         <a:ea typeface="+mn-ea"/>
         <a:cs typeface="+mn-cs"/>
       </a:defRPr>
@@ -648,7 +728,7 @@
         <a:solidFill>
           <a:schemeClr val="tx1"/>
         </a:solidFill>
-        <a:latin typeface="+mn-lt"/>
+        <a:latin typeface="HelveticaNeueLT Com 45 Lt"/>
         <a:ea typeface="+mn-ea"/>
         <a:cs typeface="+mn-cs"/>
       </a:defRPr>
@@ -658,7 +738,7 @@
         <a:solidFill>
           <a:schemeClr val="tx1"/>
         </a:solidFill>
-        <a:latin typeface="+mn-lt"/>
+        <a:latin typeface="HelveticaNeueLT Com 45 Lt"/>
         <a:ea typeface="+mn-ea"/>
         <a:cs typeface="+mn-cs"/>
       </a:defRPr>
@@ -668,7 +748,7 @@
         <a:solidFill>
           <a:schemeClr val="tx1"/>
         </a:solidFill>
-        <a:latin typeface="+mn-lt"/>
+        <a:latin typeface="HelveticaNeueLT Com 45 Lt"/>
         <a:ea typeface="+mn-ea"/>
         <a:cs typeface="+mn-cs"/>
       </a:defRPr>
@@ -803,7 +883,7 @@
           <a:p>
             <a:fld id="{2ADEDB94-756D-ED4B-814C-B4E518AF2B8F}" type="slidenum">
               <a:rPr lang="en-US" smtClean="0"/>
-              <a:t>9</a:t>
+              <a:t>10</a:t>
             </a:fld>
             <a:endParaRPr lang="en-US"/>
           </a:p>
@@ -906,7 +986,7 @@
           <a:p>
             <a:fld id="{2ADEDB94-756D-ED4B-814C-B4E518AF2B8F}" type="slidenum">
               <a:rPr lang="en-US" smtClean="0"/>
-              <a:t>10</a:t>
+              <a:t>11</a:t>
             </a:fld>
             <a:endParaRPr lang="en-US"/>
           </a:p>
@@ -1009,7 +1089,7 @@
           <a:p>
             <a:fld id="{2ADEDB94-756D-ED4B-814C-B4E518AF2B8F}" type="slidenum">
               <a:rPr lang="en-US" smtClean="0"/>
-              <a:t>11</a:t>
+              <a:t>12</a:t>
             </a:fld>
             <a:endParaRPr lang="en-US"/>
           </a:p>
@@ -1112,7 +1192,7 @@
           <a:p>
             <a:fld id="{2ADEDB94-756D-ED4B-814C-B4E518AF2B8F}" type="slidenum">
               <a:rPr lang="en-US" smtClean="0"/>
-              <a:t>12</a:t>
+              <a:t>13</a:t>
             </a:fld>
             <a:endParaRPr lang="en-US"/>
           </a:p>
@@ -1215,7 +1295,7 @@
           <a:p>
             <a:fld id="{2ADEDB94-756D-ED4B-814C-B4E518AF2B8F}" type="slidenum">
               <a:rPr lang="en-US" smtClean="0"/>
-              <a:t>13</a:t>
+              <a:t>14</a:t>
             </a:fld>
             <a:endParaRPr lang="en-US"/>
           </a:p>
@@ -4553,778 +4633,40 @@
           </a:p>
         </p:txBody>
       </p:sp>
-      <p:sp>
-        <p:nvSpPr>
-          <p:cNvPr id="12" name="Rectangle 11"/>
-          <p:cNvSpPr/>
+      <p:pic>
+        <p:nvPicPr>
+          <p:cNvPr id="3" name="Picture 2" descr="SISD-RGB.pdf"/>
+          <p:cNvPicPr>
+            <a:picLocks noChangeAspect="1"/>
+          </p:cNvPicPr>
           <p:nvPr/>
-        </p:nvSpPr>
+        </p:nvPicPr>
+        <p:blipFill>
+          <a:blip r:embed="rId3">
+            <a:extLst>
+              <a:ext uri="{28A0092B-C50C-407E-A947-70E740481C1C}">
+                <a14:useLocalDpi xmlns:a14="http://schemas.microsoft.com/office/drawing/2010/main" val="0"/>
+              </a:ext>
+            </a:extLst>
+          </a:blip>
+          <a:stretch>
+            <a:fillRect/>
+          </a:stretch>
+        </p:blipFill>
         <p:spPr>
           <a:xfrm>
-            <a:off x="675582" y="1933403"/>
-            <a:ext cx="7796214" cy="4247317"/>
+            <a:off x="686128" y="2052162"/>
+            <a:ext cx="6828484" cy="3681278"/>
           </a:xfrm>
           <a:prstGeom prst="rect">
             <a:avLst/>
           </a:prstGeom>
         </p:spPr>
-        <p:txBody>
-          <a:bodyPr wrap="square">
-            <a:spAutoFit/>
-          </a:bodyPr>
-          <a:lstStyle/>
-          <a:p>
-            <a:r>
-              <a:rPr lang="nl-NL" dirty="0" err="1">
-                <a:solidFill>
-                  <a:srgbClr val="FF7800"/>
-                </a:solidFill>
-                <a:latin typeface="SourceCodePro-Regular"/>
-              </a:rPr>
-              <a:t>void</a:t>
-            </a:r>
-            <a:r>
-              <a:rPr lang="nl-NL" dirty="0">
-                <a:solidFill>
-                  <a:srgbClr val="FF7800"/>
-                </a:solidFill>
-                <a:latin typeface="SourceCodePro-Regular"/>
-              </a:rPr>
-              <a:t> </a:t>
-            </a:r>
-            <a:r>
-              <a:rPr lang="nl-NL" dirty="0">
-                <a:solidFill>
-                  <a:srgbClr val="3B5BB5"/>
-                </a:solidFill>
-                <a:latin typeface="SourceCodePro-Regular"/>
-              </a:rPr>
-              <a:t>rgb2grey</a:t>
-            </a:r>
-            <a:r>
-              <a:rPr lang="nl-NL" dirty="0">
-                <a:solidFill>
-                  <a:prstClr val="black"/>
-                </a:solidFill>
-                <a:latin typeface="SourceCodePro-Regular"/>
-              </a:rPr>
-              <a:t>(</a:t>
-            </a:r>
-            <a:r>
-              <a:rPr lang="nl-NL" dirty="0">
-                <a:solidFill>
-                  <a:srgbClr val="3B5BB5"/>
-                </a:solidFill>
-                <a:latin typeface="SourceCodePro-Regular"/>
-              </a:rPr>
-              <a:t>uint8_t</a:t>
-            </a:r>
-            <a:r>
-              <a:rPr lang="nl-NL" dirty="0">
-                <a:solidFill>
-                  <a:prstClr val="black"/>
-                </a:solidFill>
-                <a:latin typeface="SourceCodePro-Regular"/>
-              </a:rPr>
-              <a:t> *</a:t>
-            </a:r>
-            <a:r>
-              <a:rPr lang="nl-NL" dirty="0" err="1">
-                <a:solidFill>
-                  <a:prstClr val="black"/>
-                </a:solidFill>
-                <a:latin typeface="SourceCodePro-Regular"/>
-              </a:rPr>
-              <a:t>dest</a:t>
-            </a:r>
-            <a:r>
-              <a:rPr lang="nl-NL" dirty="0">
-                <a:solidFill>
-                  <a:prstClr val="black"/>
-                </a:solidFill>
-                <a:latin typeface="SourceCodePro-Regular"/>
-              </a:rPr>
-              <a:t>, </a:t>
-            </a:r>
-            <a:r>
-              <a:rPr lang="nl-NL" dirty="0">
-                <a:solidFill>
-                  <a:srgbClr val="3B5BB5"/>
-                </a:solidFill>
-                <a:latin typeface="SourceCodePro-Regular"/>
-              </a:rPr>
-              <a:t>uint8_t</a:t>
-            </a:r>
-            <a:r>
-              <a:rPr lang="nl-NL" dirty="0">
-                <a:solidFill>
-                  <a:prstClr val="black"/>
-                </a:solidFill>
-                <a:latin typeface="SourceCodePro-Regular"/>
-              </a:rPr>
-              <a:t> *</a:t>
-            </a:r>
-            <a:r>
-              <a:rPr lang="nl-NL" dirty="0" err="1">
-                <a:solidFill>
-                  <a:prstClr val="black"/>
-                </a:solidFill>
-                <a:latin typeface="SourceCodePro-Regular"/>
-              </a:rPr>
-              <a:t>src</a:t>
-            </a:r>
-            <a:r>
-              <a:rPr lang="nl-NL" dirty="0">
-                <a:solidFill>
-                  <a:prstClr val="black"/>
-                </a:solidFill>
-                <a:latin typeface="SourceCodePro-Regular"/>
-              </a:rPr>
-              <a:t>, </a:t>
-            </a:r>
-            <a:r>
-              <a:rPr lang="nl-NL" dirty="0">
-                <a:solidFill>
-                  <a:srgbClr val="FF7800"/>
-                </a:solidFill>
-                <a:latin typeface="SourceCodePro-Regular"/>
-              </a:rPr>
-              <a:t>int</a:t>
-            </a:r>
-            <a:r>
-              <a:rPr lang="nl-NL" dirty="0">
-                <a:solidFill>
-                  <a:prstClr val="black"/>
-                </a:solidFill>
-                <a:latin typeface="SourceCodePro-Regular"/>
-              </a:rPr>
-              <a:t> pixels) {</a:t>
-            </a:r>
-            <a:br>
-              <a:rPr lang="nl-NL" dirty="0">
-                <a:solidFill>
-                  <a:prstClr val="black"/>
-                </a:solidFill>
-                <a:latin typeface="SourceCodePro-Regular"/>
-              </a:rPr>
-            </a:br>
-            <a:r>
-              <a:rPr lang="nl-NL" dirty="0">
-                <a:solidFill>
-                  <a:prstClr val="black"/>
-                </a:solidFill>
-                <a:latin typeface="SourceCodePro-Regular"/>
-              </a:rPr>
-              <a:t>    </a:t>
-            </a:r>
-            <a:r>
-              <a:rPr lang="nl-NL" dirty="0" err="1">
-                <a:solidFill>
-                  <a:srgbClr val="FF7800"/>
-                </a:solidFill>
-                <a:latin typeface="SourceCodePro-Regular"/>
-              </a:rPr>
-              <a:t>for</a:t>
-            </a:r>
-            <a:r>
-              <a:rPr lang="nl-NL" dirty="0">
-                <a:solidFill>
-                  <a:prstClr val="black"/>
-                </a:solidFill>
-                <a:latin typeface="SourceCodePro-Regular"/>
-              </a:rPr>
-              <a:t>(</a:t>
-            </a:r>
-            <a:r>
-              <a:rPr lang="nl-NL" dirty="0">
-                <a:solidFill>
-                  <a:srgbClr val="FF7800"/>
-                </a:solidFill>
-                <a:latin typeface="SourceCodePro-Regular"/>
-              </a:rPr>
-              <a:t>int</a:t>
-            </a:r>
-            <a:r>
-              <a:rPr lang="nl-NL" dirty="0">
-                <a:solidFill>
-                  <a:prstClr val="black"/>
-                </a:solidFill>
-                <a:latin typeface="SourceCodePro-Regular"/>
-              </a:rPr>
-              <a:t> i=</a:t>
-            </a:r>
-            <a:r>
-              <a:rPr lang="nl-NL" dirty="0">
-                <a:solidFill>
-                  <a:srgbClr val="3B5BB5"/>
-                </a:solidFill>
-                <a:latin typeface="SourceCodePro-Regular"/>
-              </a:rPr>
-              <a:t>0</a:t>
-            </a:r>
-            <a:r>
-              <a:rPr lang="nl-NL" dirty="0">
-                <a:solidFill>
-                  <a:prstClr val="black"/>
-                </a:solidFill>
-                <a:latin typeface="SourceCodePro-Regular"/>
-              </a:rPr>
-              <a:t>; i &lt; pixels; i++) {</a:t>
-            </a:r>
-            <a:br>
-              <a:rPr lang="nl-NL" dirty="0">
-                <a:solidFill>
-                  <a:prstClr val="black"/>
-                </a:solidFill>
-                <a:latin typeface="SourceCodePro-Regular"/>
-              </a:rPr>
-            </a:br>
-            <a:r>
-              <a:rPr lang="nl-NL" dirty="0">
-                <a:solidFill>
-                  <a:prstClr val="black"/>
-                </a:solidFill>
-                <a:latin typeface="SourceCodePro-Regular"/>
-              </a:rPr>
-              <a:t>        </a:t>
-            </a:r>
-            <a:r>
-              <a:rPr lang="nl-NL" dirty="0">
-                <a:solidFill>
-                  <a:srgbClr val="3B5BB5"/>
-                </a:solidFill>
-                <a:latin typeface="SourceCodePro-Regular"/>
-              </a:rPr>
-              <a:t>uint8_t</a:t>
-            </a:r>
-            <a:r>
-              <a:rPr lang="nl-NL" dirty="0">
-                <a:solidFill>
-                  <a:prstClr val="black"/>
-                </a:solidFill>
-                <a:latin typeface="SourceCodePro-Regular"/>
-              </a:rPr>
-              <a:t> r = </a:t>
-            </a:r>
-            <a:r>
-              <a:rPr lang="nl-NL" dirty="0" smtClean="0">
-                <a:solidFill>
-                  <a:prstClr val="black"/>
-                </a:solidFill>
-                <a:latin typeface="SourceCodePro-Regular"/>
-              </a:rPr>
-              <a:t>*</a:t>
-            </a:r>
-            <a:r>
-              <a:rPr lang="nl-NL" dirty="0" err="1" smtClean="0">
-                <a:solidFill>
-                  <a:prstClr val="black"/>
-                </a:solidFill>
-                <a:latin typeface="SourceCodePro-Regular"/>
-              </a:rPr>
-              <a:t>src</a:t>
-            </a:r>
-            <a:r>
-              <a:rPr lang="nl-NL" dirty="0" smtClean="0">
-                <a:solidFill>
-                  <a:prstClr val="black"/>
-                </a:solidFill>
-                <a:latin typeface="SourceCodePro-Regular"/>
-              </a:rPr>
-              <a:t>+</a:t>
-            </a:r>
-            <a:r>
-              <a:rPr lang="nl-NL" dirty="0">
-                <a:solidFill>
-                  <a:prstClr val="black"/>
-                </a:solidFill>
-                <a:latin typeface="SourceCodePro-Regular"/>
-              </a:rPr>
-              <a:t>+;</a:t>
-            </a:r>
-            <a:br>
-              <a:rPr lang="nl-NL" dirty="0">
-                <a:solidFill>
-                  <a:prstClr val="black"/>
-                </a:solidFill>
-                <a:latin typeface="SourceCodePro-Regular"/>
-              </a:rPr>
-            </a:br>
-            <a:r>
-              <a:rPr lang="nl-NL" dirty="0">
-                <a:solidFill>
-                  <a:prstClr val="black"/>
-                </a:solidFill>
-                <a:latin typeface="SourceCodePro-Regular"/>
-              </a:rPr>
-              <a:t>        </a:t>
-            </a:r>
-            <a:r>
-              <a:rPr lang="nl-NL" dirty="0">
-                <a:solidFill>
-                  <a:srgbClr val="3B5BB5"/>
-                </a:solidFill>
-                <a:latin typeface="SourceCodePro-Regular"/>
-              </a:rPr>
-              <a:t>uint8_t</a:t>
-            </a:r>
-            <a:r>
-              <a:rPr lang="nl-NL" dirty="0">
-                <a:solidFill>
-                  <a:prstClr val="black"/>
-                </a:solidFill>
-                <a:latin typeface="SourceCodePro-Regular"/>
-              </a:rPr>
-              <a:t> g = *</a:t>
-            </a:r>
-            <a:r>
-              <a:rPr lang="nl-NL" dirty="0" err="1">
-                <a:solidFill>
-                  <a:prstClr val="black"/>
-                </a:solidFill>
-                <a:latin typeface="SourceCodePro-Regular"/>
-              </a:rPr>
-              <a:t>src</a:t>
-            </a:r>
-            <a:r>
-              <a:rPr lang="nl-NL" dirty="0">
-                <a:solidFill>
-                  <a:prstClr val="black"/>
-                </a:solidFill>
-                <a:latin typeface="SourceCodePro-Regular"/>
-              </a:rPr>
-              <a:t>++;</a:t>
-            </a:r>
-            <a:br>
-              <a:rPr lang="nl-NL" dirty="0">
-                <a:solidFill>
-                  <a:prstClr val="black"/>
-                </a:solidFill>
-                <a:latin typeface="SourceCodePro-Regular"/>
-              </a:rPr>
-            </a:br>
-            <a:r>
-              <a:rPr lang="nl-NL" dirty="0">
-                <a:solidFill>
-                  <a:prstClr val="black"/>
-                </a:solidFill>
-                <a:latin typeface="SourceCodePro-Regular"/>
-              </a:rPr>
-              <a:t>        </a:t>
-            </a:r>
-            <a:r>
-              <a:rPr lang="nl-NL" dirty="0">
-                <a:solidFill>
-                  <a:srgbClr val="3B5BB5"/>
-                </a:solidFill>
-                <a:latin typeface="SourceCodePro-Regular"/>
-              </a:rPr>
-              <a:t>uint8_t</a:t>
-            </a:r>
-            <a:r>
-              <a:rPr lang="nl-NL" dirty="0">
-                <a:solidFill>
-                  <a:prstClr val="black"/>
-                </a:solidFill>
-                <a:latin typeface="SourceCodePro-Regular"/>
-              </a:rPr>
-              <a:t> b = *</a:t>
-            </a:r>
-            <a:r>
-              <a:rPr lang="nl-NL" dirty="0" err="1">
-                <a:solidFill>
-                  <a:prstClr val="black"/>
-                </a:solidFill>
-                <a:latin typeface="SourceCodePro-Regular"/>
-              </a:rPr>
-              <a:t>src</a:t>
-            </a:r>
-            <a:r>
-              <a:rPr lang="nl-NL" dirty="0">
-                <a:solidFill>
-                  <a:prstClr val="black"/>
-                </a:solidFill>
-                <a:latin typeface="SourceCodePro-Regular"/>
-              </a:rPr>
-              <a:t>++;</a:t>
-            </a:r>
-            <a:br>
-              <a:rPr lang="nl-NL" dirty="0">
-                <a:solidFill>
-                  <a:prstClr val="black"/>
-                </a:solidFill>
-                <a:latin typeface="SourceCodePro-Regular"/>
-              </a:rPr>
-            </a:br>
-            <a:r>
-              <a:rPr lang="nl-NL" dirty="0">
-                <a:solidFill>
-                  <a:prstClr val="black"/>
-                </a:solidFill>
-                <a:latin typeface="SourceCodePro-Regular"/>
-              </a:rPr>
-              <a:t>        </a:t>
-            </a:r>
-            <a:br>
-              <a:rPr lang="nl-NL" dirty="0">
-                <a:solidFill>
-                  <a:prstClr val="black"/>
-                </a:solidFill>
-                <a:latin typeface="SourceCodePro-Regular"/>
-              </a:rPr>
-            </a:br>
-            <a:r>
-              <a:rPr lang="nl-NL" dirty="0">
-                <a:solidFill>
-                  <a:prstClr val="black"/>
-                </a:solidFill>
-                <a:latin typeface="SourceCodePro-Regular"/>
-              </a:rPr>
-              <a:t>        </a:t>
-            </a:r>
-            <a:r>
-              <a:rPr lang="nl-NL" dirty="0">
-                <a:solidFill>
-                  <a:srgbClr val="3B5BB5"/>
-                </a:solidFill>
-                <a:latin typeface="SourceCodePro-Regular"/>
-              </a:rPr>
-              <a:t>uint16_t</a:t>
-            </a:r>
-            <a:r>
-              <a:rPr lang="nl-NL" dirty="0">
-                <a:solidFill>
-                  <a:prstClr val="black"/>
-                </a:solidFill>
-                <a:latin typeface="SourceCodePro-Regular"/>
-              </a:rPr>
-              <a:t> y =</a:t>
-            </a:r>
-            <a:br>
-              <a:rPr lang="nl-NL" dirty="0">
-                <a:solidFill>
-                  <a:prstClr val="black"/>
-                </a:solidFill>
-                <a:latin typeface="SourceCodePro-Regular"/>
-              </a:rPr>
-            </a:br>
-            <a:r>
-              <a:rPr lang="nl-NL" dirty="0">
-                <a:solidFill>
-                  <a:prstClr val="black"/>
-                </a:solidFill>
-                <a:latin typeface="SourceCodePro-Regular"/>
-              </a:rPr>
-              <a:t>            r * (</a:t>
-            </a:r>
-            <a:r>
-              <a:rPr lang="nl-NL" dirty="0">
-                <a:solidFill>
-                  <a:srgbClr val="FF7800"/>
-                </a:solidFill>
-                <a:latin typeface="SourceCodePro-Regular"/>
-              </a:rPr>
-              <a:t>int</a:t>
-            </a:r>
-            <a:r>
-              <a:rPr lang="nl-NL" dirty="0">
-                <a:solidFill>
-                  <a:prstClr val="black"/>
-                </a:solidFill>
-                <a:latin typeface="SourceCodePro-Regular"/>
-              </a:rPr>
-              <a:t>)(</a:t>
-            </a:r>
-            <a:r>
-              <a:rPr lang="nl-NL" dirty="0">
-                <a:solidFill>
-                  <a:srgbClr val="3B5BB5"/>
-                </a:solidFill>
-                <a:latin typeface="SourceCodePro-Regular"/>
-              </a:rPr>
-              <a:t>0.2126</a:t>
-            </a:r>
-            <a:r>
-              <a:rPr lang="nl-NL" dirty="0">
-                <a:solidFill>
-                  <a:prstClr val="black"/>
-                </a:solidFill>
-                <a:latin typeface="SourceCodePro-Regular"/>
-              </a:rPr>
-              <a:t>*</a:t>
-            </a:r>
-            <a:r>
-              <a:rPr lang="nl-NL" dirty="0">
-                <a:solidFill>
-                  <a:srgbClr val="3B5BB5"/>
-                </a:solidFill>
-                <a:latin typeface="SourceCodePro-Regular"/>
-              </a:rPr>
-              <a:t>256</a:t>
-            </a:r>
-            <a:r>
-              <a:rPr lang="nl-NL" dirty="0">
-                <a:solidFill>
-                  <a:prstClr val="black"/>
-                </a:solidFill>
-                <a:latin typeface="SourceCodePro-Regular"/>
-              </a:rPr>
-              <a:t>) +</a:t>
-            </a:r>
-            <a:br>
-              <a:rPr lang="nl-NL" dirty="0">
-                <a:solidFill>
-                  <a:prstClr val="black"/>
-                </a:solidFill>
-                <a:latin typeface="SourceCodePro-Regular"/>
-              </a:rPr>
-            </a:br>
-            <a:r>
-              <a:rPr lang="nl-NL" dirty="0">
-                <a:solidFill>
-                  <a:prstClr val="black"/>
-                </a:solidFill>
-                <a:latin typeface="SourceCodePro-Regular"/>
-              </a:rPr>
-              <a:t>            g * (</a:t>
-            </a:r>
-            <a:r>
-              <a:rPr lang="nl-NL" dirty="0">
-                <a:solidFill>
-                  <a:srgbClr val="FF7800"/>
-                </a:solidFill>
-                <a:latin typeface="SourceCodePro-Regular"/>
-              </a:rPr>
-              <a:t>int</a:t>
-            </a:r>
-            <a:r>
-              <a:rPr lang="nl-NL" dirty="0">
-                <a:solidFill>
-                  <a:prstClr val="black"/>
-                </a:solidFill>
-                <a:latin typeface="SourceCodePro-Regular"/>
-              </a:rPr>
-              <a:t>)(</a:t>
-            </a:r>
-            <a:r>
-              <a:rPr lang="nl-NL" dirty="0">
-                <a:solidFill>
-                  <a:srgbClr val="3B5BB5"/>
-                </a:solidFill>
-                <a:latin typeface="SourceCodePro-Regular"/>
-              </a:rPr>
-              <a:t>0.7152</a:t>
-            </a:r>
-            <a:r>
-              <a:rPr lang="nl-NL" dirty="0">
-                <a:solidFill>
-                  <a:prstClr val="black"/>
-                </a:solidFill>
-                <a:latin typeface="SourceCodePro-Regular"/>
-              </a:rPr>
-              <a:t>*</a:t>
-            </a:r>
-            <a:r>
-              <a:rPr lang="nl-NL" dirty="0">
-                <a:solidFill>
-                  <a:srgbClr val="3B5BB5"/>
-                </a:solidFill>
-                <a:latin typeface="SourceCodePro-Regular"/>
-              </a:rPr>
-              <a:t>256</a:t>
-            </a:r>
-            <a:r>
-              <a:rPr lang="nl-NL" dirty="0">
-                <a:solidFill>
-                  <a:prstClr val="black"/>
-                </a:solidFill>
-                <a:latin typeface="SourceCodePro-Regular"/>
-              </a:rPr>
-              <a:t>) +</a:t>
-            </a:r>
-            <a:br>
-              <a:rPr lang="nl-NL" dirty="0">
-                <a:solidFill>
-                  <a:prstClr val="black"/>
-                </a:solidFill>
-                <a:latin typeface="SourceCodePro-Regular"/>
-              </a:rPr>
-            </a:br>
-            <a:r>
-              <a:rPr lang="nl-NL" dirty="0">
-                <a:solidFill>
-                  <a:prstClr val="black"/>
-                </a:solidFill>
-                <a:latin typeface="SourceCodePro-Regular"/>
-              </a:rPr>
-              <a:t>            b * (</a:t>
-            </a:r>
-            <a:r>
-              <a:rPr lang="nl-NL" dirty="0">
-                <a:solidFill>
-                  <a:srgbClr val="FF7800"/>
-                </a:solidFill>
-                <a:latin typeface="SourceCodePro-Regular"/>
-              </a:rPr>
-              <a:t>int</a:t>
-            </a:r>
-            <a:r>
-              <a:rPr lang="nl-NL" dirty="0">
-                <a:solidFill>
-                  <a:prstClr val="black"/>
-                </a:solidFill>
-                <a:latin typeface="SourceCodePro-Regular"/>
-              </a:rPr>
-              <a:t>)(</a:t>
-            </a:r>
-            <a:r>
-              <a:rPr lang="nl-NL" dirty="0">
-                <a:solidFill>
-                  <a:srgbClr val="3B5BB5"/>
-                </a:solidFill>
-                <a:latin typeface="SourceCodePro-Regular"/>
-              </a:rPr>
-              <a:t>0.0722</a:t>
-            </a:r>
-            <a:r>
-              <a:rPr lang="nl-NL" dirty="0">
-                <a:solidFill>
-                  <a:prstClr val="black"/>
-                </a:solidFill>
-                <a:latin typeface="SourceCodePro-Regular"/>
-              </a:rPr>
-              <a:t>*</a:t>
-            </a:r>
-            <a:r>
-              <a:rPr lang="nl-NL" dirty="0">
-                <a:solidFill>
-                  <a:srgbClr val="3B5BB5"/>
-                </a:solidFill>
-                <a:latin typeface="SourceCodePro-Regular"/>
-              </a:rPr>
-              <a:t>256</a:t>
-            </a:r>
-            <a:r>
-              <a:rPr lang="nl-NL" dirty="0">
-                <a:solidFill>
-                  <a:prstClr val="black"/>
-                </a:solidFill>
-                <a:latin typeface="SourceCodePro-Regular"/>
-              </a:rPr>
-              <a:t>);</a:t>
-            </a:r>
-            <a:br>
-              <a:rPr lang="nl-NL" dirty="0">
-                <a:solidFill>
-                  <a:prstClr val="black"/>
-                </a:solidFill>
-                <a:latin typeface="SourceCodePro-Regular"/>
-              </a:rPr>
-            </a:br>
-            <a:r>
-              <a:rPr lang="nl-NL" dirty="0">
-                <a:solidFill>
-                  <a:prstClr val="black"/>
-                </a:solidFill>
-                <a:latin typeface="SourceCodePro-Regular"/>
-              </a:rPr>
-              <a:t>        </a:t>
-            </a:r>
-            <a:br>
-              <a:rPr lang="nl-NL" dirty="0">
-                <a:solidFill>
-                  <a:prstClr val="black"/>
-                </a:solidFill>
-                <a:latin typeface="SourceCodePro-Regular"/>
-              </a:rPr>
-            </a:br>
-            <a:r>
-              <a:rPr lang="nl-NL" dirty="0">
-                <a:solidFill>
-                  <a:prstClr val="black"/>
-                </a:solidFill>
-                <a:latin typeface="SourceCodePro-Regular"/>
-              </a:rPr>
-              <a:t>        *</a:t>
-            </a:r>
-            <a:r>
-              <a:rPr lang="nl-NL" dirty="0" err="1">
-                <a:solidFill>
-                  <a:prstClr val="black"/>
-                </a:solidFill>
-                <a:latin typeface="SourceCodePro-Regular"/>
-              </a:rPr>
-              <a:t>dest</a:t>
-            </a:r>
-            <a:r>
-              <a:rPr lang="nl-NL" dirty="0">
-                <a:solidFill>
-                  <a:prstClr val="black"/>
-                </a:solidFill>
-                <a:latin typeface="SourceCodePro-Regular"/>
-              </a:rPr>
-              <a:t>++ = (y &gt;&gt; </a:t>
-            </a:r>
-            <a:r>
-              <a:rPr lang="nl-NL" dirty="0">
-                <a:solidFill>
-                  <a:srgbClr val="3B5BB5"/>
-                </a:solidFill>
-                <a:latin typeface="SourceCodePro-Regular"/>
-              </a:rPr>
-              <a:t>8</a:t>
-            </a:r>
-            <a:r>
-              <a:rPr lang="nl-NL" dirty="0">
-                <a:solidFill>
-                  <a:prstClr val="black"/>
-                </a:solidFill>
-                <a:latin typeface="SourceCodePro-Regular"/>
-              </a:rPr>
-              <a:t>);</a:t>
-            </a:r>
-            <a:br>
-              <a:rPr lang="nl-NL" dirty="0">
-                <a:solidFill>
-                  <a:prstClr val="black"/>
-                </a:solidFill>
-                <a:latin typeface="SourceCodePro-Regular"/>
-              </a:rPr>
-            </a:br>
-            <a:r>
-              <a:rPr lang="nl-NL" dirty="0">
-                <a:solidFill>
-                  <a:prstClr val="black"/>
-                </a:solidFill>
-                <a:latin typeface="SourceCodePro-Regular"/>
-              </a:rPr>
-              <a:t>    }</a:t>
-            </a:r>
-            <a:br>
-              <a:rPr lang="nl-NL" dirty="0">
-                <a:solidFill>
-                  <a:prstClr val="black"/>
-                </a:solidFill>
-                <a:latin typeface="SourceCodePro-Regular"/>
-              </a:rPr>
-            </a:br>
-            <a:r>
-              <a:rPr lang="nl-NL" dirty="0">
-                <a:solidFill>
-                  <a:prstClr val="black"/>
-                </a:solidFill>
-                <a:latin typeface="SourceCodePro-Regular"/>
-              </a:rPr>
-              <a:t>}</a:t>
-            </a:r>
-            <a:endParaRPr lang="en-US" dirty="0"/>
-          </a:p>
-        </p:txBody>
-      </p:sp>
+      </p:pic>
     </p:spTree>
     <p:extLst>
       <p:ext uri="{BB962C8B-B14F-4D97-AF65-F5344CB8AC3E}">
-        <p14:creationId xmlns:p14="http://schemas.microsoft.com/office/powerpoint/2010/main" val="1902566264"/>
+        <p14:creationId xmlns:p14="http://schemas.microsoft.com/office/powerpoint/2010/main" val="3300648928"/>
       </p:ext>
     </p:extLst>
   </p:cSld>
@@ -6199,7 +5541,893 @@
               </a:rPr>
               <a:t>}</a:t>
             </a:r>
-            <a:endParaRPr lang="en-US" dirty="0"/>
+            <a:endParaRPr lang="en-US" dirty="0">
+              <a:latin typeface="HelveticaNeueLT Com 45 Lt"/>
+            </a:endParaRPr>
+          </a:p>
+        </p:txBody>
+      </p:sp>
+    </p:spTree>
+    <p:extLst>
+      <p:ext uri="{BB962C8B-B14F-4D97-AF65-F5344CB8AC3E}">
+        <p14:creationId xmlns:p14="http://schemas.microsoft.com/office/powerpoint/2010/main" val="1902566264"/>
+      </p:ext>
+    </p:extLst>
+  </p:cSld>
+  <p:clrMapOvr>
+    <a:masterClrMapping/>
+  </p:clrMapOvr>
+  <p:timing>
+    <p:tnLst>
+      <p:par>
+        <p:cTn xmlns:p14="http://schemas.microsoft.com/office/powerpoint/2010/main" id="1" dur="indefinite" restart="never" nodeType="tmRoot"/>
+      </p:par>
+    </p:tnLst>
+  </p:timing>
+</p:sld>
+</file>
+
+<file path=ppt/slides/slide12.xml><?xml version="1.0" encoding="utf-8"?>
+<p:sld xmlns:a="http://schemas.openxmlformats.org/drawingml/2006/main" xmlns:r="http://schemas.openxmlformats.org/officeDocument/2006/relationships" xmlns:p="http://schemas.openxmlformats.org/presentationml/2006/main">
+  <p:cSld>
+    <p:spTree>
+      <p:nvGrpSpPr>
+        <p:cNvPr id="1" name=""/>
+        <p:cNvGrpSpPr/>
+        <p:nvPr/>
+      </p:nvGrpSpPr>
+      <p:grpSpPr>
+        <a:xfrm>
+          <a:off x="0" y="0"/>
+          <a:ext cx="0" cy="0"/>
+          <a:chOff x="0" y="0"/>
+          <a:chExt cx="0" cy="0"/>
+        </a:xfrm>
+      </p:grpSpPr>
+      <p:sp>
+        <p:nvSpPr>
+          <p:cNvPr id="2" name="Title 1"/>
+          <p:cNvSpPr>
+            <a:spLocks noGrp="1"/>
+          </p:cNvSpPr>
+          <p:nvPr>
+            <p:ph type="title"/>
+          </p:nvPr>
+        </p:nvSpPr>
+        <p:spPr/>
+        <p:txBody>
+          <a:bodyPr>
+            <a:normAutofit fontScale="90000"/>
+          </a:bodyPr>
+          <a:lstStyle/>
+          <a:p>
+            <a:r>
+              <a:rPr lang="en-US" dirty="0" smtClean="0"/>
+              <a:t>Single Instruction – Single data</a:t>
+            </a:r>
+            <a:br>
+              <a:rPr lang="en-US" dirty="0" smtClean="0"/>
+            </a:br>
+            <a:r>
+              <a:rPr lang="en-US" sz="2800" dirty="0">
+                <a:solidFill>
+                  <a:schemeClr val="bg1">
+                    <a:lumMod val="50000"/>
+                  </a:schemeClr>
+                </a:solidFill>
+              </a:rPr>
+              <a:t>Converting an image to </a:t>
+            </a:r>
+            <a:r>
+              <a:rPr lang="en-US" sz="2800" dirty="0" smtClean="0">
+                <a:solidFill>
+                  <a:schemeClr val="bg1">
+                    <a:lumMod val="50000"/>
+                  </a:schemeClr>
+                </a:solidFill>
+              </a:rPr>
+              <a:t>gray scale</a:t>
+            </a:r>
+            <a:endParaRPr lang="en-US" dirty="0">
+              <a:solidFill>
+                <a:schemeClr val="bg1">
+                  <a:lumMod val="50000"/>
+                </a:schemeClr>
+              </a:solidFill>
+            </a:endParaRPr>
+          </a:p>
+        </p:txBody>
+      </p:sp>
+      <p:sp>
+        <p:nvSpPr>
+          <p:cNvPr id="4" name="Slide Number Placeholder 3"/>
+          <p:cNvSpPr>
+            <a:spLocks noGrp="1"/>
+          </p:cNvSpPr>
+          <p:nvPr>
+            <p:ph type="sldNum" sz="quarter" idx="12"/>
+          </p:nvPr>
+        </p:nvSpPr>
+        <p:spPr/>
+        <p:txBody>
+          <a:bodyPr/>
+          <a:lstStyle/>
+          <a:p>
+            <a:fld id="{0A3E316F-3D65-2744-BC5B-55B8D60FFFDF}" type="slidenum">
+              <a:rPr lang="en-US" smtClean="0"/>
+              <a:t>12</a:t>
+            </a:fld>
+            <a:endParaRPr lang="en-US"/>
+          </a:p>
+        </p:txBody>
+      </p:sp>
+      <p:sp>
+        <p:nvSpPr>
+          <p:cNvPr id="12" name="Rectangle 11"/>
+          <p:cNvSpPr/>
+          <p:nvPr/>
+        </p:nvSpPr>
+        <p:spPr>
+          <a:xfrm>
+            <a:off x="675582" y="1933403"/>
+            <a:ext cx="7796214" cy="4247317"/>
+          </a:xfrm>
+          <a:prstGeom prst="rect">
+            <a:avLst/>
+          </a:prstGeom>
+        </p:spPr>
+        <p:txBody>
+          <a:bodyPr wrap="square">
+            <a:spAutoFit/>
+          </a:bodyPr>
+          <a:lstStyle/>
+          <a:p>
+            <a:r>
+              <a:rPr lang="nl-NL" dirty="0" err="1">
+                <a:solidFill>
+                  <a:srgbClr val="FF7800"/>
+                </a:solidFill>
+                <a:latin typeface="SourceCodePro-Regular"/>
+              </a:rPr>
+              <a:t>void</a:t>
+            </a:r>
+            <a:r>
+              <a:rPr lang="nl-NL" dirty="0">
+                <a:solidFill>
+                  <a:srgbClr val="FF7800"/>
+                </a:solidFill>
+                <a:latin typeface="SourceCodePro-Regular"/>
+              </a:rPr>
+              <a:t> </a:t>
+            </a:r>
+            <a:r>
+              <a:rPr lang="nl-NL" dirty="0">
+                <a:solidFill>
+                  <a:srgbClr val="3B5BB5"/>
+                </a:solidFill>
+                <a:latin typeface="SourceCodePro-Regular"/>
+              </a:rPr>
+              <a:t>rgb2grey</a:t>
+            </a:r>
+            <a:r>
+              <a:rPr lang="nl-NL" dirty="0">
+                <a:solidFill>
+                  <a:prstClr val="black"/>
+                </a:solidFill>
+                <a:latin typeface="SourceCodePro-Regular"/>
+              </a:rPr>
+              <a:t>(</a:t>
+            </a:r>
+            <a:r>
+              <a:rPr lang="nl-NL" dirty="0">
+                <a:solidFill>
+                  <a:srgbClr val="3B5BB5"/>
+                </a:solidFill>
+                <a:latin typeface="SourceCodePro-Regular"/>
+              </a:rPr>
+              <a:t>uint8_t</a:t>
+            </a:r>
+            <a:r>
+              <a:rPr lang="nl-NL" dirty="0">
+                <a:solidFill>
+                  <a:prstClr val="black"/>
+                </a:solidFill>
+                <a:latin typeface="SourceCodePro-Regular"/>
+              </a:rPr>
+              <a:t> *</a:t>
+            </a:r>
+            <a:r>
+              <a:rPr lang="nl-NL" dirty="0" err="1">
+                <a:solidFill>
+                  <a:prstClr val="black"/>
+                </a:solidFill>
+                <a:latin typeface="SourceCodePro-Regular"/>
+              </a:rPr>
+              <a:t>dest</a:t>
+            </a:r>
+            <a:r>
+              <a:rPr lang="nl-NL" dirty="0">
+                <a:solidFill>
+                  <a:prstClr val="black"/>
+                </a:solidFill>
+                <a:latin typeface="SourceCodePro-Regular"/>
+              </a:rPr>
+              <a:t>, </a:t>
+            </a:r>
+            <a:r>
+              <a:rPr lang="nl-NL" dirty="0">
+                <a:solidFill>
+                  <a:srgbClr val="3B5BB5"/>
+                </a:solidFill>
+                <a:latin typeface="SourceCodePro-Regular"/>
+              </a:rPr>
+              <a:t>uint8_t</a:t>
+            </a:r>
+            <a:r>
+              <a:rPr lang="nl-NL" dirty="0">
+                <a:solidFill>
+                  <a:prstClr val="black"/>
+                </a:solidFill>
+                <a:latin typeface="SourceCodePro-Regular"/>
+              </a:rPr>
+              <a:t> *</a:t>
+            </a:r>
+            <a:r>
+              <a:rPr lang="nl-NL" dirty="0" err="1">
+                <a:solidFill>
+                  <a:prstClr val="black"/>
+                </a:solidFill>
+                <a:latin typeface="SourceCodePro-Regular"/>
+              </a:rPr>
+              <a:t>src</a:t>
+            </a:r>
+            <a:r>
+              <a:rPr lang="nl-NL" dirty="0">
+                <a:solidFill>
+                  <a:prstClr val="black"/>
+                </a:solidFill>
+                <a:latin typeface="SourceCodePro-Regular"/>
+              </a:rPr>
+              <a:t>, </a:t>
+            </a:r>
+            <a:r>
+              <a:rPr lang="nl-NL" dirty="0">
+                <a:solidFill>
+                  <a:srgbClr val="FF7800"/>
+                </a:solidFill>
+                <a:latin typeface="SourceCodePro-Regular"/>
+              </a:rPr>
+              <a:t>int</a:t>
+            </a:r>
+            <a:r>
+              <a:rPr lang="nl-NL" dirty="0">
+                <a:solidFill>
+                  <a:prstClr val="black"/>
+                </a:solidFill>
+                <a:latin typeface="SourceCodePro-Regular"/>
+              </a:rPr>
+              <a:t> pixels) {</a:t>
+            </a:r>
+            <a:br>
+              <a:rPr lang="nl-NL" dirty="0">
+                <a:solidFill>
+                  <a:prstClr val="black"/>
+                </a:solidFill>
+                <a:latin typeface="SourceCodePro-Regular"/>
+              </a:rPr>
+            </a:br>
+            <a:r>
+              <a:rPr lang="nl-NL" dirty="0">
+                <a:solidFill>
+                  <a:prstClr val="black"/>
+                </a:solidFill>
+                <a:latin typeface="SourceCodePro-Regular"/>
+              </a:rPr>
+              <a:t>    </a:t>
+            </a:r>
+            <a:r>
+              <a:rPr lang="nl-NL" dirty="0" err="1">
+                <a:solidFill>
+                  <a:srgbClr val="FF7800"/>
+                </a:solidFill>
+                <a:latin typeface="SourceCodePro-Regular"/>
+              </a:rPr>
+              <a:t>for</a:t>
+            </a:r>
+            <a:r>
+              <a:rPr lang="nl-NL" dirty="0">
+                <a:solidFill>
+                  <a:prstClr val="black"/>
+                </a:solidFill>
+                <a:latin typeface="SourceCodePro-Regular"/>
+              </a:rPr>
+              <a:t>(</a:t>
+            </a:r>
+            <a:r>
+              <a:rPr lang="nl-NL" dirty="0">
+                <a:solidFill>
+                  <a:srgbClr val="FF7800"/>
+                </a:solidFill>
+                <a:latin typeface="SourceCodePro-Regular"/>
+              </a:rPr>
+              <a:t>int</a:t>
+            </a:r>
+            <a:r>
+              <a:rPr lang="nl-NL" dirty="0">
+                <a:solidFill>
+                  <a:prstClr val="black"/>
+                </a:solidFill>
+                <a:latin typeface="SourceCodePro-Regular"/>
+              </a:rPr>
+              <a:t> i=</a:t>
+            </a:r>
+            <a:r>
+              <a:rPr lang="nl-NL" dirty="0">
+                <a:solidFill>
+                  <a:srgbClr val="3B5BB5"/>
+                </a:solidFill>
+                <a:latin typeface="SourceCodePro-Regular"/>
+              </a:rPr>
+              <a:t>0</a:t>
+            </a:r>
+            <a:r>
+              <a:rPr lang="nl-NL" dirty="0">
+                <a:solidFill>
+                  <a:prstClr val="black"/>
+                </a:solidFill>
+                <a:latin typeface="SourceCodePro-Regular"/>
+              </a:rPr>
+              <a:t>; i &lt; pixels; i++) {</a:t>
+            </a:r>
+            <a:br>
+              <a:rPr lang="nl-NL" dirty="0">
+                <a:solidFill>
+                  <a:prstClr val="black"/>
+                </a:solidFill>
+                <a:latin typeface="SourceCodePro-Regular"/>
+              </a:rPr>
+            </a:br>
+            <a:r>
+              <a:rPr lang="nl-NL" dirty="0">
+                <a:solidFill>
+                  <a:prstClr val="black"/>
+                </a:solidFill>
+                <a:latin typeface="SourceCodePro-Regular"/>
+              </a:rPr>
+              <a:t>        </a:t>
+            </a:r>
+            <a:r>
+              <a:rPr lang="nl-NL" dirty="0">
+                <a:solidFill>
+                  <a:srgbClr val="3B5BB5"/>
+                </a:solidFill>
+                <a:latin typeface="SourceCodePro-Regular"/>
+              </a:rPr>
+              <a:t>uint8_t</a:t>
+            </a:r>
+            <a:r>
+              <a:rPr lang="nl-NL" dirty="0">
+                <a:solidFill>
+                  <a:prstClr val="black"/>
+                </a:solidFill>
+                <a:latin typeface="SourceCodePro-Regular"/>
+              </a:rPr>
+              <a:t> r = </a:t>
+            </a:r>
+            <a:r>
+              <a:rPr lang="nl-NL" dirty="0" smtClean="0">
+                <a:solidFill>
+                  <a:prstClr val="black"/>
+                </a:solidFill>
+                <a:latin typeface="SourceCodePro-Regular"/>
+              </a:rPr>
+              <a:t>*</a:t>
+            </a:r>
+            <a:r>
+              <a:rPr lang="nl-NL" dirty="0" err="1" smtClean="0">
+                <a:solidFill>
+                  <a:prstClr val="black"/>
+                </a:solidFill>
+                <a:latin typeface="SourceCodePro-Regular"/>
+              </a:rPr>
+              <a:t>src</a:t>
+            </a:r>
+            <a:r>
+              <a:rPr lang="nl-NL" dirty="0" smtClean="0">
+                <a:solidFill>
+                  <a:prstClr val="black"/>
+                </a:solidFill>
+                <a:latin typeface="SourceCodePro-Regular"/>
+              </a:rPr>
+              <a:t>+</a:t>
+            </a:r>
+            <a:r>
+              <a:rPr lang="nl-NL" dirty="0">
+                <a:solidFill>
+                  <a:prstClr val="black"/>
+                </a:solidFill>
+                <a:latin typeface="SourceCodePro-Regular"/>
+              </a:rPr>
+              <a:t>+;</a:t>
+            </a:r>
+            <a:br>
+              <a:rPr lang="nl-NL" dirty="0">
+                <a:solidFill>
+                  <a:prstClr val="black"/>
+                </a:solidFill>
+                <a:latin typeface="SourceCodePro-Regular"/>
+              </a:rPr>
+            </a:br>
+            <a:r>
+              <a:rPr lang="nl-NL" dirty="0">
+                <a:solidFill>
+                  <a:prstClr val="black"/>
+                </a:solidFill>
+                <a:latin typeface="SourceCodePro-Regular"/>
+              </a:rPr>
+              <a:t>        </a:t>
+            </a:r>
+            <a:r>
+              <a:rPr lang="nl-NL" dirty="0">
+                <a:solidFill>
+                  <a:srgbClr val="3B5BB5"/>
+                </a:solidFill>
+                <a:latin typeface="SourceCodePro-Regular"/>
+              </a:rPr>
+              <a:t>uint8_t</a:t>
+            </a:r>
+            <a:r>
+              <a:rPr lang="nl-NL" dirty="0">
+                <a:solidFill>
+                  <a:prstClr val="black"/>
+                </a:solidFill>
+                <a:latin typeface="SourceCodePro-Regular"/>
+              </a:rPr>
+              <a:t> g = *</a:t>
+            </a:r>
+            <a:r>
+              <a:rPr lang="nl-NL" dirty="0" err="1">
+                <a:solidFill>
+                  <a:prstClr val="black"/>
+                </a:solidFill>
+                <a:latin typeface="SourceCodePro-Regular"/>
+              </a:rPr>
+              <a:t>src</a:t>
+            </a:r>
+            <a:r>
+              <a:rPr lang="nl-NL" dirty="0">
+                <a:solidFill>
+                  <a:prstClr val="black"/>
+                </a:solidFill>
+                <a:latin typeface="SourceCodePro-Regular"/>
+              </a:rPr>
+              <a:t>++;</a:t>
+            </a:r>
+            <a:br>
+              <a:rPr lang="nl-NL" dirty="0">
+                <a:solidFill>
+                  <a:prstClr val="black"/>
+                </a:solidFill>
+                <a:latin typeface="SourceCodePro-Regular"/>
+              </a:rPr>
+            </a:br>
+            <a:r>
+              <a:rPr lang="nl-NL" dirty="0">
+                <a:solidFill>
+                  <a:prstClr val="black"/>
+                </a:solidFill>
+                <a:latin typeface="SourceCodePro-Regular"/>
+              </a:rPr>
+              <a:t>        </a:t>
+            </a:r>
+            <a:r>
+              <a:rPr lang="nl-NL" dirty="0">
+                <a:solidFill>
+                  <a:srgbClr val="3B5BB5"/>
+                </a:solidFill>
+                <a:latin typeface="SourceCodePro-Regular"/>
+              </a:rPr>
+              <a:t>uint8_t</a:t>
+            </a:r>
+            <a:r>
+              <a:rPr lang="nl-NL" dirty="0">
+                <a:solidFill>
+                  <a:prstClr val="black"/>
+                </a:solidFill>
+                <a:latin typeface="SourceCodePro-Regular"/>
+              </a:rPr>
+              <a:t> b = *</a:t>
+            </a:r>
+            <a:r>
+              <a:rPr lang="nl-NL" dirty="0" err="1">
+                <a:solidFill>
+                  <a:prstClr val="black"/>
+                </a:solidFill>
+                <a:latin typeface="SourceCodePro-Regular"/>
+              </a:rPr>
+              <a:t>src</a:t>
+            </a:r>
+            <a:r>
+              <a:rPr lang="nl-NL" dirty="0">
+                <a:solidFill>
+                  <a:prstClr val="black"/>
+                </a:solidFill>
+                <a:latin typeface="SourceCodePro-Regular"/>
+              </a:rPr>
+              <a:t>++;</a:t>
+            </a:r>
+            <a:br>
+              <a:rPr lang="nl-NL" dirty="0">
+                <a:solidFill>
+                  <a:prstClr val="black"/>
+                </a:solidFill>
+                <a:latin typeface="SourceCodePro-Regular"/>
+              </a:rPr>
+            </a:br>
+            <a:r>
+              <a:rPr lang="nl-NL" dirty="0">
+                <a:solidFill>
+                  <a:prstClr val="black"/>
+                </a:solidFill>
+                <a:latin typeface="SourceCodePro-Regular"/>
+              </a:rPr>
+              <a:t>        </a:t>
+            </a:r>
+            <a:br>
+              <a:rPr lang="nl-NL" dirty="0">
+                <a:solidFill>
+                  <a:prstClr val="black"/>
+                </a:solidFill>
+                <a:latin typeface="SourceCodePro-Regular"/>
+              </a:rPr>
+            </a:br>
+            <a:r>
+              <a:rPr lang="nl-NL" dirty="0">
+                <a:solidFill>
+                  <a:prstClr val="black"/>
+                </a:solidFill>
+                <a:latin typeface="SourceCodePro-Regular"/>
+              </a:rPr>
+              <a:t>        </a:t>
+            </a:r>
+            <a:r>
+              <a:rPr lang="nl-NL" dirty="0">
+                <a:solidFill>
+                  <a:srgbClr val="3B5BB5"/>
+                </a:solidFill>
+                <a:latin typeface="SourceCodePro-Regular"/>
+              </a:rPr>
+              <a:t>uint16_t</a:t>
+            </a:r>
+            <a:r>
+              <a:rPr lang="nl-NL" dirty="0">
+                <a:solidFill>
+                  <a:prstClr val="black"/>
+                </a:solidFill>
+                <a:latin typeface="SourceCodePro-Regular"/>
+              </a:rPr>
+              <a:t> y =</a:t>
+            </a:r>
+            <a:br>
+              <a:rPr lang="nl-NL" dirty="0">
+                <a:solidFill>
+                  <a:prstClr val="black"/>
+                </a:solidFill>
+                <a:latin typeface="SourceCodePro-Regular"/>
+              </a:rPr>
+            </a:br>
+            <a:r>
+              <a:rPr lang="nl-NL" dirty="0">
+                <a:solidFill>
+                  <a:prstClr val="black"/>
+                </a:solidFill>
+                <a:latin typeface="SourceCodePro-Regular"/>
+              </a:rPr>
+              <a:t>            r * (</a:t>
+            </a:r>
+            <a:r>
+              <a:rPr lang="nl-NL" dirty="0">
+                <a:solidFill>
+                  <a:srgbClr val="FF7800"/>
+                </a:solidFill>
+                <a:latin typeface="SourceCodePro-Regular"/>
+              </a:rPr>
+              <a:t>int</a:t>
+            </a:r>
+            <a:r>
+              <a:rPr lang="nl-NL" dirty="0">
+                <a:solidFill>
+                  <a:prstClr val="black"/>
+                </a:solidFill>
+                <a:latin typeface="SourceCodePro-Regular"/>
+              </a:rPr>
+              <a:t>)(</a:t>
+            </a:r>
+            <a:r>
+              <a:rPr lang="nl-NL" dirty="0">
+                <a:solidFill>
+                  <a:srgbClr val="3B5BB5"/>
+                </a:solidFill>
+                <a:latin typeface="SourceCodePro-Regular"/>
+              </a:rPr>
+              <a:t>0.2126</a:t>
+            </a:r>
+            <a:r>
+              <a:rPr lang="nl-NL" dirty="0">
+                <a:solidFill>
+                  <a:prstClr val="black"/>
+                </a:solidFill>
+                <a:latin typeface="SourceCodePro-Regular"/>
+              </a:rPr>
+              <a:t>*</a:t>
+            </a:r>
+            <a:r>
+              <a:rPr lang="nl-NL" dirty="0">
+                <a:solidFill>
+                  <a:srgbClr val="3B5BB5"/>
+                </a:solidFill>
+                <a:latin typeface="SourceCodePro-Regular"/>
+              </a:rPr>
+              <a:t>256</a:t>
+            </a:r>
+            <a:r>
+              <a:rPr lang="nl-NL" dirty="0">
+                <a:solidFill>
+                  <a:prstClr val="black"/>
+                </a:solidFill>
+                <a:latin typeface="SourceCodePro-Regular"/>
+              </a:rPr>
+              <a:t>) +</a:t>
+            </a:r>
+            <a:br>
+              <a:rPr lang="nl-NL" dirty="0">
+                <a:solidFill>
+                  <a:prstClr val="black"/>
+                </a:solidFill>
+                <a:latin typeface="SourceCodePro-Regular"/>
+              </a:rPr>
+            </a:br>
+            <a:r>
+              <a:rPr lang="nl-NL" dirty="0">
+                <a:solidFill>
+                  <a:prstClr val="black"/>
+                </a:solidFill>
+                <a:latin typeface="SourceCodePro-Regular"/>
+              </a:rPr>
+              <a:t>            g * (</a:t>
+            </a:r>
+            <a:r>
+              <a:rPr lang="nl-NL" dirty="0">
+                <a:solidFill>
+                  <a:srgbClr val="FF7800"/>
+                </a:solidFill>
+                <a:latin typeface="SourceCodePro-Regular"/>
+              </a:rPr>
+              <a:t>int</a:t>
+            </a:r>
+            <a:r>
+              <a:rPr lang="nl-NL" dirty="0">
+                <a:solidFill>
+                  <a:prstClr val="black"/>
+                </a:solidFill>
+                <a:latin typeface="SourceCodePro-Regular"/>
+              </a:rPr>
+              <a:t>)(</a:t>
+            </a:r>
+            <a:r>
+              <a:rPr lang="nl-NL" dirty="0">
+                <a:solidFill>
+                  <a:srgbClr val="3B5BB5"/>
+                </a:solidFill>
+                <a:latin typeface="SourceCodePro-Regular"/>
+              </a:rPr>
+              <a:t>0.7152</a:t>
+            </a:r>
+            <a:r>
+              <a:rPr lang="nl-NL" dirty="0">
+                <a:solidFill>
+                  <a:prstClr val="black"/>
+                </a:solidFill>
+                <a:latin typeface="SourceCodePro-Regular"/>
+              </a:rPr>
+              <a:t>*</a:t>
+            </a:r>
+            <a:r>
+              <a:rPr lang="nl-NL" dirty="0">
+                <a:solidFill>
+                  <a:srgbClr val="3B5BB5"/>
+                </a:solidFill>
+                <a:latin typeface="SourceCodePro-Regular"/>
+              </a:rPr>
+              <a:t>256</a:t>
+            </a:r>
+            <a:r>
+              <a:rPr lang="nl-NL" dirty="0">
+                <a:solidFill>
+                  <a:prstClr val="black"/>
+                </a:solidFill>
+                <a:latin typeface="SourceCodePro-Regular"/>
+              </a:rPr>
+              <a:t>) +</a:t>
+            </a:r>
+            <a:br>
+              <a:rPr lang="nl-NL" dirty="0">
+                <a:solidFill>
+                  <a:prstClr val="black"/>
+                </a:solidFill>
+                <a:latin typeface="SourceCodePro-Regular"/>
+              </a:rPr>
+            </a:br>
+            <a:r>
+              <a:rPr lang="nl-NL" dirty="0">
+                <a:solidFill>
+                  <a:prstClr val="black"/>
+                </a:solidFill>
+                <a:latin typeface="SourceCodePro-Regular"/>
+              </a:rPr>
+              <a:t>            b * (</a:t>
+            </a:r>
+            <a:r>
+              <a:rPr lang="nl-NL" dirty="0">
+                <a:solidFill>
+                  <a:srgbClr val="FF7800"/>
+                </a:solidFill>
+                <a:latin typeface="SourceCodePro-Regular"/>
+              </a:rPr>
+              <a:t>int</a:t>
+            </a:r>
+            <a:r>
+              <a:rPr lang="nl-NL" dirty="0">
+                <a:solidFill>
+                  <a:prstClr val="black"/>
+                </a:solidFill>
+                <a:latin typeface="SourceCodePro-Regular"/>
+              </a:rPr>
+              <a:t>)(</a:t>
+            </a:r>
+            <a:r>
+              <a:rPr lang="nl-NL" dirty="0">
+                <a:solidFill>
+                  <a:srgbClr val="3B5BB5"/>
+                </a:solidFill>
+                <a:latin typeface="SourceCodePro-Regular"/>
+              </a:rPr>
+              <a:t>0.0722</a:t>
+            </a:r>
+            <a:r>
+              <a:rPr lang="nl-NL" dirty="0">
+                <a:solidFill>
+                  <a:prstClr val="black"/>
+                </a:solidFill>
+                <a:latin typeface="SourceCodePro-Regular"/>
+              </a:rPr>
+              <a:t>*</a:t>
+            </a:r>
+            <a:r>
+              <a:rPr lang="nl-NL" dirty="0">
+                <a:solidFill>
+                  <a:srgbClr val="3B5BB5"/>
+                </a:solidFill>
+                <a:latin typeface="SourceCodePro-Regular"/>
+              </a:rPr>
+              <a:t>256</a:t>
+            </a:r>
+            <a:r>
+              <a:rPr lang="nl-NL" dirty="0">
+                <a:solidFill>
+                  <a:prstClr val="black"/>
+                </a:solidFill>
+                <a:latin typeface="SourceCodePro-Regular"/>
+              </a:rPr>
+              <a:t>);</a:t>
+            </a:r>
+            <a:br>
+              <a:rPr lang="nl-NL" dirty="0">
+                <a:solidFill>
+                  <a:prstClr val="black"/>
+                </a:solidFill>
+                <a:latin typeface="SourceCodePro-Regular"/>
+              </a:rPr>
+            </a:br>
+            <a:r>
+              <a:rPr lang="nl-NL" dirty="0">
+                <a:solidFill>
+                  <a:prstClr val="black"/>
+                </a:solidFill>
+                <a:latin typeface="SourceCodePro-Regular"/>
+              </a:rPr>
+              <a:t>        </a:t>
+            </a:r>
+            <a:br>
+              <a:rPr lang="nl-NL" dirty="0">
+                <a:solidFill>
+                  <a:prstClr val="black"/>
+                </a:solidFill>
+                <a:latin typeface="SourceCodePro-Regular"/>
+              </a:rPr>
+            </a:br>
+            <a:r>
+              <a:rPr lang="nl-NL" dirty="0">
+                <a:solidFill>
+                  <a:prstClr val="black"/>
+                </a:solidFill>
+                <a:latin typeface="SourceCodePro-Regular"/>
+              </a:rPr>
+              <a:t>        *</a:t>
+            </a:r>
+            <a:r>
+              <a:rPr lang="nl-NL" dirty="0" err="1">
+                <a:solidFill>
+                  <a:prstClr val="black"/>
+                </a:solidFill>
+                <a:latin typeface="SourceCodePro-Regular"/>
+              </a:rPr>
+              <a:t>dest</a:t>
+            </a:r>
+            <a:r>
+              <a:rPr lang="nl-NL" dirty="0">
+                <a:solidFill>
+                  <a:prstClr val="black"/>
+                </a:solidFill>
+                <a:latin typeface="SourceCodePro-Regular"/>
+              </a:rPr>
+              <a:t>++ = (y &gt;&gt; </a:t>
+            </a:r>
+            <a:r>
+              <a:rPr lang="nl-NL" dirty="0">
+                <a:solidFill>
+                  <a:srgbClr val="3B5BB5"/>
+                </a:solidFill>
+                <a:latin typeface="SourceCodePro-Regular"/>
+              </a:rPr>
+              <a:t>8</a:t>
+            </a:r>
+            <a:r>
+              <a:rPr lang="nl-NL" dirty="0">
+                <a:solidFill>
+                  <a:prstClr val="black"/>
+                </a:solidFill>
+                <a:latin typeface="SourceCodePro-Regular"/>
+              </a:rPr>
+              <a:t>);</a:t>
+            </a:r>
+            <a:br>
+              <a:rPr lang="nl-NL" dirty="0">
+                <a:solidFill>
+                  <a:prstClr val="black"/>
+                </a:solidFill>
+                <a:latin typeface="SourceCodePro-Regular"/>
+              </a:rPr>
+            </a:br>
+            <a:r>
+              <a:rPr lang="nl-NL" dirty="0">
+                <a:solidFill>
+                  <a:prstClr val="black"/>
+                </a:solidFill>
+                <a:latin typeface="SourceCodePro-Regular"/>
+              </a:rPr>
+              <a:t>    }</a:t>
+            </a:r>
+            <a:br>
+              <a:rPr lang="nl-NL" dirty="0">
+                <a:solidFill>
+                  <a:prstClr val="black"/>
+                </a:solidFill>
+                <a:latin typeface="SourceCodePro-Regular"/>
+              </a:rPr>
+            </a:br>
+            <a:r>
+              <a:rPr lang="nl-NL" dirty="0">
+                <a:solidFill>
+                  <a:prstClr val="black"/>
+                </a:solidFill>
+                <a:latin typeface="SourceCodePro-Regular"/>
+              </a:rPr>
+              <a:t>}</a:t>
+            </a:r>
+            <a:endParaRPr lang="en-US" dirty="0">
+              <a:latin typeface="HelveticaNeueLT Com 45 Lt"/>
+            </a:endParaRPr>
           </a:p>
         </p:txBody>
       </p:sp>
@@ -6245,7 +6473,9 @@
           <a:lstStyle/>
           <a:p>
             <a:pPr algn="ctr"/>
-            <a:endParaRPr lang="en-US"/>
+            <a:endParaRPr lang="en-US" dirty="0">
+              <a:latin typeface="HelveticaNeueLT Com 45 Lt"/>
+            </a:endParaRPr>
           </a:p>
         </p:txBody>
       </p:sp>
@@ -6269,7 +6499,7 @@
 </p:sld>
 </file>
 
-<file path=ppt/slides/slide12.xml><?xml version="1.0" encoding="utf-8"?>
+<file path=ppt/slides/slide13.xml><?xml version="1.0" encoding="utf-8"?>
 <p:sld xmlns:a="http://schemas.openxmlformats.org/drawingml/2006/main" xmlns:r="http://schemas.openxmlformats.org/officeDocument/2006/relationships" xmlns:p="http://schemas.openxmlformats.org/presentationml/2006/main">
   <p:cSld>
     <p:spTree>
@@ -6357,7 +6587,7 @@
           <a:p>
             <a:fld id="{0A3E316F-3D65-2744-BC5B-55B8D60FFFDF}" type="slidenum">
               <a:rPr lang="en-US" smtClean="0"/>
-              <a:t>12</a:t>
+              <a:t>13</a:t>
             </a:fld>
             <a:endParaRPr lang="en-US"/>
           </a:p>
@@ -7127,7 +7357,9 @@
               </a:rPr>
               <a:t>}</a:t>
             </a:r>
-            <a:endParaRPr lang="en-US" dirty="0"/>
+            <a:endParaRPr lang="en-US" dirty="0">
+              <a:latin typeface="HelveticaNeueLT Com 45 Lt"/>
+            </a:endParaRPr>
           </a:p>
         </p:txBody>
       </p:sp>
@@ -7173,7 +7405,9 @@
           <a:lstStyle/>
           <a:p>
             <a:pPr algn="ctr"/>
-            <a:endParaRPr lang="en-US"/>
+            <a:endParaRPr lang="en-US" dirty="0">
+              <a:latin typeface="HelveticaNeueLT Com 45 Lt"/>
+            </a:endParaRPr>
           </a:p>
         </p:txBody>
       </p:sp>
@@ -7197,7 +7431,7 @@
 </p:sld>
 </file>
 
-<file path=ppt/slides/slide13.xml><?xml version="1.0" encoding="utf-8"?>
+<file path=ppt/slides/slide14.xml><?xml version="1.0" encoding="utf-8"?>
 <p:sld xmlns:a="http://schemas.openxmlformats.org/drawingml/2006/main" xmlns:r="http://schemas.openxmlformats.org/officeDocument/2006/relationships" xmlns:p="http://schemas.openxmlformats.org/presentationml/2006/main">
   <p:cSld>
     <p:spTree>
@@ -7285,7 +7519,7 @@
           <a:p>
             <a:fld id="{0A3E316F-3D65-2744-BC5B-55B8D60FFFDF}" type="slidenum">
               <a:rPr lang="en-US" smtClean="0"/>
-              <a:t>13</a:t>
+              <a:t>14</a:t>
             </a:fld>
             <a:endParaRPr lang="en-US"/>
           </a:p>
@@ -8055,7 +8289,9 @@
               </a:rPr>
               <a:t>}</a:t>
             </a:r>
-            <a:endParaRPr lang="en-US" dirty="0"/>
+            <a:endParaRPr lang="en-US" dirty="0">
+              <a:latin typeface="HelveticaNeueLT Com 45 Lt"/>
+            </a:endParaRPr>
           </a:p>
         </p:txBody>
       </p:sp>
@@ -8101,7 +8337,9 @@
           <a:lstStyle/>
           <a:p>
             <a:pPr algn="ctr"/>
-            <a:endParaRPr lang="en-US"/>
+            <a:endParaRPr lang="en-US" dirty="0">
+              <a:latin typeface="HelveticaNeueLT Com 45 Lt"/>
+            </a:endParaRPr>
           </a:p>
         </p:txBody>
       </p:sp>
@@ -8109,172 +8347,6 @@
     <p:extLst>
       <p:ext uri="{BB962C8B-B14F-4D97-AF65-F5344CB8AC3E}">
         <p14:creationId xmlns:p14="http://schemas.microsoft.com/office/powerpoint/2010/main" val="1976411090"/>
-      </p:ext>
-    </p:extLst>
-  </p:cSld>
-  <p:clrMapOvr>
-    <a:masterClrMapping/>
-  </p:clrMapOvr>
-  <p:timing>
-    <p:tnLst>
-      <p:par>
-        <p:cTn xmlns:p14="http://schemas.microsoft.com/office/powerpoint/2010/main" id="1" dur="indefinite" restart="never" nodeType="tmRoot"/>
-      </p:par>
-    </p:tnLst>
-  </p:timing>
-</p:sld>
-</file>
-
-<file path=ppt/slides/slide14.xml><?xml version="1.0" encoding="utf-8"?>
-<p:sld xmlns:a="http://schemas.openxmlformats.org/drawingml/2006/main" xmlns:r="http://schemas.openxmlformats.org/officeDocument/2006/relationships" xmlns:p="http://schemas.openxmlformats.org/presentationml/2006/main">
-  <p:cSld>
-    <p:spTree>
-      <p:nvGrpSpPr>
-        <p:cNvPr id="1" name=""/>
-        <p:cNvGrpSpPr/>
-        <p:nvPr/>
-      </p:nvGrpSpPr>
-      <p:grpSpPr>
-        <a:xfrm>
-          <a:off x="0" y="0"/>
-          <a:ext cx="0" cy="0"/>
-          <a:chOff x="0" y="0"/>
-          <a:chExt cx="0" cy="0"/>
-        </a:xfrm>
-      </p:grpSpPr>
-      <p:sp>
-        <p:nvSpPr>
-          <p:cNvPr id="2" name="Title 1"/>
-          <p:cNvSpPr>
-            <a:spLocks noGrp="1"/>
-          </p:cNvSpPr>
-          <p:nvPr>
-            <p:ph type="title"/>
-          </p:nvPr>
-        </p:nvSpPr>
-        <p:spPr/>
-        <p:txBody>
-          <a:bodyPr>
-            <a:normAutofit fontScale="90000"/>
-          </a:bodyPr>
-          <a:lstStyle/>
-          <a:p>
-            <a:r>
-              <a:rPr lang="en-US" dirty="0"/>
-              <a:t>Single Instruction – </a:t>
-            </a:r>
-            <a:r>
-              <a:rPr lang="en-US" dirty="0" smtClean="0"/>
-              <a:t>Multiple data</a:t>
-            </a:r>
-            <a:r>
-              <a:rPr lang="en-US" dirty="0"/>
-              <a:t/>
-            </a:r>
-            <a:br>
-              <a:rPr lang="en-US" dirty="0"/>
-            </a:br>
-            <a:r>
-              <a:rPr lang="en-US" sz="2800" dirty="0">
-                <a:solidFill>
-                  <a:schemeClr val="bg1">
-                    <a:lumMod val="50000"/>
-                  </a:schemeClr>
-                </a:solidFill>
-              </a:rPr>
-              <a:t>Converting an image to </a:t>
-            </a:r>
-            <a:r>
-              <a:rPr lang="en-US" sz="2800" dirty="0" smtClean="0">
-                <a:solidFill>
-                  <a:schemeClr val="bg1">
-                    <a:lumMod val="50000"/>
-                  </a:schemeClr>
-                </a:solidFill>
-              </a:rPr>
-              <a:t>gray scale</a:t>
-            </a:r>
-            <a:endParaRPr lang="en-US" dirty="0"/>
-          </a:p>
-        </p:txBody>
-      </p:sp>
-      <p:sp>
-        <p:nvSpPr>
-          <p:cNvPr id="3" name="Content Placeholder 2"/>
-          <p:cNvSpPr>
-            <a:spLocks noGrp="1"/>
-          </p:cNvSpPr>
-          <p:nvPr>
-            <p:ph idx="1"/>
-          </p:nvPr>
-        </p:nvSpPr>
-        <p:spPr/>
-        <p:txBody>
-          <a:bodyPr/>
-          <a:lstStyle/>
-          <a:p>
-            <a:r>
-              <a:rPr lang="en-US" dirty="0" smtClean="0"/>
-              <a:t>ARM NEON uses special registers</a:t>
-            </a:r>
-          </a:p>
-          <a:p>
-            <a:pPr lvl="1"/>
-            <a:r>
-              <a:rPr lang="en-US" dirty="0" smtClean="0"/>
-              <a:t>Separate from CPU registers</a:t>
-            </a:r>
-          </a:p>
-          <a:p>
-            <a:pPr lvl="1"/>
-            <a:r>
-              <a:rPr lang="en-US" dirty="0" smtClean="0"/>
-              <a:t>“Q” and “D”, 128-bit and 64-bit wide</a:t>
-            </a:r>
-          </a:p>
-          <a:p>
-            <a:pPr lvl="1"/>
-            <a:r>
-              <a:rPr lang="en-US" dirty="0" smtClean="0"/>
-              <a:t>Multiple elements per register</a:t>
-            </a:r>
-          </a:p>
-          <a:p>
-            <a:pPr lvl="2"/>
-            <a:r>
-              <a:rPr lang="en-US" dirty="0" smtClean="0"/>
-              <a:t>e.g. 8 * 8 bit in “D” register</a:t>
-            </a:r>
-          </a:p>
-        </p:txBody>
-      </p:sp>
-      <p:sp>
-        <p:nvSpPr>
-          <p:cNvPr id="4" name="Slide Number Placeholder 3"/>
-          <p:cNvSpPr>
-            <a:spLocks noGrp="1"/>
-          </p:cNvSpPr>
-          <p:nvPr>
-            <p:ph type="sldNum" sz="quarter" idx="12"/>
-          </p:nvPr>
-        </p:nvSpPr>
-        <p:spPr/>
-        <p:txBody>
-          <a:bodyPr/>
-          <a:lstStyle/>
-          <a:p>
-            <a:fld id="{0A3E316F-3D65-2744-BC5B-55B8D60FFFDF}" type="slidenum">
-              <a:rPr lang="en-US" smtClean="0"/>
-              <a:t>14</a:t>
-            </a:fld>
-            <a:endParaRPr lang="en-US"/>
-          </a:p>
-        </p:txBody>
-      </p:sp>
-    </p:spTree>
-    <p:extLst>
-      <p:ext uri="{BB962C8B-B14F-4D97-AF65-F5344CB8AC3E}">
-        <p14:creationId xmlns:p14="http://schemas.microsoft.com/office/powerpoint/2010/main" val="526523729"/>
       </p:ext>
     </p:extLst>
   </p:cSld>
@@ -8381,41 +8453,35 @@
           <a:p>
             <a:r>
               <a:rPr lang="en-US" dirty="0" smtClean="0"/>
-              <a:t>Steps to use SIMD:</a:t>
-            </a:r>
-          </a:p>
-          <a:p>
-            <a:pPr marL="971550" lvl="1" indent="-514350">
-              <a:buFont typeface="+mj-lt"/>
-              <a:buAutoNum type="arabicPeriod"/>
-            </a:pPr>
+              <a:t>ARM NEON uses special registers</a:t>
+            </a:r>
+          </a:p>
+          <a:p>
+            <a:pPr lvl="1"/>
             <a:r>
               <a:rPr lang="en-US" dirty="0" smtClean="0"/>
-              <a:t>Load data into NEON registers</a:t>
-            </a:r>
-          </a:p>
-          <a:p>
-            <a:pPr marL="971550" lvl="1" indent="-514350">
-              <a:buFont typeface="+mj-lt"/>
-              <a:buAutoNum type="arabicPeriod"/>
-            </a:pPr>
+              <a:t>Separate from CPU registers</a:t>
+            </a:r>
+          </a:p>
+          <a:p>
+            <a:pPr lvl="1"/>
             <a:r>
               <a:rPr lang="en-US" dirty="0" smtClean="0"/>
-              <a:t>Apply </a:t>
-            </a:r>
-            <a:r>
-              <a:rPr lang="en-US" dirty="0"/>
-              <a:t>operations</a:t>
-            </a:r>
-          </a:p>
-          <a:p>
-            <a:pPr marL="971550" lvl="1" indent="-514350">
-              <a:buFont typeface="+mj-lt"/>
-              <a:buAutoNum type="arabicPeriod"/>
-            </a:pPr>
-            <a:r>
-              <a:rPr lang="en-US" dirty="0"/>
-              <a:t>Write data back to memory</a:t>
+              <a:t>“Q” and “D”, 128-bit and 64-bit wide</a:t>
+            </a:r>
+          </a:p>
+          <a:p>
+            <a:pPr lvl="1"/>
+            <a:r>
+              <a:rPr lang="en-US" dirty="0" smtClean="0"/>
+              <a:t>Multiple elements per register</a:t>
+            </a:r>
+          </a:p>
+          <a:p>
+            <a:pPr lvl="2"/>
+            <a:r>
+              <a:rPr lang="en-US" dirty="0" smtClean="0"/>
+              <a:t>e.g. 8 * 8 bit in “D” register</a:t>
             </a:r>
           </a:p>
         </p:txBody>
@@ -8446,7 +8512,7 @@
     </p:spTree>
     <p:extLst>
       <p:ext uri="{BB962C8B-B14F-4D97-AF65-F5344CB8AC3E}">
-        <p14:creationId xmlns:p14="http://schemas.microsoft.com/office/powerpoint/2010/main" val="2751796948"/>
+        <p14:creationId xmlns:p14="http://schemas.microsoft.com/office/powerpoint/2010/main" val="526523729"/>
       </p:ext>
     </p:extLst>
   </p:cSld>
@@ -8513,16 +8579,82 @@
               <a:rPr lang="en-US" dirty="0"/>
             </a:br>
             <a:r>
-              <a:rPr lang="en-US" sz="2800" dirty="0" smtClean="0">
+              <a:rPr lang="en-US" sz="2800" dirty="0">
                 <a:solidFill>
                   <a:schemeClr val="bg1">
                     <a:lumMod val="50000"/>
                   </a:schemeClr>
                 </a:solidFill>
               </a:rPr>
+              <a:t>Converting an image to </a:t>
+            </a:r>
+            <a:r>
+              <a:rPr lang="en-US" sz="2800" dirty="0" smtClean="0">
+                <a:solidFill>
+                  <a:schemeClr val="bg1">
+                    <a:lumMod val="50000"/>
+                  </a:schemeClr>
+                </a:solidFill>
+              </a:rPr>
+              <a:t>gray scale</a:t>
+            </a:r>
+            <a:endParaRPr lang="en-US" dirty="0"/>
+          </a:p>
+        </p:txBody>
+      </p:sp>
+      <p:sp>
+        <p:nvSpPr>
+          <p:cNvPr id="3" name="Content Placeholder 2"/>
+          <p:cNvSpPr>
+            <a:spLocks noGrp="1"/>
+          </p:cNvSpPr>
+          <p:nvPr>
+            <p:ph idx="1"/>
+          </p:nvPr>
+        </p:nvSpPr>
+        <p:spPr/>
+        <p:txBody>
+          <a:bodyPr/>
+          <a:lstStyle/>
+          <a:p>
+            <a:r>
+              <a:rPr lang="en-US" dirty="0" smtClean="0"/>
+              <a:t>Steps to use SIMD:</a:t>
+            </a:r>
+          </a:p>
+          <a:p>
+            <a:pPr marL="971550" lvl="1" indent="-514350">
+              <a:buFont typeface="+mj-lt"/>
+              <a:buAutoNum type="arabicPeriod"/>
+            </a:pPr>
+            <a:r>
+              <a:rPr lang="en-US" dirty="0" smtClean="0"/>
               <a:t>Load data into NEON registers</a:t>
             </a:r>
-            <a:endParaRPr lang="en-US" dirty="0"/>
+          </a:p>
+          <a:p>
+            <a:pPr marL="971550" lvl="1" indent="-514350">
+              <a:buFont typeface="+mj-lt"/>
+              <a:buAutoNum type="arabicPeriod"/>
+            </a:pPr>
+            <a:r>
+              <a:rPr lang="en-US" dirty="0" smtClean="0"/>
+              <a:t>Apply </a:t>
+            </a:r>
+            <a:r>
+              <a:rPr lang="en-US" dirty="0"/>
+              <a:t>operations</a:t>
+            </a:r>
+          </a:p>
+          <a:p>
+            <a:pPr marL="971550" lvl="1" indent="-514350">
+              <a:buFont typeface="+mj-lt"/>
+              <a:buAutoNum type="arabicPeriod"/>
+            </a:pPr>
+            <a:r>
+              <a:rPr lang="en-US" dirty="0"/>
+              <a:t>Write data back to memory</a:t>
+            </a:r>
           </a:p>
         </p:txBody>
       </p:sp>
@@ -8544,6 +8676,112 @@
             <a:fld id="{0A3E316F-3D65-2744-BC5B-55B8D60FFFDF}" type="slidenum">
               <a:rPr lang="en-US" smtClean="0"/>
               <a:t>16</a:t>
+            </a:fld>
+            <a:endParaRPr lang="en-US"/>
+          </a:p>
+        </p:txBody>
+      </p:sp>
+    </p:spTree>
+    <p:extLst>
+      <p:ext uri="{BB962C8B-B14F-4D97-AF65-F5344CB8AC3E}">
+        <p14:creationId xmlns:p14="http://schemas.microsoft.com/office/powerpoint/2010/main" val="2751796948"/>
+      </p:ext>
+    </p:extLst>
+  </p:cSld>
+  <p:clrMapOvr>
+    <a:masterClrMapping/>
+  </p:clrMapOvr>
+  <p:timing>
+    <p:tnLst>
+      <p:par>
+        <p:cTn xmlns:p14="http://schemas.microsoft.com/office/powerpoint/2010/main" id="1" dur="indefinite" restart="never" nodeType="tmRoot"/>
+      </p:par>
+    </p:tnLst>
+  </p:timing>
+</p:sld>
+</file>
+
+<file path=ppt/slides/slide17.xml><?xml version="1.0" encoding="utf-8"?>
+<p:sld xmlns:a="http://schemas.openxmlformats.org/drawingml/2006/main" xmlns:r="http://schemas.openxmlformats.org/officeDocument/2006/relationships" xmlns:p="http://schemas.openxmlformats.org/presentationml/2006/main">
+  <p:cSld>
+    <p:spTree>
+      <p:nvGrpSpPr>
+        <p:cNvPr id="1" name=""/>
+        <p:cNvGrpSpPr/>
+        <p:nvPr/>
+      </p:nvGrpSpPr>
+      <p:grpSpPr>
+        <a:xfrm>
+          <a:off x="0" y="0"/>
+          <a:ext cx="0" cy="0"/>
+          <a:chOff x="0" y="0"/>
+          <a:chExt cx="0" cy="0"/>
+        </a:xfrm>
+      </p:grpSpPr>
+      <p:sp>
+        <p:nvSpPr>
+          <p:cNvPr id="2" name="Title 1"/>
+          <p:cNvSpPr>
+            <a:spLocks noGrp="1"/>
+          </p:cNvSpPr>
+          <p:nvPr>
+            <p:ph type="title"/>
+          </p:nvPr>
+        </p:nvSpPr>
+        <p:spPr/>
+        <p:txBody>
+          <a:bodyPr>
+            <a:normAutofit fontScale="90000"/>
+          </a:bodyPr>
+          <a:lstStyle/>
+          <a:p>
+            <a:r>
+              <a:rPr lang="en-US" dirty="0"/>
+              <a:t>Single Instruction – </a:t>
+            </a:r>
+            <a:r>
+              <a:rPr lang="en-US" dirty="0" smtClean="0"/>
+              <a:t>Multiple data</a:t>
+            </a:r>
+            <a:r>
+              <a:rPr lang="en-US" dirty="0"/>
+              <a:t/>
+            </a:r>
+            <a:br>
+              <a:rPr lang="en-US" dirty="0"/>
+            </a:br>
+            <a:r>
+              <a:rPr lang="en-US" sz="2800" dirty="0" smtClean="0">
+                <a:solidFill>
+                  <a:schemeClr val="bg1">
+                    <a:lumMod val="50000"/>
+                  </a:schemeClr>
+                </a:solidFill>
+              </a:rPr>
+              <a:t>Load data into NEON registers</a:t>
+            </a:r>
+            <a:endParaRPr lang="en-US" dirty="0"/>
+          </a:p>
+        </p:txBody>
+      </p:sp>
+      <p:sp>
+        <p:nvSpPr>
+          <p:cNvPr id="4" name="Slide Number Placeholder 3"/>
+          <p:cNvSpPr>
+            <a:spLocks noGrp="1"/>
+          </p:cNvSpPr>
+          <p:nvPr>
+            <p:ph type="sldNum" sz="quarter" idx="12"/>
+          </p:nvPr>
+        </p:nvSpPr>
+        <p:spPr/>
+        <p:txBody>
+          <a:bodyPr/>
+          <a:lstStyle/>
+          <a:p>
+            <a:fld id="{0A3E316F-3D65-2744-BC5B-55B8D60FFFDF}" type="slidenum">
+              <a:rPr lang="en-US" smtClean="0"/>
+              <a:t>17</a:t>
             </a:fld>
             <a:endParaRPr lang="en-US"/>
           </a:p>
@@ -8599,7 +8837,7 @@
 </p:sld>
 </file>
 
-<file path=ppt/slides/slide17.xml><?xml version="1.0" encoding="utf-8"?>
+<file path=ppt/slides/slide18.xml><?xml version="1.0" encoding="utf-8"?>
 <p:sld xmlns:a="http://schemas.openxmlformats.org/drawingml/2006/main" xmlns:r="http://schemas.openxmlformats.org/officeDocument/2006/relationships" xmlns:p="http://schemas.openxmlformats.org/presentationml/2006/main">
   <p:cSld>
     <p:spTree>
@@ -8671,7 +8909,7 @@
           <a:p>
             <a:fld id="{0A3E316F-3D65-2744-BC5B-55B8D60FFFDF}" type="slidenum">
               <a:rPr lang="en-US" smtClean="0"/>
-              <a:t>17</a:t>
+              <a:t>18</a:t>
             </a:fld>
             <a:endParaRPr lang="en-US"/>
           </a:p>
@@ -8730,10 +8968,14 @@
           <a:lstStyle/>
           <a:p>
             <a:r>
-              <a:rPr lang="en-US" dirty="0" smtClean="0"/>
+              <a:rPr lang="en-US" dirty="0" smtClean="0">
+                <a:latin typeface="HelveticaNeueLT Com 45 Lt"/>
+              </a:rPr>
               <a:t>multiply, accumulate</a:t>
             </a:r>
-            <a:endParaRPr lang="en-US" dirty="0"/>
+            <a:endParaRPr lang="en-US" dirty="0">
+              <a:latin typeface="HelveticaNeueLT Com 45 Lt"/>
+            </a:endParaRPr>
           </a:p>
         </p:txBody>
       </p:sp>
@@ -8746,7 +8988,7 @@
         <p:spPr>
           <a:xfrm>
             <a:off x="716119" y="3391003"/>
-            <a:ext cx="1018227" cy="369332"/>
+            <a:ext cx="941283" cy="369332"/>
           </a:xfrm>
           <a:prstGeom prst="rect">
             <a:avLst/>
@@ -8760,10 +9002,14 @@
           <a:lstStyle/>
           <a:p>
             <a:r>
-              <a:rPr lang="en-US" dirty="0" smtClean="0"/>
+              <a:rPr lang="en-US" dirty="0" smtClean="0">
+                <a:latin typeface="HelveticaNeueLT Com 45 Lt"/>
+              </a:rPr>
               <a:t>multiply</a:t>
             </a:r>
-            <a:endParaRPr lang="en-US" dirty="0"/>
+            <a:endParaRPr lang="en-US" dirty="0">
+              <a:latin typeface="HelveticaNeueLT Com 45 Lt"/>
+            </a:endParaRPr>
           </a:p>
         </p:txBody>
       </p:sp>
@@ -8771,953 +9017,6 @@
     <p:extLst>
       <p:ext uri="{BB962C8B-B14F-4D97-AF65-F5344CB8AC3E}">
         <p14:creationId xmlns:p14="http://schemas.microsoft.com/office/powerpoint/2010/main" val="876821257"/>
-      </p:ext>
-    </p:extLst>
-  </p:cSld>
-  <p:clrMapOvr>
-    <a:masterClrMapping/>
-  </p:clrMapOvr>
-  <p:timing>
-    <p:tnLst>
-      <p:par>
-        <p:cTn xmlns:p14="http://schemas.microsoft.com/office/powerpoint/2010/main" id="1" dur="indefinite" restart="never" nodeType="tmRoot"/>
-      </p:par>
-    </p:tnLst>
-  </p:timing>
-</p:sld>
-</file>
-
-<file path=ppt/slides/slide18.xml><?xml version="1.0" encoding="utf-8"?>
-<p:sld xmlns:a="http://schemas.openxmlformats.org/drawingml/2006/main" xmlns:r="http://schemas.openxmlformats.org/officeDocument/2006/relationships" xmlns:p="http://schemas.openxmlformats.org/presentationml/2006/main">
-  <p:cSld>
-    <p:spTree>
-      <p:nvGrpSpPr>
-        <p:cNvPr id="1" name=""/>
-        <p:cNvGrpSpPr/>
-        <p:nvPr/>
-      </p:nvGrpSpPr>
-      <p:grpSpPr>
-        <a:xfrm>
-          <a:off x="0" y="0"/>
-          <a:ext cx="0" cy="0"/>
-          <a:chOff x="0" y="0"/>
-          <a:chExt cx="0" cy="0"/>
-        </a:xfrm>
-      </p:grpSpPr>
-      <p:sp>
-        <p:nvSpPr>
-          <p:cNvPr id="2" name="Title 1"/>
-          <p:cNvSpPr>
-            <a:spLocks noGrp="1"/>
-          </p:cNvSpPr>
-          <p:nvPr>
-            <p:ph type="title"/>
-          </p:nvPr>
-        </p:nvSpPr>
-        <p:spPr/>
-        <p:txBody>
-          <a:bodyPr>
-            <a:normAutofit fontScale="90000"/>
-          </a:bodyPr>
-          <a:lstStyle/>
-          <a:p>
-            <a:r>
-              <a:rPr lang="en-US" dirty="0" smtClean="0"/>
-              <a:t>Single Instruction – Multiple data</a:t>
-            </a:r>
-            <a:br>
-              <a:rPr lang="en-US" dirty="0" smtClean="0"/>
-            </a:br>
-            <a:r>
-              <a:rPr lang="en-US" sz="2800" dirty="0" smtClean="0">
-                <a:solidFill>
-                  <a:schemeClr val="bg1">
-                    <a:lumMod val="50000"/>
-                  </a:schemeClr>
-                </a:solidFill>
-              </a:rPr>
-              <a:t>Converting to gray scale</a:t>
-            </a:r>
-            <a:endParaRPr lang="en-US" dirty="0"/>
-          </a:p>
-        </p:txBody>
-      </p:sp>
-      <p:sp>
-        <p:nvSpPr>
-          <p:cNvPr id="4" name="Slide Number Placeholder 3"/>
-          <p:cNvSpPr>
-            <a:spLocks noGrp="1"/>
-          </p:cNvSpPr>
-          <p:nvPr>
-            <p:ph type="sldNum" sz="quarter" idx="12"/>
-          </p:nvPr>
-        </p:nvSpPr>
-        <p:spPr/>
-        <p:txBody>
-          <a:bodyPr/>
-          <a:lstStyle/>
-          <a:p>
-            <a:fld id="{0A3E316F-3D65-2744-BC5B-55B8D60FFFDF}" type="slidenum">
-              <a:rPr lang="en-US" smtClean="0"/>
-              <a:t>18</a:t>
-            </a:fld>
-            <a:endParaRPr lang="en-US"/>
-          </a:p>
-        </p:txBody>
-      </p:sp>
-      <p:sp>
-        <p:nvSpPr>
-          <p:cNvPr id="3" name="Rectangle 2"/>
-          <p:cNvSpPr/>
-          <p:nvPr/>
-        </p:nvSpPr>
-        <p:spPr>
-          <a:xfrm>
-            <a:off x="1137506" y="1930200"/>
-            <a:ext cx="6712750" cy="3970318"/>
-          </a:xfrm>
-          <a:prstGeom prst="rect">
-            <a:avLst/>
-          </a:prstGeom>
-        </p:spPr>
-        <p:txBody>
-          <a:bodyPr wrap="square">
-            <a:spAutoFit/>
-          </a:bodyPr>
-          <a:lstStyle/>
-          <a:p>
-            <a:r>
-              <a:rPr lang="nl-NL" dirty="0" err="1">
-                <a:solidFill>
-                  <a:srgbClr val="FF7800"/>
-                </a:solidFill>
-                <a:latin typeface="SourceCodePro-Regular"/>
-              </a:rPr>
-              <a:t>for</a:t>
-            </a:r>
-            <a:r>
-              <a:rPr lang="nl-NL" dirty="0">
-                <a:solidFill>
-                  <a:prstClr val="black"/>
-                </a:solidFill>
-                <a:latin typeface="SourceCodePro-Regular"/>
-              </a:rPr>
-              <a:t>(</a:t>
-            </a:r>
-            <a:r>
-              <a:rPr lang="nl-NL" dirty="0">
-                <a:solidFill>
-                  <a:srgbClr val="FF7800"/>
-                </a:solidFill>
-                <a:latin typeface="SourceCodePro-Regular"/>
-              </a:rPr>
-              <a:t>int</a:t>
-            </a:r>
-            <a:r>
-              <a:rPr lang="nl-NL" dirty="0">
-                <a:solidFill>
-                  <a:prstClr val="black"/>
-                </a:solidFill>
-                <a:latin typeface="SourceCodePro-Regular"/>
-              </a:rPr>
-              <a:t> i=</a:t>
-            </a:r>
-            <a:r>
-              <a:rPr lang="nl-NL" dirty="0">
-                <a:solidFill>
-                  <a:srgbClr val="3B5BB5"/>
-                </a:solidFill>
-                <a:latin typeface="SourceCodePro-Regular"/>
-              </a:rPr>
-              <a:t>0</a:t>
-            </a:r>
-            <a:r>
-              <a:rPr lang="nl-NL" dirty="0">
-                <a:solidFill>
-                  <a:prstClr val="black"/>
-                </a:solidFill>
-                <a:latin typeface="SourceCodePro-Regular"/>
-              </a:rPr>
-              <a:t>; i &lt; pixels; i += FACTOR) {</a:t>
-            </a:r>
-            <a:br>
-              <a:rPr lang="nl-NL" dirty="0">
-                <a:solidFill>
-                  <a:prstClr val="black"/>
-                </a:solidFill>
-                <a:latin typeface="SourceCodePro-Regular"/>
-              </a:rPr>
-            </a:br>
-            <a:r>
-              <a:rPr lang="nl-NL" dirty="0">
-                <a:solidFill>
-                  <a:prstClr val="black"/>
-                </a:solidFill>
-                <a:latin typeface="SourceCodePro-Regular"/>
-              </a:rPr>
-              <a:t>    uint8x8x3_t </a:t>
-            </a:r>
-            <a:r>
-              <a:rPr lang="nl-NL" dirty="0" err="1" smtClean="0">
-                <a:solidFill>
-                  <a:prstClr val="black"/>
-                </a:solidFill>
-                <a:latin typeface="SourceCodePro-Regular"/>
-              </a:rPr>
-              <a:t>rgb</a:t>
-            </a:r>
-            <a:r>
-              <a:rPr lang="nl-NL" dirty="0" smtClean="0">
-                <a:solidFill>
-                  <a:prstClr val="black"/>
-                </a:solidFill>
-                <a:latin typeface="SourceCodePro-Regular"/>
-              </a:rPr>
-              <a:t> </a:t>
-            </a:r>
-            <a:r>
-              <a:rPr lang="nl-NL" dirty="0">
-                <a:solidFill>
-                  <a:prstClr val="black"/>
-                </a:solidFill>
-                <a:latin typeface="SourceCodePro-Regular"/>
-              </a:rPr>
-              <a:t>= </a:t>
-            </a:r>
-            <a:r>
-              <a:rPr lang="nl-NL" dirty="0">
-                <a:solidFill>
-                  <a:srgbClr val="3B5BB5"/>
-                </a:solidFill>
-                <a:latin typeface="SourceCodePro-Regular"/>
-              </a:rPr>
-              <a:t>vld3_u8</a:t>
-            </a:r>
-            <a:r>
-              <a:rPr lang="nl-NL" dirty="0">
-                <a:solidFill>
-                  <a:prstClr val="black"/>
-                </a:solidFill>
-                <a:latin typeface="SourceCodePro-Regular"/>
-              </a:rPr>
-              <a:t>(</a:t>
-            </a:r>
-            <a:r>
-              <a:rPr lang="nl-NL" dirty="0" err="1">
-                <a:solidFill>
-                  <a:prstClr val="black"/>
-                </a:solidFill>
-                <a:latin typeface="SourceCodePro-Regular"/>
-              </a:rPr>
-              <a:t>src</a:t>
-            </a:r>
-            <a:r>
-              <a:rPr lang="nl-NL" dirty="0">
-                <a:solidFill>
-                  <a:prstClr val="black"/>
-                </a:solidFill>
-                <a:latin typeface="SourceCodePro-Regular"/>
-              </a:rPr>
-              <a:t>);</a:t>
-            </a:r>
-            <a:br>
-              <a:rPr lang="nl-NL" dirty="0">
-                <a:solidFill>
-                  <a:prstClr val="black"/>
-                </a:solidFill>
-                <a:latin typeface="SourceCodePro-Regular"/>
-              </a:rPr>
-            </a:br>
-            <a:r>
-              <a:rPr lang="nl-NL" dirty="0">
-                <a:solidFill>
-                  <a:prstClr val="black"/>
-                </a:solidFill>
-                <a:latin typeface="SourceCodePro-Regular"/>
-              </a:rPr>
-              <a:t>    uint16x8_t </a:t>
-            </a:r>
-            <a:r>
-              <a:rPr lang="nl-NL" dirty="0" err="1">
-                <a:solidFill>
-                  <a:prstClr val="black"/>
-                </a:solidFill>
-                <a:latin typeface="SourceCodePro-Regular"/>
-              </a:rPr>
-              <a:t>acc</a:t>
-            </a:r>
-            <a:r>
-              <a:rPr lang="nl-NL" dirty="0">
-                <a:solidFill>
-                  <a:prstClr val="black"/>
-                </a:solidFill>
-                <a:latin typeface="SourceCodePro-Regular"/>
-              </a:rPr>
-              <a:t>;</a:t>
-            </a:r>
-            <a:br>
-              <a:rPr lang="nl-NL" dirty="0">
-                <a:solidFill>
-                  <a:prstClr val="black"/>
-                </a:solidFill>
-                <a:latin typeface="SourceCodePro-Regular"/>
-              </a:rPr>
-            </a:br>
-            <a:r>
-              <a:rPr lang="nl-NL" dirty="0">
-                <a:solidFill>
-                  <a:prstClr val="black"/>
-                </a:solidFill>
-                <a:latin typeface="SourceCodePro-Regular"/>
-              </a:rPr>
-              <a:t>    </a:t>
-            </a:r>
-            <a:br>
-              <a:rPr lang="nl-NL" dirty="0">
-                <a:solidFill>
-                  <a:prstClr val="black"/>
-                </a:solidFill>
-                <a:latin typeface="SourceCodePro-Regular"/>
-              </a:rPr>
-            </a:br>
-            <a:r>
-              <a:rPr lang="nl-NL" dirty="0">
-                <a:solidFill>
-                  <a:prstClr val="black"/>
-                </a:solidFill>
-                <a:latin typeface="SourceCodePro-Regular"/>
-              </a:rPr>
-              <a:t>    </a:t>
-            </a:r>
-            <a:r>
-              <a:rPr lang="nl-NL" dirty="0" err="1">
-                <a:solidFill>
-                  <a:prstClr val="black"/>
-                </a:solidFill>
-                <a:latin typeface="SourceCodePro-Regular"/>
-              </a:rPr>
-              <a:t>acc</a:t>
-            </a:r>
-            <a:r>
-              <a:rPr lang="nl-NL" dirty="0">
-                <a:solidFill>
-                  <a:prstClr val="black"/>
-                </a:solidFill>
-                <a:latin typeface="SourceCodePro-Regular"/>
-              </a:rPr>
-              <a:t> = </a:t>
-            </a:r>
-            <a:r>
-              <a:rPr lang="nl-NL" dirty="0">
-                <a:solidFill>
-                  <a:srgbClr val="3B5BB5"/>
-                </a:solidFill>
-                <a:latin typeface="SourceCodePro-Regular"/>
-              </a:rPr>
-              <a:t>vmull_u8</a:t>
-            </a:r>
-            <a:r>
-              <a:rPr lang="nl-NL" dirty="0">
-                <a:solidFill>
-                  <a:prstClr val="black"/>
-                </a:solidFill>
-                <a:latin typeface="SourceCodePro-Regular"/>
-              </a:rPr>
-              <a:t>(</a:t>
-            </a:r>
-            <a:r>
-              <a:rPr lang="nl-NL" dirty="0" err="1" smtClean="0">
-                <a:solidFill>
-                  <a:prstClr val="black"/>
-                </a:solidFill>
-                <a:latin typeface="SourceCodePro-Regular"/>
-              </a:rPr>
-              <a:t>rgb.val</a:t>
-            </a:r>
-            <a:r>
-              <a:rPr lang="nl-NL" dirty="0">
-                <a:solidFill>
-                  <a:prstClr val="black"/>
-                </a:solidFill>
-                <a:latin typeface="SourceCodePro-Regular"/>
-              </a:rPr>
-              <a:t>[</a:t>
-            </a:r>
-            <a:r>
-              <a:rPr lang="nl-NL" dirty="0">
-                <a:solidFill>
-                  <a:srgbClr val="3B5BB5"/>
-                </a:solidFill>
-                <a:latin typeface="SourceCodePro-Regular"/>
-              </a:rPr>
-              <a:t>0</a:t>
-            </a:r>
-            <a:r>
-              <a:rPr lang="nl-NL" dirty="0">
-                <a:solidFill>
-                  <a:prstClr val="black"/>
-                </a:solidFill>
-                <a:latin typeface="SourceCodePro-Regular"/>
-              </a:rPr>
-              <a:t>], </a:t>
-            </a:r>
-            <a:r>
-              <a:rPr lang="nl-NL" dirty="0" err="1">
-                <a:solidFill>
-                  <a:prstClr val="black"/>
-                </a:solidFill>
-                <a:latin typeface="SourceCodePro-Regular"/>
-              </a:rPr>
-              <a:t>rcoeff</a:t>
-            </a:r>
-            <a:r>
-              <a:rPr lang="nl-NL" dirty="0">
-                <a:solidFill>
-                  <a:prstClr val="black"/>
-                </a:solidFill>
-                <a:latin typeface="SourceCodePro-Regular"/>
-              </a:rPr>
-              <a:t>);</a:t>
-            </a:r>
-            <a:br>
-              <a:rPr lang="nl-NL" dirty="0">
-                <a:solidFill>
-                  <a:prstClr val="black"/>
-                </a:solidFill>
-                <a:latin typeface="SourceCodePro-Regular"/>
-              </a:rPr>
-            </a:br>
-            <a:r>
-              <a:rPr lang="nl-NL" dirty="0">
-                <a:solidFill>
-                  <a:prstClr val="black"/>
-                </a:solidFill>
-                <a:latin typeface="SourceCodePro-Regular"/>
-              </a:rPr>
-              <a:t>    </a:t>
-            </a:r>
-            <a:r>
-              <a:rPr lang="nl-NL" dirty="0" err="1">
-                <a:solidFill>
-                  <a:prstClr val="black"/>
-                </a:solidFill>
-                <a:latin typeface="SourceCodePro-Regular"/>
-              </a:rPr>
-              <a:t>acc</a:t>
-            </a:r>
-            <a:r>
-              <a:rPr lang="nl-NL" dirty="0">
-                <a:solidFill>
-                  <a:prstClr val="black"/>
-                </a:solidFill>
-                <a:latin typeface="SourceCodePro-Regular"/>
-              </a:rPr>
-              <a:t> = </a:t>
-            </a:r>
-            <a:r>
-              <a:rPr lang="nl-NL" dirty="0">
-                <a:solidFill>
-                  <a:srgbClr val="3B5BB5"/>
-                </a:solidFill>
-                <a:latin typeface="SourceCodePro-Regular"/>
-              </a:rPr>
-              <a:t>vmlal_u8</a:t>
-            </a:r>
-            <a:r>
-              <a:rPr lang="nl-NL" dirty="0">
-                <a:solidFill>
-                  <a:prstClr val="black"/>
-                </a:solidFill>
-                <a:latin typeface="SourceCodePro-Regular"/>
-              </a:rPr>
-              <a:t>(</a:t>
-            </a:r>
-            <a:r>
-              <a:rPr lang="nl-NL" dirty="0" err="1">
-                <a:solidFill>
-                  <a:prstClr val="black"/>
-                </a:solidFill>
-                <a:latin typeface="SourceCodePro-Regular"/>
-              </a:rPr>
-              <a:t>acc</a:t>
-            </a:r>
-            <a:r>
-              <a:rPr lang="nl-NL" dirty="0">
-                <a:solidFill>
-                  <a:prstClr val="black"/>
-                </a:solidFill>
-                <a:latin typeface="SourceCodePro-Regular"/>
-              </a:rPr>
-              <a:t>, </a:t>
-            </a:r>
-            <a:r>
-              <a:rPr lang="nl-NL" dirty="0" err="1" smtClean="0">
-                <a:solidFill>
-                  <a:prstClr val="black"/>
-                </a:solidFill>
-                <a:latin typeface="SourceCodePro-Regular"/>
-              </a:rPr>
-              <a:t>rgb.val</a:t>
-            </a:r>
-            <a:r>
-              <a:rPr lang="nl-NL" dirty="0">
-                <a:solidFill>
-                  <a:prstClr val="black"/>
-                </a:solidFill>
-                <a:latin typeface="SourceCodePro-Regular"/>
-              </a:rPr>
-              <a:t>[</a:t>
-            </a:r>
-            <a:r>
-              <a:rPr lang="nl-NL" dirty="0">
-                <a:solidFill>
-                  <a:srgbClr val="3B5BB5"/>
-                </a:solidFill>
-                <a:latin typeface="SourceCodePro-Regular"/>
-              </a:rPr>
-              <a:t>1</a:t>
-            </a:r>
-            <a:r>
-              <a:rPr lang="nl-NL" dirty="0">
-                <a:solidFill>
-                  <a:prstClr val="black"/>
-                </a:solidFill>
-                <a:latin typeface="SourceCodePro-Regular"/>
-              </a:rPr>
-              <a:t>], </a:t>
-            </a:r>
-            <a:r>
-              <a:rPr lang="nl-NL" dirty="0" err="1">
-                <a:solidFill>
-                  <a:prstClr val="black"/>
-                </a:solidFill>
-                <a:latin typeface="SourceCodePro-Regular"/>
-              </a:rPr>
-              <a:t>gcoeff</a:t>
-            </a:r>
-            <a:r>
-              <a:rPr lang="nl-NL" dirty="0">
-                <a:solidFill>
-                  <a:prstClr val="black"/>
-                </a:solidFill>
-                <a:latin typeface="SourceCodePro-Regular"/>
-              </a:rPr>
-              <a:t>);</a:t>
-            </a:r>
-            <a:br>
-              <a:rPr lang="nl-NL" dirty="0">
-                <a:solidFill>
-                  <a:prstClr val="black"/>
-                </a:solidFill>
-                <a:latin typeface="SourceCodePro-Regular"/>
-              </a:rPr>
-            </a:br>
-            <a:r>
-              <a:rPr lang="nl-NL" dirty="0">
-                <a:solidFill>
-                  <a:prstClr val="black"/>
-                </a:solidFill>
-                <a:latin typeface="SourceCodePro-Regular"/>
-              </a:rPr>
-              <a:t>    </a:t>
-            </a:r>
-            <a:r>
-              <a:rPr lang="nl-NL" dirty="0" err="1">
-                <a:solidFill>
-                  <a:prstClr val="black"/>
-                </a:solidFill>
-                <a:latin typeface="SourceCodePro-Regular"/>
-              </a:rPr>
-              <a:t>acc</a:t>
-            </a:r>
-            <a:r>
-              <a:rPr lang="nl-NL" dirty="0">
-                <a:solidFill>
-                  <a:prstClr val="black"/>
-                </a:solidFill>
-                <a:latin typeface="SourceCodePro-Regular"/>
-              </a:rPr>
-              <a:t> = </a:t>
-            </a:r>
-            <a:r>
-              <a:rPr lang="nl-NL" dirty="0">
-                <a:solidFill>
-                  <a:srgbClr val="3B5BB5"/>
-                </a:solidFill>
-                <a:latin typeface="SourceCodePro-Regular"/>
-              </a:rPr>
-              <a:t>vmlal_u8</a:t>
-            </a:r>
-            <a:r>
-              <a:rPr lang="nl-NL" dirty="0">
-                <a:solidFill>
-                  <a:prstClr val="black"/>
-                </a:solidFill>
-                <a:latin typeface="SourceCodePro-Regular"/>
-              </a:rPr>
-              <a:t>(</a:t>
-            </a:r>
-            <a:r>
-              <a:rPr lang="nl-NL" dirty="0" err="1">
-                <a:solidFill>
-                  <a:prstClr val="black"/>
-                </a:solidFill>
-                <a:latin typeface="SourceCodePro-Regular"/>
-              </a:rPr>
-              <a:t>acc</a:t>
-            </a:r>
-            <a:r>
-              <a:rPr lang="nl-NL" dirty="0">
-                <a:solidFill>
-                  <a:prstClr val="black"/>
-                </a:solidFill>
-                <a:latin typeface="SourceCodePro-Regular"/>
-              </a:rPr>
-              <a:t>, </a:t>
-            </a:r>
-            <a:r>
-              <a:rPr lang="nl-NL" dirty="0" err="1" smtClean="0">
-                <a:solidFill>
-                  <a:prstClr val="black"/>
-                </a:solidFill>
-                <a:latin typeface="SourceCodePro-Regular"/>
-              </a:rPr>
-              <a:t>rgb.val</a:t>
-            </a:r>
-            <a:r>
-              <a:rPr lang="nl-NL" dirty="0">
-                <a:solidFill>
-                  <a:prstClr val="black"/>
-                </a:solidFill>
-                <a:latin typeface="SourceCodePro-Regular"/>
-              </a:rPr>
-              <a:t>[</a:t>
-            </a:r>
-            <a:r>
-              <a:rPr lang="nl-NL" dirty="0">
-                <a:solidFill>
-                  <a:srgbClr val="3B5BB5"/>
-                </a:solidFill>
-                <a:latin typeface="SourceCodePro-Regular"/>
-              </a:rPr>
-              <a:t>2</a:t>
-            </a:r>
-            <a:r>
-              <a:rPr lang="nl-NL" dirty="0">
-                <a:solidFill>
-                  <a:prstClr val="black"/>
-                </a:solidFill>
-                <a:latin typeface="SourceCodePro-Regular"/>
-              </a:rPr>
-              <a:t>], </a:t>
-            </a:r>
-            <a:r>
-              <a:rPr lang="nl-NL" dirty="0" err="1">
-                <a:solidFill>
-                  <a:prstClr val="black"/>
-                </a:solidFill>
-                <a:latin typeface="SourceCodePro-Regular"/>
-              </a:rPr>
-              <a:t>bcoeff</a:t>
-            </a:r>
-            <a:r>
-              <a:rPr lang="nl-NL" dirty="0">
-                <a:solidFill>
-                  <a:prstClr val="black"/>
-                </a:solidFill>
-                <a:latin typeface="SourceCodePro-Regular"/>
-              </a:rPr>
-              <a:t>);</a:t>
-            </a:r>
-            <a:br>
-              <a:rPr lang="nl-NL" dirty="0">
-                <a:solidFill>
-                  <a:prstClr val="black"/>
-                </a:solidFill>
-                <a:latin typeface="SourceCodePro-Regular"/>
-              </a:rPr>
-            </a:br>
-            <a:r>
-              <a:rPr lang="nl-NL" dirty="0">
-                <a:solidFill>
-                  <a:prstClr val="black"/>
-                </a:solidFill>
-                <a:latin typeface="SourceCodePro-Regular"/>
-              </a:rPr>
-              <a:t>    </a:t>
-            </a:r>
-            <a:br>
-              <a:rPr lang="nl-NL" dirty="0">
-                <a:solidFill>
-                  <a:prstClr val="black"/>
-                </a:solidFill>
-                <a:latin typeface="SourceCodePro-Regular"/>
-              </a:rPr>
-            </a:br>
-            <a:r>
-              <a:rPr lang="nl-NL" dirty="0">
-                <a:solidFill>
-                  <a:prstClr val="black"/>
-                </a:solidFill>
-                <a:latin typeface="SourceCodePro-Regular"/>
-              </a:rPr>
-              <a:t>    uint8x8_t </a:t>
-            </a:r>
-            <a:r>
-              <a:rPr lang="nl-NL" dirty="0" err="1">
-                <a:solidFill>
-                  <a:prstClr val="black"/>
-                </a:solidFill>
-                <a:latin typeface="SourceCodePro-Regular"/>
-              </a:rPr>
-              <a:t>result</a:t>
-            </a:r>
-            <a:r>
-              <a:rPr lang="nl-NL" dirty="0">
-                <a:solidFill>
-                  <a:prstClr val="black"/>
-                </a:solidFill>
-                <a:latin typeface="SourceCodePro-Regular"/>
-              </a:rPr>
-              <a:t> = </a:t>
-            </a:r>
-            <a:r>
-              <a:rPr lang="nl-NL" dirty="0">
-                <a:solidFill>
-                  <a:srgbClr val="3B5BB5"/>
-                </a:solidFill>
-                <a:latin typeface="SourceCodePro-Regular"/>
-              </a:rPr>
-              <a:t>vshrn_n_u16</a:t>
-            </a:r>
-            <a:r>
-              <a:rPr lang="nl-NL" dirty="0">
-                <a:solidFill>
-                  <a:prstClr val="black"/>
-                </a:solidFill>
-                <a:latin typeface="SourceCodePro-Regular"/>
-              </a:rPr>
-              <a:t>(</a:t>
-            </a:r>
-            <a:r>
-              <a:rPr lang="nl-NL" dirty="0" err="1">
-                <a:solidFill>
-                  <a:prstClr val="black"/>
-                </a:solidFill>
-                <a:latin typeface="SourceCodePro-Regular"/>
-              </a:rPr>
-              <a:t>acc</a:t>
-            </a:r>
-            <a:r>
-              <a:rPr lang="nl-NL" dirty="0">
-                <a:solidFill>
-                  <a:prstClr val="black"/>
-                </a:solidFill>
-                <a:latin typeface="SourceCodePro-Regular"/>
-              </a:rPr>
-              <a:t>, </a:t>
-            </a:r>
-            <a:r>
-              <a:rPr lang="nl-NL" dirty="0">
-                <a:solidFill>
-                  <a:srgbClr val="3B5BB5"/>
-                </a:solidFill>
-                <a:latin typeface="SourceCodePro-Regular"/>
-              </a:rPr>
-              <a:t>8</a:t>
-            </a:r>
-            <a:r>
-              <a:rPr lang="nl-NL" dirty="0">
-                <a:solidFill>
-                  <a:prstClr val="black"/>
-                </a:solidFill>
-                <a:latin typeface="SourceCodePro-Regular"/>
-              </a:rPr>
-              <a:t>);</a:t>
-            </a:r>
-            <a:br>
-              <a:rPr lang="nl-NL" dirty="0">
-                <a:solidFill>
-                  <a:prstClr val="black"/>
-                </a:solidFill>
-                <a:latin typeface="SourceCodePro-Regular"/>
-              </a:rPr>
-            </a:br>
-            <a:r>
-              <a:rPr lang="nl-NL" dirty="0">
-                <a:solidFill>
-                  <a:prstClr val="black"/>
-                </a:solidFill>
-                <a:latin typeface="SourceCodePro-Regular"/>
-              </a:rPr>
-              <a:t>    </a:t>
-            </a:r>
-            <a:r>
-              <a:rPr lang="nl-NL" dirty="0">
-                <a:solidFill>
-                  <a:srgbClr val="3B5BB5"/>
-                </a:solidFill>
-                <a:latin typeface="SourceCodePro-Regular"/>
-              </a:rPr>
-              <a:t>vst1_u8</a:t>
-            </a:r>
-            <a:r>
-              <a:rPr lang="nl-NL" dirty="0">
-                <a:solidFill>
-                  <a:prstClr val="black"/>
-                </a:solidFill>
-                <a:latin typeface="SourceCodePro-Regular"/>
-              </a:rPr>
-              <a:t>(</a:t>
-            </a:r>
-            <a:r>
-              <a:rPr lang="nl-NL" dirty="0" err="1">
-                <a:solidFill>
-                  <a:prstClr val="black"/>
-                </a:solidFill>
-                <a:latin typeface="SourceCodePro-Regular"/>
-              </a:rPr>
-              <a:t>dest</a:t>
-            </a:r>
-            <a:r>
-              <a:rPr lang="nl-NL" dirty="0">
-                <a:solidFill>
-                  <a:prstClr val="black"/>
-                </a:solidFill>
-                <a:latin typeface="SourceCodePro-Regular"/>
-              </a:rPr>
-              <a:t>, </a:t>
-            </a:r>
-            <a:r>
-              <a:rPr lang="nl-NL" dirty="0" err="1">
-                <a:solidFill>
-                  <a:prstClr val="black"/>
-                </a:solidFill>
-                <a:latin typeface="SourceCodePro-Regular"/>
-              </a:rPr>
-              <a:t>result</a:t>
-            </a:r>
-            <a:r>
-              <a:rPr lang="nl-NL" dirty="0">
-                <a:solidFill>
-                  <a:prstClr val="black"/>
-                </a:solidFill>
-                <a:latin typeface="SourceCodePro-Regular"/>
-              </a:rPr>
-              <a:t>);</a:t>
-            </a:r>
-            <a:br>
-              <a:rPr lang="nl-NL" dirty="0">
-                <a:solidFill>
-                  <a:prstClr val="black"/>
-                </a:solidFill>
-                <a:latin typeface="SourceCodePro-Regular"/>
-              </a:rPr>
-            </a:br>
-            <a:r>
-              <a:rPr lang="nl-NL" dirty="0">
-                <a:solidFill>
-                  <a:prstClr val="black"/>
-                </a:solidFill>
-                <a:latin typeface="SourceCodePro-Regular"/>
-              </a:rPr>
-              <a:t>       </a:t>
-            </a:r>
-            <a:br>
-              <a:rPr lang="nl-NL" dirty="0">
-                <a:solidFill>
-                  <a:prstClr val="black"/>
-                </a:solidFill>
-                <a:latin typeface="SourceCodePro-Regular"/>
-              </a:rPr>
-            </a:br>
-            <a:r>
-              <a:rPr lang="nl-NL" dirty="0">
-                <a:solidFill>
-                  <a:prstClr val="black"/>
-                </a:solidFill>
-                <a:latin typeface="SourceCodePro-Regular"/>
-              </a:rPr>
-              <a:t>    </a:t>
-            </a:r>
-            <a:r>
-              <a:rPr lang="nl-NL" dirty="0" err="1">
-                <a:solidFill>
-                  <a:prstClr val="black"/>
-                </a:solidFill>
-                <a:latin typeface="SourceCodePro-Regular"/>
-              </a:rPr>
-              <a:t>src</a:t>
-            </a:r>
-            <a:r>
-              <a:rPr lang="nl-NL" dirty="0">
-                <a:solidFill>
-                  <a:prstClr val="black"/>
-                </a:solidFill>
-                <a:latin typeface="SourceCodePro-Regular"/>
-              </a:rPr>
-              <a:t> += FACTOR;</a:t>
-            </a:r>
-            <a:br>
-              <a:rPr lang="nl-NL" dirty="0">
-                <a:solidFill>
-                  <a:prstClr val="black"/>
-                </a:solidFill>
-                <a:latin typeface="SourceCodePro-Regular"/>
-              </a:rPr>
-            </a:br>
-            <a:r>
-              <a:rPr lang="nl-NL" dirty="0">
-                <a:solidFill>
-                  <a:prstClr val="black"/>
-                </a:solidFill>
-                <a:latin typeface="SourceCodePro-Regular"/>
-              </a:rPr>
-              <a:t>    </a:t>
-            </a:r>
-            <a:r>
-              <a:rPr lang="nl-NL" dirty="0" err="1">
-                <a:solidFill>
-                  <a:prstClr val="black"/>
-                </a:solidFill>
-                <a:latin typeface="SourceCodePro-Regular"/>
-              </a:rPr>
-              <a:t>dest</a:t>
-            </a:r>
-            <a:r>
-              <a:rPr lang="nl-NL" dirty="0">
-                <a:solidFill>
-                  <a:prstClr val="black"/>
-                </a:solidFill>
-                <a:latin typeface="SourceCodePro-Regular"/>
-              </a:rPr>
-              <a:t> += FACTOR;</a:t>
-            </a:r>
-            <a:br>
-              <a:rPr lang="nl-NL" dirty="0">
-                <a:solidFill>
-                  <a:prstClr val="black"/>
-                </a:solidFill>
-                <a:latin typeface="SourceCodePro-Regular"/>
-              </a:rPr>
-            </a:br>
-            <a:r>
-              <a:rPr lang="nl-NL" dirty="0">
-                <a:solidFill>
-                  <a:prstClr val="black"/>
-                </a:solidFill>
-                <a:latin typeface="SourceCodePro-Regular"/>
-              </a:rPr>
-              <a:t>}</a:t>
-            </a:r>
-            <a:endParaRPr lang="en-US" dirty="0"/>
-          </a:p>
-        </p:txBody>
-      </p:sp>
-    </p:spTree>
-    <p:extLst>
-      <p:ext uri="{BB962C8B-B14F-4D97-AF65-F5344CB8AC3E}">
-        <p14:creationId xmlns:p14="http://schemas.microsoft.com/office/powerpoint/2010/main" val="3282497539"/>
       </p:ext>
     </p:extLst>
   </p:cSld>
@@ -10657,90 +9956,8 @@
               </a:rPr>
               <a:t>}</a:t>
             </a:r>
-            <a:endParaRPr lang="en-US" dirty="0"/>
-          </a:p>
-        </p:txBody>
-      </p:sp>
-      <p:sp>
-        <p:nvSpPr>
-          <p:cNvPr id="5" name="Rounded Rectangle 4"/>
-          <p:cNvSpPr/>
-          <p:nvPr/>
-        </p:nvSpPr>
-        <p:spPr>
-          <a:xfrm>
-            <a:off x="1675443" y="2256165"/>
-            <a:ext cx="4620980" cy="580930"/>
-          </a:xfrm>
-          <a:prstGeom prst="roundRect">
-            <a:avLst/>
-          </a:prstGeom>
-          <a:noFill/>
-          <a:ln>
-            <a:solidFill>
-              <a:schemeClr val="accent2"/>
-            </a:solidFill>
-          </a:ln>
-        </p:spPr>
-        <p:style>
-          <a:lnRef idx="2">
-            <a:schemeClr val="dk1">
-              <a:shade val="50000"/>
-            </a:schemeClr>
-          </a:lnRef>
-          <a:fillRef idx="1">
-            <a:schemeClr val="dk1"/>
-          </a:fillRef>
-          <a:effectRef idx="0">
-            <a:schemeClr val="dk1"/>
-          </a:effectRef>
-          <a:fontRef idx="minor">
-            <a:schemeClr val="lt1"/>
-          </a:fontRef>
-        </p:style>
-        <p:txBody>
-          <a:bodyPr rtlCol="0" anchor="ctr"/>
-          <a:lstStyle/>
-          <a:p>
-            <a:pPr algn="ctr"/>
-            <a:endParaRPr lang="en-US"/>
-          </a:p>
-        </p:txBody>
-      </p:sp>
-      <p:sp>
-        <p:nvSpPr>
-          <p:cNvPr id="6" name="TextBox 5"/>
-          <p:cNvSpPr txBox="1"/>
-          <p:nvPr/>
-        </p:nvSpPr>
-        <p:spPr>
-          <a:xfrm>
-            <a:off x="6296423" y="2301081"/>
-            <a:ext cx="2888231" cy="461665"/>
-          </a:xfrm>
-          <a:prstGeom prst="rect">
-            <a:avLst/>
-          </a:prstGeom>
-          <a:noFill/>
-        </p:spPr>
-        <p:txBody>
-          <a:bodyPr wrap="none" rtlCol="0">
-            <a:spAutoFit/>
-          </a:bodyPr>
-          <a:lstStyle/>
-          <a:p>
-            <a:r>
-              <a:rPr lang="en-US" sz="2400" dirty="0" smtClean="0">
-                <a:solidFill>
-                  <a:schemeClr val="accent2"/>
-                </a:solidFill>
-              </a:rPr>
-              <a:t>Load (3 Interleaved)</a:t>
-            </a:r>
-            <a:endParaRPr lang="en-US" sz="2400" dirty="0">
-              <a:solidFill>
-                <a:schemeClr val="accent2"/>
-              </a:solidFill>
+            <a:endParaRPr lang="en-US" dirty="0">
+              <a:latin typeface="HelveticaNeueLT Com 45 Lt"/>
             </a:endParaRPr>
           </a:p>
         </p:txBody>
@@ -10748,7 +9965,7 @@
     </p:spTree>
     <p:extLst>
       <p:ext uri="{BB962C8B-B14F-4D97-AF65-F5344CB8AC3E}">
-        <p14:creationId xmlns:p14="http://schemas.microsoft.com/office/powerpoint/2010/main" val="144447164"/>
+        <p14:creationId xmlns:p14="http://schemas.microsoft.com/office/powerpoint/2010/main" val="3282497539"/>
       </p:ext>
     </p:extLst>
   </p:cSld>
@@ -11212,6 +10429,1043 @@
                 </a:solidFill>
                 <a:latin typeface="SourceCodePro-Regular"/>
               </a:rPr>
+              <a:t>    </a:t>
+            </a:r>
+            <a:r>
+              <a:rPr lang="nl-NL" dirty="0" err="1">
+                <a:solidFill>
+                  <a:prstClr val="black"/>
+                </a:solidFill>
+                <a:latin typeface="SourceCodePro-Regular"/>
+              </a:rPr>
+              <a:t>acc</a:t>
+            </a:r>
+            <a:r>
+              <a:rPr lang="nl-NL" dirty="0">
+                <a:solidFill>
+                  <a:prstClr val="black"/>
+                </a:solidFill>
+                <a:latin typeface="SourceCodePro-Regular"/>
+              </a:rPr>
+              <a:t> = </a:t>
+            </a:r>
+            <a:r>
+              <a:rPr lang="nl-NL" dirty="0">
+                <a:solidFill>
+                  <a:srgbClr val="3B5BB5"/>
+                </a:solidFill>
+                <a:latin typeface="SourceCodePro-Regular"/>
+              </a:rPr>
+              <a:t>vmull_u8</a:t>
+            </a:r>
+            <a:r>
+              <a:rPr lang="nl-NL" dirty="0">
+                <a:solidFill>
+                  <a:prstClr val="black"/>
+                </a:solidFill>
+                <a:latin typeface="SourceCodePro-Regular"/>
+              </a:rPr>
+              <a:t>(</a:t>
+            </a:r>
+            <a:r>
+              <a:rPr lang="nl-NL" dirty="0" err="1" smtClean="0">
+                <a:solidFill>
+                  <a:prstClr val="black"/>
+                </a:solidFill>
+                <a:latin typeface="SourceCodePro-Regular"/>
+              </a:rPr>
+              <a:t>rgb.val</a:t>
+            </a:r>
+            <a:r>
+              <a:rPr lang="nl-NL" dirty="0">
+                <a:solidFill>
+                  <a:prstClr val="black"/>
+                </a:solidFill>
+                <a:latin typeface="SourceCodePro-Regular"/>
+              </a:rPr>
+              <a:t>[</a:t>
+            </a:r>
+            <a:r>
+              <a:rPr lang="nl-NL" dirty="0">
+                <a:solidFill>
+                  <a:srgbClr val="3B5BB5"/>
+                </a:solidFill>
+                <a:latin typeface="SourceCodePro-Regular"/>
+              </a:rPr>
+              <a:t>0</a:t>
+            </a:r>
+            <a:r>
+              <a:rPr lang="nl-NL" dirty="0">
+                <a:solidFill>
+                  <a:prstClr val="black"/>
+                </a:solidFill>
+                <a:latin typeface="SourceCodePro-Regular"/>
+              </a:rPr>
+              <a:t>], </a:t>
+            </a:r>
+            <a:r>
+              <a:rPr lang="nl-NL" dirty="0" err="1">
+                <a:solidFill>
+                  <a:prstClr val="black"/>
+                </a:solidFill>
+                <a:latin typeface="SourceCodePro-Regular"/>
+              </a:rPr>
+              <a:t>rcoeff</a:t>
+            </a:r>
+            <a:r>
+              <a:rPr lang="nl-NL" dirty="0">
+                <a:solidFill>
+                  <a:prstClr val="black"/>
+                </a:solidFill>
+                <a:latin typeface="SourceCodePro-Regular"/>
+              </a:rPr>
+              <a:t>);</a:t>
+            </a:r>
+            <a:br>
+              <a:rPr lang="nl-NL" dirty="0">
+                <a:solidFill>
+                  <a:prstClr val="black"/>
+                </a:solidFill>
+                <a:latin typeface="SourceCodePro-Regular"/>
+              </a:rPr>
+            </a:br>
+            <a:r>
+              <a:rPr lang="nl-NL" dirty="0">
+                <a:solidFill>
+                  <a:prstClr val="black"/>
+                </a:solidFill>
+                <a:latin typeface="SourceCodePro-Regular"/>
+              </a:rPr>
+              <a:t>    </a:t>
+            </a:r>
+            <a:r>
+              <a:rPr lang="nl-NL" dirty="0" err="1">
+                <a:solidFill>
+                  <a:prstClr val="black"/>
+                </a:solidFill>
+                <a:latin typeface="SourceCodePro-Regular"/>
+              </a:rPr>
+              <a:t>acc</a:t>
+            </a:r>
+            <a:r>
+              <a:rPr lang="nl-NL" dirty="0">
+                <a:solidFill>
+                  <a:prstClr val="black"/>
+                </a:solidFill>
+                <a:latin typeface="SourceCodePro-Regular"/>
+              </a:rPr>
+              <a:t> = </a:t>
+            </a:r>
+            <a:r>
+              <a:rPr lang="nl-NL" dirty="0">
+                <a:solidFill>
+                  <a:srgbClr val="3B5BB5"/>
+                </a:solidFill>
+                <a:latin typeface="SourceCodePro-Regular"/>
+              </a:rPr>
+              <a:t>vmlal_u8</a:t>
+            </a:r>
+            <a:r>
+              <a:rPr lang="nl-NL" dirty="0">
+                <a:solidFill>
+                  <a:prstClr val="black"/>
+                </a:solidFill>
+                <a:latin typeface="SourceCodePro-Regular"/>
+              </a:rPr>
+              <a:t>(</a:t>
+            </a:r>
+            <a:r>
+              <a:rPr lang="nl-NL" dirty="0" err="1">
+                <a:solidFill>
+                  <a:prstClr val="black"/>
+                </a:solidFill>
+                <a:latin typeface="SourceCodePro-Regular"/>
+              </a:rPr>
+              <a:t>acc</a:t>
+            </a:r>
+            <a:r>
+              <a:rPr lang="nl-NL" dirty="0">
+                <a:solidFill>
+                  <a:prstClr val="black"/>
+                </a:solidFill>
+                <a:latin typeface="SourceCodePro-Regular"/>
+              </a:rPr>
+              <a:t>, </a:t>
+            </a:r>
+            <a:r>
+              <a:rPr lang="nl-NL" dirty="0" err="1" smtClean="0">
+                <a:solidFill>
+                  <a:prstClr val="black"/>
+                </a:solidFill>
+                <a:latin typeface="SourceCodePro-Regular"/>
+              </a:rPr>
+              <a:t>rgb.val</a:t>
+            </a:r>
+            <a:r>
+              <a:rPr lang="nl-NL" dirty="0">
+                <a:solidFill>
+                  <a:prstClr val="black"/>
+                </a:solidFill>
+                <a:latin typeface="SourceCodePro-Regular"/>
+              </a:rPr>
+              <a:t>[</a:t>
+            </a:r>
+            <a:r>
+              <a:rPr lang="nl-NL" dirty="0">
+                <a:solidFill>
+                  <a:srgbClr val="3B5BB5"/>
+                </a:solidFill>
+                <a:latin typeface="SourceCodePro-Regular"/>
+              </a:rPr>
+              <a:t>1</a:t>
+            </a:r>
+            <a:r>
+              <a:rPr lang="nl-NL" dirty="0">
+                <a:solidFill>
+                  <a:prstClr val="black"/>
+                </a:solidFill>
+                <a:latin typeface="SourceCodePro-Regular"/>
+              </a:rPr>
+              <a:t>], </a:t>
+            </a:r>
+            <a:r>
+              <a:rPr lang="nl-NL" dirty="0" err="1">
+                <a:solidFill>
+                  <a:prstClr val="black"/>
+                </a:solidFill>
+                <a:latin typeface="SourceCodePro-Regular"/>
+              </a:rPr>
+              <a:t>gcoeff</a:t>
+            </a:r>
+            <a:r>
+              <a:rPr lang="nl-NL" dirty="0">
+                <a:solidFill>
+                  <a:prstClr val="black"/>
+                </a:solidFill>
+                <a:latin typeface="SourceCodePro-Regular"/>
+              </a:rPr>
+              <a:t>);</a:t>
+            </a:r>
+            <a:br>
+              <a:rPr lang="nl-NL" dirty="0">
+                <a:solidFill>
+                  <a:prstClr val="black"/>
+                </a:solidFill>
+                <a:latin typeface="SourceCodePro-Regular"/>
+              </a:rPr>
+            </a:br>
+            <a:r>
+              <a:rPr lang="nl-NL" dirty="0">
+                <a:solidFill>
+                  <a:prstClr val="black"/>
+                </a:solidFill>
+                <a:latin typeface="SourceCodePro-Regular"/>
+              </a:rPr>
+              <a:t>    </a:t>
+            </a:r>
+            <a:r>
+              <a:rPr lang="nl-NL" dirty="0" err="1">
+                <a:solidFill>
+                  <a:prstClr val="black"/>
+                </a:solidFill>
+                <a:latin typeface="SourceCodePro-Regular"/>
+              </a:rPr>
+              <a:t>acc</a:t>
+            </a:r>
+            <a:r>
+              <a:rPr lang="nl-NL" dirty="0">
+                <a:solidFill>
+                  <a:prstClr val="black"/>
+                </a:solidFill>
+                <a:latin typeface="SourceCodePro-Regular"/>
+              </a:rPr>
+              <a:t> = </a:t>
+            </a:r>
+            <a:r>
+              <a:rPr lang="nl-NL" dirty="0">
+                <a:solidFill>
+                  <a:srgbClr val="3B5BB5"/>
+                </a:solidFill>
+                <a:latin typeface="SourceCodePro-Regular"/>
+              </a:rPr>
+              <a:t>vmlal_u8</a:t>
+            </a:r>
+            <a:r>
+              <a:rPr lang="nl-NL" dirty="0">
+                <a:solidFill>
+                  <a:prstClr val="black"/>
+                </a:solidFill>
+                <a:latin typeface="SourceCodePro-Regular"/>
+              </a:rPr>
+              <a:t>(</a:t>
+            </a:r>
+            <a:r>
+              <a:rPr lang="nl-NL" dirty="0" err="1">
+                <a:solidFill>
+                  <a:prstClr val="black"/>
+                </a:solidFill>
+                <a:latin typeface="SourceCodePro-Regular"/>
+              </a:rPr>
+              <a:t>acc</a:t>
+            </a:r>
+            <a:r>
+              <a:rPr lang="nl-NL" dirty="0">
+                <a:solidFill>
+                  <a:prstClr val="black"/>
+                </a:solidFill>
+                <a:latin typeface="SourceCodePro-Regular"/>
+              </a:rPr>
+              <a:t>, </a:t>
+            </a:r>
+            <a:r>
+              <a:rPr lang="nl-NL" dirty="0" err="1" smtClean="0">
+                <a:solidFill>
+                  <a:prstClr val="black"/>
+                </a:solidFill>
+                <a:latin typeface="SourceCodePro-Regular"/>
+              </a:rPr>
+              <a:t>rgb.val</a:t>
+            </a:r>
+            <a:r>
+              <a:rPr lang="nl-NL" dirty="0">
+                <a:solidFill>
+                  <a:prstClr val="black"/>
+                </a:solidFill>
+                <a:latin typeface="SourceCodePro-Regular"/>
+              </a:rPr>
+              <a:t>[</a:t>
+            </a:r>
+            <a:r>
+              <a:rPr lang="nl-NL" dirty="0">
+                <a:solidFill>
+                  <a:srgbClr val="3B5BB5"/>
+                </a:solidFill>
+                <a:latin typeface="SourceCodePro-Regular"/>
+              </a:rPr>
+              <a:t>2</a:t>
+            </a:r>
+            <a:r>
+              <a:rPr lang="nl-NL" dirty="0">
+                <a:solidFill>
+                  <a:prstClr val="black"/>
+                </a:solidFill>
+                <a:latin typeface="SourceCodePro-Regular"/>
+              </a:rPr>
+              <a:t>], </a:t>
+            </a:r>
+            <a:r>
+              <a:rPr lang="nl-NL" dirty="0" err="1">
+                <a:solidFill>
+                  <a:prstClr val="black"/>
+                </a:solidFill>
+                <a:latin typeface="SourceCodePro-Regular"/>
+              </a:rPr>
+              <a:t>bcoeff</a:t>
+            </a:r>
+            <a:r>
+              <a:rPr lang="nl-NL" dirty="0">
+                <a:solidFill>
+                  <a:prstClr val="black"/>
+                </a:solidFill>
+                <a:latin typeface="SourceCodePro-Regular"/>
+              </a:rPr>
+              <a:t>);</a:t>
+            </a:r>
+            <a:br>
+              <a:rPr lang="nl-NL" dirty="0">
+                <a:solidFill>
+                  <a:prstClr val="black"/>
+                </a:solidFill>
+                <a:latin typeface="SourceCodePro-Regular"/>
+              </a:rPr>
+            </a:br>
+            <a:r>
+              <a:rPr lang="nl-NL" dirty="0">
+                <a:solidFill>
+                  <a:prstClr val="black"/>
+                </a:solidFill>
+                <a:latin typeface="SourceCodePro-Regular"/>
+              </a:rPr>
+              <a:t>    </a:t>
+            </a:r>
+            <a:br>
+              <a:rPr lang="nl-NL" dirty="0">
+                <a:solidFill>
+                  <a:prstClr val="black"/>
+                </a:solidFill>
+                <a:latin typeface="SourceCodePro-Regular"/>
+              </a:rPr>
+            </a:br>
+            <a:r>
+              <a:rPr lang="nl-NL" dirty="0">
+                <a:solidFill>
+                  <a:prstClr val="black"/>
+                </a:solidFill>
+                <a:latin typeface="SourceCodePro-Regular"/>
+              </a:rPr>
+              <a:t>    uint8x8_t </a:t>
+            </a:r>
+            <a:r>
+              <a:rPr lang="nl-NL" dirty="0" err="1">
+                <a:solidFill>
+                  <a:prstClr val="black"/>
+                </a:solidFill>
+                <a:latin typeface="SourceCodePro-Regular"/>
+              </a:rPr>
+              <a:t>result</a:t>
+            </a:r>
+            <a:r>
+              <a:rPr lang="nl-NL" dirty="0">
+                <a:solidFill>
+                  <a:prstClr val="black"/>
+                </a:solidFill>
+                <a:latin typeface="SourceCodePro-Regular"/>
+              </a:rPr>
+              <a:t> = </a:t>
+            </a:r>
+            <a:r>
+              <a:rPr lang="nl-NL" dirty="0">
+                <a:solidFill>
+                  <a:srgbClr val="3B5BB5"/>
+                </a:solidFill>
+                <a:latin typeface="SourceCodePro-Regular"/>
+              </a:rPr>
+              <a:t>vshrn_n_u16</a:t>
+            </a:r>
+            <a:r>
+              <a:rPr lang="nl-NL" dirty="0">
+                <a:solidFill>
+                  <a:prstClr val="black"/>
+                </a:solidFill>
+                <a:latin typeface="SourceCodePro-Regular"/>
+              </a:rPr>
+              <a:t>(</a:t>
+            </a:r>
+            <a:r>
+              <a:rPr lang="nl-NL" dirty="0" err="1">
+                <a:solidFill>
+                  <a:prstClr val="black"/>
+                </a:solidFill>
+                <a:latin typeface="SourceCodePro-Regular"/>
+              </a:rPr>
+              <a:t>acc</a:t>
+            </a:r>
+            <a:r>
+              <a:rPr lang="nl-NL" dirty="0">
+                <a:solidFill>
+                  <a:prstClr val="black"/>
+                </a:solidFill>
+                <a:latin typeface="SourceCodePro-Regular"/>
+              </a:rPr>
+              <a:t>, </a:t>
+            </a:r>
+            <a:r>
+              <a:rPr lang="nl-NL" dirty="0">
+                <a:solidFill>
+                  <a:srgbClr val="3B5BB5"/>
+                </a:solidFill>
+                <a:latin typeface="SourceCodePro-Regular"/>
+              </a:rPr>
+              <a:t>8</a:t>
+            </a:r>
+            <a:r>
+              <a:rPr lang="nl-NL" dirty="0">
+                <a:solidFill>
+                  <a:prstClr val="black"/>
+                </a:solidFill>
+                <a:latin typeface="SourceCodePro-Regular"/>
+              </a:rPr>
+              <a:t>);</a:t>
+            </a:r>
+            <a:br>
+              <a:rPr lang="nl-NL" dirty="0">
+                <a:solidFill>
+                  <a:prstClr val="black"/>
+                </a:solidFill>
+                <a:latin typeface="SourceCodePro-Regular"/>
+              </a:rPr>
+            </a:br>
+            <a:r>
+              <a:rPr lang="nl-NL" dirty="0">
+                <a:solidFill>
+                  <a:prstClr val="black"/>
+                </a:solidFill>
+                <a:latin typeface="SourceCodePro-Regular"/>
+              </a:rPr>
+              <a:t>    </a:t>
+            </a:r>
+            <a:r>
+              <a:rPr lang="nl-NL" dirty="0">
+                <a:solidFill>
+                  <a:srgbClr val="3B5BB5"/>
+                </a:solidFill>
+                <a:latin typeface="SourceCodePro-Regular"/>
+              </a:rPr>
+              <a:t>vst1_u8</a:t>
+            </a:r>
+            <a:r>
+              <a:rPr lang="nl-NL" dirty="0">
+                <a:solidFill>
+                  <a:prstClr val="black"/>
+                </a:solidFill>
+                <a:latin typeface="SourceCodePro-Regular"/>
+              </a:rPr>
+              <a:t>(</a:t>
+            </a:r>
+            <a:r>
+              <a:rPr lang="nl-NL" dirty="0" err="1">
+                <a:solidFill>
+                  <a:prstClr val="black"/>
+                </a:solidFill>
+                <a:latin typeface="SourceCodePro-Regular"/>
+              </a:rPr>
+              <a:t>dest</a:t>
+            </a:r>
+            <a:r>
+              <a:rPr lang="nl-NL" dirty="0">
+                <a:solidFill>
+                  <a:prstClr val="black"/>
+                </a:solidFill>
+                <a:latin typeface="SourceCodePro-Regular"/>
+              </a:rPr>
+              <a:t>, </a:t>
+            </a:r>
+            <a:r>
+              <a:rPr lang="nl-NL" dirty="0" err="1">
+                <a:solidFill>
+                  <a:prstClr val="black"/>
+                </a:solidFill>
+                <a:latin typeface="SourceCodePro-Regular"/>
+              </a:rPr>
+              <a:t>result</a:t>
+            </a:r>
+            <a:r>
+              <a:rPr lang="nl-NL" dirty="0">
+                <a:solidFill>
+                  <a:prstClr val="black"/>
+                </a:solidFill>
+                <a:latin typeface="SourceCodePro-Regular"/>
+              </a:rPr>
+              <a:t>);</a:t>
+            </a:r>
+            <a:br>
+              <a:rPr lang="nl-NL" dirty="0">
+                <a:solidFill>
+                  <a:prstClr val="black"/>
+                </a:solidFill>
+                <a:latin typeface="SourceCodePro-Regular"/>
+              </a:rPr>
+            </a:br>
+            <a:r>
+              <a:rPr lang="nl-NL" dirty="0">
+                <a:solidFill>
+                  <a:prstClr val="black"/>
+                </a:solidFill>
+                <a:latin typeface="SourceCodePro-Regular"/>
+              </a:rPr>
+              <a:t>       </a:t>
+            </a:r>
+            <a:br>
+              <a:rPr lang="nl-NL" dirty="0">
+                <a:solidFill>
+                  <a:prstClr val="black"/>
+                </a:solidFill>
+                <a:latin typeface="SourceCodePro-Regular"/>
+              </a:rPr>
+            </a:br>
+            <a:r>
+              <a:rPr lang="nl-NL" dirty="0">
+                <a:solidFill>
+                  <a:prstClr val="black"/>
+                </a:solidFill>
+                <a:latin typeface="SourceCodePro-Regular"/>
+              </a:rPr>
+              <a:t>    </a:t>
+            </a:r>
+            <a:r>
+              <a:rPr lang="nl-NL" dirty="0" err="1">
+                <a:solidFill>
+                  <a:prstClr val="black"/>
+                </a:solidFill>
+                <a:latin typeface="SourceCodePro-Regular"/>
+              </a:rPr>
+              <a:t>src</a:t>
+            </a:r>
+            <a:r>
+              <a:rPr lang="nl-NL" dirty="0">
+                <a:solidFill>
+                  <a:prstClr val="black"/>
+                </a:solidFill>
+                <a:latin typeface="SourceCodePro-Regular"/>
+              </a:rPr>
+              <a:t> += FACTOR;</a:t>
+            </a:r>
+            <a:br>
+              <a:rPr lang="nl-NL" dirty="0">
+                <a:solidFill>
+                  <a:prstClr val="black"/>
+                </a:solidFill>
+                <a:latin typeface="SourceCodePro-Regular"/>
+              </a:rPr>
+            </a:br>
+            <a:r>
+              <a:rPr lang="nl-NL" dirty="0">
+                <a:solidFill>
+                  <a:prstClr val="black"/>
+                </a:solidFill>
+                <a:latin typeface="SourceCodePro-Regular"/>
+              </a:rPr>
+              <a:t>    </a:t>
+            </a:r>
+            <a:r>
+              <a:rPr lang="nl-NL" dirty="0" err="1">
+                <a:solidFill>
+                  <a:prstClr val="black"/>
+                </a:solidFill>
+                <a:latin typeface="SourceCodePro-Regular"/>
+              </a:rPr>
+              <a:t>dest</a:t>
+            </a:r>
+            <a:r>
+              <a:rPr lang="nl-NL" dirty="0">
+                <a:solidFill>
+                  <a:prstClr val="black"/>
+                </a:solidFill>
+                <a:latin typeface="SourceCodePro-Regular"/>
+              </a:rPr>
+              <a:t> += FACTOR;</a:t>
+            </a:r>
+            <a:br>
+              <a:rPr lang="nl-NL" dirty="0">
+                <a:solidFill>
+                  <a:prstClr val="black"/>
+                </a:solidFill>
+                <a:latin typeface="SourceCodePro-Regular"/>
+              </a:rPr>
+            </a:br>
+            <a:r>
+              <a:rPr lang="nl-NL" dirty="0">
+                <a:solidFill>
+                  <a:prstClr val="black"/>
+                </a:solidFill>
+                <a:latin typeface="SourceCodePro-Regular"/>
+              </a:rPr>
+              <a:t>}</a:t>
+            </a:r>
+            <a:endParaRPr lang="en-US" dirty="0">
+              <a:latin typeface="HelveticaNeueLT Com 45 Lt"/>
+            </a:endParaRPr>
+          </a:p>
+        </p:txBody>
+      </p:sp>
+      <p:sp>
+        <p:nvSpPr>
+          <p:cNvPr id="5" name="Rounded Rectangle 4"/>
+          <p:cNvSpPr/>
+          <p:nvPr/>
+        </p:nvSpPr>
+        <p:spPr>
+          <a:xfrm>
+            <a:off x="1675443" y="2256165"/>
+            <a:ext cx="4620980" cy="580930"/>
+          </a:xfrm>
+          <a:prstGeom prst="roundRect">
+            <a:avLst/>
+          </a:prstGeom>
+          <a:noFill/>
+          <a:ln>
+            <a:solidFill>
+              <a:schemeClr val="accent2"/>
+            </a:solidFill>
+          </a:ln>
+        </p:spPr>
+        <p:style>
+          <a:lnRef idx="2">
+            <a:schemeClr val="dk1">
+              <a:shade val="50000"/>
+            </a:schemeClr>
+          </a:lnRef>
+          <a:fillRef idx="1">
+            <a:schemeClr val="dk1"/>
+          </a:fillRef>
+          <a:effectRef idx="0">
+            <a:schemeClr val="dk1"/>
+          </a:effectRef>
+          <a:fontRef idx="minor">
+            <a:schemeClr val="lt1"/>
+          </a:fontRef>
+        </p:style>
+        <p:txBody>
+          <a:bodyPr rtlCol="0" anchor="ctr"/>
+          <a:lstStyle/>
+          <a:p>
+            <a:pPr algn="ctr"/>
+            <a:endParaRPr lang="en-US" dirty="0">
+              <a:latin typeface="HelveticaNeueLT Com 45 Lt"/>
+            </a:endParaRPr>
+          </a:p>
+        </p:txBody>
+      </p:sp>
+      <p:sp>
+        <p:nvSpPr>
+          <p:cNvPr id="6" name="TextBox 5"/>
+          <p:cNvSpPr txBox="1"/>
+          <p:nvPr/>
+        </p:nvSpPr>
+        <p:spPr>
+          <a:xfrm>
+            <a:off x="6296423" y="2301081"/>
+            <a:ext cx="2888231" cy="461665"/>
+          </a:xfrm>
+          <a:prstGeom prst="rect">
+            <a:avLst/>
+          </a:prstGeom>
+          <a:noFill/>
+        </p:spPr>
+        <p:txBody>
+          <a:bodyPr wrap="none" rtlCol="0">
+            <a:spAutoFit/>
+          </a:bodyPr>
+          <a:lstStyle/>
+          <a:p>
+            <a:r>
+              <a:rPr lang="en-US" sz="2400" dirty="0" smtClean="0">
+                <a:solidFill>
+                  <a:schemeClr val="accent2"/>
+                </a:solidFill>
+                <a:latin typeface="HelveticaNeueLT Com 45 Lt"/>
+              </a:rPr>
+              <a:t>Load (3 Interleaved)</a:t>
+            </a:r>
+            <a:endParaRPr lang="en-US" sz="2400" dirty="0">
+              <a:solidFill>
+                <a:schemeClr val="accent2"/>
+              </a:solidFill>
+              <a:latin typeface="HelveticaNeueLT Com 45 Lt"/>
+            </a:endParaRPr>
+          </a:p>
+        </p:txBody>
+      </p:sp>
+    </p:spTree>
+    <p:extLst>
+      <p:ext uri="{BB962C8B-B14F-4D97-AF65-F5344CB8AC3E}">
+        <p14:creationId xmlns:p14="http://schemas.microsoft.com/office/powerpoint/2010/main" val="144447164"/>
+      </p:ext>
+    </p:extLst>
+  </p:cSld>
+  <p:clrMapOvr>
+    <a:masterClrMapping/>
+  </p:clrMapOvr>
+  <p:timing>
+    <p:tnLst>
+      <p:par>
+        <p:cTn xmlns:p14="http://schemas.microsoft.com/office/powerpoint/2010/main" id="1" dur="indefinite" restart="never" nodeType="tmRoot"/>
+      </p:par>
+    </p:tnLst>
+  </p:timing>
+</p:sld>
+</file>
+
+<file path=ppt/slides/slide21.xml><?xml version="1.0" encoding="utf-8"?>
+<p:sld xmlns:a="http://schemas.openxmlformats.org/drawingml/2006/main" xmlns:r="http://schemas.openxmlformats.org/officeDocument/2006/relationships" xmlns:p="http://schemas.openxmlformats.org/presentationml/2006/main">
+  <p:cSld>
+    <p:spTree>
+      <p:nvGrpSpPr>
+        <p:cNvPr id="1" name=""/>
+        <p:cNvGrpSpPr/>
+        <p:nvPr/>
+      </p:nvGrpSpPr>
+      <p:grpSpPr>
+        <a:xfrm>
+          <a:off x="0" y="0"/>
+          <a:ext cx="0" cy="0"/>
+          <a:chOff x="0" y="0"/>
+          <a:chExt cx="0" cy="0"/>
+        </a:xfrm>
+      </p:grpSpPr>
+      <p:sp>
+        <p:nvSpPr>
+          <p:cNvPr id="2" name="Title 1"/>
+          <p:cNvSpPr>
+            <a:spLocks noGrp="1"/>
+          </p:cNvSpPr>
+          <p:nvPr>
+            <p:ph type="title"/>
+          </p:nvPr>
+        </p:nvSpPr>
+        <p:spPr/>
+        <p:txBody>
+          <a:bodyPr>
+            <a:normAutofit fontScale="90000"/>
+          </a:bodyPr>
+          <a:lstStyle/>
+          <a:p>
+            <a:r>
+              <a:rPr lang="en-US" dirty="0" smtClean="0"/>
+              <a:t>Single Instruction – Multiple data</a:t>
+            </a:r>
+            <a:br>
+              <a:rPr lang="en-US" dirty="0" smtClean="0"/>
+            </a:br>
+            <a:r>
+              <a:rPr lang="en-US" sz="2800" dirty="0" smtClean="0">
+                <a:solidFill>
+                  <a:schemeClr val="bg1">
+                    <a:lumMod val="50000"/>
+                  </a:schemeClr>
+                </a:solidFill>
+              </a:rPr>
+              <a:t>Converting to gray scale</a:t>
+            </a:r>
+            <a:endParaRPr lang="en-US" dirty="0"/>
+          </a:p>
+        </p:txBody>
+      </p:sp>
+      <p:sp>
+        <p:nvSpPr>
+          <p:cNvPr id="4" name="Slide Number Placeholder 3"/>
+          <p:cNvSpPr>
+            <a:spLocks noGrp="1"/>
+          </p:cNvSpPr>
+          <p:nvPr>
+            <p:ph type="sldNum" sz="quarter" idx="12"/>
+          </p:nvPr>
+        </p:nvSpPr>
+        <p:spPr/>
+        <p:txBody>
+          <a:bodyPr/>
+          <a:lstStyle/>
+          <a:p>
+            <a:fld id="{0A3E316F-3D65-2744-BC5B-55B8D60FFFDF}" type="slidenum">
+              <a:rPr lang="en-US" smtClean="0"/>
+              <a:t>21</a:t>
+            </a:fld>
+            <a:endParaRPr lang="en-US"/>
+          </a:p>
+        </p:txBody>
+      </p:sp>
+      <p:sp>
+        <p:nvSpPr>
+          <p:cNvPr id="3" name="Rectangle 2"/>
+          <p:cNvSpPr/>
+          <p:nvPr/>
+        </p:nvSpPr>
+        <p:spPr>
+          <a:xfrm>
+            <a:off x="1137506" y="1930200"/>
+            <a:ext cx="6712750" cy="3970318"/>
+          </a:xfrm>
+          <a:prstGeom prst="rect">
+            <a:avLst/>
+          </a:prstGeom>
+        </p:spPr>
+        <p:txBody>
+          <a:bodyPr wrap="square">
+            <a:spAutoFit/>
+          </a:bodyPr>
+          <a:lstStyle/>
+          <a:p>
+            <a:r>
+              <a:rPr lang="nl-NL" dirty="0" err="1">
+                <a:solidFill>
+                  <a:srgbClr val="FF7800"/>
+                </a:solidFill>
+                <a:latin typeface="SourceCodePro-Regular"/>
+              </a:rPr>
+              <a:t>for</a:t>
+            </a:r>
+            <a:r>
+              <a:rPr lang="nl-NL" dirty="0">
+                <a:solidFill>
+                  <a:prstClr val="black"/>
+                </a:solidFill>
+                <a:latin typeface="SourceCodePro-Regular"/>
+              </a:rPr>
+              <a:t>(</a:t>
+            </a:r>
+            <a:r>
+              <a:rPr lang="nl-NL" dirty="0">
+                <a:solidFill>
+                  <a:srgbClr val="FF7800"/>
+                </a:solidFill>
+                <a:latin typeface="SourceCodePro-Regular"/>
+              </a:rPr>
+              <a:t>int</a:t>
+            </a:r>
+            <a:r>
+              <a:rPr lang="nl-NL" dirty="0">
+                <a:solidFill>
+                  <a:prstClr val="black"/>
+                </a:solidFill>
+                <a:latin typeface="SourceCodePro-Regular"/>
+              </a:rPr>
+              <a:t> i=</a:t>
+            </a:r>
+            <a:r>
+              <a:rPr lang="nl-NL" dirty="0">
+                <a:solidFill>
+                  <a:srgbClr val="3B5BB5"/>
+                </a:solidFill>
+                <a:latin typeface="SourceCodePro-Regular"/>
+              </a:rPr>
+              <a:t>0</a:t>
+            </a:r>
+            <a:r>
+              <a:rPr lang="nl-NL" dirty="0">
+                <a:solidFill>
+                  <a:prstClr val="black"/>
+                </a:solidFill>
+                <a:latin typeface="SourceCodePro-Regular"/>
+              </a:rPr>
+              <a:t>; i &lt; pixels; i += FACTOR) {</a:t>
+            </a:r>
+            <a:br>
+              <a:rPr lang="nl-NL" dirty="0">
+                <a:solidFill>
+                  <a:prstClr val="black"/>
+                </a:solidFill>
+                <a:latin typeface="SourceCodePro-Regular"/>
+              </a:rPr>
+            </a:br>
+            <a:r>
+              <a:rPr lang="nl-NL" dirty="0">
+                <a:solidFill>
+                  <a:prstClr val="black"/>
+                </a:solidFill>
+                <a:latin typeface="SourceCodePro-Regular"/>
+              </a:rPr>
+              <a:t>    uint8x8x3_t </a:t>
+            </a:r>
+            <a:r>
+              <a:rPr lang="nl-NL" dirty="0" err="1" smtClean="0">
+                <a:solidFill>
+                  <a:prstClr val="black"/>
+                </a:solidFill>
+                <a:latin typeface="SourceCodePro-Regular"/>
+              </a:rPr>
+              <a:t>rgb</a:t>
+            </a:r>
+            <a:r>
+              <a:rPr lang="nl-NL" dirty="0" smtClean="0">
+                <a:solidFill>
+                  <a:prstClr val="black"/>
+                </a:solidFill>
+                <a:latin typeface="SourceCodePro-Regular"/>
+              </a:rPr>
+              <a:t> </a:t>
+            </a:r>
+            <a:r>
+              <a:rPr lang="nl-NL" dirty="0">
+                <a:solidFill>
+                  <a:prstClr val="black"/>
+                </a:solidFill>
+                <a:latin typeface="SourceCodePro-Regular"/>
+              </a:rPr>
+              <a:t>= </a:t>
+            </a:r>
+            <a:r>
+              <a:rPr lang="nl-NL" dirty="0">
+                <a:solidFill>
+                  <a:srgbClr val="3B5BB5"/>
+                </a:solidFill>
+                <a:latin typeface="SourceCodePro-Regular"/>
+              </a:rPr>
+              <a:t>vld3_u8</a:t>
+            </a:r>
+            <a:r>
+              <a:rPr lang="nl-NL" dirty="0">
+                <a:solidFill>
+                  <a:prstClr val="black"/>
+                </a:solidFill>
+                <a:latin typeface="SourceCodePro-Regular"/>
+              </a:rPr>
+              <a:t>(</a:t>
+            </a:r>
+            <a:r>
+              <a:rPr lang="nl-NL" dirty="0" err="1">
+                <a:solidFill>
+                  <a:prstClr val="black"/>
+                </a:solidFill>
+                <a:latin typeface="SourceCodePro-Regular"/>
+              </a:rPr>
+              <a:t>src</a:t>
+            </a:r>
+            <a:r>
+              <a:rPr lang="nl-NL" dirty="0">
+                <a:solidFill>
+                  <a:prstClr val="black"/>
+                </a:solidFill>
+                <a:latin typeface="SourceCodePro-Regular"/>
+              </a:rPr>
+              <a:t>);</a:t>
+            </a:r>
+            <a:br>
+              <a:rPr lang="nl-NL" dirty="0">
+                <a:solidFill>
+                  <a:prstClr val="black"/>
+                </a:solidFill>
+                <a:latin typeface="SourceCodePro-Regular"/>
+              </a:rPr>
+            </a:br>
+            <a:r>
+              <a:rPr lang="nl-NL" dirty="0">
+                <a:solidFill>
+                  <a:prstClr val="black"/>
+                </a:solidFill>
+                <a:latin typeface="SourceCodePro-Regular"/>
+              </a:rPr>
+              <a:t>    uint16x8_t </a:t>
+            </a:r>
+            <a:r>
+              <a:rPr lang="nl-NL" dirty="0" err="1">
+                <a:solidFill>
+                  <a:prstClr val="black"/>
+                </a:solidFill>
+                <a:latin typeface="SourceCodePro-Regular"/>
+              </a:rPr>
+              <a:t>acc</a:t>
+            </a:r>
+            <a:r>
+              <a:rPr lang="nl-NL" dirty="0">
+                <a:solidFill>
+                  <a:prstClr val="black"/>
+                </a:solidFill>
+                <a:latin typeface="SourceCodePro-Regular"/>
+              </a:rPr>
+              <a:t>;</a:t>
+            </a:r>
+            <a:br>
+              <a:rPr lang="nl-NL" dirty="0">
+                <a:solidFill>
+                  <a:prstClr val="black"/>
+                </a:solidFill>
+                <a:latin typeface="SourceCodePro-Regular"/>
+              </a:rPr>
+            </a:br>
+            <a:r>
+              <a:rPr lang="nl-NL" dirty="0">
+                <a:solidFill>
+                  <a:prstClr val="black"/>
+                </a:solidFill>
+                <a:latin typeface="SourceCodePro-Regular"/>
+              </a:rPr>
+              <a:t>    </a:t>
+            </a:r>
+            <a:br>
+              <a:rPr lang="nl-NL" dirty="0">
+                <a:solidFill>
+                  <a:prstClr val="black"/>
+                </a:solidFill>
+                <a:latin typeface="SourceCodePro-Regular"/>
+              </a:rPr>
+            </a:br>
+            <a:r>
+              <a:rPr lang="nl-NL" dirty="0">
+                <a:solidFill>
+                  <a:prstClr val="black"/>
+                </a:solidFill>
+                <a:latin typeface="SourceCodePro-Regular"/>
+              </a:rPr>
               <a:t>   </a:t>
             </a:r>
             <a:r>
@@ -11793,7 +12047,9 @@
               </a:rPr>
               <a:t>}</a:t>
             </a:r>
-            <a:endParaRPr lang="en-US" dirty="0"/>
+            <a:endParaRPr lang="en-US" dirty="0">
+              <a:latin typeface="HelveticaNeueLT Com 45 Lt"/>
+            </a:endParaRPr>
           </a:p>
         </p:txBody>
       </p:sp>
@@ -11839,7 +12095,9 @@
           <a:lstStyle/>
           <a:p>
             <a:pPr algn="ctr"/>
-            <a:endParaRPr lang="en-US"/>
+            <a:endParaRPr lang="en-US" dirty="0">
+              <a:latin typeface="HelveticaNeueLT Com 45 Lt"/>
+            </a:endParaRPr>
           </a:p>
         </p:txBody>
       </p:sp>
@@ -11852,7 +12110,7 @@
         <p:spPr>
           <a:xfrm>
             <a:off x="0" y="3338395"/>
-            <a:ext cx="9143999" cy="1015663"/>
+            <a:ext cx="9143999" cy="923330"/>
           </a:xfrm>
           <a:prstGeom prst="rect">
             <a:avLst/>
@@ -11920,7 +12178,9 @@
               </a:rPr>
               <a:t>_t</a:t>
             </a:r>
-            <a:endParaRPr lang="en-US" sz="5400" dirty="0"/>
+            <a:endParaRPr lang="en-US" sz="5400" dirty="0">
+              <a:latin typeface="HelveticaNeueLT Com 45 Lt"/>
+            </a:endParaRPr>
           </a:p>
         </p:txBody>
       </p:sp>
@@ -11951,6 +12211,7 @@
                 <a:solidFill>
                   <a:schemeClr val="accent2"/>
                 </a:solidFill>
+                <a:latin typeface="HelveticaNeueLT Com 45 Lt"/>
               </a:rPr>
               <a:t>Type</a:t>
             </a:r>
@@ -11962,6 +12223,7 @@
                 <a:solidFill>
                   <a:schemeClr val="accent3"/>
                 </a:solidFill>
+                <a:latin typeface="HelveticaNeueLT Com 45 Lt"/>
               </a:rPr>
               <a:t># of Elements</a:t>
             </a:r>
@@ -11973,6 +12235,7 @@
                 <a:solidFill>
                   <a:schemeClr val="accent6"/>
                 </a:solidFill>
+                <a:latin typeface="HelveticaNeueLT Com 45 Lt"/>
               </a:rPr>
               <a:t># of Registers</a:t>
             </a:r>
@@ -11980,6 +12243,7 @@
               <a:solidFill>
                 <a:schemeClr val="accent6"/>
               </a:solidFill>
+              <a:latin typeface="HelveticaNeueLT Com 45 Lt"/>
             </a:endParaRPr>
           </a:p>
         </p:txBody>
@@ -12004,7 +12268,7 @@
 </p:sld>
 </file>
 
-<file path=ppt/slides/slide21.xml><?xml version="1.0" encoding="utf-8"?>
+<file path=ppt/slides/slide22.xml><?xml version="1.0" encoding="utf-8"?>
 <p:sld xmlns:a="http://schemas.openxmlformats.org/drawingml/2006/main" xmlns:r="http://schemas.openxmlformats.org/officeDocument/2006/relationships" xmlns:p="http://schemas.openxmlformats.org/presentationml/2006/main">
   <p:cSld>
     <p:spTree>
@@ -12076,7 +12340,7 @@
           <a:p>
             <a:fld id="{0A3E316F-3D65-2744-BC5B-55B8D60FFFDF}" type="slidenum">
               <a:rPr lang="en-US" smtClean="0"/>
-              <a:t>21</a:t>
+              <a:t>22</a:t>
             </a:fld>
             <a:endParaRPr lang="en-US"/>
           </a:p>
@@ -12885,7 +13149,9 @@
               </a:rPr>
               <a:t>}</a:t>
             </a:r>
-            <a:endParaRPr lang="en-US" dirty="0"/>
+            <a:endParaRPr lang="en-US" dirty="0">
+              <a:latin typeface="HelveticaNeueLT Com 45 Lt"/>
+            </a:endParaRPr>
           </a:p>
         </p:txBody>
       </p:sp>
@@ -12931,7 +13197,9 @@
           <a:lstStyle/>
           <a:p>
             <a:pPr algn="ctr"/>
-            <a:endParaRPr lang="en-US"/>
+            <a:endParaRPr lang="en-US" dirty="0">
+              <a:latin typeface="HelveticaNeueLT Com 45 Lt"/>
+            </a:endParaRPr>
           </a:p>
         </p:txBody>
       </p:sp>
@@ -12977,7 +13245,7 @@
         <p:spPr>
           <a:xfrm>
             <a:off x="2215877" y="3647692"/>
-            <a:ext cx="6777016" cy="584776"/>
+            <a:ext cx="6979488" cy="584776"/>
           </a:xfrm>
           <a:prstGeom prst="rect">
             <a:avLst/>
@@ -12991,10 +13259,14 @@
           <a:lstStyle/>
           <a:p>
             <a:r>
-              <a:rPr lang="en-US" sz="3200" dirty="0" smtClean="0"/>
+              <a:rPr lang="en-US" sz="3200" dirty="0" smtClean="0">
+                <a:latin typeface="HelveticaNeueLT Com 45 Lt"/>
+              </a:rPr>
               <a:t>Loads 8bit * 8 * 3  = 192 bit = 24 byte!</a:t>
             </a:r>
-            <a:endParaRPr lang="en-US" sz="3200" dirty="0"/>
+            <a:endParaRPr lang="en-US" sz="3200" dirty="0">
+              <a:latin typeface="HelveticaNeueLT Com 45 Lt"/>
+            </a:endParaRPr>
           </a:p>
         </p:txBody>
       </p:sp>
@@ -13018,7 +13290,7 @@
 </p:sld>
 </file>
 
-<file path=ppt/slides/slide22.xml><?xml version="1.0" encoding="utf-8"?>
+<file path=ppt/slides/slide23.xml><?xml version="1.0" encoding="utf-8"?>
 <p:sld xmlns:a="http://schemas.openxmlformats.org/drawingml/2006/main" xmlns:r="http://schemas.openxmlformats.org/officeDocument/2006/relationships" xmlns:p="http://schemas.openxmlformats.org/presentationml/2006/main">
   <p:cSld>
     <p:spTree>
@@ -13100,7 +13372,7 @@
           <a:p>
             <a:fld id="{0A3E316F-3D65-2744-BC5B-55B8D60FFFDF}" type="slidenum">
               <a:rPr lang="en-US" smtClean="0"/>
-              <a:t>22</a:t>
+              <a:t>23</a:t>
             </a:fld>
             <a:endParaRPr lang="en-US"/>
           </a:p>
@@ -13951,7 +14223,9 @@
               </a:rPr>
               <a:t>}</a:t>
             </a:r>
-            <a:endParaRPr lang="en-US" dirty="0"/>
+            <a:endParaRPr lang="en-US" dirty="0">
+              <a:latin typeface="HelveticaNeueLT Com 45 Lt"/>
+            </a:endParaRPr>
           </a:p>
         </p:txBody>
       </p:sp>
@@ -13997,7 +14271,9 @@
           <a:lstStyle/>
           <a:p>
             <a:pPr algn="ctr"/>
-            <a:endParaRPr lang="en-US"/>
+            <a:endParaRPr lang="en-US" dirty="0">
+              <a:latin typeface="HelveticaNeueLT Com 45 Lt"/>
+            </a:endParaRPr>
           </a:p>
         </p:txBody>
       </p:sp>
@@ -14028,6 +14304,7 @@
                 <a:solidFill>
                   <a:schemeClr val="accent2"/>
                 </a:solidFill>
+                <a:latin typeface="HelveticaNeueLT Com 45 Lt"/>
               </a:rPr>
               <a:t>Apply</a:t>
             </a:r>
@@ -14038,6 +14315,7 @@
                 <a:solidFill>
                   <a:schemeClr val="accent2"/>
                 </a:solidFill>
+                <a:latin typeface="HelveticaNeueLT Com 45 Lt"/>
               </a:rPr>
               <a:t>operations</a:t>
             </a:r>
@@ -14045,6 +14323,7 @@
               <a:solidFill>
                 <a:schemeClr val="accent2"/>
               </a:solidFill>
+              <a:latin typeface="HelveticaNeueLT Com 45 Lt"/>
             </a:endParaRPr>
           </a:p>
         </p:txBody>
@@ -14069,7 +14348,7 @@
 </p:sld>
 </file>
 
-<file path=ppt/slides/slide23.xml><?xml version="1.0" encoding="utf-8"?>
+<file path=ppt/slides/slide24.xml><?xml version="1.0" encoding="utf-8"?>
 <p:sld xmlns:a="http://schemas.openxmlformats.org/drawingml/2006/main" xmlns:r="http://schemas.openxmlformats.org/officeDocument/2006/relationships" xmlns:p="http://schemas.openxmlformats.org/presentationml/2006/main">
   <p:cSld>
     <p:spTree>
@@ -14151,7 +14430,7 @@
           <a:p>
             <a:fld id="{0A3E316F-3D65-2744-BC5B-55B8D60FFFDF}" type="slidenum">
               <a:rPr lang="en-US" smtClean="0"/>
-              <a:t>23</a:t>
+              <a:t>24</a:t>
             </a:fld>
             <a:endParaRPr lang="en-US"/>
           </a:p>
@@ -15056,7 +15335,9 @@
               </a:rPr>
               <a:t>}</a:t>
             </a:r>
-            <a:endParaRPr lang="en-US" dirty="0"/>
+            <a:endParaRPr lang="en-US" dirty="0">
+              <a:latin typeface="HelveticaNeueLT Com 45 Lt"/>
+            </a:endParaRPr>
           </a:p>
         </p:txBody>
       </p:sp>
@@ -15102,7 +15383,9 @@
           <a:lstStyle/>
           <a:p>
             <a:pPr algn="ctr"/>
-            <a:endParaRPr lang="en-US"/>
+            <a:endParaRPr lang="en-US" dirty="0">
+              <a:latin typeface="HelveticaNeueLT Com 45 Lt"/>
+            </a:endParaRPr>
           </a:p>
         </p:txBody>
       </p:sp>
@@ -15133,6 +15416,7 @@
                 <a:solidFill>
                   <a:schemeClr val="accent2"/>
                 </a:solidFill>
+                <a:latin typeface="HelveticaNeueLT Com 45 Lt"/>
               </a:rPr>
               <a:t>Write back to memory</a:t>
             </a:r>
@@ -15140,6 +15424,7 @@
               <a:solidFill>
                 <a:schemeClr val="accent2"/>
               </a:solidFill>
+              <a:latin typeface="HelveticaNeueLT Com 45 Lt"/>
             </a:endParaRPr>
           </a:p>
         </p:txBody>
@@ -15148,167 +15433,6 @@
     <p:extLst>
       <p:ext uri="{BB962C8B-B14F-4D97-AF65-F5344CB8AC3E}">
         <p14:creationId xmlns:p14="http://schemas.microsoft.com/office/powerpoint/2010/main" val="781761880"/>
-      </p:ext>
-    </p:extLst>
-  </p:cSld>
-  <p:clrMapOvr>
-    <a:masterClrMapping/>
-  </p:clrMapOvr>
-  <p:timing>
-    <p:tnLst>
-      <p:par>
-        <p:cTn xmlns:p14="http://schemas.microsoft.com/office/powerpoint/2010/main" id="1" dur="indefinite" restart="never" nodeType="tmRoot"/>
-      </p:par>
-    </p:tnLst>
-  </p:timing>
-</p:sld>
-</file>
-
-<file path=ppt/slides/slide24.xml><?xml version="1.0" encoding="utf-8"?>
-<p:sld xmlns:a="http://schemas.openxmlformats.org/drawingml/2006/main" xmlns:r="http://schemas.openxmlformats.org/officeDocument/2006/relationships" xmlns:p="http://schemas.openxmlformats.org/presentationml/2006/main">
-  <p:cSld>
-    <p:spTree>
-      <p:nvGrpSpPr>
-        <p:cNvPr id="1" name=""/>
-        <p:cNvGrpSpPr/>
-        <p:nvPr/>
-      </p:nvGrpSpPr>
-      <p:grpSpPr>
-        <a:xfrm>
-          <a:off x="0" y="0"/>
-          <a:ext cx="0" cy="0"/>
-          <a:chOff x="0" y="0"/>
-          <a:chExt cx="0" cy="0"/>
-        </a:xfrm>
-      </p:grpSpPr>
-      <p:sp>
-        <p:nvSpPr>
-          <p:cNvPr id="2" name="Title 1"/>
-          <p:cNvSpPr>
-            <a:spLocks noGrp="1"/>
-          </p:cNvSpPr>
-          <p:nvPr>
-            <p:ph type="title"/>
-          </p:nvPr>
-        </p:nvSpPr>
-        <p:spPr/>
-        <p:txBody>
-          <a:bodyPr>
-            <a:normAutofit fontScale="90000"/>
-          </a:bodyPr>
-          <a:lstStyle/>
-          <a:p>
-            <a:r>
-              <a:rPr lang="en-US" dirty="0" smtClean="0"/>
-              <a:t>Single Instruction – Multiple data</a:t>
-            </a:r>
-            <a:br>
-              <a:rPr lang="en-US" dirty="0" smtClean="0"/>
-            </a:br>
-            <a:r>
-              <a:rPr lang="en-US" sz="2800" dirty="0" smtClean="0">
-                <a:solidFill>
-                  <a:schemeClr val="bg1">
-                    <a:lumMod val="50000"/>
-                  </a:schemeClr>
-                </a:solidFill>
-              </a:rPr>
-              <a:t>Converting to </a:t>
-            </a:r>
-            <a:r>
-              <a:rPr lang="en-US" sz="2800" dirty="0" err="1" smtClean="0">
-                <a:solidFill>
-                  <a:schemeClr val="bg1">
-                    <a:lumMod val="50000"/>
-                  </a:schemeClr>
-                </a:solidFill>
-              </a:rPr>
-              <a:t>grayscale</a:t>
-            </a:r>
-            <a:endParaRPr lang="en-US" dirty="0"/>
-          </a:p>
-        </p:txBody>
-      </p:sp>
-      <p:sp>
-        <p:nvSpPr>
-          <p:cNvPr id="7" name="Content Placeholder 6"/>
-          <p:cNvSpPr>
-            <a:spLocks noGrp="1"/>
-          </p:cNvSpPr>
-          <p:nvPr>
-            <p:ph idx="1"/>
-          </p:nvPr>
-        </p:nvSpPr>
-        <p:spPr/>
-        <p:txBody>
-          <a:bodyPr/>
-          <a:lstStyle/>
-          <a:p>
-            <a:r>
-              <a:rPr lang="en-US" dirty="0" smtClean="0"/>
-              <a:t>Native C-Version</a:t>
-            </a:r>
-          </a:p>
-          <a:p>
-            <a:pPr lvl="1"/>
-            <a:r>
-              <a:rPr lang="en-US" dirty="0" smtClean="0"/>
-              <a:t>16 Instructions / Pixel</a:t>
-            </a:r>
-          </a:p>
-          <a:p>
-            <a:pPr lvl="1"/>
-            <a:endParaRPr lang="en-US" dirty="0" smtClean="0"/>
-          </a:p>
-          <a:p>
-            <a:r>
-              <a:rPr lang="en-US" dirty="0" smtClean="0"/>
-              <a:t>SIMD Version:</a:t>
-            </a:r>
-          </a:p>
-          <a:p>
-            <a:pPr lvl="1"/>
-            <a:r>
-              <a:rPr lang="en-US" dirty="0" smtClean="0"/>
-              <a:t>15 Instructions / 8 Pixels</a:t>
-            </a:r>
-          </a:p>
-          <a:p>
-            <a:pPr lvl="1"/>
-            <a:r>
-              <a:rPr lang="en-US" dirty="0" smtClean="0"/>
-              <a:t>~2 Instructions / Pixel</a:t>
-            </a:r>
-          </a:p>
-        </p:txBody>
-      </p:sp>
-      <p:sp>
-        <p:nvSpPr>
-          <p:cNvPr id="4" name="Slide Number Placeholder 3"/>
-          <p:cNvSpPr>
-            <a:spLocks noGrp="1"/>
-          </p:cNvSpPr>
-          <p:nvPr>
-            <p:ph type="sldNum" sz="quarter" idx="12"/>
-          </p:nvPr>
-        </p:nvSpPr>
-        <p:spPr/>
-        <p:txBody>
-          <a:bodyPr/>
-          <a:lstStyle/>
-          <a:p>
-            <a:fld id="{0A3E316F-3D65-2744-BC5B-55B8D60FFFDF}" type="slidenum">
-              <a:rPr lang="en-US" smtClean="0"/>
-              <a:t>24</a:t>
-            </a:fld>
-            <a:endParaRPr lang="en-US"/>
-          </a:p>
-        </p:txBody>
-      </p:sp>
-    </p:spTree>
-    <p:extLst>
-      <p:ext uri="{BB962C8B-B14F-4D97-AF65-F5344CB8AC3E}">
-        <p14:creationId xmlns:p14="http://schemas.microsoft.com/office/powerpoint/2010/main" val="3608574956"/>
       </p:ext>
     </p:extLst>
   </p:cSld>
@@ -15354,12 +15478,37 @@
         </p:nvSpPr>
         <p:spPr/>
         <p:txBody>
-          <a:bodyPr/>
+          <a:bodyPr>
+            <a:normAutofit fontScale="90000"/>
+          </a:bodyPr>
           <a:lstStyle/>
           <a:p>
             <a:r>
               <a:rPr lang="en-US" dirty="0" smtClean="0"/>
-              <a:t>Google Go</a:t>
+              <a:t>Single Instruction – Multiple data</a:t>
+            </a:r>
+            <a:br>
+              <a:rPr lang="en-US" dirty="0" smtClean="0"/>
+            </a:br>
+            <a:r>
+              <a:rPr lang="en-US" sz="2800" dirty="0" smtClean="0">
+                <a:solidFill>
+                  <a:schemeClr val="bg1">
+                    <a:lumMod val="50000"/>
+                  </a:schemeClr>
+                </a:solidFill>
+              </a:rPr>
+              <a:t>Converting to </a:t>
+            </a:r>
+            <a:r>
+              <a:rPr lang="en-US" sz="2800" dirty="0" err="1" smtClean="0">
+                <a:solidFill>
+                  <a:schemeClr val="bg1">
+                    <a:lumMod val="50000"/>
+                  </a:schemeClr>
+                </a:solidFill>
+              </a:rPr>
+              <a:t>grayscale</a:t>
             </a:r>
             <a:endParaRPr lang="en-US" dirty="0"/>
           </a:p>
@@ -15367,7 +15516,7 @@
       </p:sp>
       <p:sp>
         <p:nvSpPr>
-          <p:cNvPr id="3" name="Content Placeholder 2"/>
+          <p:cNvPr id="7" name="Content Placeholder 6"/>
           <p:cNvSpPr>
             <a:spLocks noGrp="1"/>
           </p:cNvSpPr>
@@ -15380,7 +15529,41 @@
           <a:bodyPr/>
           <a:lstStyle/>
           <a:p>
-            <a:endParaRPr lang="en-US"/>
+            <a:r>
+              <a:rPr lang="en-US" dirty="0" smtClean="0"/>
+              <a:t>Native C-Version</a:t>
+            </a:r>
+          </a:p>
+          <a:p>
+            <a:pPr lvl="1"/>
+            <a:r>
+              <a:rPr lang="en-US" dirty="0" smtClean="0"/>
+              <a:t>16 Instructions / Pixel</a:t>
+            </a:r>
+          </a:p>
+          <a:p>
+            <a:pPr lvl="1"/>
+            <a:endParaRPr lang="en-US" dirty="0" smtClean="0"/>
+          </a:p>
+          <a:p>
+            <a:r>
+              <a:rPr lang="en-US" dirty="0" smtClean="0"/>
+              <a:t>SIMD Version:</a:t>
+            </a:r>
+          </a:p>
+          <a:p>
+            <a:pPr lvl="1"/>
+            <a:r>
+              <a:rPr lang="en-US" dirty="0" smtClean="0"/>
+              <a:t>15 Instructions / 8 Pixels</a:t>
+            </a:r>
+          </a:p>
+          <a:p>
+            <a:pPr lvl="1"/>
+            <a:r>
+              <a:rPr lang="en-US" dirty="0" smtClean="0"/>
+              <a:t>~2 Instructions / Pixel</a:t>
+            </a:r>
           </a:p>
         </p:txBody>
       </p:sp>
@@ -15410,7 +15593,7 @@
     </p:spTree>
     <p:extLst>
       <p:ext uri="{BB962C8B-B14F-4D97-AF65-F5344CB8AC3E}">
-        <p14:creationId xmlns:p14="http://schemas.microsoft.com/office/powerpoint/2010/main" val="1196601780"/>
+        <p14:creationId xmlns:p14="http://schemas.microsoft.com/office/powerpoint/2010/main" val="3608574956"/>
       </p:ext>
     </p:extLst>
   </p:cSld>
@@ -15461,7 +15644,7 @@
           <a:p>
             <a:r>
               <a:rPr lang="en-US" dirty="0" smtClean="0"/>
-              <a:t>Evaluation</a:t>
+              <a:t>Google Go</a:t>
             </a:r>
             <a:endParaRPr lang="en-US" dirty="0"/>
           </a:p>
@@ -15512,7 +15695,7 @@
     </p:spTree>
     <p:extLst>
       <p:ext uri="{BB962C8B-B14F-4D97-AF65-F5344CB8AC3E}">
-        <p14:creationId xmlns:p14="http://schemas.microsoft.com/office/powerpoint/2010/main" val="562772578"/>
+        <p14:creationId xmlns:p14="http://schemas.microsoft.com/office/powerpoint/2010/main" val="1196601780"/>
       </p:ext>
     </p:extLst>
   </p:cSld>
@@ -15553,6 +15736,108 @@
             <a:spLocks noGrp="1"/>
           </p:cNvSpPr>
           <p:nvPr>
+            <p:ph type="title"/>
+          </p:nvPr>
+        </p:nvSpPr>
+        <p:spPr/>
+        <p:txBody>
+          <a:bodyPr/>
+          <a:lstStyle/>
+          <a:p>
+            <a:r>
+              <a:rPr lang="en-US" dirty="0" smtClean="0"/>
+              <a:t>Evaluation</a:t>
+            </a:r>
+            <a:endParaRPr lang="en-US" dirty="0"/>
+          </a:p>
+        </p:txBody>
+      </p:sp>
+      <p:sp>
+        <p:nvSpPr>
+          <p:cNvPr id="3" name="Content Placeholder 2"/>
+          <p:cNvSpPr>
+            <a:spLocks noGrp="1"/>
+          </p:cNvSpPr>
+          <p:nvPr>
+            <p:ph idx="1"/>
+          </p:nvPr>
+        </p:nvSpPr>
+        <p:spPr/>
+        <p:txBody>
+          <a:bodyPr/>
+          <a:lstStyle/>
+          <a:p>
+            <a:endParaRPr lang="en-US"/>
+          </a:p>
+        </p:txBody>
+      </p:sp>
+      <p:sp>
+        <p:nvSpPr>
+          <p:cNvPr id="4" name="Slide Number Placeholder 3"/>
+          <p:cNvSpPr>
+            <a:spLocks noGrp="1"/>
+          </p:cNvSpPr>
+          <p:nvPr>
+            <p:ph type="sldNum" sz="quarter" idx="12"/>
+          </p:nvPr>
+        </p:nvSpPr>
+        <p:spPr/>
+        <p:txBody>
+          <a:bodyPr/>
+          <a:lstStyle/>
+          <a:p>
+            <a:fld id="{0A3E316F-3D65-2744-BC5B-55B8D60FFFDF}" type="slidenum">
+              <a:rPr lang="en-US" smtClean="0"/>
+              <a:t>27</a:t>
+            </a:fld>
+            <a:endParaRPr lang="en-US"/>
+          </a:p>
+        </p:txBody>
+      </p:sp>
+    </p:spTree>
+    <p:extLst>
+      <p:ext uri="{BB962C8B-B14F-4D97-AF65-F5344CB8AC3E}">
+        <p14:creationId xmlns:p14="http://schemas.microsoft.com/office/powerpoint/2010/main" val="562772578"/>
+      </p:ext>
+    </p:extLst>
+  </p:cSld>
+  <p:clrMapOvr>
+    <a:masterClrMapping/>
+  </p:clrMapOvr>
+  <p:timing>
+    <p:tnLst>
+      <p:par>
+        <p:cTn xmlns:p14="http://schemas.microsoft.com/office/powerpoint/2010/main" id="1" dur="indefinite" restart="never" nodeType="tmRoot"/>
+      </p:par>
+    </p:tnLst>
+  </p:timing>
+</p:sld>
+</file>
+
+<file path=ppt/slides/slide28.xml><?xml version="1.0" encoding="utf-8"?>
+<p:sld xmlns:a="http://schemas.openxmlformats.org/drawingml/2006/main" xmlns:r="http://schemas.openxmlformats.org/officeDocument/2006/relationships" xmlns:p="http://schemas.openxmlformats.org/presentationml/2006/main">
+  <p:cSld>
+    <p:spTree>
+      <p:nvGrpSpPr>
+        <p:cNvPr id="1" name=""/>
+        <p:cNvGrpSpPr/>
+        <p:nvPr/>
+      </p:nvGrpSpPr>
+      <p:grpSpPr>
+        <a:xfrm>
+          <a:off x="0" y="0"/>
+          <a:ext cx="0" cy="0"/>
+          <a:chOff x="0" y="0"/>
+          <a:chExt cx="0" cy="0"/>
+        </a:xfrm>
+      </p:grpSpPr>
+      <p:sp>
+        <p:nvSpPr>
+          <p:cNvPr id="2" name="Title 1"/>
+          <p:cNvSpPr>
+            <a:spLocks noGrp="1"/>
+          </p:cNvSpPr>
+          <p:nvPr>
             <p:ph type="ctrTitle"/>
           </p:nvPr>
         </p:nvSpPr>
@@ -15609,7 +15894,7 @@
           <a:p>
             <a:fld id="{0A3E316F-3D65-2744-BC5B-55B8D60FFFDF}" type="slidenum">
               <a:rPr lang="en-US" smtClean="0"/>
-              <a:t>27</a:t>
+              <a:t>28</a:t>
             </a:fld>
             <a:endParaRPr lang="en-US"/>
           </a:p>
@@ -15796,7 +16081,7 @@
       </p:sp>
       <p:pic>
         <p:nvPicPr>
-          <p:cNvPr id="2" name="Picture 1" descr="ZynqPlatformAnwendung.pdf"/>
+          <p:cNvPr id="12" name="Picture 11" descr="ZynqPlatformAnwendung.png"/>
           <p:cNvPicPr>
             <a:picLocks noChangeAspect="1"/>
           </p:cNvPicPr>
@@ -15816,8 +16101,38 @@
         </p:blipFill>
         <p:spPr>
           <a:xfrm>
-            <a:off x="136070" y="113410"/>
-            <a:ext cx="8972852" cy="5976290"/>
+            <a:off x="226793" y="328866"/>
+            <a:ext cx="8666391" cy="5772174"/>
+          </a:xfrm>
+          <a:prstGeom prst="rect">
+            <a:avLst/>
+          </a:prstGeom>
+        </p:spPr>
+      </p:pic>
+      <p:pic>
+        <p:nvPicPr>
+          <p:cNvPr id="13" name="Picture 12" descr="ZynqPlatformAnwendung.png"/>
+          <p:cNvPicPr>
+            <a:picLocks noChangeAspect="1"/>
+          </p:cNvPicPr>
+          <p:nvPr/>
+        </p:nvPicPr>
+        <p:blipFill>
+          <a:blip r:embed="rId2">
+            <a:extLst>
+              <a:ext uri="{28A0092B-C50C-407E-A947-70E740481C1C}">
+                <a14:useLocalDpi xmlns:a14="http://schemas.microsoft.com/office/drawing/2010/main" val="0"/>
+              </a:ext>
+            </a:extLst>
+          </a:blip>
+          <a:stretch>
+            <a:fillRect/>
+          </a:stretch>
+        </p:blipFill>
+        <p:spPr>
+          <a:xfrm>
+            <a:off x="226800" y="327600"/>
+            <a:ext cx="8666391" cy="5772174"/>
           </a:xfrm>
           <a:prstGeom prst="rect">
             <a:avLst/>
@@ -15863,48 +16178,6 @@
       </p:grpSpPr>
       <p:sp>
         <p:nvSpPr>
-          <p:cNvPr id="2" name="Title 1"/>
-          <p:cNvSpPr>
-            <a:spLocks noGrp="1"/>
-          </p:cNvSpPr>
-          <p:nvPr>
-            <p:ph type="title"/>
-          </p:nvPr>
-        </p:nvSpPr>
-        <p:spPr/>
-        <p:txBody>
-          <a:bodyPr/>
-          <a:lstStyle/>
-          <a:p>
-            <a:r>
-              <a:rPr lang="en-US" dirty="0" smtClean="0"/>
-              <a:t>Pipeline Parallelism</a:t>
-            </a:r>
-            <a:endParaRPr lang="en-US" dirty="0"/>
-          </a:p>
-        </p:txBody>
-      </p:sp>
-      <p:sp>
-        <p:nvSpPr>
-          <p:cNvPr id="3" name="Content Placeholder 2"/>
-          <p:cNvSpPr>
-            <a:spLocks noGrp="1"/>
-          </p:cNvSpPr>
-          <p:nvPr>
-            <p:ph idx="1"/>
-          </p:nvPr>
-        </p:nvSpPr>
-        <p:spPr/>
-        <p:txBody>
-          <a:bodyPr/>
-          <a:lstStyle/>
-          <a:p>
-            <a:endParaRPr lang="en-US"/>
-          </a:p>
-        </p:txBody>
-      </p:sp>
-      <p:sp>
-        <p:nvSpPr>
           <p:cNvPr id="4" name="Slide Number Placeholder 3"/>
           <p:cNvSpPr>
             <a:spLocks noGrp="1"/>
@@ -15926,10 +16199,263 @@
           </a:p>
         </p:txBody>
       </p:sp>
+      <p:pic>
+        <p:nvPicPr>
+          <p:cNvPr id="12" name="Picture 11" descr="ZynqPlatformAnwendung.png"/>
+          <p:cNvPicPr>
+            <a:picLocks noChangeAspect="1"/>
+          </p:cNvPicPr>
+          <p:nvPr/>
+        </p:nvPicPr>
+        <p:blipFill>
+          <a:blip r:embed="rId2">
+            <a:alphaModFix amt="5000"/>
+            <a:extLst>
+              <a:ext uri="{28A0092B-C50C-407E-A947-70E740481C1C}">
+                <a14:useLocalDpi xmlns:a14="http://schemas.microsoft.com/office/drawing/2010/main" val="0"/>
+              </a:ext>
+            </a:extLst>
+          </a:blip>
+          <a:stretch>
+            <a:fillRect/>
+          </a:stretch>
+        </p:blipFill>
+        <p:spPr>
+          <a:xfrm>
+            <a:off x="226801" y="328866"/>
+            <a:ext cx="8666391" cy="5772174"/>
+          </a:xfrm>
+          <a:prstGeom prst="rect">
+            <a:avLst/>
+          </a:prstGeom>
+        </p:spPr>
+      </p:pic>
+      <p:pic>
+        <p:nvPicPr>
+          <p:cNvPr id="13" name="Picture 12" descr="ZynqPlatformAnwendung.png"/>
+          <p:cNvPicPr>
+            <a:picLocks noChangeAspect="1"/>
+          </p:cNvPicPr>
+          <p:nvPr/>
+        </p:nvPicPr>
+        <p:blipFill rotWithShape="1">
+          <a:blip r:embed="rId2">
+            <a:extLst>
+              <a:ext uri="{28A0092B-C50C-407E-A947-70E740481C1C}">
+                <a14:useLocalDpi xmlns:a14="http://schemas.microsoft.com/office/drawing/2010/main" val="0"/>
+              </a:ext>
+            </a:extLst>
+          </a:blip>
+          <a:srcRect r="80242"/>
+          <a:stretch/>
+        </p:blipFill>
+        <p:spPr>
+          <a:xfrm>
+            <a:off x="226801" y="327600"/>
+            <a:ext cx="1712278" cy="5772174"/>
+          </a:xfrm>
+          <a:prstGeom prst="rect">
+            <a:avLst/>
+          </a:prstGeom>
+        </p:spPr>
+      </p:pic>
+      <p:pic>
+        <p:nvPicPr>
+          <p:cNvPr id="3" name="Picture 2" descr="URG-04LX-UG01.png"/>
+          <p:cNvPicPr>
+            <a:picLocks noChangeAspect="1"/>
+          </p:cNvPicPr>
+          <p:nvPr/>
+        </p:nvPicPr>
+        <p:blipFill>
+          <a:blip r:embed="rId3">
+            <a:extLst>
+              <a:ext uri="{28A0092B-C50C-407E-A947-70E740481C1C}">
+                <a14:useLocalDpi xmlns:a14="http://schemas.microsoft.com/office/drawing/2010/main" val="0"/>
+              </a:ext>
+            </a:extLst>
+          </a:blip>
+          <a:stretch>
+            <a:fillRect/>
+          </a:stretch>
+        </p:blipFill>
+        <p:spPr>
+          <a:xfrm>
+            <a:off x="3333853" y="4479389"/>
+            <a:ext cx="2315294" cy="2772988"/>
+          </a:xfrm>
+          <a:prstGeom prst="rect">
+            <a:avLst/>
+          </a:prstGeom>
+          <a:noFill/>
+          <a:ln>
+            <a:noFill/>
+          </a:ln>
+        </p:spPr>
+      </p:pic>
+      <p:sp>
+        <p:nvSpPr>
+          <p:cNvPr id="7" name="Title 6"/>
+          <p:cNvSpPr>
+            <a:spLocks noGrp="1"/>
+          </p:cNvSpPr>
+          <p:nvPr>
+            <p:ph type="title"/>
+          </p:nvPr>
+        </p:nvSpPr>
+        <p:spPr/>
+        <p:txBody>
+          <a:bodyPr/>
+          <a:lstStyle/>
+          <a:p>
+            <a:r>
+              <a:rPr lang="en-US" dirty="0" err="1" smtClean="0"/>
+              <a:t>Laserscanner</a:t>
+            </a:r>
+            <a:endParaRPr lang="en-US" dirty="0"/>
+          </a:p>
+        </p:txBody>
+      </p:sp>
+      <p:sp>
+        <p:nvSpPr>
+          <p:cNvPr id="14" name="Content Placeholder 13"/>
+          <p:cNvSpPr txBox="1">
+            <a:spLocks noGrp="1"/>
+          </p:cNvSpPr>
+          <p:nvPr>
+            <p:ph idx="1"/>
+          </p:nvPr>
+        </p:nvSpPr>
+        <p:spPr>
+          <a:xfrm>
+            <a:off x="2493963" y="1416357"/>
+            <a:ext cx="6192837" cy="4893648"/>
+          </a:xfrm>
+          <a:prstGeom prst="rect">
+            <a:avLst/>
+          </a:prstGeom>
+          <a:noFill/>
+        </p:spPr>
+        <p:txBody>
+          <a:bodyPr wrap="square" rtlCol="0">
+            <a:spAutoFit/>
+          </a:bodyPr>
+          <a:lstStyle/>
+          <a:p>
+            <a:pPr marL="457200" indent="-457200">
+              <a:buFont typeface="Arial"/>
+              <a:buChar char="•"/>
+            </a:pPr>
+            <a:r>
+              <a:rPr lang="en-US" sz="2400" dirty="0" smtClean="0">
+                <a:latin typeface="HelveticaNeueLT Com 45 Lt"/>
+                <a:cs typeface="HelveticaNeueLT Com 45 Lt"/>
+              </a:rPr>
+              <a:t>Used for obstacle detection</a:t>
+            </a:r>
+          </a:p>
+          <a:p>
+            <a:pPr marL="457200" indent="-457200">
+              <a:buFont typeface="Arial"/>
+              <a:buChar char="•"/>
+            </a:pPr>
+            <a:r>
+              <a:rPr lang="en-US" sz="2400" dirty="0">
+                <a:cs typeface="HelveticaNeueLT Com 45 Lt"/>
+              </a:rPr>
+              <a:t>C</a:t>
+            </a:r>
+            <a:r>
+              <a:rPr lang="en-US" sz="2400" dirty="0" smtClean="0">
+                <a:latin typeface="HelveticaNeueLT Com 45 Lt"/>
+                <a:cs typeface="HelveticaNeueLT Com 45 Lt"/>
+              </a:rPr>
+              <a:t>urrently implemented with Java on Android OS</a:t>
+            </a:r>
+          </a:p>
+          <a:p>
+            <a:pPr marL="457200" indent="-457200">
+              <a:buFont typeface="Arial"/>
+              <a:buChar char="•"/>
+            </a:pPr>
+            <a:r>
+              <a:rPr lang="en-US" sz="2400" dirty="0" smtClean="0">
+                <a:latin typeface="HelveticaNeueLT Com 45 Lt"/>
+                <a:cs typeface="HelveticaNeueLT Com 45 Lt"/>
+              </a:rPr>
+              <a:t>Computationally intensive evaluation of received data</a:t>
+            </a:r>
+          </a:p>
+          <a:p>
+            <a:pPr marL="857250" lvl="1" indent="-457200">
+              <a:buFont typeface="Arial"/>
+              <a:buChar char="•"/>
+            </a:pPr>
+            <a:r>
+              <a:rPr lang="en-US" sz="2000" dirty="0">
+                <a:cs typeface="HelveticaNeueLT Com 45 Lt"/>
+              </a:rPr>
+              <a:t>Data rate: ~34KB/</a:t>
+            </a:r>
+            <a:r>
+              <a:rPr lang="en-US" sz="2000" dirty="0" smtClean="0">
+                <a:cs typeface="HelveticaNeueLT Com 45 Lt"/>
+              </a:rPr>
+              <a:t>s</a:t>
+            </a:r>
+            <a:endParaRPr lang="en-US" sz="2000" dirty="0" smtClean="0">
+              <a:latin typeface="HelveticaNeueLT Com 45 Lt"/>
+              <a:cs typeface="HelveticaNeueLT Com 45 Lt"/>
+            </a:endParaRPr>
+          </a:p>
+          <a:p>
+            <a:pPr marL="457200" indent="-457200">
+              <a:buFont typeface="Arial"/>
+              <a:buChar char="•"/>
+            </a:pPr>
+            <a:endParaRPr lang="en-US" sz="2400" dirty="0" smtClean="0">
+              <a:latin typeface="HelveticaNeueLT Com 45 Lt"/>
+              <a:cs typeface="HelveticaNeueLT Com 45 Lt"/>
+            </a:endParaRPr>
+          </a:p>
+          <a:p>
+            <a:pPr marL="457200" indent="-457200">
+              <a:buFont typeface="Arial"/>
+              <a:buChar char="•"/>
+            </a:pPr>
+            <a:endParaRPr lang="en-US" sz="2400" dirty="0" smtClean="0">
+              <a:latin typeface="HelveticaNeueLT Com 45 Lt"/>
+              <a:cs typeface="HelveticaNeueLT Com 45 Lt"/>
+            </a:endParaRPr>
+          </a:p>
+          <a:p>
+            <a:pPr marL="457200" indent="-457200">
+              <a:buFont typeface="Arial"/>
+              <a:buChar char="•"/>
+            </a:pPr>
+            <a:endParaRPr lang="en-US" sz="2800" dirty="0" smtClean="0">
+              <a:latin typeface="HelveticaNeueLT Com 45 Lt"/>
+              <a:cs typeface="HelveticaNeueLT Com 45 Lt"/>
+            </a:endParaRPr>
+          </a:p>
+          <a:p>
+            <a:endParaRPr lang="en-US" sz="2800" dirty="0">
+              <a:latin typeface="HelveticaNeueLT Com 45 Lt"/>
+              <a:cs typeface="HelveticaNeueLT Com 45 Lt"/>
+            </a:endParaRPr>
+          </a:p>
+          <a:p>
+            <a:endParaRPr lang="en-US" sz="2800" dirty="0">
+              <a:latin typeface="HelveticaNeueLT Com 45 Lt"/>
+              <a:cs typeface="HelveticaNeueLT Com 45 Lt"/>
+            </a:endParaRPr>
+          </a:p>
+        </p:txBody>
+      </p:sp>
     </p:spTree>
     <p:extLst>
       <p:ext uri="{BB962C8B-B14F-4D97-AF65-F5344CB8AC3E}">
-        <p14:creationId xmlns:p14="http://schemas.microsoft.com/office/powerpoint/2010/main" val="2406343154"/>
+        <p14:creationId xmlns:p14="http://schemas.microsoft.com/office/powerpoint/2010/main" val="3492347033"/>
       </p:ext>
     </p:extLst>
   </p:cSld>
@@ -15965,27 +16491,22 @@
       </p:grpSpPr>
       <p:sp>
         <p:nvSpPr>
-          <p:cNvPr id="7" name="Title 6"/>
+          <p:cNvPr id="2" name="Title 1"/>
           <p:cNvSpPr>
             <a:spLocks noGrp="1"/>
           </p:cNvSpPr>
           <p:nvPr>
-            <p:ph type="ctrTitle"/>
+            <p:ph type="title"/>
           </p:nvPr>
         </p:nvSpPr>
-        <p:spPr>
-          <a:xfrm>
-            <a:off x="457200" y="2130425"/>
-            <a:ext cx="8229600" cy="1470025"/>
-          </a:xfrm>
-        </p:spPr>
+        <p:spPr/>
         <p:txBody>
           <a:bodyPr/>
           <a:lstStyle/>
           <a:p>
             <a:r>
               <a:rPr lang="en-US" dirty="0" smtClean="0"/>
-              <a:t>Single Instruction – Multiple Data</a:t>
+              <a:t>Pipeline Parallelism</a:t>
             </a:r>
             <a:endParaRPr lang="en-US" dirty="0"/>
           </a:p>
@@ -15993,27 +16514,22 @@
       </p:sp>
       <p:sp>
         <p:nvSpPr>
-          <p:cNvPr id="8" name="Subtitle 7"/>
+          <p:cNvPr id="3" name="Content Placeholder 2"/>
           <p:cNvSpPr>
             <a:spLocks noGrp="1"/>
           </p:cNvSpPr>
           <p:nvPr>
-            <p:ph type="subTitle" idx="1"/>
+            <p:ph idx="1"/>
           </p:nvPr>
         </p:nvSpPr>
-        <p:spPr>
-          <a:xfrm>
-            <a:off x="1371600" y="2724150"/>
-            <a:ext cx="6400800" cy="1752600"/>
-          </a:xfrm>
-        </p:spPr>
+        <p:spPr/>
         <p:txBody>
           <a:bodyPr/>
           <a:lstStyle/>
           <a:p>
             <a:r>
-              <a:rPr lang="en-US" dirty="0" smtClean="0"/>
-              <a:t>Using the ARM NEON engine</a:t>
+              <a:rPr lang="en-US" dirty="0" err="1" smtClean="0"/>
+              <a:t>asdasd</a:t>
             </a:r>
             <a:endParaRPr lang="en-US" dirty="0"/>
           </a:p>
@@ -16045,7 +16561,7 @@
     </p:spTree>
     <p:extLst>
       <p:ext uri="{BB962C8B-B14F-4D97-AF65-F5344CB8AC3E}">
-        <p14:creationId xmlns:p14="http://schemas.microsoft.com/office/powerpoint/2010/main" val="4194680713"/>
+        <p14:creationId xmlns:p14="http://schemas.microsoft.com/office/powerpoint/2010/main" val="2406343154"/>
       </p:ext>
     </p:extLst>
   </p:cSld>
@@ -16081,76 +16597,63 @@
       </p:grpSpPr>
       <p:sp>
         <p:nvSpPr>
-          <p:cNvPr id="2" name="Title 1"/>
+          <p:cNvPr id="7" name="Title 6"/>
           <p:cNvSpPr>
             <a:spLocks noGrp="1"/>
           </p:cNvSpPr>
           <p:nvPr>
-            <p:ph type="title"/>
+            <p:ph type="ctrTitle"/>
           </p:nvPr>
         </p:nvSpPr>
-        <p:spPr/>
+        <p:spPr>
+          <a:xfrm>
+            <a:off x="457200" y="2130425"/>
+            <a:ext cx="8229600" cy="1470025"/>
+          </a:xfrm>
+        </p:spPr>
         <p:txBody>
-          <a:bodyPr>
-            <a:normAutofit/>
-          </a:bodyPr>
+          <a:bodyPr/>
           <a:lstStyle/>
           <a:p>
             <a:r>
               <a:rPr lang="en-US" dirty="0" smtClean="0"/>
-              <a:t>Single Instruction - Multiple Data</a:t>
-            </a:r>
-            <a:endParaRPr lang="en-US" sz="2800" dirty="0"/>
+              <a:t>Single Instruction – Multiple Data</a:t>
+            </a:r>
+            <a:endParaRPr lang="en-US" dirty="0"/>
           </a:p>
         </p:txBody>
       </p:sp>
       <p:sp>
         <p:nvSpPr>
-          <p:cNvPr id="3" name="Content Placeholder 2"/>
+          <p:cNvPr id="8" name="Subtitle 7"/>
           <p:cNvSpPr>
             <a:spLocks noGrp="1"/>
           </p:cNvSpPr>
           <p:nvPr>
-            <p:ph idx="1"/>
+            <p:ph type="subTitle" idx="1"/>
           </p:nvPr>
         </p:nvSpPr>
         <p:spPr>
           <a:xfrm>
-            <a:off x="457200" y="1397551"/>
-            <a:ext cx="8229600" cy="1358484"/>
+            <a:off x="1371600" y="2724150"/>
+            <a:ext cx="6400800" cy="1752600"/>
           </a:xfrm>
         </p:spPr>
         <p:txBody>
-          <a:bodyPr>
-            <a:normAutofit fontScale="92500"/>
-          </a:bodyPr>
+          <a:bodyPr/>
           <a:lstStyle/>
           <a:p>
             <a:r>
               <a:rPr lang="en-US" dirty="0" smtClean="0"/>
-              <a:t>Exploits </a:t>
-            </a:r>
-            <a:r>
-              <a:rPr lang="en-US" dirty="0"/>
-              <a:t>d</a:t>
-            </a:r>
-            <a:r>
-              <a:rPr lang="en-US" dirty="0" smtClean="0"/>
-              <a:t>ata-level parallelism</a:t>
-            </a:r>
-          </a:p>
-          <a:p>
-            <a:pPr lvl="1"/>
-            <a:r>
-              <a:rPr lang="en-US" dirty="0" smtClean="0"/>
-              <a:t>Operations repeatedly applied to independent data</a:t>
-            </a:r>
+              <a:t>Using the ARM NEON engine</a:t>
+            </a:r>
+            <a:endParaRPr lang="en-US" dirty="0"/>
           </a:p>
         </p:txBody>
       </p:sp>
       <p:sp>
         <p:nvSpPr>
-          <p:cNvPr id="6" name="Slide Number Placeholder 5"/>
+          <p:cNvPr id="4" name="Slide Number Placeholder 3"/>
           <p:cNvSpPr>
             <a:spLocks noGrp="1"/>
           </p:cNvSpPr>
@@ -16174,7 +16677,7 @@
     </p:spTree>
     <p:extLst>
       <p:ext uri="{BB962C8B-B14F-4D97-AF65-F5344CB8AC3E}">
-        <p14:creationId xmlns:p14="http://schemas.microsoft.com/office/powerpoint/2010/main" val="1820839589"/>
+        <p14:creationId xmlns:p14="http://schemas.microsoft.com/office/powerpoint/2010/main" val="4194680713"/>
       </p:ext>
     </p:extLst>
   </p:cSld>
@@ -16210,6 +16713,135 @@
       </p:grpSpPr>
       <p:sp>
         <p:nvSpPr>
+          <p:cNvPr id="2" name="Title 1"/>
+          <p:cNvSpPr>
+            <a:spLocks noGrp="1"/>
+          </p:cNvSpPr>
+          <p:nvPr>
+            <p:ph type="title"/>
+          </p:nvPr>
+        </p:nvSpPr>
+        <p:spPr/>
+        <p:txBody>
+          <a:bodyPr>
+            <a:normAutofit/>
+          </a:bodyPr>
+          <a:lstStyle/>
+          <a:p>
+            <a:r>
+              <a:rPr lang="en-US" dirty="0" smtClean="0"/>
+              <a:t>Single Instruction - Multiple Data</a:t>
+            </a:r>
+            <a:endParaRPr lang="en-US" sz="2800" dirty="0"/>
+          </a:p>
+        </p:txBody>
+      </p:sp>
+      <p:sp>
+        <p:nvSpPr>
+          <p:cNvPr id="3" name="Content Placeholder 2"/>
+          <p:cNvSpPr>
+            <a:spLocks noGrp="1"/>
+          </p:cNvSpPr>
+          <p:nvPr>
+            <p:ph idx="1"/>
+          </p:nvPr>
+        </p:nvSpPr>
+        <p:spPr>
+          <a:xfrm>
+            <a:off x="457200" y="1397551"/>
+            <a:ext cx="8229600" cy="1358484"/>
+          </a:xfrm>
+        </p:spPr>
+        <p:txBody>
+          <a:bodyPr>
+            <a:normAutofit fontScale="92500"/>
+          </a:bodyPr>
+          <a:lstStyle/>
+          <a:p>
+            <a:r>
+              <a:rPr lang="en-US" dirty="0" smtClean="0"/>
+              <a:t>Exploits </a:t>
+            </a:r>
+            <a:r>
+              <a:rPr lang="en-US" dirty="0"/>
+              <a:t>d</a:t>
+            </a:r>
+            <a:r>
+              <a:rPr lang="en-US" dirty="0" smtClean="0"/>
+              <a:t>ata-level parallelism</a:t>
+            </a:r>
+          </a:p>
+          <a:p>
+            <a:pPr lvl="1"/>
+            <a:r>
+              <a:rPr lang="en-US" dirty="0" smtClean="0"/>
+              <a:t>Operations repeatedly applied to independent data</a:t>
+            </a:r>
+          </a:p>
+        </p:txBody>
+      </p:sp>
+      <p:sp>
+        <p:nvSpPr>
+          <p:cNvPr id="6" name="Slide Number Placeholder 5"/>
+          <p:cNvSpPr>
+            <a:spLocks noGrp="1"/>
+          </p:cNvSpPr>
+          <p:nvPr>
+            <p:ph type="sldNum" sz="quarter" idx="12"/>
+          </p:nvPr>
+        </p:nvSpPr>
+        <p:spPr/>
+        <p:txBody>
+          <a:bodyPr/>
+          <a:lstStyle/>
+          <a:p>
+            <a:fld id="{0A3E316F-3D65-2744-BC5B-55B8D60FFFDF}" type="slidenum">
+              <a:rPr lang="en-US" smtClean="0"/>
+              <a:t>8</a:t>
+            </a:fld>
+            <a:endParaRPr lang="en-US"/>
+          </a:p>
+        </p:txBody>
+      </p:sp>
+    </p:spTree>
+    <p:extLst>
+      <p:ext uri="{BB962C8B-B14F-4D97-AF65-F5344CB8AC3E}">
+        <p14:creationId xmlns:p14="http://schemas.microsoft.com/office/powerpoint/2010/main" val="1820839589"/>
+      </p:ext>
+    </p:extLst>
+  </p:cSld>
+  <p:clrMapOvr>
+    <a:masterClrMapping/>
+  </p:clrMapOvr>
+  <p:timing>
+    <p:tnLst>
+      <p:par>
+        <p:cTn xmlns:p14="http://schemas.microsoft.com/office/powerpoint/2010/main" id="1" dur="indefinite" restart="never" nodeType="tmRoot"/>
+      </p:par>
+    </p:tnLst>
+  </p:timing>
+</p:sld>
+</file>
+
+<file path=ppt/slides/slide9.xml><?xml version="1.0" encoding="utf-8"?>
+<p:sld xmlns:a="http://schemas.openxmlformats.org/drawingml/2006/main" xmlns:r="http://schemas.openxmlformats.org/officeDocument/2006/relationships" xmlns:p="http://schemas.openxmlformats.org/presentationml/2006/main">
+  <p:cSld>
+    <p:spTree>
+      <p:nvGrpSpPr>
+        <p:cNvPr id="1" name=""/>
+        <p:cNvGrpSpPr/>
+        <p:nvPr/>
+      </p:nvGrpSpPr>
+      <p:grpSpPr>
+        <a:xfrm>
+          <a:off x="0" y="0"/>
+          <a:ext cx="0" cy="0"/>
+          <a:chOff x="0" y="0"/>
+          <a:chExt cx="0" cy="0"/>
+        </a:xfrm>
+      </p:grpSpPr>
+      <p:sp>
+        <p:nvSpPr>
           <p:cNvPr id="7" name="Right Arrow 6"/>
           <p:cNvSpPr/>
           <p:nvPr/>
@@ -16244,7 +16876,9 @@
           <a:lstStyle/>
           <a:p>
             <a:pPr algn="ctr"/>
-            <a:endParaRPr lang="en-US"/>
+            <a:endParaRPr lang="en-US" dirty="0">
+              <a:latin typeface="HelveticaNeueLT Com 45 Lt"/>
+            </a:endParaRPr>
           </a:p>
         </p:txBody>
       </p:sp>
@@ -16334,7 +16968,7 @@
           <a:p>
             <a:fld id="{0A3E316F-3D65-2744-BC5B-55B8D60FFFDF}" type="slidenum">
               <a:rPr lang="en-US" smtClean="0"/>
-              <a:t>8</a:t>
+              <a:t>9</a:t>
             </a:fld>
             <a:endParaRPr lang="en-US"/>
           </a:p>
@@ -16404,150 +17038,6 @@
     <p:extLst>
       <p:ext uri="{BB962C8B-B14F-4D97-AF65-F5344CB8AC3E}">
         <p14:creationId xmlns:p14="http://schemas.microsoft.com/office/powerpoint/2010/main" val="661692733"/>
-      </p:ext>
-    </p:extLst>
-  </p:cSld>
-  <p:clrMapOvr>
-    <a:masterClrMapping/>
-  </p:clrMapOvr>
-  <p:timing>
-    <p:tnLst>
-      <p:par>
-        <p:cTn xmlns:p14="http://schemas.microsoft.com/office/powerpoint/2010/main" id="1" dur="indefinite" restart="never" nodeType="tmRoot"/>
-      </p:par>
-    </p:tnLst>
-  </p:timing>
-</p:sld>
-</file>
-
-<file path=ppt/slides/slide9.xml><?xml version="1.0" encoding="utf-8"?>
-<p:sld xmlns:a="http://schemas.openxmlformats.org/drawingml/2006/main" xmlns:r="http://schemas.openxmlformats.org/officeDocument/2006/relationships" xmlns:p="http://schemas.openxmlformats.org/presentationml/2006/main">
-  <p:cSld>
-    <p:spTree>
-      <p:nvGrpSpPr>
-        <p:cNvPr id="1" name=""/>
-        <p:cNvGrpSpPr/>
-        <p:nvPr/>
-      </p:nvGrpSpPr>
-      <p:grpSpPr>
-        <a:xfrm>
-          <a:off x="0" y="0"/>
-          <a:ext cx="0" cy="0"/>
-          <a:chOff x="0" y="0"/>
-          <a:chExt cx="0" cy="0"/>
-        </a:xfrm>
-      </p:grpSpPr>
-      <p:sp>
-        <p:nvSpPr>
-          <p:cNvPr id="2" name="Title 1"/>
-          <p:cNvSpPr>
-            <a:spLocks noGrp="1"/>
-          </p:cNvSpPr>
-          <p:nvPr>
-            <p:ph type="title"/>
-          </p:nvPr>
-        </p:nvSpPr>
-        <p:spPr/>
-        <p:txBody>
-          <a:bodyPr>
-            <a:normAutofit fontScale="90000"/>
-          </a:bodyPr>
-          <a:lstStyle/>
-          <a:p>
-            <a:r>
-              <a:rPr lang="en-US" dirty="0" smtClean="0"/>
-              <a:t>Single Instruction – Single data</a:t>
-            </a:r>
-            <a:br>
-              <a:rPr lang="en-US" dirty="0" smtClean="0"/>
-            </a:br>
-            <a:r>
-              <a:rPr lang="en-US" sz="2800" dirty="0">
-                <a:solidFill>
-                  <a:schemeClr val="bg1">
-                    <a:lumMod val="50000"/>
-                  </a:schemeClr>
-                </a:solidFill>
-              </a:rPr>
-              <a:t>Converting an image to </a:t>
-            </a:r>
-            <a:r>
-              <a:rPr lang="en-US" sz="2800" dirty="0" smtClean="0">
-                <a:solidFill>
-                  <a:schemeClr val="bg1">
-                    <a:lumMod val="50000"/>
-                  </a:schemeClr>
-                </a:solidFill>
-              </a:rPr>
-              <a:t>gray scale</a:t>
-            </a:r>
-            <a:endParaRPr lang="en-US" dirty="0">
-              <a:solidFill>
-                <a:schemeClr val="bg1">
-                  <a:lumMod val="50000"/>
-                </a:schemeClr>
-              </a:solidFill>
-            </a:endParaRPr>
-          </a:p>
-        </p:txBody>
-      </p:sp>
-      <p:sp>
-        <p:nvSpPr>
-          <p:cNvPr id="4" name="Slide Number Placeholder 3"/>
-          <p:cNvSpPr>
-            <a:spLocks noGrp="1"/>
-          </p:cNvSpPr>
-          <p:nvPr>
-            <p:ph type="sldNum" sz="quarter" idx="12"/>
-          </p:nvPr>
-        </p:nvSpPr>
-        <p:spPr/>
-        <p:txBody>
-          <a:bodyPr/>
-          <a:lstStyle/>
-          <a:p>
-            <a:fld id="{0A3E316F-3D65-2744-BC5B-55B8D60FFFDF}" type="slidenum">
-              <a:rPr lang="en-US" smtClean="0"/>
-              <a:t>9</a:t>
-            </a:fld>
-            <a:endParaRPr lang="en-US"/>
-          </a:p>
-        </p:txBody>
-      </p:sp>
-      <p:pic>
-        <p:nvPicPr>
-          <p:cNvPr id="3" name="Picture 2" descr="SISD-RGB.pdf"/>
-          <p:cNvPicPr>
-            <a:picLocks noChangeAspect="1"/>
-          </p:cNvPicPr>
-          <p:nvPr/>
-        </p:nvPicPr>
-        <p:blipFill>
-          <a:blip r:embed="rId3">
-            <a:extLst>
-              <a:ext uri="{28A0092B-C50C-407E-A947-70E740481C1C}">
-                <a14:useLocalDpi xmlns:a14="http://schemas.microsoft.com/office/drawing/2010/main" val="0"/>
-              </a:ext>
-            </a:extLst>
-          </a:blip>
-          <a:stretch>
-            <a:fillRect/>
-          </a:stretch>
-        </p:blipFill>
-        <p:spPr>
-          <a:xfrm>
-            <a:off x="686128" y="2052162"/>
-            <a:ext cx="6828484" cy="3681278"/>
-          </a:xfrm>
-          <a:prstGeom prst="rect">
-            <a:avLst/>
-          </a:prstGeom>
-        </p:spPr>
-      </p:pic>
-    </p:spTree>
-    <p:extLst>
-      <p:ext uri="{BB962C8B-B14F-4D97-AF65-F5344CB8AC3E}">
-        <p14:creationId xmlns:p14="http://schemas.microsoft.com/office/powerpoint/2010/main" val="3300648928"/>
       </p:ext>
     </p:extLst>
   </p:cSld>

--- a/Praese/Presentation1.pptx
+++ b/Praese/Presentation1.pptx
@@ -5,10 +5,10 @@
     <p:sldMasterId id="2147483648" r:id="rId1"/>
   </p:sldMasterIdLst>
   <p:notesMasterIdLst>
-    <p:notesMasterId r:id="rId30"/>
+    <p:notesMasterId r:id="rId31"/>
   </p:notesMasterIdLst>
   <p:handoutMasterIdLst>
-    <p:handoutMasterId r:id="rId31"/>
+    <p:handoutMasterId r:id="rId32"/>
   </p:handoutMasterIdLst>
   <p:sldIdLst>
     <p:sldId id="256" r:id="rId2"/>
@@ -16,29 +16,30 @@
     <p:sldId id="281" r:id="rId4"/>
     <p:sldId id="283" r:id="rId5"/>
     <p:sldId id="284" r:id="rId6"/>
-    <p:sldId id="258" r:id="rId7"/>
-    <p:sldId id="265" r:id="rId8"/>
-    <p:sldId id="278" r:id="rId9"/>
-    <p:sldId id="257" r:id="rId10"/>
-    <p:sldId id="262" r:id="rId11"/>
-    <p:sldId id="263" r:id="rId12"/>
-    <p:sldId id="273" r:id="rId13"/>
-    <p:sldId id="266" r:id="rId14"/>
-    <p:sldId id="267" r:id="rId15"/>
-    <p:sldId id="268" r:id="rId16"/>
-    <p:sldId id="269" r:id="rId17"/>
-    <p:sldId id="270" r:id="rId18"/>
-    <p:sldId id="271" r:id="rId19"/>
-    <p:sldId id="272" r:id="rId20"/>
-    <p:sldId id="274" r:id="rId21"/>
-    <p:sldId id="279" r:id="rId22"/>
-    <p:sldId id="280" r:id="rId23"/>
-    <p:sldId id="275" r:id="rId24"/>
-    <p:sldId id="276" r:id="rId25"/>
-    <p:sldId id="277" r:id="rId26"/>
-    <p:sldId id="259" r:id="rId27"/>
-    <p:sldId id="260" r:id="rId28"/>
-    <p:sldId id="261" r:id="rId29"/>
+    <p:sldId id="285" r:id="rId7"/>
+    <p:sldId id="258" r:id="rId8"/>
+    <p:sldId id="265" r:id="rId9"/>
+    <p:sldId id="278" r:id="rId10"/>
+    <p:sldId id="257" r:id="rId11"/>
+    <p:sldId id="262" r:id="rId12"/>
+    <p:sldId id="263" r:id="rId13"/>
+    <p:sldId id="273" r:id="rId14"/>
+    <p:sldId id="266" r:id="rId15"/>
+    <p:sldId id="267" r:id="rId16"/>
+    <p:sldId id="268" r:id="rId17"/>
+    <p:sldId id="269" r:id="rId18"/>
+    <p:sldId id="270" r:id="rId19"/>
+    <p:sldId id="271" r:id="rId20"/>
+    <p:sldId id="272" r:id="rId21"/>
+    <p:sldId id="274" r:id="rId22"/>
+    <p:sldId id="279" r:id="rId23"/>
+    <p:sldId id="280" r:id="rId24"/>
+    <p:sldId id="275" r:id="rId25"/>
+    <p:sldId id="276" r:id="rId26"/>
+    <p:sldId id="277" r:id="rId27"/>
+    <p:sldId id="259" r:id="rId28"/>
+    <p:sldId id="260" r:id="rId29"/>
+    <p:sldId id="261" r:id="rId30"/>
   </p:sldIdLst>
   <p:sldSz cx="9144000" cy="6858000" type="screen4x3"/>
   <p:notesSz cx="6858000" cy="9144000"/>
@@ -151,6 +152,7 @@
             <p14:sldId id="281"/>
             <p14:sldId id="283"/>
             <p14:sldId id="284"/>
+            <p14:sldId id="285"/>
           </p14:sldIdLst>
         </p14:section>
         <p14:section name="Pipeline" id="{B99B7CF2-6C8D-9341-8F9D-4A9BBFE13145}">
@@ -883,7 +885,7 @@
           <a:p>
             <a:fld id="{2ADEDB94-756D-ED4B-814C-B4E518AF2B8F}" type="slidenum">
               <a:rPr lang="en-US" smtClean="0"/>
-              <a:t>10</a:t>
+              <a:t>11</a:t>
             </a:fld>
             <a:endParaRPr lang="en-US"/>
           </a:p>
@@ -986,7 +988,7 @@
           <a:p>
             <a:fld id="{2ADEDB94-756D-ED4B-814C-B4E518AF2B8F}" type="slidenum">
               <a:rPr lang="en-US" smtClean="0"/>
-              <a:t>11</a:t>
+              <a:t>12</a:t>
             </a:fld>
             <a:endParaRPr lang="en-US"/>
           </a:p>
@@ -1089,7 +1091,7 @@
           <a:p>
             <a:fld id="{2ADEDB94-756D-ED4B-814C-B4E518AF2B8F}" type="slidenum">
               <a:rPr lang="en-US" smtClean="0"/>
-              <a:t>12</a:t>
+              <a:t>13</a:t>
             </a:fld>
             <a:endParaRPr lang="en-US"/>
           </a:p>
@@ -1192,7 +1194,7 @@
           <a:p>
             <a:fld id="{2ADEDB94-756D-ED4B-814C-B4E518AF2B8F}" type="slidenum">
               <a:rPr lang="en-US" smtClean="0"/>
-              <a:t>13</a:t>
+              <a:t>14</a:t>
             </a:fld>
             <a:endParaRPr lang="en-US"/>
           </a:p>
@@ -1295,7 +1297,7 @@
           <a:p>
             <a:fld id="{2ADEDB94-756D-ED4B-814C-B4E518AF2B8F}" type="slidenum">
               <a:rPr lang="en-US" smtClean="0"/>
-              <a:t>14</a:t>
+              <a:t>15</a:t>
             </a:fld>
             <a:endParaRPr lang="en-US"/>
           </a:p>
@@ -4558,6 +4560,48 @@
       </p:grpSpPr>
       <p:sp>
         <p:nvSpPr>
+          <p:cNvPr id="7" name="Right Arrow 6"/>
+          <p:cNvSpPr/>
+          <p:nvPr/>
+        </p:nvSpPr>
+        <p:spPr>
+          <a:xfrm>
+            <a:off x="3242793" y="4080012"/>
+            <a:ext cx="1718317" cy="851129"/>
+          </a:xfrm>
+          <a:prstGeom prst="rightArrow">
+            <a:avLst/>
+          </a:prstGeom>
+        </p:spPr>
+        <p:style>
+          <a:lnRef idx="2">
+            <a:schemeClr val="dk1">
+              <a:shade val="50000"/>
+            </a:schemeClr>
+          </a:lnRef>
+          <a:fillRef idx="1">
+            <a:schemeClr val="dk1"/>
+          </a:fillRef>
+          <a:effectRef idx="0">
+            <a:schemeClr val="dk1"/>
+          </a:effectRef>
+          <a:fontRef idx="minor">
+            <a:schemeClr val="lt1"/>
+          </a:fontRef>
+        </p:style>
+        <p:txBody>
+          <a:bodyPr rtlCol="0" anchor="ctr"/>
+          <a:lstStyle/>
+          <a:p>
+            <a:pPr algn="ctr"/>
+            <a:endParaRPr lang="en-US" dirty="0">
+              <a:latin typeface="HelveticaNeueLT Com 45 Lt"/>
+            </a:endParaRPr>
+          </a:p>
+        </p:txBody>
+      </p:sp>
+      <p:sp>
+        <p:nvSpPr>
           <p:cNvPr id="2" name="Title 1"/>
           <p:cNvSpPr>
             <a:spLocks noGrp="1"/>
@@ -4569,6 +4613,195 @@
         <p:spPr/>
         <p:txBody>
           <a:bodyPr>
+            <a:normAutofit/>
+          </a:bodyPr>
+          <a:lstStyle/>
+          <a:p>
+            <a:r>
+              <a:rPr lang="en-US" dirty="0" smtClean="0"/>
+              <a:t>Single Instruction - Multiple Data</a:t>
+            </a:r>
+            <a:endParaRPr lang="en-US" sz="2800" dirty="0"/>
+          </a:p>
+        </p:txBody>
+      </p:sp>
+      <p:sp>
+        <p:nvSpPr>
+          <p:cNvPr id="3" name="Content Placeholder 2"/>
+          <p:cNvSpPr>
+            <a:spLocks noGrp="1"/>
+          </p:cNvSpPr>
+          <p:nvPr>
+            <p:ph idx="1"/>
+          </p:nvPr>
+        </p:nvSpPr>
+        <p:spPr>
+          <a:xfrm>
+            <a:off x="457200" y="1397551"/>
+            <a:ext cx="8229600" cy="1358484"/>
+          </a:xfrm>
+        </p:spPr>
+        <p:txBody>
+          <a:bodyPr>
+            <a:normAutofit fontScale="92500"/>
+          </a:bodyPr>
+          <a:lstStyle/>
+          <a:p>
+            <a:r>
+              <a:rPr lang="en-US" dirty="0" smtClean="0"/>
+              <a:t>Exploits </a:t>
+            </a:r>
+            <a:r>
+              <a:rPr lang="en-US" dirty="0"/>
+              <a:t>d</a:t>
+            </a:r>
+            <a:r>
+              <a:rPr lang="en-US" dirty="0" smtClean="0"/>
+              <a:t>ata-level parallelism</a:t>
+            </a:r>
+          </a:p>
+          <a:p>
+            <a:pPr lvl="1"/>
+            <a:r>
+              <a:rPr lang="en-US" dirty="0" smtClean="0"/>
+              <a:t>Operations repeatedly applied to independent data</a:t>
+            </a:r>
+          </a:p>
+        </p:txBody>
+      </p:sp>
+      <p:sp>
+        <p:nvSpPr>
+          <p:cNvPr id="6" name="Slide Number Placeholder 5"/>
+          <p:cNvSpPr>
+            <a:spLocks noGrp="1"/>
+          </p:cNvSpPr>
+          <p:nvPr>
+            <p:ph type="sldNum" sz="quarter" idx="12"/>
+          </p:nvPr>
+        </p:nvSpPr>
+        <p:spPr/>
+        <p:txBody>
+          <a:bodyPr/>
+          <a:lstStyle/>
+          <a:p>
+            <a:fld id="{0A3E316F-3D65-2744-BC5B-55B8D60FFFDF}" type="slidenum">
+              <a:rPr lang="en-US" smtClean="0"/>
+              <a:t>10</a:t>
+            </a:fld>
+            <a:endParaRPr lang="en-US"/>
+          </a:p>
+        </p:txBody>
+      </p:sp>
+      <p:pic>
+        <p:nvPicPr>
+          <p:cNvPr id="4" name="Picture 3" descr="cat.jpg"/>
+          <p:cNvPicPr>
+            <a:picLocks noChangeAspect="1"/>
+          </p:cNvPicPr>
+          <p:nvPr/>
+        </p:nvPicPr>
+        <p:blipFill>
+          <a:blip r:embed="rId2">
+            <a:extLst>
+              <a:ext uri="{28A0092B-C50C-407E-A947-70E740481C1C}">
+                <a14:useLocalDpi xmlns:a14="http://schemas.microsoft.com/office/drawing/2010/main" val="0"/>
+              </a:ext>
+            </a:extLst>
+          </a:blip>
+          <a:stretch>
+            <a:fillRect/>
+          </a:stretch>
+        </p:blipFill>
+        <p:spPr>
+          <a:xfrm>
+            <a:off x="349109" y="3131587"/>
+            <a:ext cx="3804440" cy="2853330"/>
+          </a:xfrm>
+          <a:prstGeom prst="rect">
+            <a:avLst/>
+          </a:prstGeom>
+        </p:spPr>
+      </p:pic>
+      <p:pic>
+        <p:nvPicPr>
+          <p:cNvPr id="5" name="Picture 4" descr="cat-grey.jpg"/>
+          <p:cNvPicPr>
+            <a:picLocks noChangeAspect="1"/>
+          </p:cNvPicPr>
+          <p:nvPr/>
+        </p:nvPicPr>
+        <p:blipFill>
+          <a:blip r:embed="rId3">
+            <a:extLst>
+              <a:ext uri="{28A0092B-C50C-407E-A947-70E740481C1C}">
+                <a14:useLocalDpi xmlns:a14="http://schemas.microsoft.com/office/drawing/2010/main" val="0"/>
+              </a:ext>
+            </a:extLst>
+          </a:blip>
+          <a:stretch>
+            <a:fillRect/>
+          </a:stretch>
+        </p:blipFill>
+        <p:spPr>
+          <a:xfrm>
+            <a:off x="4972282" y="3131586"/>
+            <a:ext cx="3804441" cy="2853331"/>
+          </a:xfrm>
+          <a:prstGeom prst="rect">
+            <a:avLst/>
+          </a:prstGeom>
+        </p:spPr>
+      </p:pic>
+    </p:spTree>
+    <p:extLst>
+      <p:ext uri="{BB962C8B-B14F-4D97-AF65-F5344CB8AC3E}">
+        <p14:creationId xmlns:p14="http://schemas.microsoft.com/office/powerpoint/2010/main" val="661692733"/>
+      </p:ext>
+    </p:extLst>
+  </p:cSld>
+  <p:clrMapOvr>
+    <a:masterClrMapping/>
+  </p:clrMapOvr>
+  <p:timing>
+    <p:tnLst>
+      <p:par>
+        <p:cTn xmlns:p14="http://schemas.microsoft.com/office/powerpoint/2010/main" id="1" dur="indefinite" restart="never" nodeType="tmRoot"/>
+      </p:par>
+    </p:tnLst>
+  </p:timing>
+</p:sld>
+</file>
+
+<file path=ppt/slides/slide11.xml><?xml version="1.0" encoding="utf-8"?>
+<p:sld xmlns:a="http://schemas.openxmlformats.org/drawingml/2006/main" xmlns:r="http://schemas.openxmlformats.org/officeDocument/2006/relationships" xmlns:p="http://schemas.openxmlformats.org/presentationml/2006/main">
+  <p:cSld>
+    <p:spTree>
+      <p:nvGrpSpPr>
+        <p:cNvPr id="1" name=""/>
+        <p:cNvGrpSpPr/>
+        <p:nvPr/>
+      </p:nvGrpSpPr>
+      <p:grpSpPr>
+        <a:xfrm>
+          <a:off x="0" y="0"/>
+          <a:ext cx="0" cy="0"/>
+          <a:chOff x="0" y="0"/>
+          <a:chExt cx="0" cy="0"/>
+        </a:xfrm>
+      </p:grpSpPr>
+      <p:sp>
+        <p:nvSpPr>
+          <p:cNvPr id="2" name="Title 1"/>
+          <p:cNvSpPr>
+            <a:spLocks noGrp="1"/>
+          </p:cNvSpPr>
+          <p:nvPr>
+            <p:ph type="title"/>
+          </p:nvPr>
+        </p:nvSpPr>
+        <p:spPr/>
+        <p:txBody>
+          <a:bodyPr>
             <a:normAutofit fontScale="90000"/>
           </a:bodyPr>
           <a:lstStyle/>
@@ -4627,7 +4860,7 @@
           <a:p>
             <a:fld id="{0A3E316F-3D65-2744-BC5B-55B8D60FFFDF}" type="slidenum">
               <a:rPr lang="en-US" smtClean="0"/>
-              <a:t>10</a:t>
+              <a:t>11</a:t>
             </a:fld>
             <a:endParaRPr lang="en-US"/>
           </a:p>
@@ -4683,7 +4916,7 @@
 </p:sld>
 </file>
 
-<file path=ppt/slides/slide11.xml><?xml version="1.0" encoding="utf-8"?>
+<file path=ppt/slides/slide12.xml><?xml version="1.0" encoding="utf-8"?>
 <p:sld xmlns:a="http://schemas.openxmlformats.org/drawingml/2006/main" xmlns:r="http://schemas.openxmlformats.org/officeDocument/2006/relationships" xmlns:p="http://schemas.openxmlformats.org/presentationml/2006/main">
   <p:cSld>
     <p:spTree>
@@ -4771,7 +5004,7 @@
           <a:p>
             <a:fld id="{0A3E316F-3D65-2744-BC5B-55B8D60FFFDF}" type="slidenum">
               <a:rPr lang="en-US" smtClean="0"/>
-              <a:t>11</a:t>
+              <a:t>12</a:t>
             </a:fld>
             <a:endParaRPr lang="en-US"/>
           </a:p>
@@ -5567,7 +5800,7 @@
 </p:sld>
 </file>
 
-<file path=ppt/slides/slide12.xml><?xml version="1.0" encoding="utf-8"?>
+<file path=ppt/slides/slide13.xml><?xml version="1.0" encoding="utf-8"?>
 <p:sld xmlns:a="http://schemas.openxmlformats.org/drawingml/2006/main" xmlns:r="http://schemas.openxmlformats.org/officeDocument/2006/relationships" xmlns:p="http://schemas.openxmlformats.org/presentationml/2006/main">
   <p:cSld>
     <p:spTree>
@@ -5655,7 +5888,7 @@
           <a:p>
             <a:fld id="{0A3E316F-3D65-2744-BC5B-55B8D60FFFDF}" type="slidenum">
               <a:rPr lang="en-US" smtClean="0"/>
-              <a:t>12</a:t>
+              <a:t>13</a:t>
             </a:fld>
             <a:endParaRPr lang="en-US"/>
           </a:p>
@@ -6499,7 +6732,7 @@
 </p:sld>
 </file>
 
-<file path=ppt/slides/slide13.xml><?xml version="1.0" encoding="utf-8"?>
+<file path=ppt/slides/slide14.xml><?xml version="1.0" encoding="utf-8"?>
 <p:sld xmlns:a="http://schemas.openxmlformats.org/drawingml/2006/main" xmlns:r="http://schemas.openxmlformats.org/officeDocument/2006/relationships" xmlns:p="http://schemas.openxmlformats.org/presentationml/2006/main">
   <p:cSld>
     <p:spTree>
@@ -6587,7 +6820,7 @@
           <a:p>
             <a:fld id="{0A3E316F-3D65-2744-BC5B-55B8D60FFFDF}" type="slidenum">
               <a:rPr lang="en-US" smtClean="0"/>
-              <a:t>13</a:t>
+              <a:t>14</a:t>
             </a:fld>
             <a:endParaRPr lang="en-US"/>
           </a:p>
@@ -7431,7 +7664,7 @@
 </p:sld>
 </file>
 
-<file path=ppt/slides/slide14.xml><?xml version="1.0" encoding="utf-8"?>
+<file path=ppt/slides/slide15.xml><?xml version="1.0" encoding="utf-8"?>
 <p:sld xmlns:a="http://schemas.openxmlformats.org/drawingml/2006/main" xmlns:r="http://schemas.openxmlformats.org/officeDocument/2006/relationships" xmlns:p="http://schemas.openxmlformats.org/presentationml/2006/main">
   <p:cSld>
     <p:spTree>
@@ -7519,7 +7752,7 @@
           <a:p>
             <a:fld id="{0A3E316F-3D65-2744-BC5B-55B8D60FFFDF}" type="slidenum">
               <a:rPr lang="en-US" smtClean="0"/>
-              <a:t>14</a:t>
+              <a:t>15</a:t>
             </a:fld>
             <a:endParaRPr lang="en-US"/>
           </a:p>
@@ -8363,172 +8596,6 @@
 </p:sld>
 </file>
 
-<file path=ppt/slides/slide15.xml><?xml version="1.0" encoding="utf-8"?>
-<p:sld xmlns:a="http://schemas.openxmlformats.org/drawingml/2006/main" xmlns:r="http://schemas.openxmlformats.org/officeDocument/2006/relationships" xmlns:p="http://schemas.openxmlformats.org/presentationml/2006/main">
-  <p:cSld>
-    <p:spTree>
-      <p:nvGrpSpPr>
-        <p:cNvPr id="1" name=""/>
-        <p:cNvGrpSpPr/>
-        <p:nvPr/>
-      </p:nvGrpSpPr>
-      <p:grpSpPr>
-        <a:xfrm>
-          <a:off x="0" y="0"/>
-          <a:ext cx="0" cy="0"/>
-          <a:chOff x="0" y="0"/>
-          <a:chExt cx="0" cy="0"/>
-        </a:xfrm>
-      </p:grpSpPr>
-      <p:sp>
-        <p:nvSpPr>
-          <p:cNvPr id="2" name="Title 1"/>
-          <p:cNvSpPr>
-            <a:spLocks noGrp="1"/>
-          </p:cNvSpPr>
-          <p:nvPr>
-            <p:ph type="title"/>
-          </p:nvPr>
-        </p:nvSpPr>
-        <p:spPr/>
-        <p:txBody>
-          <a:bodyPr>
-            <a:normAutofit fontScale="90000"/>
-          </a:bodyPr>
-          <a:lstStyle/>
-          <a:p>
-            <a:r>
-              <a:rPr lang="en-US" dirty="0"/>
-              <a:t>Single Instruction – </a:t>
-            </a:r>
-            <a:r>
-              <a:rPr lang="en-US" dirty="0" smtClean="0"/>
-              <a:t>Multiple data</a:t>
-            </a:r>
-            <a:r>
-              <a:rPr lang="en-US" dirty="0"/>
-              <a:t/>
-            </a:r>
-            <a:br>
-              <a:rPr lang="en-US" dirty="0"/>
-            </a:br>
-            <a:r>
-              <a:rPr lang="en-US" sz="2800" dirty="0">
-                <a:solidFill>
-                  <a:schemeClr val="bg1">
-                    <a:lumMod val="50000"/>
-                  </a:schemeClr>
-                </a:solidFill>
-              </a:rPr>
-              <a:t>Converting an image to </a:t>
-            </a:r>
-            <a:r>
-              <a:rPr lang="en-US" sz="2800" dirty="0" smtClean="0">
-                <a:solidFill>
-                  <a:schemeClr val="bg1">
-                    <a:lumMod val="50000"/>
-                  </a:schemeClr>
-                </a:solidFill>
-              </a:rPr>
-              <a:t>gray scale</a:t>
-            </a:r>
-            <a:endParaRPr lang="en-US" dirty="0"/>
-          </a:p>
-        </p:txBody>
-      </p:sp>
-      <p:sp>
-        <p:nvSpPr>
-          <p:cNvPr id="3" name="Content Placeholder 2"/>
-          <p:cNvSpPr>
-            <a:spLocks noGrp="1"/>
-          </p:cNvSpPr>
-          <p:nvPr>
-            <p:ph idx="1"/>
-          </p:nvPr>
-        </p:nvSpPr>
-        <p:spPr/>
-        <p:txBody>
-          <a:bodyPr/>
-          <a:lstStyle/>
-          <a:p>
-            <a:r>
-              <a:rPr lang="en-US" dirty="0" smtClean="0"/>
-              <a:t>ARM NEON uses special registers</a:t>
-            </a:r>
-          </a:p>
-          <a:p>
-            <a:pPr lvl="1"/>
-            <a:r>
-              <a:rPr lang="en-US" dirty="0" smtClean="0"/>
-              <a:t>Separate from CPU registers</a:t>
-            </a:r>
-          </a:p>
-          <a:p>
-            <a:pPr lvl="1"/>
-            <a:r>
-              <a:rPr lang="en-US" dirty="0" smtClean="0"/>
-              <a:t>“Q” and “D”, 128-bit and 64-bit wide</a:t>
-            </a:r>
-          </a:p>
-          <a:p>
-            <a:pPr lvl="1"/>
-            <a:r>
-              <a:rPr lang="en-US" dirty="0" smtClean="0"/>
-              <a:t>Multiple elements per register</a:t>
-            </a:r>
-          </a:p>
-          <a:p>
-            <a:pPr lvl="2"/>
-            <a:r>
-              <a:rPr lang="en-US" dirty="0" smtClean="0"/>
-              <a:t>e.g. 8 * 8 bit in “D” register</a:t>
-            </a:r>
-          </a:p>
-        </p:txBody>
-      </p:sp>
-      <p:sp>
-        <p:nvSpPr>
-          <p:cNvPr id="4" name="Slide Number Placeholder 3"/>
-          <p:cNvSpPr>
-            <a:spLocks noGrp="1"/>
-          </p:cNvSpPr>
-          <p:nvPr>
-            <p:ph type="sldNum" sz="quarter" idx="12"/>
-          </p:nvPr>
-        </p:nvSpPr>
-        <p:spPr/>
-        <p:txBody>
-          <a:bodyPr/>
-          <a:lstStyle/>
-          <a:p>
-            <a:fld id="{0A3E316F-3D65-2744-BC5B-55B8D60FFFDF}" type="slidenum">
-              <a:rPr lang="en-US" smtClean="0"/>
-              <a:t>15</a:t>
-            </a:fld>
-            <a:endParaRPr lang="en-US"/>
-          </a:p>
-        </p:txBody>
-      </p:sp>
-    </p:spTree>
-    <p:extLst>
-      <p:ext uri="{BB962C8B-B14F-4D97-AF65-F5344CB8AC3E}">
-        <p14:creationId xmlns:p14="http://schemas.microsoft.com/office/powerpoint/2010/main" val="526523729"/>
-      </p:ext>
-    </p:extLst>
-  </p:cSld>
-  <p:clrMapOvr>
-    <a:masterClrMapping/>
-  </p:clrMapOvr>
-  <p:timing>
-    <p:tnLst>
-      <p:par>
-        <p:cTn xmlns:p14="http://schemas.microsoft.com/office/powerpoint/2010/main" id="1" dur="indefinite" restart="never" nodeType="tmRoot"/>
-      </p:par>
-    </p:tnLst>
-  </p:timing>
-</p:sld>
-</file>
-
 <file path=ppt/slides/slide16.xml><?xml version="1.0" encoding="utf-8"?>
 <p:sld xmlns:a="http://schemas.openxmlformats.org/drawingml/2006/main" xmlns:r="http://schemas.openxmlformats.org/officeDocument/2006/relationships" xmlns:p="http://schemas.openxmlformats.org/presentationml/2006/main">
   <p:cSld>
@@ -8619,41 +8686,35 @@
           <a:p>
             <a:r>
               <a:rPr lang="en-US" dirty="0" smtClean="0"/>
-              <a:t>Steps to use SIMD:</a:t>
-            </a:r>
-          </a:p>
-          <a:p>
-            <a:pPr marL="971550" lvl="1" indent="-514350">
-              <a:buFont typeface="+mj-lt"/>
-              <a:buAutoNum type="arabicPeriod"/>
-            </a:pPr>
+              <a:t>ARM NEON uses special registers</a:t>
+            </a:r>
+          </a:p>
+          <a:p>
+            <a:pPr lvl="1"/>
             <a:r>
               <a:rPr lang="en-US" dirty="0" smtClean="0"/>
-              <a:t>Load data into NEON registers</a:t>
-            </a:r>
-          </a:p>
-          <a:p>
-            <a:pPr marL="971550" lvl="1" indent="-514350">
-              <a:buFont typeface="+mj-lt"/>
-              <a:buAutoNum type="arabicPeriod"/>
-            </a:pPr>
+              <a:t>Separate from CPU registers</a:t>
+            </a:r>
+          </a:p>
+          <a:p>
+            <a:pPr lvl="1"/>
             <a:r>
               <a:rPr lang="en-US" dirty="0" smtClean="0"/>
-              <a:t>Apply </a:t>
-            </a:r>
-            <a:r>
-              <a:rPr lang="en-US" dirty="0"/>
-              <a:t>operations</a:t>
-            </a:r>
-          </a:p>
-          <a:p>
-            <a:pPr marL="971550" lvl="1" indent="-514350">
-              <a:buFont typeface="+mj-lt"/>
-              <a:buAutoNum type="arabicPeriod"/>
-            </a:pPr>
-            <a:r>
-              <a:rPr lang="en-US" dirty="0"/>
-              <a:t>Write data back to memory</a:t>
+              <a:t>“Q” and “D”, 128-bit and 64-bit wide</a:t>
+            </a:r>
+          </a:p>
+          <a:p>
+            <a:pPr lvl="1"/>
+            <a:r>
+              <a:rPr lang="en-US" dirty="0" smtClean="0"/>
+              <a:t>Multiple elements per register</a:t>
+            </a:r>
+          </a:p>
+          <a:p>
+            <a:pPr lvl="2"/>
+            <a:r>
+              <a:rPr lang="en-US" dirty="0" smtClean="0"/>
+              <a:t>e.g. 8 * 8 bit in “D” register</a:t>
             </a:r>
           </a:p>
         </p:txBody>
@@ -8684,7 +8745,7 @@
     </p:spTree>
     <p:extLst>
       <p:ext uri="{BB962C8B-B14F-4D97-AF65-F5344CB8AC3E}">
-        <p14:creationId xmlns:p14="http://schemas.microsoft.com/office/powerpoint/2010/main" val="2751796948"/>
+        <p14:creationId xmlns:p14="http://schemas.microsoft.com/office/powerpoint/2010/main" val="526523729"/>
       </p:ext>
     </p:extLst>
   </p:cSld>
@@ -8751,16 +8812,82 @@
               <a:rPr lang="en-US" dirty="0"/>
             </a:br>
             <a:r>
-              <a:rPr lang="en-US" sz="2800" dirty="0" smtClean="0">
+              <a:rPr lang="en-US" sz="2800" dirty="0">
                 <a:solidFill>
                   <a:schemeClr val="bg1">
                     <a:lumMod val="50000"/>
                   </a:schemeClr>
                 </a:solidFill>
               </a:rPr>
+              <a:t>Converting an image to </a:t>
+            </a:r>
+            <a:r>
+              <a:rPr lang="en-US" sz="2800" dirty="0" smtClean="0">
+                <a:solidFill>
+                  <a:schemeClr val="bg1">
+                    <a:lumMod val="50000"/>
+                  </a:schemeClr>
+                </a:solidFill>
+              </a:rPr>
+              <a:t>gray scale</a:t>
+            </a:r>
+            <a:endParaRPr lang="en-US" dirty="0"/>
+          </a:p>
+        </p:txBody>
+      </p:sp>
+      <p:sp>
+        <p:nvSpPr>
+          <p:cNvPr id="3" name="Content Placeholder 2"/>
+          <p:cNvSpPr>
+            <a:spLocks noGrp="1"/>
+          </p:cNvSpPr>
+          <p:nvPr>
+            <p:ph idx="1"/>
+          </p:nvPr>
+        </p:nvSpPr>
+        <p:spPr/>
+        <p:txBody>
+          <a:bodyPr/>
+          <a:lstStyle/>
+          <a:p>
+            <a:r>
+              <a:rPr lang="en-US" dirty="0" smtClean="0"/>
+              <a:t>Steps to use SIMD:</a:t>
+            </a:r>
+          </a:p>
+          <a:p>
+            <a:pPr marL="971550" lvl="1" indent="-514350">
+              <a:buFont typeface="+mj-lt"/>
+              <a:buAutoNum type="arabicPeriod"/>
+            </a:pPr>
+            <a:r>
+              <a:rPr lang="en-US" dirty="0" smtClean="0"/>
               <a:t>Load data into NEON registers</a:t>
             </a:r>
-            <a:endParaRPr lang="en-US" dirty="0"/>
+          </a:p>
+          <a:p>
+            <a:pPr marL="971550" lvl="1" indent="-514350">
+              <a:buFont typeface="+mj-lt"/>
+              <a:buAutoNum type="arabicPeriod"/>
+            </a:pPr>
+            <a:r>
+              <a:rPr lang="en-US" dirty="0" smtClean="0"/>
+              <a:t>Apply </a:t>
+            </a:r>
+            <a:r>
+              <a:rPr lang="en-US" dirty="0"/>
+              <a:t>operations</a:t>
+            </a:r>
+          </a:p>
+          <a:p>
+            <a:pPr marL="971550" lvl="1" indent="-514350">
+              <a:buFont typeface="+mj-lt"/>
+              <a:buAutoNum type="arabicPeriod"/>
+            </a:pPr>
+            <a:r>
+              <a:rPr lang="en-US" dirty="0"/>
+              <a:t>Write data back to memory</a:t>
+            </a:r>
           </a:p>
         </p:txBody>
       </p:sp>
@@ -8782,6 +8909,112 @@
             <a:fld id="{0A3E316F-3D65-2744-BC5B-55B8D60FFFDF}" type="slidenum">
               <a:rPr lang="en-US" smtClean="0"/>
               <a:t>17</a:t>
+            </a:fld>
+            <a:endParaRPr lang="en-US"/>
+          </a:p>
+        </p:txBody>
+      </p:sp>
+    </p:spTree>
+    <p:extLst>
+      <p:ext uri="{BB962C8B-B14F-4D97-AF65-F5344CB8AC3E}">
+        <p14:creationId xmlns:p14="http://schemas.microsoft.com/office/powerpoint/2010/main" val="2751796948"/>
+      </p:ext>
+    </p:extLst>
+  </p:cSld>
+  <p:clrMapOvr>
+    <a:masterClrMapping/>
+  </p:clrMapOvr>
+  <p:timing>
+    <p:tnLst>
+      <p:par>
+        <p:cTn xmlns:p14="http://schemas.microsoft.com/office/powerpoint/2010/main" id="1" dur="indefinite" restart="never" nodeType="tmRoot"/>
+      </p:par>
+    </p:tnLst>
+  </p:timing>
+</p:sld>
+</file>
+
+<file path=ppt/slides/slide18.xml><?xml version="1.0" encoding="utf-8"?>
+<p:sld xmlns:a="http://schemas.openxmlformats.org/drawingml/2006/main" xmlns:r="http://schemas.openxmlformats.org/officeDocument/2006/relationships" xmlns:p="http://schemas.openxmlformats.org/presentationml/2006/main">
+  <p:cSld>
+    <p:spTree>
+      <p:nvGrpSpPr>
+        <p:cNvPr id="1" name=""/>
+        <p:cNvGrpSpPr/>
+        <p:nvPr/>
+      </p:nvGrpSpPr>
+      <p:grpSpPr>
+        <a:xfrm>
+          <a:off x="0" y="0"/>
+          <a:ext cx="0" cy="0"/>
+          <a:chOff x="0" y="0"/>
+          <a:chExt cx="0" cy="0"/>
+        </a:xfrm>
+      </p:grpSpPr>
+      <p:sp>
+        <p:nvSpPr>
+          <p:cNvPr id="2" name="Title 1"/>
+          <p:cNvSpPr>
+            <a:spLocks noGrp="1"/>
+          </p:cNvSpPr>
+          <p:nvPr>
+            <p:ph type="title"/>
+          </p:nvPr>
+        </p:nvSpPr>
+        <p:spPr/>
+        <p:txBody>
+          <a:bodyPr>
+            <a:normAutofit fontScale="90000"/>
+          </a:bodyPr>
+          <a:lstStyle/>
+          <a:p>
+            <a:r>
+              <a:rPr lang="en-US" dirty="0"/>
+              <a:t>Single Instruction – </a:t>
+            </a:r>
+            <a:r>
+              <a:rPr lang="en-US" dirty="0" smtClean="0"/>
+              <a:t>Multiple data</a:t>
+            </a:r>
+            <a:r>
+              <a:rPr lang="en-US" dirty="0"/>
+              <a:t/>
+            </a:r>
+            <a:br>
+              <a:rPr lang="en-US" dirty="0"/>
+            </a:br>
+            <a:r>
+              <a:rPr lang="en-US" sz="2800" dirty="0" smtClean="0">
+                <a:solidFill>
+                  <a:schemeClr val="bg1">
+                    <a:lumMod val="50000"/>
+                  </a:schemeClr>
+                </a:solidFill>
+              </a:rPr>
+              <a:t>Load data into NEON registers</a:t>
+            </a:r>
+            <a:endParaRPr lang="en-US" dirty="0"/>
+          </a:p>
+        </p:txBody>
+      </p:sp>
+      <p:sp>
+        <p:nvSpPr>
+          <p:cNvPr id="4" name="Slide Number Placeholder 3"/>
+          <p:cNvSpPr>
+            <a:spLocks noGrp="1"/>
+          </p:cNvSpPr>
+          <p:nvPr>
+            <p:ph type="sldNum" sz="quarter" idx="12"/>
+          </p:nvPr>
+        </p:nvSpPr>
+        <p:spPr/>
+        <p:txBody>
+          <a:bodyPr/>
+          <a:lstStyle/>
+          <a:p>
+            <a:fld id="{0A3E316F-3D65-2744-BC5B-55B8D60FFFDF}" type="slidenum">
+              <a:rPr lang="en-US" smtClean="0"/>
+              <a:t>18</a:t>
             </a:fld>
             <a:endParaRPr lang="en-US"/>
           </a:p>
@@ -8837,7 +9070,7 @@
 </p:sld>
 </file>
 
-<file path=ppt/slides/slide18.xml><?xml version="1.0" encoding="utf-8"?>
+<file path=ppt/slides/slide19.xml><?xml version="1.0" encoding="utf-8"?>
 <p:sld xmlns:a="http://schemas.openxmlformats.org/drawingml/2006/main" xmlns:r="http://schemas.openxmlformats.org/officeDocument/2006/relationships" xmlns:p="http://schemas.openxmlformats.org/presentationml/2006/main">
   <p:cSld>
     <p:spTree>
@@ -8909,7 +9142,7 @@
           <a:p>
             <a:fld id="{0A3E316F-3D65-2744-BC5B-55B8D60FFFDF}" type="slidenum">
               <a:rPr lang="en-US" smtClean="0"/>
-              <a:t>18</a:t>
+              <a:t>19</a:t>
             </a:fld>
             <a:endParaRPr lang="en-US"/>
           </a:p>
@@ -9017,955 +9250,6 @@
     <p:extLst>
       <p:ext uri="{BB962C8B-B14F-4D97-AF65-F5344CB8AC3E}">
         <p14:creationId xmlns:p14="http://schemas.microsoft.com/office/powerpoint/2010/main" val="876821257"/>
-      </p:ext>
-    </p:extLst>
-  </p:cSld>
-  <p:clrMapOvr>
-    <a:masterClrMapping/>
-  </p:clrMapOvr>
-  <p:timing>
-    <p:tnLst>
-      <p:par>
-        <p:cTn xmlns:p14="http://schemas.microsoft.com/office/powerpoint/2010/main" id="1" dur="indefinite" restart="never" nodeType="tmRoot"/>
-      </p:par>
-    </p:tnLst>
-  </p:timing>
-</p:sld>
-</file>
-
-<file path=ppt/slides/slide19.xml><?xml version="1.0" encoding="utf-8"?>
-<p:sld xmlns:a="http://schemas.openxmlformats.org/drawingml/2006/main" xmlns:r="http://schemas.openxmlformats.org/officeDocument/2006/relationships" xmlns:p="http://schemas.openxmlformats.org/presentationml/2006/main">
-  <p:cSld>
-    <p:spTree>
-      <p:nvGrpSpPr>
-        <p:cNvPr id="1" name=""/>
-        <p:cNvGrpSpPr/>
-        <p:nvPr/>
-      </p:nvGrpSpPr>
-      <p:grpSpPr>
-        <a:xfrm>
-          <a:off x="0" y="0"/>
-          <a:ext cx="0" cy="0"/>
-          <a:chOff x="0" y="0"/>
-          <a:chExt cx="0" cy="0"/>
-        </a:xfrm>
-      </p:grpSpPr>
-      <p:sp>
-        <p:nvSpPr>
-          <p:cNvPr id="2" name="Title 1"/>
-          <p:cNvSpPr>
-            <a:spLocks noGrp="1"/>
-          </p:cNvSpPr>
-          <p:nvPr>
-            <p:ph type="title"/>
-          </p:nvPr>
-        </p:nvSpPr>
-        <p:spPr/>
-        <p:txBody>
-          <a:bodyPr>
-            <a:normAutofit fontScale="90000"/>
-          </a:bodyPr>
-          <a:lstStyle/>
-          <a:p>
-            <a:r>
-              <a:rPr lang="en-US" dirty="0" smtClean="0"/>
-              <a:t>Single Instruction – Multiple data</a:t>
-            </a:r>
-            <a:br>
-              <a:rPr lang="en-US" dirty="0" smtClean="0"/>
-            </a:br>
-            <a:r>
-              <a:rPr lang="en-US" sz="2800" dirty="0" smtClean="0">
-                <a:solidFill>
-                  <a:schemeClr val="bg1">
-                    <a:lumMod val="50000"/>
-                  </a:schemeClr>
-                </a:solidFill>
-              </a:rPr>
-              <a:t>Converting to gray scale</a:t>
-            </a:r>
-            <a:endParaRPr lang="en-US" dirty="0"/>
-          </a:p>
-        </p:txBody>
-      </p:sp>
-      <p:sp>
-        <p:nvSpPr>
-          <p:cNvPr id="4" name="Slide Number Placeholder 3"/>
-          <p:cNvSpPr>
-            <a:spLocks noGrp="1"/>
-          </p:cNvSpPr>
-          <p:nvPr>
-            <p:ph type="sldNum" sz="quarter" idx="12"/>
-          </p:nvPr>
-        </p:nvSpPr>
-        <p:spPr/>
-        <p:txBody>
-          <a:bodyPr/>
-          <a:lstStyle/>
-          <a:p>
-            <a:fld id="{0A3E316F-3D65-2744-BC5B-55B8D60FFFDF}" type="slidenum">
-              <a:rPr lang="en-US" smtClean="0"/>
-              <a:t>19</a:t>
-            </a:fld>
-            <a:endParaRPr lang="en-US"/>
-          </a:p>
-        </p:txBody>
-      </p:sp>
-      <p:sp>
-        <p:nvSpPr>
-          <p:cNvPr id="3" name="Rectangle 2"/>
-          <p:cNvSpPr/>
-          <p:nvPr/>
-        </p:nvSpPr>
-        <p:spPr>
-          <a:xfrm>
-            <a:off x="1137506" y="1930200"/>
-            <a:ext cx="6712750" cy="3970318"/>
-          </a:xfrm>
-          <a:prstGeom prst="rect">
-            <a:avLst/>
-          </a:prstGeom>
-        </p:spPr>
-        <p:txBody>
-          <a:bodyPr wrap="square">
-            <a:spAutoFit/>
-          </a:bodyPr>
-          <a:lstStyle/>
-          <a:p>
-            <a:r>
-              <a:rPr lang="nl-NL" dirty="0" err="1">
-                <a:solidFill>
-                  <a:srgbClr val="FF7800"/>
-                </a:solidFill>
-                <a:latin typeface="SourceCodePro-Regular"/>
-              </a:rPr>
-              <a:t>for</a:t>
-            </a:r>
-            <a:r>
-              <a:rPr lang="nl-NL" dirty="0">
-                <a:solidFill>
-                  <a:prstClr val="black"/>
-                </a:solidFill>
-                <a:latin typeface="SourceCodePro-Regular"/>
-              </a:rPr>
-              <a:t>(</a:t>
-            </a:r>
-            <a:r>
-              <a:rPr lang="nl-NL" dirty="0">
-                <a:solidFill>
-                  <a:srgbClr val="FF7800"/>
-                </a:solidFill>
-                <a:latin typeface="SourceCodePro-Regular"/>
-              </a:rPr>
-              <a:t>int</a:t>
-            </a:r>
-            <a:r>
-              <a:rPr lang="nl-NL" dirty="0">
-                <a:solidFill>
-                  <a:prstClr val="black"/>
-                </a:solidFill>
-                <a:latin typeface="SourceCodePro-Regular"/>
-              </a:rPr>
-              <a:t> i=</a:t>
-            </a:r>
-            <a:r>
-              <a:rPr lang="nl-NL" dirty="0">
-                <a:solidFill>
-                  <a:srgbClr val="3B5BB5"/>
-                </a:solidFill>
-                <a:latin typeface="SourceCodePro-Regular"/>
-              </a:rPr>
-              <a:t>0</a:t>
-            </a:r>
-            <a:r>
-              <a:rPr lang="nl-NL" dirty="0">
-                <a:solidFill>
-                  <a:prstClr val="black"/>
-                </a:solidFill>
-                <a:latin typeface="SourceCodePro-Regular"/>
-              </a:rPr>
-              <a:t>; i &lt; pixels; i += FACTOR) {</a:t>
-            </a:r>
-            <a:br>
-              <a:rPr lang="nl-NL" dirty="0">
-                <a:solidFill>
-                  <a:prstClr val="black"/>
-                </a:solidFill>
-                <a:latin typeface="SourceCodePro-Regular"/>
-              </a:rPr>
-            </a:br>
-            <a:r>
-              <a:rPr lang="nl-NL" dirty="0">
-                <a:solidFill>
-                  <a:prstClr val="black"/>
-                </a:solidFill>
-                <a:latin typeface="SourceCodePro-Regular"/>
-              </a:rPr>
-              <a:t>    uint8x8x3_t </a:t>
-            </a:r>
-            <a:r>
-              <a:rPr lang="nl-NL" dirty="0" err="1" smtClean="0">
-                <a:solidFill>
-                  <a:prstClr val="black"/>
-                </a:solidFill>
-                <a:latin typeface="SourceCodePro-Regular"/>
-              </a:rPr>
-              <a:t>rgb</a:t>
-            </a:r>
-            <a:r>
-              <a:rPr lang="nl-NL" dirty="0" smtClean="0">
-                <a:solidFill>
-                  <a:prstClr val="black"/>
-                </a:solidFill>
-                <a:latin typeface="SourceCodePro-Regular"/>
-              </a:rPr>
-              <a:t> </a:t>
-            </a:r>
-            <a:r>
-              <a:rPr lang="nl-NL" dirty="0">
-                <a:solidFill>
-                  <a:prstClr val="black"/>
-                </a:solidFill>
-                <a:latin typeface="SourceCodePro-Regular"/>
-              </a:rPr>
-              <a:t>= </a:t>
-            </a:r>
-            <a:r>
-              <a:rPr lang="nl-NL" dirty="0">
-                <a:solidFill>
-                  <a:srgbClr val="3B5BB5"/>
-                </a:solidFill>
-                <a:latin typeface="SourceCodePro-Regular"/>
-              </a:rPr>
-              <a:t>vld3_u8</a:t>
-            </a:r>
-            <a:r>
-              <a:rPr lang="nl-NL" dirty="0">
-                <a:solidFill>
-                  <a:prstClr val="black"/>
-                </a:solidFill>
-                <a:latin typeface="SourceCodePro-Regular"/>
-              </a:rPr>
-              <a:t>(</a:t>
-            </a:r>
-            <a:r>
-              <a:rPr lang="nl-NL" dirty="0" err="1">
-                <a:solidFill>
-                  <a:prstClr val="black"/>
-                </a:solidFill>
-                <a:latin typeface="SourceCodePro-Regular"/>
-              </a:rPr>
-              <a:t>src</a:t>
-            </a:r>
-            <a:r>
-              <a:rPr lang="nl-NL" dirty="0">
-                <a:solidFill>
-                  <a:prstClr val="black"/>
-                </a:solidFill>
-                <a:latin typeface="SourceCodePro-Regular"/>
-              </a:rPr>
-              <a:t>);</a:t>
-            </a:r>
-            <a:br>
-              <a:rPr lang="nl-NL" dirty="0">
-                <a:solidFill>
-                  <a:prstClr val="black"/>
-                </a:solidFill>
-                <a:latin typeface="SourceCodePro-Regular"/>
-              </a:rPr>
-            </a:br>
-            <a:r>
-              <a:rPr lang="nl-NL" dirty="0">
-                <a:solidFill>
-                  <a:prstClr val="black"/>
-                </a:solidFill>
-                <a:latin typeface="SourceCodePro-Regular"/>
-              </a:rPr>
-              <a:t>    uint16x8_t </a:t>
-            </a:r>
-            <a:r>
-              <a:rPr lang="nl-NL" dirty="0" err="1">
-                <a:solidFill>
-                  <a:prstClr val="black"/>
-                </a:solidFill>
-                <a:latin typeface="SourceCodePro-Regular"/>
-              </a:rPr>
-              <a:t>acc</a:t>
-            </a:r>
-            <a:r>
-              <a:rPr lang="nl-NL" dirty="0">
-                <a:solidFill>
-                  <a:prstClr val="black"/>
-                </a:solidFill>
-                <a:latin typeface="SourceCodePro-Regular"/>
-              </a:rPr>
-              <a:t>;</a:t>
-            </a:r>
-            <a:br>
-              <a:rPr lang="nl-NL" dirty="0">
-                <a:solidFill>
-                  <a:prstClr val="black"/>
-                </a:solidFill>
-                <a:latin typeface="SourceCodePro-Regular"/>
-              </a:rPr>
-            </a:br>
-            <a:r>
-              <a:rPr lang="nl-NL" dirty="0">
-                <a:solidFill>
-                  <a:prstClr val="black"/>
-                </a:solidFill>
-                <a:latin typeface="SourceCodePro-Regular"/>
-              </a:rPr>
-              <a:t>    </a:t>
-            </a:r>
-            <a:br>
-              <a:rPr lang="nl-NL" dirty="0">
-                <a:solidFill>
-                  <a:prstClr val="black"/>
-                </a:solidFill>
-                <a:latin typeface="SourceCodePro-Regular"/>
-              </a:rPr>
-            </a:br>
-            <a:r>
-              <a:rPr lang="nl-NL" dirty="0">
-                <a:solidFill>
-                  <a:prstClr val="black"/>
-                </a:solidFill>
-                <a:latin typeface="SourceCodePro-Regular"/>
-              </a:rPr>
-              <a:t>    </a:t>
-            </a:r>
-            <a:r>
-              <a:rPr lang="nl-NL" dirty="0" err="1">
-                <a:solidFill>
-                  <a:prstClr val="black"/>
-                </a:solidFill>
-                <a:latin typeface="SourceCodePro-Regular"/>
-              </a:rPr>
-              <a:t>acc</a:t>
-            </a:r>
-            <a:r>
-              <a:rPr lang="nl-NL" dirty="0">
-                <a:solidFill>
-                  <a:prstClr val="black"/>
-                </a:solidFill>
-                <a:latin typeface="SourceCodePro-Regular"/>
-              </a:rPr>
-              <a:t> = </a:t>
-            </a:r>
-            <a:r>
-              <a:rPr lang="nl-NL" dirty="0">
-                <a:solidFill>
-                  <a:srgbClr val="3B5BB5"/>
-                </a:solidFill>
-                <a:latin typeface="SourceCodePro-Regular"/>
-              </a:rPr>
-              <a:t>vmull_u8</a:t>
-            </a:r>
-            <a:r>
-              <a:rPr lang="nl-NL" dirty="0">
-                <a:solidFill>
-                  <a:prstClr val="black"/>
-                </a:solidFill>
-                <a:latin typeface="SourceCodePro-Regular"/>
-              </a:rPr>
-              <a:t>(</a:t>
-            </a:r>
-            <a:r>
-              <a:rPr lang="nl-NL" dirty="0" err="1" smtClean="0">
-                <a:solidFill>
-                  <a:prstClr val="black"/>
-                </a:solidFill>
-                <a:latin typeface="SourceCodePro-Regular"/>
-              </a:rPr>
-              <a:t>rgb.val</a:t>
-            </a:r>
-            <a:r>
-              <a:rPr lang="nl-NL" dirty="0">
-                <a:solidFill>
-                  <a:prstClr val="black"/>
-                </a:solidFill>
-                <a:latin typeface="SourceCodePro-Regular"/>
-              </a:rPr>
-              <a:t>[</a:t>
-            </a:r>
-            <a:r>
-              <a:rPr lang="nl-NL" dirty="0">
-                <a:solidFill>
-                  <a:srgbClr val="3B5BB5"/>
-                </a:solidFill>
-                <a:latin typeface="SourceCodePro-Regular"/>
-              </a:rPr>
-              <a:t>0</a:t>
-            </a:r>
-            <a:r>
-              <a:rPr lang="nl-NL" dirty="0">
-                <a:solidFill>
-                  <a:prstClr val="black"/>
-                </a:solidFill>
-                <a:latin typeface="SourceCodePro-Regular"/>
-              </a:rPr>
-              <a:t>], </a:t>
-            </a:r>
-            <a:r>
-              <a:rPr lang="nl-NL" dirty="0" err="1">
-                <a:solidFill>
-                  <a:prstClr val="black"/>
-                </a:solidFill>
-                <a:latin typeface="SourceCodePro-Regular"/>
-              </a:rPr>
-              <a:t>rcoeff</a:t>
-            </a:r>
-            <a:r>
-              <a:rPr lang="nl-NL" dirty="0">
-                <a:solidFill>
-                  <a:prstClr val="black"/>
-                </a:solidFill>
-                <a:latin typeface="SourceCodePro-Regular"/>
-              </a:rPr>
-              <a:t>);</a:t>
-            </a:r>
-            <a:br>
-              <a:rPr lang="nl-NL" dirty="0">
-                <a:solidFill>
-                  <a:prstClr val="black"/>
-                </a:solidFill>
-                <a:latin typeface="SourceCodePro-Regular"/>
-              </a:rPr>
-            </a:br>
-            <a:r>
-              <a:rPr lang="nl-NL" dirty="0">
-                <a:solidFill>
-                  <a:prstClr val="black"/>
-                </a:solidFill>
-                <a:latin typeface="SourceCodePro-Regular"/>
-              </a:rPr>
-              <a:t>    </a:t>
-            </a:r>
-            <a:r>
-              <a:rPr lang="nl-NL" dirty="0" err="1">
-                <a:solidFill>
-                  <a:prstClr val="black"/>
-                </a:solidFill>
-                <a:latin typeface="SourceCodePro-Regular"/>
-              </a:rPr>
-              <a:t>acc</a:t>
-            </a:r>
-            <a:r>
-              <a:rPr lang="nl-NL" dirty="0">
-                <a:solidFill>
-                  <a:prstClr val="black"/>
-                </a:solidFill>
-                <a:latin typeface="SourceCodePro-Regular"/>
-              </a:rPr>
-              <a:t> = </a:t>
-            </a:r>
-            <a:r>
-              <a:rPr lang="nl-NL" dirty="0">
-                <a:solidFill>
-                  <a:srgbClr val="3B5BB5"/>
-                </a:solidFill>
-                <a:latin typeface="SourceCodePro-Regular"/>
-              </a:rPr>
-              <a:t>vmlal_u8</a:t>
-            </a:r>
-            <a:r>
-              <a:rPr lang="nl-NL" dirty="0">
-                <a:solidFill>
-                  <a:prstClr val="black"/>
-                </a:solidFill>
-                <a:latin typeface="SourceCodePro-Regular"/>
-              </a:rPr>
-              <a:t>(</a:t>
-            </a:r>
-            <a:r>
-              <a:rPr lang="nl-NL" dirty="0" err="1">
-                <a:solidFill>
-                  <a:prstClr val="black"/>
-                </a:solidFill>
-                <a:latin typeface="SourceCodePro-Regular"/>
-              </a:rPr>
-              <a:t>acc</a:t>
-            </a:r>
-            <a:r>
-              <a:rPr lang="nl-NL" dirty="0">
-                <a:solidFill>
-                  <a:prstClr val="black"/>
-                </a:solidFill>
-                <a:latin typeface="SourceCodePro-Regular"/>
-              </a:rPr>
-              <a:t>, </a:t>
-            </a:r>
-            <a:r>
-              <a:rPr lang="nl-NL" dirty="0" err="1" smtClean="0">
-                <a:solidFill>
-                  <a:prstClr val="black"/>
-                </a:solidFill>
-                <a:latin typeface="SourceCodePro-Regular"/>
-              </a:rPr>
-              <a:t>rgb.val</a:t>
-            </a:r>
-            <a:r>
-              <a:rPr lang="nl-NL" dirty="0">
-                <a:solidFill>
-                  <a:prstClr val="black"/>
-                </a:solidFill>
-                <a:latin typeface="SourceCodePro-Regular"/>
-              </a:rPr>
-              <a:t>[</a:t>
-            </a:r>
-            <a:r>
-              <a:rPr lang="nl-NL" dirty="0">
-                <a:solidFill>
-                  <a:srgbClr val="3B5BB5"/>
-                </a:solidFill>
-                <a:latin typeface="SourceCodePro-Regular"/>
-              </a:rPr>
-              <a:t>1</a:t>
-            </a:r>
-            <a:r>
-              <a:rPr lang="nl-NL" dirty="0">
-                <a:solidFill>
-                  <a:prstClr val="black"/>
-                </a:solidFill>
-                <a:latin typeface="SourceCodePro-Regular"/>
-              </a:rPr>
-              <a:t>], </a:t>
-            </a:r>
-            <a:r>
-              <a:rPr lang="nl-NL" dirty="0" err="1">
-                <a:solidFill>
-                  <a:prstClr val="black"/>
-                </a:solidFill>
-                <a:latin typeface="SourceCodePro-Regular"/>
-              </a:rPr>
-              <a:t>gcoeff</a:t>
-            </a:r>
-            <a:r>
-              <a:rPr lang="nl-NL" dirty="0">
-                <a:solidFill>
-                  <a:prstClr val="black"/>
-                </a:solidFill>
-                <a:latin typeface="SourceCodePro-Regular"/>
-              </a:rPr>
-              <a:t>);</a:t>
-            </a:r>
-            <a:br>
-              <a:rPr lang="nl-NL" dirty="0">
-                <a:solidFill>
-                  <a:prstClr val="black"/>
-                </a:solidFill>
-                <a:latin typeface="SourceCodePro-Regular"/>
-              </a:rPr>
-            </a:br>
-            <a:r>
-              <a:rPr lang="nl-NL" dirty="0">
-                <a:solidFill>
-                  <a:prstClr val="black"/>
-                </a:solidFill>
-                <a:latin typeface="SourceCodePro-Regular"/>
-              </a:rPr>
-              <a:t>    </a:t>
-            </a:r>
-            <a:r>
-              <a:rPr lang="nl-NL" dirty="0" err="1">
-                <a:solidFill>
-                  <a:prstClr val="black"/>
-                </a:solidFill>
-                <a:latin typeface="SourceCodePro-Regular"/>
-              </a:rPr>
-              <a:t>acc</a:t>
-            </a:r>
-            <a:r>
-              <a:rPr lang="nl-NL" dirty="0">
-                <a:solidFill>
-                  <a:prstClr val="black"/>
-                </a:solidFill>
-                <a:latin typeface="SourceCodePro-Regular"/>
-              </a:rPr>
-              <a:t> = </a:t>
-            </a:r>
-            <a:r>
-              <a:rPr lang="nl-NL" dirty="0">
-                <a:solidFill>
-                  <a:srgbClr val="3B5BB5"/>
-                </a:solidFill>
-                <a:latin typeface="SourceCodePro-Regular"/>
-              </a:rPr>
-              <a:t>vmlal_u8</a:t>
-            </a:r>
-            <a:r>
-              <a:rPr lang="nl-NL" dirty="0">
-                <a:solidFill>
-                  <a:prstClr val="black"/>
-                </a:solidFill>
-                <a:latin typeface="SourceCodePro-Regular"/>
-              </a:rPr>
-              <a:t>(</a:t>
-            </a:r>
-            <a:r>
-              <a:rPr lang="nl-NL" dirty="0" err="1">
-                <a:solidFill>
-                  <a:prstClr val="black"/>
-                </a:solidFill>
-                <a:latin typeface="SourceCodePro-Regular"/>
-              </a:rPr>
-              <a:t>acc</a:t>
-            </a:r>
-            <a:r>
-              <a:rPr lang="nl-NL" dirty="0">
-                <a:solidFill>
-                  <a:prstClr val="black"/>
-                </a:solidFill>
-                <a:latin typeface="SourceCodePro-Regular"/>
-              </a:rPr>
-              <a:t>, </a:t>
-            </a:r>
-            <a:r>
-              <a:rPr lang="nl-NL" dirty="0" err="1" smtClean="0">
-                <a:solidFill>
-                  <a:prstClr val="black"/>
-                </a:solidFill>
-                <a:latin typeface="SourceCodePro-Regular"/>
-              </a:rPr>
-              <a:t>rgb.val</a:t>
-            </a:r>
-            <a:r>
-              <a:rPr lang="nl-NL" dirty="0">
-                <a:solidFill>
-                  <a:prstClr val="black"/>
-                </a:solidFill>
-                <a:latin typeface="SourceCodePro-Regular"/>
-              </a:rPr>
-              <a:t>[</a:t>
-            </a:r>
-            <a:r>
-              <a:rPr lang="nl-NL" dirty="0">
-                <a:solidFill>
-                  <a:srgbClr val="3B5BB5"/>
-                </a:solidFill>
-                <a:latin typeface="SourceCodePro-Regular"/>
-              </a:rPr>
-              <a:t>2</a:t>
-            </a:r>
-            <a:r>
-              <a:rPr lang="nl-NL" dirty="0">
-                <a:solidFill>
-                  <a:prstClr val="black"/>
-                </a:solidFill>
-                <a:latin typeface="SourceCodePro-Regular"/>
-              </a:rPr>
-              <a:t>], </a:t>
-            </a:r>
-            <a:r>
-              <a:rPr lang="nl-NL" dirty="0" err="1">
-                <a:solidFill>
-                  <a:prstClr val="black"/>
-                </a:solidFill>
-                <a:latin typeface="SourceCodePro-Regular"/>
-              </a:rPr>
-              <a:t>bcoeff</a:t>
-            </a:r>
-            <a:r>
-              <a:rPr lang="nl-NL" dirty="0">
-                <a:solidFill>
-                  <a:prstClr val="black"/>
-                </a:solidFill>
-                <a:latin typeface="SourceCodePro-Regular"/>
-              </a:rPr>
-              <a:t>);</a:t>
-            </a:r>
-            <a:br>
-              <a:rPr lang="nl-NL" dirty="0">
-                <a:solidFill>
-                  <a:prstClr val="black"/>
-                </a:solidFill>
-                <a:latin typeface="SourceCodePro-Regular"/>
-              </a:rPr>
-            </a:br>
-            <a:r>
-              <a:rPr lang="nl-NL" dirty="0">
-                <a:solidFill>
-                  <a:prstClr val="black"/>
-                </a:solidFill>
-                <a:latin typeface="SourceCodePro-Regular"/>
-              </a:rPr>
-              <a:t>    </a:t>
-            </a:r>
-            <a:br>
-              <a:rPr lang="nl-NL" dirty="0">
-                <a:solidFill>
-                  <a:prstClr val="black"/>
-                </a:solidFill>
-                <a:latin typeface="SourceCodePro-Regular"/>
-              </a:rPr>
-            </a:br>
-            <a:r>
-              <a:rPr lang="nl-NL" dirty="0">
-                <a:solidFill>
-                  <a:prstClr val="black"/>
-                </a:solidFill>
-                <a:latin typeface="SourceCodePro-Regular"/>
-              </a:rPr>
-              <a:t>    uint8x8_t </a:t>
-            </a:r>
-            <a:r>
-              <a:rPr lang="nl-NL" dirty="0" err="1">
-                <a:solidFill>
-                  <a:prstClr val="black"/>
-                </a:solidFill>
-                <a:latin typeface="SourceCodePro-Regular"/>
-              </a:rPr>
-              <a:t>result</a:t>
-            </a:r>
-            <a:r>
-              <a:rPr lang="nl-NL" dirty="0">
-                <a:solidFill>
-                  <a:prstClr val="black"/>
-                </a:solidFill>
-                <a:latin typeface="SourceCodePro-Regular"/>
-              </a:rPr>
-              <a:t> = </a:t>
-            </a:r>
-            <a:r>
-              <a:rPr lang="nl-NL" dirty="0">
-                <a:solidFill>
-                  <a:srgbClr val="3B5BB5"/>
-                </a:solidFill>
-                <a:latin typeface="SourceCodePro-Regular"/>
-              </a:rPr>
-              <a:t>vshrn_n_u16</a:t>
-            </a:r>
-            <a:r>
-              <a:rPr lang="nl-NL" dirty="0">
-                <a:solidFill>
-                  <a:prstClr val="black"/>
-                </a:solidFill>
-                <a:latin typeface="SourceCodePro-Regular"/>
-              </a:rPr>
-              <a:t>(</a:t>
-            </a:r>
-            <a:r>
-              <a:rPr lang="nl-NL" dirty="0" err="1">
-                <a:solidFill>
-                  <a:prstClr val="black"/>
-                </a:solidFill>
-                <a:latin typeface="SourceCodePro-Regular"/>
-              </a:rPr>
-              <a:t>acc</a:t>
-            </a:r>
-            <a:r>
-              <a:rPr lang="nl-NL" dirty="0">
-                <a:solidFill>
-                  <a:prstClr val="black"/>
-                </a:solidFill>
-                <a:latin typeface="SourceCodePro-Regular"/>
-              </a:rPr>
-              <a:t>, </a:t>
-            </a:r>
-            <a:r>
-              <a:rPr lang="nl-NL" dirty="0">
-                <a:solidFill>
-                  <a:srgbClr val="3B5BB5"/>
-                </a:solidFill>
-                <a:latin typeface="SourceCodePro-Regular"/>
-              </a:rPr>
-              <a:t>8</a:t>
-            </a:r>
-            <a:r>
-              <a:rPr lang="nl-NL" dirty="0">
-                <a:solidFill>
-                  <a:prstClr val="black"/>
-                </a:solidFill>
-                <a:latin typeface="SourceCodePro-Regular"/>
-              </a:rPr>
-              <a:t>);</a:t>
-            </a:r>
-            <a:br>
-              <a:rPr lang="nl-NL" dirty="0">
-                <a:solidFill>
-                  <a:prstClr val="black"/>
-                </a:solidFill>
-                <a:latin typeface="SourceCodePro-Regular"/>
-              </a:rPr>
-            </a:br>
-            <a:r>
-              <a:rPr lang="nl-NL" dirty="0">
-                <a:solidFill>
-                  <a:prstClr val="black"/>
-                </a:solidFill>
-                <a:latin typeface="SourceCodePro-Regular"/>
-              </a:rPr>
-              <a:t>    </a:t>
-            </a:r>
-            <a:r>
-              <a:rPr lang="nl-NL" dirty="0">
-                <a:solidFill>
-                  <a:srgbClr val="3B5BB5"/>
-                </a:solidFill>
-                <a:latin typeface="SourceCodePro-Regular"/>
-              </a:rPr>
-              <a:t>vst1_u8</a:t>
-            </a:r>
-            <a:r>
-              <a:rPr lang="nl-NL" dirty="0">
-                <a:solidFill>
-                  <a:prstClr val="black"/>
-                </a:solidFill>
-                <a:latin typeface="SourceCodePro-Regular"/>
-              </a:rPr>
-              <a:t>(</a:t>
-            </a:r>
-            <a:r>
-              <a:rPr lang="nl-NL" dirty="0" err="1">
-                <a:solidFill>
-                  <a:prstClr val="black"/>
-                </a:solidFill>
-                <a:latin typeface="SourceCodePro-Regular"/>
-              </a:rPr>
-              <a:t>dest</a:t>
-            </a:r>
-            <a:r>
-              <a:rPr lang="nl-NL" dirty="0">
-                <a:solidFill>
-                  <a:prstClr val="black"/>
-                </a:solidFill>
-                <a:latin typeface="SourceCodePro-Regular"/>
-              </a:rPr>
-              <a:t>, </a:t>
-            </a:r>
-            <a:r>
-              <a:rPr lang="nl-NL" dirty="0" err="1">
-                <a:solidFill>
-                  <a:prstClr val="black"/>
-                </a:solidFill>
-                <a:latin typeface="SourceCodePro-Regular"/>
-              </a:rPr>
-              <a:t>result</a:t>
-            </a:r>
-            <a:r>
-              <a:rPr lang="nl-NL" dirty="0">
-                <a:solidFill>
-                  <a:prstClr val="black"/>
-                </a:solidFill>
-                <a:latin typeface="SourceCodePro-Regular"/>
-              </a:rPr>
-              <a:t>);</a:t>
-            </a:r>
-            <a:br>
-              <a:rPr lang="nl-NL" dirty="0">
-                <a:solidFill>
-                  <a:prstClr val="black"/>
-                </a:solidFill>
-                <a:latin typeface="SourceCodePro-Regular"/>
-              </a:rPr>
-            </a:br>
-            <a:r>
-              <a:rPr lang="nl-NL" dirty="0">
-                <a:solidFill>
-                  <a:prstClr val="black"/>
-                </a:solidFill>
-                <a:latin typeface="SourceCodePro-Regular"/>
-              </a:rPr>
-              <a:t>       </a:t>
-            </a:r>
-            <a:br>
-              <a:rPr lang="nl-NL" dirty="0">
-                <a:solidFill>
-                  <a:prstClr val="black"/>
-                </a:solidFill>
-                <a:latin typeface="SourceCodePro-Regular"/>
-              </a:rPr>
-            </a:br>
-            <a:r>
-              <a:rPr lang="nl-NL" dirty="0">
-                <a:solidFill>
-                  <a:prstClr val="black"/>
-                </a:solidFill>
-                <a:latin typeface="SourceCodePro-Regular"/>
-              </a:rPr>
-              <a:t>    </a:t>
-            </a:r>
-            <a:r>
-              <a:rPr lang="nl-NL" dirty="0" err="1">
-                <a:solidFill>
-                  <a:prstClr val="black"/>
-                </a:solidFill>
-                <a:latin typeface="SourceCodePro-Regular"/>
-              </a:rPr>
-              <a:t>src</a:t>
-            </a:r>
-            <a:r>
-              <a:rPr lang="nl-NL" dirty="0">
-                <a:solidFill>
-                  <a:prstClr val="black"/>
-                </a:solidFill>
-                <a:latin typeface="SourceCodePro-Regular"/>
-              </a:rPr>
-              <a:t> += FACTOR;</a:t>
-            </a:r>
-            <a:br>
-              <a:rPr lang="nl-NL" dirty="0">
-                <a:solidFill>
-                  <a:prstClr val="black"/>
-                </a:solidFill>
-                <a:latin typeface="SourceCodePro-Regular"/>
-              </a:rPr>
-            </a:br>
-            <a:r>
-              <a:rPr lang="nl-NL" dirty="0">
-                <a:solidFill>
-                  <a:prstClr val="black"/>
-                </a:solidFill>
-                <a:latin typeface="SourceCodePro-Regular"/>
-              </a:rPr>
-              <a:t>    </a:t>
-            </a:r>
-            <a:r>
-              <a:rPr lang="nl-NL" dirty="0" err="1">
-                <a:solidFill>
-                  <a:prstClr val="black"/>
-                </a:solidFill>
-                <a:latin typeface="SourceCodePro-Regular"/>
-              </a:rPr>
-              <a:t>dest</a:t>
-            </a:r>
-            <a:r>
-              <a:rPr lang="nl-NL" dirty="0">
-                <a:solidFill>
-                  <a:prstClr val="black"/>
-                </a:solidFill>
-                <a:latin typeface="SourceCodePro-Regular"/>
-              </a:rPr>
-              <a:t> += FACTOR;</a:t>
-            </a:r>
-            <a:br>
-              <a:rPr lang="nl-NL" dirty="0">
-                <a:solidFill>
-                  <a:prstClr val="black"/>
-                </a:solidFill>
-                <a:latin typeface="SourceCodePro-Regular"/>
-              </a:rPr>
-            </a:br>
-            <a:r>
-              <a:rPr lang="nl-NL" dirty="0">
-                <a:solidFill>
-                  <a:prstClr val="black"/>
-                </a:solidFill>
-                <a:latin typeface="SourceCodePro-Regular"/>
-              </a:rPr>
-              <a:t>}</a:t>
-            </a:r>
-            <a:endParaRPr lang="en-US" dirty="0">
-              <a:latin typeface="HelveticaNeueLT Com 45 Lt"/>
-            </a:endParaRPr>
-          </a:p>
-        </p:txBody>
-      </p:sp>
-    </p:spTree>
-    <p:extLst>
-      <p:ext uri="{BB962C8B-B14F-4D97-AF65-F5344CB8AC3E}">
-        <p14:creationId xmlns:p14="http://schemas.microsoft.com/office/powerpoint/2010/main" val="3282497539"/>
       </p:ext>
     </p:extLst>
   </p:cSld>
@@ -11058,6 +10342,955 @@
           </a:p>
         </p:txBody>
       </p:sp>
+    </p:spTree>
+    <p:extLst>
+      <p:ext uri="{BB962C8B-B14F-4D97-AF65-F5344CB8AC3E}">
+        <p14:creationId xmlns:p14="http://schemas.microsoft.com/office/powerpoint/2010/main" val="3282497539"/>
+      </p:ext>
+    </p:extLst>
+  </p:cSld>
+  <p:clrMapOvr>
+    <a:masterClrMapping/>
+  </p:clrMapOvr>
+  <p:timing>
+    <p:tnLst>
+      <p:par>
+        <p:cTn xmlns:p14="http://schemas.microsoft.com/office/powerpoint/2010/main" id="1" dur="indefinite" restart="never" nodeType="tmRoot"/>
+      </p:par>
+    </p:tnLst>
+  </p:timing>
+</p:sld>
+</file>
+
+<file path=ppt/slides/slide21.xml><?xml version="1.0" encoding="utf-8"?>
+<p:sld xmlns:a="http://schemas.openxmlformats.org/drawingml/2006/main" xmlns:r="http://schemas.openxmlformats.org/officeDocument/2006/relationships" xmlns:p="http://schemas.openxmlformats.org/presentationml/2006/main">
+  <p:cSld>
+    <p:spTree>
+      <p:nvGrpSpPr>
+        <p:cNvPr id="1" name=""/>
+        <p:cNvGrpSpPr/>
+        <p:nvPr/>
+      </p:nvGrpSpPr>
+      <p:grpSpPr>
+        <a:xfrm>
+          <a:off x="0" y="0"/>
+          <a:ext cx="0" cy="0"/>
+          <a:chOff x="0" y="0"/>
+          <a:chExt cx="0" cy="0"/>
+        </a:xfrm>
+      </p:grpSpPr>
+      <p:sp>
+        <p:nvSpPr>
+          <p:cNvPr id="2" name="Title 1"/>
+          <p:cNvSpPr>
+            <a:spLocks noGrp="1"/>
+          </p:cNvSpPr>
+          <p:nvPr>
+            <p:ph type="title"/>
+          </p:nvPr>
+        </p:nvSpPr>
+        <p:spPr/>
+        <p:txBody>
+          <a:bodyPr>
+            <a:normAutofit fontScale="90000"/>
+          </a:bodyPr>
+          <a:lstStyle/>
+          <a:p>
+            <a:r>
+              <a:rPr lang="en-US" dirty="0" smtClean="0"/>
+              <a:t>Single Instruction – Multiple data</a:t>
+            </a:r>
+            <a:br>
+              <a:rPr lang="en-US" dirty="0" smtClean="0"/>
+            </a:br>
+            <a:r>
+              <a:rPr lang="en-US" sz="2800" dirty="0" smtClean="0">
+                <a:solidFill>
+                  <a:schemeClr val="bg1">
+                    <a:lumMod val="50000"/>
+                  </a:schemeClr>
+                </a:solidFill>
+              </a:rPr>
+              <a:t>Converting to gray scale</a:t>
+            </a:r>
+            <a:endParaRPr lang="en-US" dirty="0"/>
+          </a:p>
+        </p:txBody>
+      </p:sp>
+      <p:sp>
+        <p:nvSpPr>
+          <p:cNvPr id="4" name="Slide Number Placeholder 3"/>
+          <p:cNvSpPr>
+            <a:spLocks noGrp="1"/>
+          </p:cNvSpPr>
+          <p:nvPr>
+            <p:ph type="sldNum" sz="quarter" idx="12"/>
+          </p:nvPr>
+        </p:nvSpPr>
+        <p:spPr/>
+        <p:txBody>
+          <a:bodyPr/>
+          <a:lstStyle/>
+          <a:p>
+            <a:fld id="{0A3E316F-3D65-2744-BC5B-55B8D60FFFDF}" type="slidenum">
+              <a:rPr lang="en-US" smtClean="0"/>
+              <a:t>21</a:t>
+            </a:fld>
+            <a:endParaRPr lang="en-US"/>
+          </a:p>
+        </p:txBody>
+      </p:sp>
+      <p:sp>
+        <p:nvSpPr>
+          <p:cNvPr id="3" name="Rectangle 2"/>
+          <p:cNvSpPr/>
+          <p:nvPr/>
+        </p:nvSpPr>
+        <p:spPr>
+          <a:xfrm>
+            <a:off x="1137506" y="1930200"/>
+            <a:ext cx="6712750" cy="3970318"/>
+          </a:xfrm>
+          <a:prstGeom prst="rect">
+            <a:avLst/>
+          </a:prstGeom>
+        </p:spPr>
+        <p:txBody>
+          <a:bodyPr wrap="square">
+            <a:spAutoFit/>
+          </a:bodyPr>
+          <a:lstStyle/>
+          <a:p>
+            <a:r>
+              <a:rPr lang="nl-NL" dirty="0" err="1">
+                <a:solidFill>
+                  <a:srgbClr val="FF7800"/>
+                </a:solidFill>
+                <a:latin typeface="SourceCodePro-Regular"/>
+              </a:rPr>
+              <a:t>for</a:t>
+            </a:r>
+            <a:r>
+              <a:rPr lang="nl-NL" dirty="0">
+                <a:solidFill>
+                  <a:prstClr val="black"/>
+                </a:solidFill>
+                <a:latin typeface="SourceCodePro-Regular"/>
+              </a:rPr>
+              <a:t>(</a:t>
+            </a:r>
+            <a:r>
+              <a:rPr lang="nl-NL" dirty="0">
+                <a:solidFill>
+                  <a:srgbClr val="FF7800"/>
+                </a:solidFill>
+                <a:latin typeface="SourceCodePro-Regular"/>
+              </a:rPr>
+              <a:t>int</a:t>
+            </a:r>
+            <a:r>
+              <a:rPr lang="nl-NL" dirty="0">
+                <a:solidFill>
+                  <a:prstClr val="black"/>
+                </a:solidFill>
+                <a:latin typeface="SourceCodePro-Regular"/>
+              </a:rPr>
+              <a:t> i=</a:t>
+            </a:r>
+            <a:r>
+              <a:rPr lang="nl-NL" dirty="0">
+                <a:solidFill>
+                  <a:srgbClr val="3B5BB5"/>
+                </a:solidFill>
+                <a:latin typeface="SourceCodePro-Regular"/>
+              </a:rPr>
+              <a:t>0</a:t>
+            </a:r>
+            <a:r>
+              <a:rPr lang="nl-NL" dirty="0">
+                <a:solidFill>
+                  <a:prstClr val="black"/>
+                </a:solidFill>
+                <a:latin typeface="SourceCodePro-Regular"/>
+              </a:rPr>
+              <a:t>; i &lt; pixels; i += FACTOR) {</a:t>
+            </a:r>
+            <a:br>
+              <a:rPr lang="nl-NL" dirty="0">
+                <a:solidFill>
+                  <a:prstClr val="black"/>
+                </a:solidFill>
+                <a:latin typeface="SourceCodePro-Regular"/>
+              </a:rPr>
+            </a:br>
+            <a:r>
+              <a:rPr lang="nl-NL" dirty="0">
+                <a:solidFill>
+                  <a:prstClr val="black"/>
+                </a:solidFill>
+                <a:latin typeface="SourceCodePro-Regular"/>
+              </a:rPr>
+              <a:t>    uint8x8x3_t </a:t>
+            </a:r>
+            <a:r>
+              <a:rPr lang="nl-NL" dirty="0" err="1" smtClean="0">
+                <a:solidFill>
+                  <a:prstClr val="black"/>
+                </a:solidFill>
+                <a:latin typeface="SourceCodePro-Regular"/>
+              </a:rPr>
+              <a:t>rgb</a:t>
+            </a:r>
+            <a:r>
+              <a:rPr lang="nl-NL" dirty="0" smtClean="0">
+                <a:solidFill>
+                  <a:prstClr val="black"/>
+                </a:solidFill>
+                <a:latin typeface="SourceCodePro-Regular"/>
+              </a:rPr>
+              <a:t> </a:t>
+            </a:r>
+            <a:r>
+              <a:rPr lang="nl-NL" dirty="0">
+                <a:solidFill>
+                  <a:prstClr val="black"/>
+                </a:solidFill>
+                <a:latin typeface="SourceCodePro-Regular"/>
+              </a:rPr>
+              <a:t>= </a:t>
+            </a:r>
+            <a:r>
+              <a:rPr lang="nl-NL" dirty="0">
+                <a:solidFill>
+                  <a:srgbClr val="3B5BB5"/>
+                </a:solidFill>
+                <a:latin typeface="SourceCodePro-Regular"/>
+              </a:rPr>
+              <a:t>vld3_u8</a:t>
+            </a:r>
+            <a:r>
+              <a:rPr lang="nl-NL" dirty="0">
+                <a:solidFill>
+                  <a:prstClr val="black"/>
+                </a:solidFill>
+                <a:latin typeface="SourceCodePro-Regular"/>
+              </a:rPr>
+              <a:t>(</a:t>
+            </a:r>
+            <a:r>
+              <a:rPr lang="nl-NL" dirty="0" err="1">
+                <a:solidFill>
+                  <a:prstClr val="black"/>
+                </a:solidFill>
+                <a:latin typeface="SourceCodePro-Regular"/>
+              </a:rPr>
+              <a:t>src</a:t>
+            </a:r>
+            <a:r>
+              <a:rPr lang="nl-NL" dirty="0">
+                <a:solidFill>
+                  <a:prstClr val="black"/>
+                </a:solidFill>
+                <a:latin typeface="SourceCodePro-Regular"/>
+              </a:rPr>
+              <a:t>);</a:t>
+            </a:r>
+            <a:br>
+              <a:rPr lang="nl-NL" dirty="0">
+                <a:solidFill>
+                  <a:prstClr val="black"/>
+                </a:solidFill>
+                <a:latin typeface="SourceCodePro-Regular"/>
+              </a:rPr>
+            </a:br>
+            <a:r>
+              <a:rPr lang="nl-NL" dirty="0">
+                <a:solidFill>
+                  <a:prstClr val="black"/>
+                </a:solidFill>
+                <a:latin typeface="SourceCodePro-Regular"/>
+              </a:rPr>
+              <a:t>    uint16x8_t </a:t>
+            </a:r>
+            <a:r>
+              <a:rPr lang="nl-NL" dirty="0" err="1">
+                <a:solidFill>
+                  <a:prstClr val="black"/>
+                </a:solidFill>
+                <a:latin typeface="SourceCodePro-Regular"/>
+              </a:rPr>
+              <a:t>acc</a:t>
+            </a:r>
+            <a:r>
+              <a:rPr lang="nl-NL" dirty="0">
+                <a:solidFill>
+                  <a:prstClr val="black"/>
+                </a:solidFill>
+                <a:latin typeface="SourceCodePro-Regular"/>
+              </a:rPr>
+              <a:t>;</a:t>
+            </a:r>
+            <a:br>
+              <a:rPr lang="nl-NL" dirty="0">
+                <a:solidFill>
+                  <a:prstClr val="black"/>
+                </a:solidFill>
+                <a:latin typeface="SourceCodePro-Regular"/>
+              </a:rPr>
+            </a:br>
+            <a:r>
+              <a:rPr lang="nl-NL" dirty="0">
+                <a:solidFill>
+                  <a:prstClr val="black"/>
+                </a:solidFill>
+                <a:latin typeface="SourceCodePro-Regular"/>
+              </a:rPr>
+              <a:t>    </a:t>
+            </a:r>
+            <a:br>
+              <a:rPr lang="nl-NL" dirty="0">
+                <a:solidFill>
+                  <a:prstClr val="black"/>
+                </a:solidFill>
+                <a:latin typeface="SourceCodePro-Regular"/>
+              </a:rPr>
+            </a:br>
+            <a:r>
+              <a:rPr lang="nl-NL" dirty="0">
+                <a:solidFill>
+                  <a:prstClr val="black"/>
+                </a:solidFill>
+                <a:latin typeface="SourceCodePro-Regular"/>
+              </a:rPr>
+              <a:t>    </a:t>
+            </a:r>
+            <a:r>
+              <a:rPr lang="nl-NL" dirty="0" err="1">
+                <a:solidFill>
+                  <a:prstClr val="black"/>
+                </a:solidFill>
+                <a:latin typeface="SourceCodePro-Regular"/>
+              </a:rPr>
+              <a:t>acc</a:t>
+            </a:r>
+            <a:r>
+              <a:rPr lang="nl-NL" dirty="0">
+                <a:solidFill>
+                  <a:prstClr val="black"/>
+                </a:solidFill>
+                <a:latin typeface="SourceCodePro-Regular"/>
+              </a:rPr>
+              <a:t> = </a:t>
+            </a:r>
+            <a:r>
+              <a:rPr lang="nl-NL" dirty="0">
+                <a:solidFill>
+                  <a:srgbClr val="3B5BB5"/>
+                </a:solidFill>
+                <a:latin typeface="SourceCodePro-Regular"/>
+              </a:rPr>
+              <a:t>vmull_u8</a:t>
+            </a:r>
+            <a:r>
+              <a:rPr lang="nl-NL" dirty="0">
+                <a:solidFill>
+                  <a:prstClr val="black"/>
+                </a:solidFill>
+                <a:latin typeface="SourceCodePro-Regular"/>
+              </a:rPr>
+              <a:t>(</a:t>
+            </a:r>
+            <a:r>
+              <a:rPr lang="nl-NL" dirty="0" err="1" smtClean="0">
+                <a:solidFill>
+                  <a:prstClr val="black"/>
+                </a:solidFill>
+                <a:latin typeface="SourceCodePro-Regular"/>
+              </a:rPr>
+              <a:t>rgb.val</a:t>
+            </a:r>
+            <a:r>
+              <a:rPr lang="nl-NL" dirty="0">
+                <a:solidFill>
+                  <a:prstClr val="black"/>
+                </a:solidFill>
+                <a:latin typeface="SourceCodePro-Regular"/>
+              </a:rPr>
+              <a:t>[</a:t>
+            </a:r>
+            <a:r>
+              <a:rPr lang="nl-NL" dirty="0">
+                <a:solidFill>
+                  <a:srgbClr val="3B5BB5"/>
+                </a:solidFill>
+                <a:latin typeface="SourceCodePro-Regular"/>
+              </a:rPr>
+              <a:t>0</a:t>
+            </a:r>
+            <a:r>
+              <a:rPr lang="nl-NL" dirty="0">
+                <a:solidFill>
+                  <a:prstClr val="black"/>
+                </a:solidFill>
+                <a:latin typeface="SourceCodePro-Regular"/>
+              </a:rPr>
+              <a:t>], </a:t>
+            </a:r>
+            <a:r>
+              <a:rPr lang="nl-NL" dirty="0" err="1">
+                <a:solidFill>
+                  <a:prstClr val="black"/>
+                </a:solidFill>
+                <a:latin typeface="SourceCodePro-Regular"/>
+              </a:rPr>
+              <a:t>rcoeff</a:t>
+            </a:r>
+            <a:r>
+              <a:rPr lang="nl-NL" dirty="0">
+                <a:solidFill>
+                  <a:prstClr val="black"/>
+                </a:solidFill>
+                <a:latin typeface="SourceCodePro-Regular"/>
+              </a:rPr>
+              <a:t>);</a:t>
+            </a:r>
+            <a:br>
+              <a:rPr lang="nl-NL" dirty="0">
+                <a:solidFill>
+                  <a:prstClr val="black"/>
+                </a:solidFill>
+                <a:latin typeface="SourceCodePro-Regular"/>
+              </a:rPr>
+            </a:br>
+            <a:r>
+              <a:rPr lang="nl-NL" dirty="0">
+                <a:solidFill>
+                  <a:prstClr val="black"/>
+                </a:solidFill>
+                <a:latin typeface="SourceCodePro-Regular"/>
+              </a:rPr>
+              <a:t>    </a:t>
+            </a:r>
+            <a:r>
+              <a:rPr lang="nl-NL" dirty="0" err="1">
+                <a:solidFill>
+                  <a:prstClr val="black"/>
+                </a:solidFill>
+                <a:latin typeface="SourceCodePro-Regular"/>
+              </a:rPr>
+              <a:t>acc</a:t>
+            </a:r>
+            <a:r>
+              <a:rPr lang="nl-NL" dirty="0">
+                <a:solidFill>
+                  <a:prstClr val="black"/>
+                </a:solidFill>
+                <a:latin typeface="SourceCodePro-Regular"/>
+              </a:rPr>
+              <a:t> = </a:t>
+            </a:r>
+            <a:r>
+              <a:rPr lang="nl-NL" dirty="0">
+                <a:solidFill>
+                  <a:srgbClr val="3B5BB5"/>
+                </a:solidFill>
+                <a:latin typeface="SourceCodePro-Regular"/>
+              </a:rPr>
+              <a:t>vmlal_u8</a:t>
+            </a:r>
+            <a:r>
+              <a:rPr lang="nl-NL" dirty="0">
+                <a:solidFill>
+                  <a:prstClr val="black"/>
+                </a:solidFill>
+                <a:latin typeface="SourceCodePro-Regular"/>
+              </a:rPr>
+              <a:t>(</a:t>
+            </a:r>
+            <a:r>
+              <a:rPr lang="nl-NL" dirty="0" err="1">
+                <a:solidFill>
+                  <a:prstClr val="black"/>
+                </a:solidFill>
+                <a:latin typeface="SourceCodePro-Regular"/>
+              </a:rPr>
+              <a:t>acc</a:t>
+            </a:r>
+            <a:r>
+              <a:rPr lang="nl-NL" dirty="0">
+                <a:solidFill>
+                  <a:prstClr val="black"/>
+                </a:solidFill>
+                <a:latin typeface="SourceCodePro-Regular"/>
+              </a:rPr>
+              <a:t>, </a:t>
+            </a:r>
+            <a:r>
+              <a:rPr lang="nl-NL" dirty="0" err="1" smtClean="0">
+                <a:solidFill>
+                  <a:prstClr val="black"/>
+                </a:solidFill>
+                <a:latin typeface="SourceCodePro-Regular"/>
+              </a:rPr>
+              <a:t>rgb.val</a:t>
+            </a:r>
+            <a:r>
+              <a:rPr lang="nl-NL" dirty="0">
+                <a:solidFill>
+                  <a:prstClr val="black"/>
+                </a:solidFill>
+                <a:latin typeface="SourceCodePro-Regular"/>
+              </a:rPr>
+              <a:t>[</a:t>
+            </a:r>
+            <a:r>
+              <a:rPr lang="nl-NL" dirty="0">
+                <a:solidFill>
+                  <a:srgbClr val="3B5BB5"/>
+                </a:solidFill>
+                <a:latin typeface="SourceCodePro-Regular"/>
+              </a:rPr>
+              <a:t>1</a:t>
+            </a:r>
+            <a:r>
+              <a:rPr lang="nl-NL" dirty="0">
+                <a:solidFill>
+                  <a:prstClr val="black"/>
+                </a:solidFill>
+                <a:latin typeface="SourceCodePro-Regular"/>
+              </a:rPr>
+              <a:t>], </a:t>
+            </a:r>
+            <a:r>
+              <a:rPr lang="nl-NL" dirty="0" err="1">
+                <a:solidFill>
+                  <a:prstClr val="black"/>
+                </a:solidFill>
+                <a:latin typeface="SourceCodePro-Regular"/>
+              </a:rPr>
+              <a:t>gcoeff</a:t>
+            </a:r>
+            <a:r>
+              <a:rPr lang="nl-NL" dirty="0">
+                <a:solidFill>
+                  <a:prstClr val="black"/>
+                </a:solidFill>
+                <a:latin typeface="SourceCodePro-Regular"/>
+              </a:rPr>
+              <a:t>);</a:t>
+            </a:r>
+            <a:br>
+              <a:rPr lang="nl-NL" dirty="0">
+                <a:solidFill>
+                  <a:prstClr val="black"/>
+                </a:solidFill>
+                <a:latin typeface="SourceCodePro-Regular"/>
+              </a:rPr>
+            </a:br>
+            <a:r>
+              <a:rPr lang="nl-NL" dirty="0">
+                <a:solidFill>
+                  <a:prstClr val="black"/>
+                </a:solidFill>
+                <a:latin typeface="SourceCodePro-Regular"/>
+              </a:rPr>
+              <a:t>    </a:t>
+            </a:r>
+            <a:r>
+              <a:rPr lang="nl-NL" dirty="0" err="1">
+                <a:solidFill>
+                  <a:prstClr val="black"/>
+                </a:solidFill>
+                <a:latin typeface="SourceCodePro-Regular"/>
+              </a:rPr>
+              <a:t>acc</a:t>
+            </a:r>
+            <a:r>
+              <a:rPr lang="nl-NL" dirty="0">
+                <a:solidFill>
+                  <a:prstClr val="black"/>
+                </a:solidFill>
+                <a:latin typeface="SourceCodePro-Regular"/>
+              </a:rPr>
+              <a:t> = </a:t>
+            </a:r>
+            <a:r>
+              <a:rPr lang="nl-NL" dirty="0">
+                <a:solidFill>
+                  <a:srgbClr val="3B5BB5"/>
+                </a:solidFill>
+                <a:latin typeface="SourceCodePro-Regular"/>
+              </a:rPr>
+              <a:t>vmlal_u8</a:t>
+            </a:r>
+            <a:r>
+              <a:rPr lang="nl-NL" dirty="0">
+                <a:solidFill>
+                  <a:prstClr val="black"/>
+                </a:solidFill>
+                <a:latin typeface="SourceCodePro-Regular"/>
+              </a:rPr>
+              <a:t>(</a:t>
+            </a:r>
+            <a:r>
+              <a:rPr lang="nl-NL" dirty="0" err="1">
+                <a:solidFill>
+                  <a:prstClr val="black"/>
+                </a:solidFill>
+                <a:latin typeface="SourceCodePro-Regular"/>
+              </a:rPr>
+              <a:t>acc</a:t>
+            </a:r>
+            <a:r>
+              <a:rPr lang="nl-NL" dirty="0">
+                <a:solidFill>
+                  <a:prstClr val="black"/>
+                </a:solidFill>
+                <a:latin typeface="SourceCodePro-Regular"/>
+              </a:rPr>
+              <a:t>, </a:t>
+            </a:r>
+            <a:r>
+              <a:rPr lang="nl-NL" dirty="0" err="1" smtClean="0">
+                <a:solidFill>
+                  <a:prstClr val="black"/>
+                </a:solidFill>
+                <a:latin typeface="SourceCodePro-Regular"/>
+              </a:rPr>
+              <a:t>rgb.val</a:t>
+            </a:r>
+            <a:r>
+              <a:rPr lang="nl-NL" dirty="0">
+                <a:solidFill>
+                  <a:prstClr val="black"/>
+                </a:solidFill>
+                <a:latin typeface="SourceCodePro-Regular"/>
+              </a:rPr>
+              <a:t>[</a:t>
+            </a:r>
+            <a:r>
+              <a:rPr lang="nl-NL" dirty="0">
+                <a:solidFill>
+                  <a:srgbClr val="3B5BB5"/>
+                </a:solidFill>
+                <a:latin typeface="SourceCodePro-Regular"/>
+              </a:rPr>
+              <a:t>2</a:t>
+            </a:r>
+            <a:r>
+              <a:rPr lang="nl-NL" dirty="0">
+                <a:solidFill>
+                  <a:prstClr val="black"/>
+                </a:solidFill>
+                <a:latin typeface="SourceCodePro-Regular"/>
+              </a:rPr>
+              <a:t>], </a:t>
+            </a:r>
+            <a:r>
+              <a:rPr lang="nl-NL" dirty="0" err="1">
+                <a:solidFill>
+                  <a:prstClr val="black"/>
+                </a:solidFill>
+                <a:latin typeface="SourceCodePro-Regular"/>
+              </a:rPr>
+              <a:t>bcoeff</a:t>
+            </a:r>
+            <a:r>
+              <a:rPr lang="nl-NL" dirty="0">
+                <a:solidFill>
+                  <a:prstClr val="black"/>
+                </a:solidFill>
+                <a:latin typeface="SourceCodePro-Regular"/>
+              </a:rPr>
+              <a:t>);</a:t>
+            </a:r>
+            <a:br>
+              <a:rPr lang="nl-NL" dirty="0">
+                <a:solidFill>
+                  <a:prstClr val="black"/>
+                </a:solidFill>
+                <a:latin typeface="SourceCodePro-Regular"/>
+              </a:rPr>
+            </a:br>
+            <a:r>
+              <a:rPr lang="nl-NL" dirty="0">
+                <a:solidFill>
+                  <a:prstClr val="black"/>
+                </a:solidFill>
+                <a:latin typeface="SourceCodePro-Regular"/>
+              </a:rPr>
+              <a:t>    </a:t>
+            </a:r>
+            <a:br>
+              <a:rPr lang="nl-NL" dirty="0">
+                <a:solidFill>
+                  <a:prstClr val="black"/>
+                </a:solidFill>
+                <a:latin typeface="SourceCodePro-Regular"/>
+              </a:rPr>
+            </a:br>
+            <a:r>
+              <a:rPr lang="nl-NL" dirty="0">
+                <a:solidFill>
+                  <a:prstClr val="black"/>
+                </a:solidFill>
+                <a:latin typeface="SourceCodePro-Regular"/>
+              </a:rPr>
+              <a:t>    uint8x8_t </a:t>
+            </a:r>
+            <a:r>
+              <a:rPr lang="nl-NL" dirty="0" err="1">
+                <a:solidFill>
+                  <a:prstClr val="black"/>
+                </a:solidFill>
+                <a:latin typeface="SourceCodePro-Regular"/>
+              </a:rPr>
+              <a:t>result</a:t>
+            </a:r>
+            <a:r>
+              <a:rPr lang="nl-NL" dirty="0">
+                <a:solidFill>
+                  <a:prstClr val="black"/>
+                </a:solidFill>
+                <a:latin typeface="SourceCodePro-Regular"/>
+              </a:rPr>
+              <a:t> = </a:t>
+            </a:r>
+            <a:r>
+              <a:rPr lang="nl-NL" dirty="0">
+                <a:solidFill>
+                  <a:srgbClr val="3B5BB5"/>
+                </a:solidFill>
+                <a:latin typeface="SourceCodePro-Regular"/>
+              </a:rPr>
+              <a:t>vshrn_n_u16</a:t>
+            </a:r>
+            <a:r>
+              <a:rPr lang="nl-NL" dirty="0">
+                <a:solidFill>
+                  <a:prstClr val="black"/>
+                </a:solidFill>
+                <a:latin typeface="SourceCodePro-Regular"/>
+              </a:rPr>
+              <a:t>(</a:t>
+            </a:r>
+            <a:r>
+              <a:rPr lang="nl-NL" dirty="0" err="1">
+                <a:solidFill>
+                  <a:prstClr val="black"/>
+                </a:solidFill>
+                <a:latin typeface="SourceCodePro-Regular"/>
+              </a:rPr>
+              <a:t>acc</a:t>
+            </a:r>
+            <a:r>
+              <a:rPr lang="nl-NL" dirty="0">
+                <a:solidFill>
+                  <a:prstClr val="black"/>
+                </a:solidFill>
+                <a:latin typeface="SourceCodePro-Regular"/>
+              </a:rPr>
+              <a:t>, </a:t>
+            </a:r>
+            <a:r>
+              <a:rPr lang="nl-NL" dirty="0">
+                <a:solidFill>
+                  <a:srgbClr val="3B5BB5"/>
+                </a:solidFill>
+                <a:latin typeface="SourceCodePro-Regular"/>
+              </a:rPr>
+              <a:t>8</a:t>
+            </a:r>
+            <a:r>
+              <a:rPr lang="nl-NL" dirty="0">
+                <a:solidFill>
+                  <a:prstClr val="black"/>
+                </a:solidFill>
+                <a:latin typeface="SourceCodePro-Regular"/>
+              </a:rPr>
+              <a:t>);</a:t>
+            </a:r>
+            <a:br>
+              <a:rPr lang="nl-NL" dirty="0">
+                <a:solidFill>
+                  <a:prstClr val="black"/>
+                </a:solidFill>
+                <a:latin typeface="SourceCodePro-Regular"/>
+              </a:rPr>
+            </a:br>
+            <a:r>
+              <a:rPr lang="nl-NL" dirty="0">
+                <a:solidFill>
+                  <a:prstClr val="black"/>
+                </a:solidFill>
+                <a:latin typeface="SourceCodePro-Regular"/>
+              </a:rPr>
+              <a:t>    </a:t>
+            </a:r>
+            <a:r>
+              <a:rPr lang="nl-NL" dirty="0">
+                <a:solidFill>
+                  <a:srgbClr val="3B5BB5"/>
+                </a:solidFill>
+                <a:latin typeface="SourceCodePro-Regular"/>
+              </a:rPr>
+              <a:t>vst1_u8</a:t>
+            </a:r>
+            <a:r>
+              <a:rPr lang="nl-NL" dirty="0">
+                <a:solidFill>
+                  <a:prstClr val="black"/>
+                </a:solidFill>
+                <a:latin typeface="SourceCodePro-Regular"/>
+              </a:rPr>
+              <a:t>(</a:t>
+            </a:r>
+            <a:r>
+              <a:rPr lang="nl-NL" dirty="0" err="1">
+                <a:solidFill>
+                  <a:prstClr val="black"/>
+                </a:solidFill>
+                <a:latin typeface="SourceCodePro-Regular"/>
+              </a:rPr>
+              <a:t>dest</a:t>
+            </a:r>
+            <a:r>
+              <a:rPr lang="nl-NL" dirty="0">
+                <a:solidFill>
+                  <a:prstClr val="black"/>
+                </a:solidFill>
+                <a:latin typeface="SourceCodePro-Regular"/>
+              </a:rPr>
+              <a:t>, </a:t>
+            </a:r>
+            <a:r>
+              <a:rPr lang="nl-NL" dirty="0" err="1">
+                <a:solidFill>
+                  <a:prstClr val="black"/>
+                </a:solidFill>
+                <a:latin typeface="SourceCodePro-Regular"/>
+              </a:rPr>
+              <a:t>result</a:t>
+            </a:r>
+            <a:r>
+              <a:rPr lang="nl-NL" dirty="0">
+                <a:solidFill>
+                  <a:prstClr val="black"/>
+                </a:solidFill>
+                <a:latin typeface="SourceCodePro-Regular"/>
+              </a:rPr>
+              <a:t>);</a:t>
+            </a:r>
+            <a:br>
+              <a:rPr lang="nl-NL" dirty="0">
+                <a:solidFill>
+                  <a:prstClr val="black"/>
+                </a:solidFill>
+                <a:latin typeface="SourceCodePro-Regular"/>
+              </a:rPr>
+            </a:br>
+            <a:r>
+              <a:rPr lang="nl-NL" dirty="0">
+                <a:solidFill>
+                  <a:prstClr val="black"/>
+                </a:solidFill>
+                <a:latin typeface="SourceCodePro-Regular"/>
+              </a:rPr>
+              <a:t>       </a:t>
+            </a:r>
+            <a:br>
+              <a:rPr lang="nl-NL" dirty="0">
+                <a:solidFill>
+                  <a:prstClr val="black"/>
+                </a:solidFill>
+                <a:latin typeface="SourceCodePro-Regular"/>
+              </a:rPr>
+            </a:br>
+            <a:r>
+              <a:rPr lang="nl-NL" dirty="0">
+                <a:solidFill>
+                  <a:prstClr val="black"/>
+                </a:solidFill>
+                <a:latin typeface="SourceCodePro-Regular"/>
+              </a:rPr>
+              <a:t>    </a:t>
+            </a:r>
+            <a:r>
+              <a:rPr lang="nl-NL" dirty="0" err="1">
+                <a:solidFill>
+                  <a:prstClr val="black"/>
+                </a:solidFill>
+                <a:latin typeface="SourceCodePro-Regular"/>
+              </a:rPr>
+              <a:t>src</a:t>
+            </a:r>
+            <a:r>
+              <a:rPr lang="nl-NL" dirty="0">
+                <a:solidFill>
+                  <a:prstClr val="black"/>
+                </a:solidFill>
+                <a:latin typeface="SourceCodePro-Regular"/>
+              </a:rPr>
+              <a:t> += FACTOR;</a:t>
+            </a:r>
+            <a:br>
+              <a:rPr lang="nl-NL" dirty="0">
+                <a:solidFill>
+                  <a:prstClr val="black"/>
+                </a:solidFill>
+                <a:latin typeface="SourceCodePro-Regular"/>
+              </a:rPr>
+            </a:br>
+            <a:r>
+              <a:rPr lang="nl-NL" dirty="0">
+                <a:solidFill>
+                  <a:prstClr val="black"/>
+                </a:solidFill>
+                <a:latin typeface="SourceCodePro-Regular"/>
+              </a:rPr>
+              <a:t>    </a:t>
+            </a:r>
+            <a:r>
+              <a:rPr lang="nl-NL" dirty="0" err="1">
+                <a:solidFill>
+                  <a:prstClr val="black"/>
+                </a:solidFill>
+                <a:latin typeface="SourceCodePro-Regular"/>
+              </a:rPr>
+              <a:t>dest</a:t>
+            </a:r>
+            <a:r>
+              <a:rPr lang="nl-NL" dirty="0">
+                <a:solidFill>
+                  <a:prstClr val="black"/>
+                </a:solidFill>
+                <a:latin typeface="SourceCodePro-Regular"/>
+              </a:rPr>
+              <a:t> += FACTOR;</a:t>
+            </a:r>
+            <a:br>
+              <a:rPr lang="nl-NL" dirty="0">
+                <a:solidFill>
+                  <a:prstClr val="black"/>
+                </a:solidFill>
+                <a:latin typeface="SourceCodePro-Regular"/>
+              </a:rPr>
+            </a:br>
+            <a:r>
+              <a:rPr lang="nl-NL" dirty="0">
+                <a:solidFill>
+                  <a:prstClr val="black"/>
+                </a:solidFill>
+                <a:latin typeface="SourceCodePro-Regular"/>
+              </a:rPr>
+              <a:t>}</a:t>
+            </a:r>
+            <a:endParaRPr lang="en-US" dirty="0">
+              <a:latin typeface="HelveticaNeueLT Com 45 Lt"/>
+            </a:endParaRPr>
+          </a:p>
+        </p:txBody>
+      </p:sp>
       <p:sp>
         <p:nvSpPr>
           <p:cNvPr id="5" name="Rounded Rectangle 4"/>
@@ -11166,7 +11399,7 @@
 </p:sld>
 </file>
 
-<file path=ppt/slides/slide21.xml><?xml version="1.0" encoding="utf-8"?>
+<file path=ppt/slides/slide22.xml><?xml version="1.0" encoding="utf-8"?>
 <p:sld xmlns:a="http://schemas.openxmlformats.org/drawingml/2006/main" xmlns:r="http://schemas.openxmlformats.org/officeDocument/2006/relationships" xmlns:p="http://schemas.openxmlformats.org/presentationml/2006/main">
   <p:cSld>
     <p:spTree>
@@ -11238,7 +11471,7 @@
           <a:p>
             <a:fld id="{0A3E316F-3D65-2744-BC5B-55B8D60FFFDF}" type="slidenum">
               <a:rPr lang="en-US" smtClean="0"/>
-              <a:t>21</a:t>
+              <a:t>22</a:t>
             </a:fld>
             <a:endParaRPr lang="en-US"/>
           </a:p>
@@ -12268,7 +12501,7 @@
 </p:sld>
 </file>
 
-<file path=ppt/slides/slide22.xml><?xml version="1.0" encoding="utf-8"?>
+<file path=ppt/slides/slide23.xml><?xml version="1.0" encoding="utf-8"?>
 <p:sld xmlns:a="http://schemas.openxmlformats.org/drawingml/2006/main" xmlns:r="http://schemas.openxmlformats.org/officeDocument/2006/relationships" xmlns:p="http://schemas.openxmlformats.org/presentationml/2006/main">
   <p:cSld>
     <p:spTree>
@@ -12340,7 +12573,7 @@
           <a:p>
             <a:fld id="{0A3E316F-3D65-2744-BC5B-55B8D60FFFDF}" type="slidenum">
               <a:rPr lang="en-US" smtClean="0"/>
-              <a:t>22</a:t>
+              <a:t>23</a:t>
             </a:fld>
             <a:endParaRPr lang="en-US"/>
           </a:p>
@@ -13290,7 +13523,7 @@
 </p:sld>
 </file>
 
-<file path=ppt/slides/slide23.xml><?xml version="1.0" encoding="utf-8"?>
+<file path=ppt/slides/slide24.xml><?xml version="1.0" encoding="utf-8"?>
 <p:sld xmlns:a="http://schemas.openxmlformats.org/drawingml/2006/main" xmlns:r="http://schemas.openxmlformats.org/officeDocument/2006/relationships" xmlns:p="http://schemas.openxmlformats.org/presentationml/2006/main">
   <p:cSld>
     <p:spTree>
@@ -13372,7 +13605,7 @@
           <a:p>
             <a:fld id="{0A3E316F-3D65-2744-BC5B-55B8D60FFFDF}" type="slidenum">
               <a:rPr lang="en-US" smtClean="0"/>
-              <a:t>23</a:t>
+              <a:t>24</a:t>
             </a:fld>
             <a:endParaRPr lang="en-US"/>
           </a:p>
@@ -14348,7 +14581,7 @@
 </p:sld>
 </file>
 
-<file path=ppt/slides/slide24.xml><?xml version="1.0" encoding="utf-8"?>
+<file path=ppt/slides/slide25.xml><?xml version="1.0" encoding="utf-8"?>
 <p:sld xmlns:a="http://schemas.openxmlformats.org/drawingml/2006/main" xmlns:r="http://schemas.openxmlformats.org/officeDocument/2006/relationships" xmlns:p="http://schemas.openxmlformats.org/presentationml/2006/main">
   <p:cSld>
     <p:spTree>
@@ -14430,7 +14663,7 @@
           <a:p>
             <a:fld id="{0A3E316F-3D65-2744-BC5B-55B8D60FFFDF}" type="slidenum">
               <a:rPr lang="en-US" smtClean="0"/>
-              <a:t>24</a:t>
+              <a:t>25</a:t>
             </a:fld>
             <a:endParaRPr lang="en-US"/>
           </a:p>
@@ -15449,167 +15682,6 @@
 </p:sld>
 </file>
 
-<file path=ppt/slides/slide25.xml><?xml version="1.0" encoding="utf-8"?>
-<p:sld xmlns:a="http://schemas.openxmlformats.org/drawingml/2006/main" xmlns:r="http://schemas.openxmlformats.org/officeDocument/2006/relationships" xmlns:p="http://schemas.openxmlformats.org/presentationml/2006/main">
-  <p:cSld>
-    <p:spTree>
-      <p:nvGrpSpPr>
-        <p:cNvPr id="1" name=""/>
-        <p:cNvGrpSpPr/>
-        <p:nvPr/>
-      </p:nvGrpSpPr>
-      <p:grpSpPr>
-        <a:xfrm>
-          <a:off x="0" y="0"/>
-          <a:ext cx="0" cy="0"/>
-          <a:chOff x="0" y="0"/>
-          <a:chExt cx="0" cy="0"/>
-        </a:xfrm>
-      </p:grpSpPr>
-      <p:sp>
-        <p:nvSpPr>
-          <p:cNvPr id="2" name="Title 1"/>
-          <p:cNvSpPr>
-            <a:spLocks noGrp="1"/>
-          </p:cNvSpPr>
-          <p:nvPr>
-            <p:ph type="title"/>
-          </p:nvPr>
-        </p:nvSpPr>
-        <p:spPr/>
-        <p:txBody>
-          <a:bodyPr>
-            <a:normAutofit fontScale="90000"/>
-          </a:bodyPr>
-          <a:lstStyle/>
-          <a:p>
-            <a:r>
-              <a:rPr lang="en-US" dirty="0" smtClean="0"/>
-              <a:t>Single Instruction – Multiple data</a:t>
-            </a:r>
-            <a:br>
-              <a:rPr lang="en-US" dirty="0" smtClean="0"/>
-            </a:br>
-            <a:r>
-              <a:rPr lang="en-US" sz="2800" dirty="0" smtClean="0">
-                <a:solidFill>
-                  <a:schemeClr val="bg1">
-                    <a:lumMod val="50000"/>
-                  </a:schemeClr>
-                </a:solidFill>
-              </a:rPr>
-              <a:t>Converting to </a:t>
-            </a:r>
-            <a:r>
-              <a:rPr lang="en-US" sz="2800" dirty="0" err="1" smtClean="0">
-                <a:solidFill>
-                  <a:schemeClr val="bg1">
-                    <a:lumMod val="50000"/>
-                  </a:schemeClr>
-                </a:solidFill>
-              </a:rPr>
-              <a:t>grayscale</a:t>
-            </a:r>
-            <a:endParaRPr lang="en-US" dirty="0"/>
-          </a:p>
-        </p:txBody>
-      </p:sp>
-      <p:sp>
-        <p:nvSpPr>
-          <p:cNvPr id="7" name="Content Placeholder 6"/>
-          <p:cNvSpPr>
-            <a:spLocks noGrp="1"/>
-          </p:cNvSpPr>
-          <p:nvPr>
-            <p:ph idx="1"/>
-          </p:nvPr>
-        </p:nvSpPr>
-        <p:spPr/>
-        <p:txBody>
-          <a:bodyPr/>
-          <a:lstStyle/>
-          <a:p>
-            <a:r>
-              <a:rPr lang="en-US" dirty="0" smtClean="0"/>
-              <a:t>Native C-Version</a:t>
-            </a:r>
-          </a:p>
-          <a:p>
-            <a:pPr lvl="1"/>
-            <a:r>
-              <a:rPr lang="en-US" dirty="0" smtClean="0"/>
-              <a:t>16 Instructions / Pixel</a:t>
-            </a:r>
-          </a:p>
-          <a:p>
-            <a:pPr lvl="1"/>
-            <a:endParaRPr lang="en-US" dirty="0" smtClean="0"/>
-          </a:p>
-          <a:p>
-            <a:r>
-              <a:rPr lang="en-US" dirty="0" smtClean="0"/>
-              <a:t>SIMD Version:</a:t>
-            </a:r>
-          </a:p>
-          <a:p>
-            <a:pPr lvl="1"/>
-            <a:r>
-              <a:rPr lang="en-US" dirty="0" smtClean="0"/>
-              <a:t>15 Instructions / 8 Pixels</a:t>
-            </a:r>
-          </a:p>
-          <a:p>
-            <a:pPr lvl="1"/>
-            <a:r>
-              <a:rPr lang="en-US" dirty="0" smtClean="0"/>
-              <a:t>~2 Instructions / Pixel</a:t>
-            </a:r>
-          </a:p>
-        </p:txBody>
-      </p:sp>
-      <p:sp>
-        <p:nvSpPr>
-          <p:cNvPr id="4" name="Slide Number Placeholder 3"/>
-          <p:cNvSpPr>
-            <a:spLocks noGrp="1"/>
-          </p:cNvSpPr>
-          <p:nvPr>
-            <p:ph type="sldNum" sz="quarter" idx="12"/>
-          </p:nvPr>
-        </p:nvSpPr>
-        <p:spPr/>
-        <p:txBody>
-          <a:bodyPr/>
-          <a:lstStyle/>
-          <a:p>
-            <a:fld id="{0A3E316F-3D65-2744-BC5B-55B8D60FFFDF}" type="slidenum">
-              <a:rPr lang="en-US" smtClean="0"/>
-              <a:t>25</a:t>
-            </a:fld>
-            <a:endParaRPr lang="en-US"/>
-          </a:p>
-        </p:txBody>
-      </p:sp>
-    </p:spTree>
-    <p:extLst>
-      <p:ext uri="{BB962C8B-B14F-4D97-AF65-F5344CB8AC3E}">
-        <p14:creationId xmlns:p14="http://schemas.microsoft.com/office/powerpoint/2010/main" val="3608574956"/>
-      </p:ext>
-    </p:extLst>
-  </p:cSld>
-  <p:clrMapOvr>
-    <a:masterClrMapping/>
-  </p:clrMapOvr>
-  <p:timing>
-    <p:tnLst>
-      <p:par>
-        <p:cTn xmlns:p14="http://schemas.microsoft.com/office/powerpoint/2010/main" id="1" dur="indefinite" restart="never" nodeType="tmRoot"/>
-      </p:par>
-    </p:tnLst>
-  </p:timing>
-</p:sld>
-</file>
-
 <file path=ppt/slides/slide26.xml><?xml version="1.0" encoding="utf-8"?>
 <p:sld xmlns:a="http://schemas.openxmlformats.org/drawingml/2006/main" xmlns:r="http://schemas.openxmlformats.org/officeDocument/2006/relationships" xmlns:p="http://schemas.openxmlformats.org/presentationml/2006/main">
   <p:cSld>
@@ -15639,12 +15711,37 @@
         </p:nvSpPr>
         <p:spPr/>
         <p:txBody>
-          <a:bodyPr/>
+          <a:bodyPr>
+            <a:normAutofit fontScale="90000"/>
+          </a:bodyPr>
           <a:lstStyle/>
           <a:p>
             <a:r>
               <a:rPr lang="en-US" dirty="0" smtClean="0"/>
-              <a:t>Google Go</a:t>
+              <a:t>Single Instruction – Multiple data</a:t>
+            </a:r>
+            <a:br>
+              <a:rPr lang="en-US" dirty="0" smtClean="0"/>
+            </a:br>
+            <a:r>
+              <a:rPr lang="en-US" sz="2800" dirty="0" smtClean="0">
+                <a:solidFill>
+                  <a:schemeClr val="bg1">
+                    <a:lumMod val="50000"/>
+                  </a:schemeClr>
+                </a:solidFill>
+              </a:rPr>
+              <a:t>Converting to </a:t>
+            </a:r>
+            <a:r>
+              <a:rPr lang="en-US" sz="2800" dirty="0" err="1" smtClean="0">
+                <a:solidFill>
+                  <a:schemeClr val="bg1">
+                    <a:lumMod val="50000"/>
+                  </a:schemeClr>
+                </a:solidFill>
+              </a:rPr>
+              <a:t>grayscale</a:t>
             </a:r>
             <a:endParaRPr lang="en-US" dirty="0"/>
           </a:p>
@@ -15652,7 +15749,7 @@
       </p:sp>
       <p:sp>
         <p:nvSpPr>
-          <p:cNvPr id="3" name="Content Placeholder 2"/>
+          <p:cNvPr id="7" name="Content Placeholder 6"/>
           <p:cNvSpPr>
             <a:spLocks noGrp="1"/>
           </p:cNvSpPr>
@@ -15665,7 +15762,41 @@
           <a:bodyPr/>
           <a:lstStyle/>
           <a:p>
-            <a:endParaRPr lang="en-US"/>
+            <a:r>
+              <a:rPr lang="en-US" dirty="0" smtClean="0"/>
+              <a:t>Native C-Version</a:t>
+            </a:r>
+          </a:p>
+          <a:p>
+            <a:pPr lvl="1"/>
+            <a:r>
+              <a:rPr lang="en-US" dirty="0" smtClean="0"/>
+              <a:t>16 Instructions / Pixel</a:t>
+            </a:r>
+          </a:p>
+          <a:p>
+            <a:pPr lvl="1"/>
+            <a:endParaRPr lang="en-US" dirty="0" smtClean="0"/>
+          </a:p>
+          <a:p>
+            <a:r>
+              <a:rPr lang="en-US" dirty="0" smtClean="0"/>
+              <a:t>SIMD Version:</a:t>
+            </a:r>
+          </a:p>
+          <a:p>
+            <a:pPr lvl="1"/>
+            <a:r>
+              <a:rPr lang="en-US" dirty="0" smtClean="0"/>
+              <a:t>15 Instructions / 8 Pixels</a:t>
+            </a:r>
+          </a:p>
+          <a:p>
+            <a:pPr lvl="1"/>
+            <a:r>
+              <a:rPr lang="en-US" dirty="0" smtClean="0"/>
+              <a:t>~2 Instructions / Pixel</a:t>
+            </a:r>
           </a:p>
         </p:txBody>
       </p:sp>
@@ -15695,7 +15826,7 @@
     </p:spTree>
     <p:extLst>
       <p:ext uri="{BB962C8B-B14F-4D97-AF65-F5344CB8AC3E}">
-        <p14:creationId xmlns:p14="http://schemas.microsoft.com/office/powerpoint/2010/main" val="1196601780"/>
+        <p14:creationId xmlns:p14="http://schemas.microsoft.com/office/powerpoint/2010/main" val="3608574956"/>
       </p:ext>
     </p:extLst>
   </p:cSld>
@@ -15746,7 +15877,7 @@
           <a:p>
             <a:r>
               <a:rPr lang="en-US" dirty="0" smtClean="0"/>
-              <a:t>Evaluation</a:t>
+              <a:t>Google Go</a:t>
             </a:r>
             <a:endParaRPr lang="en-US" dirty="0"/>
           </a:p>
@@ -15797,7 +15928,7 @@
     </p:spTree>
     <p:extLst>
       <p:ext uri="{BB962C8B-B14F-4D97-AF65-F5344CB8AC3E}">
-        <p14:creationId xmlns:p14="http://schemas.microsoft.com/office/powerpoint/2010/main" val="562772578"/>
+        <p14:creationId xmlns:p14="http://schemas.microsoft.com/office/powerpoint/2010/main" val="1196601780"/>
       </p:ext>
     </p:extLst>
   </p:cSld>
@@ -15838,6 +15969,108 @@
             <a:spLocks noGrp="1"/>
           </p:cNvSpPr>
           <p:nvPr>
+            <p:ph type="title"/>
+          </p:nvPr>
+        </p:nvSpPr>
+        <p:spPr/>
+        <p:txBody>
+          <a:bodyPr/>
+          <a:lstStyle/>
+          <a:p>
+            <a:r>
+              <a:rPr lang="en-US" dirty="0" smtClean="0"/>
+              <a:t>Evaluation</a:t>
+            </a:r>
+            <a:endParaRPr lang="en-US" dirty="0"/>
+          </a:p>
+        </p:txBody>
+      </p:sp>
+      <p:sp>
+        <p:nvSpPr>
+          <p:cNvPr id="3" name="Content Placeholder 2"/>
+          <p:cNvSpPr>
+            <a:spLocks noGrp="1"/>
+          </p:cNvSpPr>
+          <p:nvPr>
+            <p:ph idx="1"/>
+          </p:nvPr>
+        </p:nvSpPr>
+        <p:spPr/>
+        <p:txBody>
+          <a:bodyPr/>
+          <a:lstStyle/>
+          <a:p>
+            <a:endParaRPr lang="en-US"/>
+          </a:p>
+        </p:txBody>
+      </p:sp>
+      <p:sp>
+        <p:nvSpPr>
+          <p:cNvPr id="4" name="Slide Number Placeholder 3"/>
+          <p:cNvSpPr>
+            <a:spLocks noGrp="1"/>
+          </p:cNvSpPr>
+          <p:nvPr>
+            <p:ph type="sldNum" sz="quarter" idx="12"/>
+          </p:nvPr>
+        </p:nvSpPr>
+        <p:spPr/>
+        <p:txBody>
+          <a:bodyPr/>
+          <a:lstStyle/>
+          <a:p>
+            <a:fld id="{0A3E316F-3D65-2744-BC5B-55B8D60FFFDF}" type="slidenum">
+              <a:rPr lang="en-US" smtClean="0"/>
+              <a:t>28</a:t>
+            </a:fld>
+            <a:endParaRPr lang="en-US"/>
+          </a:p>
+        </p:txBody>
+      </p:sp>
+    </p:spTree>
+    <p:extLst>
+      <p:ext uri="{BB962C8B-B14F-4D97-AF65-F5344CB8AC3E}">
+        <p14:creationId xmlns:p14="http://schemas.microsoft.com/office/powerpoint/2010/main" val="562772578"/>
+      </p:ext>
+    </p:extLst>
+  </p:cSld>
+  <p:clrMapOvr>
+    <a:masterClrMapping/>
+  </p:clrMapOvr>
+  <p:timing>
+    <p:tnLst>
+      <p:par>
+        <p:cTn xmlns:p14="http://schemas.microsoft.com/office/powerpoint/2010/main" id="1" dur="indefinite" restart="never" nodeType="tmRoot"/>
+      </p:par>
+    </p:tnLst>
+  </p:timing>
+</p:sld>
+</file>
+
+<file path=ppt/slides/slide29.xml><?xml version="1.0" encoding="utf-8"?>
+<p:sld xmlns:a="http://schemas.openxmlformats.org/drawingml/2006/main" xmlns:r="http://schemas.openxmlformats.org/officeDocument/2006/relationships" xmlns:p="http://schemas.openxmlformats.org/presentationml/2006/main">
+  <p:cSld>
+    <p:spTree>
+      <p:nvGrpSpPr>
+        <p:cNvPr id="1" name=""/>
+        <p:cNvGrpSpPr/>
+        <p:nvPr/>
+      </p:nvGrpSpPr>
+      <p:grpSpPr>
+        <a:xfrm>
+          <a:off x="0" y="0"/>
+          <a:ext cx="0" cy="0"/>
+          <a:chOff x="0" y="0"/>
+          <a:chExt cx="0" cy="0"/>
+        </a:xfrm>
+      </p:grpSpPr>
+      <p:sp>
+        <p:nvSpPr>
+          <p:cNvPr id="2" name="Title 1"/>
+          <p:cNvSpPr>
+            <a:spLocks noGrp="1"/>
+          </p:cNvSpPr>
+          <p:nvPr>
             <p:ph type="ctrTitle"/>
           </p:nvPr>
         </p:nvSpPr>
@@ -15894,7 +16127,7 @@
           <a:p>
             <a:fld id="{0A3E316F-3D65-2744-BC5B-55B8D60FFFDF}" type="slidenum">
               <a:rPr lang="en-US" smtClean="0"/>
-              <a:t>28</a:t>
+              <a:t>29</a:t>
             </a:fld>
             <a:endParaRPr lang="en-US"/>
           </a:p>
@@ -16281,8 +16514,8 @@
         </p:blipFill>
         <p:spPr>
           <a:xfrm>
-            <a:off x="3333853" y="4479389"/>
-            <a:ext cx="2315294" cy="2772988"/>
+            <a:off x="3598969" y="5080414"/>
+            <a:ext cx="1785062" cy="2137938"/>
           </a:xfrm>
           <a:prstGeom prst="rect">
             <a:avLst/>
@@ -16305,12 +16538,14 @@
         </p:nvSpPr>
         <p:spPr/>
         <p:txBody>
-          <a:bodyPr/>
+          <a:bodyPr>
+            <a:normAutofit/>
+          </a:bodyPr>
           <a:lstStyle/>
           <a:p>
             <a:r>
-              <a:rPr lang="en-US" dirty="0" err="1" smtClean="0"/>
-              <a:t>Laserscanner</a:t>
+              <a:rPr lang="en-US" dirty="0" smtClean="0"/>
+              <a:t>Obstacle Detection</a:t>
             </a:r>
             <a:endParaRPr lang="en-US" dirty="0"/>
           </a:p>
@@ -16328,8 +16563,8 @@
         </p:nvSpPr>
         <p:spPr>
           <a:xfrm>
-            <a:off x="2493963" y="1416357"/>
-            <a:ext cx="6192837" cy="4893648"/>
+            <a:off x="2493963" y="1457766"/>
+            <a:ext cx="6399229" cy="3268587"/>
           </a:xfrm>
           <a:prstGeom prst="rect">
             <a:avLst/>
@@ -16347,11 +16582,10 @@
               <a:buChar char="•"/>
             </a:pPr>
             <a:r>
-              <a:rPr lang="en-US" sz="2400" dirty="0" smtClean="0">
-                <a:latin typeface="HelveticaNeueLT Com 45 Lt"/>
+              <a:rPr lang="en-US" dirty="0" smtClean="0">
                 <a:cs typeface="HelveticaNeueLT Com 45 Lt"/>
               </a:rPr>
-              <a:t>Used for obstacle detection</a:t>
+              <a:t>Using Laser scanner</a:t>
             </a:r>
           </a:p>
           <a:p>
@@ -16360,14 +16594,13 @@
               <a:buChar char="•"/>
             </a:pPr>
             <a:r>
-              <a:rPr lang="en-US" sz="2400" dirty="0">
+              <a:rPr lang="en-US" dirty="0">
                 <a:cs typeface="HelveticaNeueLT Com 45 Lt"/>
               </a:rPr>
               <a:t>C</a:t>
             </a:r>
             <a:r>
-              <a:rPr lang="en-US" sz="2400" dirty="0" smtClean="0">
-                <a:latin typeface="HelveticaNeueLT Com 45 Lt"/>
+              <a:rPr lang="en-US" dirty="0" smtClean="0">
                 <a:cs typeface="HelveticaNeueLT Com 45 Lt"/>
               </a:rPr>
               <a:t>urrently implemented with Java on Android OS</a:t>
@@ -16379,8 +16612,7 @@
               <a:buChar char="•"/>
             </a:pPr>
             <a:r>
-              <a:rPr lang="en-US" sz="2400" dirty="0" smtClean="0">
-                <a:latin typeface="HelveticaNeueLT Com 45 Lt"/>
+              <a:rPr lang="en-US" dirty="0" smtClean="0">
                 <a:cs typeface="HelveticaNeueLT Com 45 Lt"/>
               </a:rPr>
               <a:t>Computationally intensive evaluation of received data</a:t>
@@ -16392,61 +16624,18 @@
               <a:buChar char="•"/>
             </a:pPr>
             <a:r>
-              <a:rPr lang="en-US" sz="2000" dirty="0">
+              <a:rPr lang="en-US" dirty="0">
                 <a:cs typeface="HelveticaNeueLT Com 45 Lt"/>
               </a:rPr>
               <a:t>Data rate: ~34KB/</a:t>
             </a:r>
             <a:r>
-              <a:rPr lang="en-US" sz="2000" dirty="0" smtClean="0">
+              <a:rPr lang="en-US" dirty="0" smtClean="0">
                 <a:cs typeface="HelveticaNeueLT Com 45 Lt"/>
               </a:rPr>
               <a:t>s</a:t>
             </a:r>
-            <a:endParaRPr lang="en-US" sz="2000" dirty="0" smtClean="0">
-              <a:latin typeface="HelveticaNeueLT Com 45 Lt"/>
-              <a:cs typeface="HelveticaNeueLT Com 45 Lt"/>
-            </a:endParaRPr>
-          </a:p>
-          <a:p>
-            <a:pPr marL="457200" indent="-457200">
-              <a:buFont typeface="Arial"/>
-              <a:buChar char="•"/>
-            </a:pPr>
-            <a:endParaRPr lang="en-US" sz="2400" dirty="0" smtClean="0">
-              <a:latin typeface="HelveticaNeueLT Com 45 Lt"/>
-              <a:cs typeface="HelveticaNeueLT Com 45 Lt"/>
-            </a:endParaRPr>
-          </a:p>
-          <a:p>
-            <a:pPr marL="457200" indent="-457200">
-              <a:buFont typeface="Arial"/>
-              <a:buChar char="•"/>
-            </a:pPr>
-            <a:endParaRPr lang="en-US" sz="2400" dirty="0" smtClean="0">
-              <a:latin typeface="HelveticaNeueLT Com 45 Lt"/>
-              <a:cs typeface="HelveticaNeueLT Com 45 Lt"/>
-            </a:endParaRPr>
-          </a:p>
-          <a:p>
-            <a:pPr marL="457200" indent="-457200">
-              <a:buFont typeface="Arial"/>
-              <a:buChar char="•"/>
-            </a:pPr>
-            <a:endParaRPr lang="en-US" sz="2800" dirty="0" smtClean="0">
-              <a:latin typeface="HelveticaNeueLT Com 45 Lt"/>
-              <a:cs typeface="HelveticaNeueLT Com 45 Lt"/>
-            </a:endParaRPr>
-          </a:p>
-          <a:p>
-            <a:endParaRPr lang="en-US" sz="2800" dirty="0">
-              <a:latin typeface="HelveticaNeueLT Com 45 Lt"/>
-              <a:cs typeface="HelveticaNeueLT Com 45 Lt"/>
-            </a:endParaRPr>
-          </a:p>
-          <a:p>
-            <a:endParaRPr lang="en-US" sz="2800" dirty="0">
-              <a:latin typeface="HelveticaNeueLT Com 45 Lt"/>
+            <a:endParaRPr lang="en-US" dirty="0">
               <a:cs typeface="HelveticaNeueLT Com 45 Lt"/>
             </a:endParaRPr>
           </a:p>
@@ -16491,52 +16680,6 @@
       </p:grpSpPr>
       <p:sp>
         <p:nvSpPr>
-          <p:cNvPr id="2" name="Title 1"/>
-          <p:cNvSpPr>
-            <a:spLocks noGrp="1"/>
-          </p:cNvSpPr>
-          <p:nvPr>
-            <p:ph type="title"/>
-          </p:nvPr>
-        </p:nvSpPr>
-        <p:spPr/>
-        <p:txBody>
-          <a:bodyPr/>
-          <a:lstStyle/>
-          <a:p>
-            <a:r>
-              <a:rPr lang="en-US" dirty="0" smtClean="0"/>
-              <a:t>Pipeline Parallelism</a:t>
-            </a:r>
-            <a:endParaRPr lang="en-US" dirty="0"/>
-          </a:p>
-        </p:txBody>
-      </p:sp>
-      <p:sp>
-        <p:nvSpPr>
-          <p:cNvPr id="3" name="Content Placeholder 2"/>
-          <p:cNvSpPr>
-            <a:spLocks noGrp="1"/>
-          </p:cNvSpPr>
-          <p:nvPr>
-            <p:ph idx="1"/>
-          </p:nvPr>
-        </p:nvSpPr>
-        <p:spPr/>
-        <p:txBody>
-          <a:bodyPr/>
-          <a:lstStyle/>
-          <a:p>
-            <a:r>
-              <a:rPr lang="en-US" dirty="0" err="1" smtClean="0"/>
-              <a:t>asdasd</a:t>
-            </a:r>
-            <a:endParaRPr lang="en-US" dirty="0"/>
-          </a:p>
-        </p:txBody>
-      </p:sp>
-      <p:sp>
-        <p:nvSpPr>
           <p:cNvPr id="4" name="Slide Number Placeholder 3"/>
           <p:cNvSpPr>
             <a:spLocks noGrp="1"/>
@@ -16558,10 +16701,140 @@
           </a:p>
         </p:txBody>
       </p:sp>
+      <p:pic>
+        <p:nvPicPr>
+          <p:cNvPr id="12" name="Picture 11" descr="ZynqPlatformAnwendung.png"/>
+          <p:cNvPicPr>
+            <a:picLocks noChangeAspect="1"/>
+          </p:cNvPicPr>
+          <p:nvPr/>
+        </p:nvPicPr>
+        <p:blipFill>
+          <a:blip r:embed="rId2">
+            <a:alphaModFix amt="5000"/>
+            <a:extLst>
+              <a:ext uri="{28A0092B-C50C-407E-A947-70E740481C1C}">
+                <a14:useLocalDpi xmlns:a14="http://schemas.microsoft.com/office/drawing/2010/main" val="0"/>
+              </a:ext>
+            </a:extLst>
+          </a:blip>
+          <a:stretch>
+            <a:fillRect/>
+          </a:stretch>
+        </p:blipFill>
+        <p:spPr>
+          <a:xfrm>
+            <a:off x="226801" y="328866"/>
+            <a:ext cx="8666391" cy="5772174"/>
+          </a:xfrm>
+          <a:prstGeom prst="rect">
+            <a:avLst/>
+          </a:prstGeom>
+        </p:spPr>
+      </p:pic>
+      <p:pic>
+        <p:nvPicPr>
+          <p:cNvPr id="13" name="Picture 12" descr="ZynqPlatformAnwendung.png"/>
+          <p:cNvPicPr>
+            <a:picLocks noChangeAspect="1"/>
+          </p:cNvPicPr>
+          <p:nvPr/>
+        </p:nvPicPr>
+        <p:blipFill rotWithShape="1">
+          <a:blip r:embed="rId2">
+            <a:extLst>
+              <a:ext uri="{28A0092B-C50C-407E-A947-70E740481C1C}">
+                <a14:useLocalDpi xmlns:a14="http://schemas.microsoft.com/office/drawing/2010/main" val="0"/>
+              </a:ext>
+            </a:extLst>
+          </a:blip>
+          <a:srcRect l="20019" t="74678" r="-1"/>
+          <a:stretch/>
+        </p:blipFill>
+        <p:spPr>
+          <a:xfrm>
+            <a:off x="1961757" y="4638150"/>
+            <a:ext cx="6931434" cy="1461623"/>
+          </a:xfrm>
+          <a:prstGeom prst="rect">
+            <a:avLst/>
+          </a:prstGeom>
+        </p:spPr>
+      </p:pic>
+      <p:sp>
+        <p:nvSpPr>
+          <p:cNvPr id="8" name="Content Placeholder 7"/>
+          <p:cNvSpPr>
+            <a:spLocks noGrp="1"/>
+          </p:cNvSpPr>
+          <p:nvPr>
+            <p:ph idx="1"/>
+          </p:nvPr>
+        </p:nvSpPr>
+        <p:spPr>
+          <a:xfrm>
+            <a:off x="457200" y="1656901"/>
+            <a:ext cx="8229600" cy="2788466"/>
+          </a:xfrm>
+        </p:spPr>
+        <p:txBody>
+          <a:bodyPr/>
+          <a:lstStyle/>
+          <a:p>
+            <a:r>
+              <a:rPr lang="en-US" dirty="0" smtClean="0"/>
+              <a:t>Lane Guiding Control using high FPS camera (60 FPS, 752x40px)</a:t>
+            </a:r>
+          </a:p>
+          <a:p>
+            <a:r>
+              <a:rPr lang="en-US" dirty="0" smtClean="0"/>
+              <a:t>Implemented on Linux with C and FPGA modules</a:t>
+            </a:r>
+          </a:p>
+          <a:p>
+            <a:r>
+              <a:rPr lang="en-US" dirty="0" smtClean="0"/>
+              <a:t>Data rate: </a:t>
+            </a:r>
+            <a:r>
+              <a:rPr lang="en-US" dirty="0" smtClean="0"/>
+              <a:t>~20MB/s</a:t>
+            </a:r>
+            <a:endParaRPr lang="en-US" dirty="0" smtClean="0"/>
+          </a:p>
+          <a:p>
+            <a:endParaRPr lang="en-US" dirty="0"/>
+          </a:p>
+        </p:txBody>
+      </p:sp>
+      <p:sp>
+        <p:nvSpPr>
+          <p:cNvPr id="6" name="Title 5"/>
+          <p:cNvSpPr>
+            <a:spLocks noGrp="1"/>
+          </p:cNvSpPr>
+          <p:nvPr>
+            <p:ph type="title"/>
+          </p:nvPr>
+        </p:nvSpPr>
+        <p:spPr/>
+        <p:txBody>
+          <a:bodyPr/>
+          <a:lstStyle/>
+          <a:p>
+            <a:r>
+              <a:rPr lang="en-US" dirty="0" smtClean="0"/>
+              <a:t>Lane Guiding Control</a:t>
+            </a:r>
+            <a:endParaRPr lang="en-US" dirty="0"/>
+          </a:p>
+        </p:txBody>
+      </p:sp>
     </p:spTree>
     <p:extLst>
       <p:ext uri="{BB962C8B-B14F-4D97-AF65-F5344CB8AC3E}">
-        <p14:creationId xmlns:p14="http://schemas.microsoft.com/office/powerpoint/2010/main" val="2406343154"/>
+        <p14:creationId xmlns:p14="http://schemas.microsoft.com/office/powerpoint/2010/main" val="4107564436"/>
       </p:ext>
     </p:extLst>
   </p:cSld>
@@ -16597,27 +16870,22 @@
       </p:grpSpPr>
       <p:sp>
         <p:nvSpPr>
-          <p:cNvPr id="7" name="Title 6"/>
+          <p:cNvPr id="2" name="Title 1"/>
           <p:cNvSpPr>
             <a:spLocks noGrp="1"/>
           </p:cNvSpPr>
           <p:nvPr>
-            <p:ph type="ctrTitle"/>
+            <p:ph type="title"/>
           </p:nvPr>
         </p:nvSpPr>
-        <p:spPr>
-          <a:xfrm>
-            <a:off x="457200" y="2130425"/>
-            <a:ext cx="8229600" cy="1470025"/>
-          </a:xfrm>
-        </p:spPr>
+        <p:spPr/>
         <p:txBody>
           <a:bodyPr/>
           <a:lstStyle/>
           <a:p>
             <a:r>
               <a:rPr lang="en-US" dirty="0" smtClean="0"/>
-              <a:t>Single Instruction – Multiple Data</a:t>
+              <a:t>Pipeline Parallelism</a:t>
             </a:r>
             <a:endParaRPr lang="en-US" dirty="0"/>
           </a:p>
@@ -16625,27 +16893,22 @@
       </p:sp>
       <p:sp>
         <p:nvSpPr>
-          <p:cNvPr id="8" name="Subtitle 7"/>
+          <p:cNvPr id="3" name="Content Placeholder 2"/>
           <p:cNvSpPr>
             <a:spLocks noGrp="1"/>
           </p:cNvSpPr>
           <p:nvPr>
-            <p:ph type="subTitle" idx="1"/>
+            <p:ph idx="1"/>
           </p:nvPr>
         </p:nvSpPr>
-        <p:spPr>
-          <a:xfrm>
-            <a:off x="1371600" y="2724150"/>
-            <a:ext cx="6400800" cy="1752600"/>
-          </a:xfrm>
-        </p:spPr>
+        <p:spPr/>
         <p:txBody>
           <a:bodyPr/>
           <a:lstStyle/>
           <a:p>
             <a:r>
-              <a:rPr lang="en-US" dirty="0" smtClean="0"/>
-              <a:t>Using the ARM NEON engine</a:t>
+              <a:rPr lang="en-US" dirty="0" err="1" smtClean="0"/>
+              <a:t>asdasd</a:t>
             </a:r>
             <a:endParaRPr lang="en-US" dirty="0"/>
           </a:p>
@@ -16677,7 +16940,7 @@
     </p:spTree>
     <p:extLst>
       <p:ext uri="{BB962C8B-B14F-4D97-AF65-F5344CB8AC3E}">
-        <p14:creationId xmlns:p14="http://schemas.microsoft.com/office/powerpoint/2010/main" val="4194680713"/>
+        <p14:creationId xmlns:p14="http://schemas.microsoft.com/office/powerpoint/2010/main" val="2406343154"/>
       </p:ext>
     </p:extLst>
   </p:cSld>
@@ -16713,76 +16976,63 @@
       </p:grpSpPr>
       <p:sp>
         <p:nvSpPr>
-          <p:cNvPr id="2" name="Title 1"/>
+          <p:cNvPr id="7" name="Title 6"/>
           <p:cNvSpPr>
             <a:spLocks noGrp="1"/>
           </p:cNvSpPr>
           <p:nvPr>
-            <p:ph type="title"/>
+            <p:ph type="ctrTitle"/>
           </p:nvPr>
         </p:nvSpPr>
-        <p:spPr/>
+        <p:spPr>
+          <a:xfrm>
+            <a:off x="457200" y="2130425"/>
+            <a:ext cx="8229600" cy="1470025"/>
+          </a:xfrm>
+        </p:spPr>
         <p:txBody>
-          <a:bodyPr>
-            <a:normAutofit/>
-          </a:bodyPr>
+          <a:bodyPr/>
           <a:lstStyle/>
           <a:p>
             <a:r>
               <a:rPr lang="en-US" dirty="0" smtClean="0"/>
-              <a:t>Single Instruction - Multiple Data</a:t>
-            </a:r>
-            <a:endParaRPr lang="en-US" sz="2800" dirty="0"/>
+              <a:t>Single Instruction – Multiple Data</a:t>
+            </a:r>
+            <a:endParaRPr lang="en-US" dirty="0"/>
           </a:p>
         </p:txBody>
       </p:sp>
       <p:sp>
         <p:nvSpPr>
-          <p:cNvPr id="3" name="Content Placeholder 2"/>
+          <p:cNvPr id="8" name="Subtitle 7"/>
           <p:cNvSpPr>
             <a:spLocks noGrp="1"/>
           </p:cNvSpPr>
           <p:nvPr>
-            <p:ph idx="1"/>
+            <p:ph type="subTitle" idx="1"/>
           </p:nvPr>
         </p:nvSpPr>
         <p:spPr>
           <a:xfrm>
-            <a:off x="457200" y="1397551"/>
-            <a:ext cx="8229600" cy="1358484"/>
+            <a:off x="1371600" y="2724150"/>
+            <a:ext cx="6400800" cy="1752600"/>
           </a:xfrm>
         </p:spPr>
         <p:txBody>
-          <a:bodyPr>
-            <a:normAutofit fontScale="92500"/>
-          </a:bodyPr>
+          <a:bodyPr/>
           <a:lstStyle/>
           <a:p>
             <a:r>
               <a:rPr lang="en-US" dirty="0" smtClean="0"/>
-              <a:t>Exploits </a:t>
-            </a:r>
-            <a:r>
-              <a:rPr lang="en-US" dirty="0"/>
-              <a:t>d</a:t>
-            </a:r>
-            <a:r>
-              <a:rPr lang="en-US" dirty="0" smtClean="0"/>
-              <a:t>ata-level parallelism</a:t>
-            </a:r>
-          </a:p>
-          <a:p>
-            <a:pPr lvl="1"/>
-            <a:r>
-              <a:rPr lang="en-US" dirty="0" smtClean="0"/>
-              <a:t>Operations repeatedly applied to independent data</a:t>
-            </a:r>
+              <a:t>Using the ARM NEON engine</a:t>
+            </a:r>
+            <a:endParaRPr lang="en-US" dirty="0"/>
           </a:p>
         </p:txBody>
       </p:sp>
       <p:sp>
         <p:nvSpPr>
-          <p:cNvPr id="6" name="Slide Number Placeholder 5"/>
+          <p:cNvPr id="4" name="Slide Number Placeholder 3"/>
           <p:cNvSpPr>
             <a:spLocks noGrp="1"/>
           </p:cNvSpPr>
@@ -16806,7 +17056,7 @@
     </p:spTree>
     <p:extLst>
       <p:ext uri="{BB962C8B-B14F-4D97-AF65-F5344CB8AC3E}">
-        <p14:creationId xmlns:p14="http://schemas.microsoft.com/office/powerpoint/2010/main" val="1820839589"/>
+        <p14:creationId xmlns:p14="http://schemas.microsoft.com/office/powerpoint/2010/main" val="4194680713"/>
       </p:ext>
     </p:extLst>
   </p:cSld>
@@ -16842,48 +17092,6 @@
       </p:grpSpPr>
       <p:sp>
         <p:nvSpPr>
-          <p:cNvPr id="7" name="Right Arrow 6"/>
-          <p:cNvSpPr/>
-          <p:nvPr/>
-        </p:nvSpPr>
-        <p:spPr>
-          <a:xfrm>
-            <a:off x="3242793" y="4080012"/>
-            <a:ext cx="1718317" cy="851129"/>
-          </a:xfrm>
-          <a:prstGeom prst="rightArrow">
-            <a:avLst/>
-          </a:prstGeom>
-        </p:spPr>
-        <p:style>
-          <a:lnRef idx="2">
-            <a:schemeClr val="dk1">
-              <a:shade val="50000"/>
-            </a:schemeClr>
-          </a:lnRef>
-          <a:fillRef idx="1">
-            <a:schemeClr val="dk1"/>
-          </a:fillRef>
-          <a:effectRef idx="0">
-            <a:schemeClr val="dk1"/>
-          </a:effectRef>
-          <a:fontRef idx="minor">
-            <a:schemeClr val="lt1"/>
-          </a:fontRef>
-        </p:style>
-        <p:txBody>
-          <a:bodyPr rtlCol="0" anchor="ctr"/>
-          <a:lstStyle/>
-          <a:p>
-            <a:pPr algn="ctr"/>
-            <a:endParaRPr lang="en-US" dirty="0">
-              <a:latin typeface="HelveticaNeueLT Com 45 Lt"/>
-            </a:endParaRPr>
-          </a:p>
-        </p:txBody>
-      </p:sp>
-      <p:sp>
-        <p:nvSpPr>
           <p:cNvPr id="2" name="Title 1"/>
           <p:cNvSpPr>
             <a:spLocks noGrp="1"/>
@@ -16974,70 +17182,10 @@
           </a:p>
         </p:txBody>
       </p:sp>
-      <p:pic>
-        <p:nvPicPr>
-          <p:cNvPr id="4" name="Picture 3" descr="cat.jpg"/>
-          <p:cNvPicPr>
-            <a:picLocks noChangeAspect="1"/>
-          </p:cNvPicPr>
-          <p:nvPr/>
-        </p:nvPicPr>
-        <p:blipFill>
-          <a:blip r:embed="rId2">
-            <a:extLst>
-              <a:ext uri="{28A0092B-C50C-407E-A947-70E740481C1C}">
-                <a14:useLocalDpi xmlns:a14="http://schemas.microsoft.com/office/drawing/2010/main" val="0"/>
-              </a:ext>
-            </a:extLst>
-          </a:blip>
-          <a:stretch>
-            <a:fillRect/>
-          </a:stretch>
-        </p:blipFill>
-        <p:spPr>
-          <a:xfrm>
-            <a:off x="349109" y="3131587"/>
-            <a:ext cx="3804440" cy="2853330"/>
-          </a:xfrm>
-          <a:prstGeom prst="rect">
-            <a:avLst/>
-          </a:prstGeom>
-        </p:spPr>
-      </p:pic>
-      <p:pic>
-        <p:nvPicPr>
-          <p:cNvPr id="5" name="Picture 4" descr="cat-grey.jpg"/>
-          <p:cNvPicPr>
-            <a:picLocks noChangeAspect="1"/>
-          </p:cNvPicPr>
-          <p:nvPr/>
-        </p:nvPicPr>
-        <p:blipFill>
-          <a:blip r:embed="rId3">
-            <a:extLst>
-              <a:ext uri="{28A0092B-C50C-407E-A947-70E740481C1C}">
-                <a14:useLocalDpi xmlns:a14="http://schemas.microsoft.com/office/drawing/2010/main" val="0"/>
-              </a:ext>
-            </a:extLst>
-          </a:blip>
-          <a:stretch>
-            <a:fillRect/>
-          </a:stretch>
-        </p:blipFill>
-        <p:spPr>
-          <a:xfrm>
-            <a:off x="4972282" y="3131586"/>
-            <a:ext cx="3804441" cy="2853331"/>
-          </a:xfrm>
-          <a:prstGeom prst="rect">
-            <a:avLst/>
-          </a:prstGeom>
-        </p:spPr>
-      </p:pic>
     </p:spTree>
     <p:extLst>
       <p:ext uri="{BB962C8B-B14F-4D97-AF65-F5344CB8AC3E}">
-        <p14:creationId xmlns:p14="http://schemas.microsoft.com/office/powerpoint/2010/main" val="661692733"/>
+        <p14:creationId xmlns:p14="http://schemas.microsoft.com/office/powerpoint/2010/main" val="1820839589"/>
       </p:ext>
     </p:extLst>
   </p:cSld>

--- a/Praese/Presentation1.pptx
+++ b/Praese/Presentation1.pptx
@@ -16147,7 +16147,11 @@
           <a:bodyPr/>
           <a:lstStyle/>
           <a:p>
-            <a:endParaRPr lang="en-US"/>
+            <a:r>
+              <a:rPr lang="en-US" dirty="0" smtClean="0"/>
+              <a:t>TODO</a:t>
+            </a:r>
+            <a:endParaRPr lang="en-US" dirty="0"/>
           </a:p>
         </p:txBody>
       </p:sp>
@@ -16368,7 +16372,11 @@
           <a:bodyPr/>
           <a:lstStyle/>
           <a:p>
-            <a:endParaRPr lang="en-US"/>
+            <a:r>
+              <a:rPr lang="en-US" dirty="0" smtClean="0"/>
+              <a:t>TODO</a:t>
+            </a:r>
+            <a:endParaRPr lang="en-US" dirty="0"/>
           </a:p>
         </p:txBody>
       </p:sp>
@@ -16465,7 +16473,12 @@
             <p:ph type="subTitle" idx="1"/>
           </p:nvPr>
         </p:nvSpPr>
-        <p:spPr/>
+        <p:spPr>
+          <a:xfrm>
+            <a:off x="1371600" y="2468700"/>
+            <a:ext cx="6400800" cy="1752600"/>
+          </a:xfrm>
+        </p:spPr>
         <p:txBody>
           <a:bodyPr/>
           <a:lstStyle/>
@@ -17453,8 +17466,8 @@
           <a:lstStyle/>
           <a:p>
             <a:r>
-              <a:rPr lang="en-US" dirty="0" err="1" smtClean="0"/>
-              <a:t>asdasd</a:t>
+              <a:rPr lang="en-US" dirty="0" smtClean="0"/>
+              <a:t>TODO</a:t>
             </a:r>
             <a:endParaRPr lang="en-US" dirty="0"/>
           </a:p>

--- a/Praese/Presentation1.pptx
+++ b/Praese/Presentation1.pptx
@@ -10226,7 +10226,12 @@
             <p:ph idx="1"/>
           </p:nvPr>
         </p:nvSpPr>
-        <p:spPr/>
+        <p:spPr>
+          <a:xfrm>
+            <a:off x="338893" y="1600200"/>
+            <a:ext cx="8466214" cy="4525963"/>
+          </a:xfrm>
+        </p:spPr>
         <p:txBody>
           <a:bodyPr/>
           <a:lstStyle/>
@@ -10247,7 +10252,43 @@
             <a:pPr lvl="1"/>
             <a:r>
               <a:rPr lang="en-US" dirty="0" smtClean="0"/>
-              <a:t>“Q” and “D”, 128-bit and 64-bit wide</a:t>
+              <a:t>“Q”(</a:t>
+            </a:r>
+            <a:r>
+              <a:rPr lang="en-US" dirty="0" err="1" smtClean="0"/>
+              <a:t>uad</a:t>
+            </a:r>
+            <a:r>
+              <a:rPr lang="en-US" dirty="0" smtClean="0"/>
+              <a:t>) </a:t>
+            </a:r>
+            <a:r>
+              <a:rPr lang="en-US" dirty="0" smtClean="0"/>
+              <a:t>and </a:t>
+            </a:r>
+            <a:r>
+              <a:rPr lang="en-US" dirty="0" smtClean="0"/>
+              <a:t>“D”</a:t>
+            </a:r>
+            <a:r>
+              <a:rPr lang="en-US" dirty="0" smtClean="0"/>
+              <a:t>(</a:t>
+            </a:r>
+            <a:r>
+              <a:rPr lang="en-US" dirty="0" err="1" smtClean="0"/>
+              <a:t>ouble</a:t>
+            </a:r>
+            <a:r>
+              <a:rPr lang="en-US" dirty="0" smtClean="0"/>
+              <a:t>)</a:t>
+            </a:r>
+            <a:r>
+              <a:rPr lang="en-US" dirty="0" smtClean="0"/>
+              <a:t>, </a:t>
+            </a:r>
+            <a:r>
+              <a:rPr lang="en-US" dirty="0" smtClean="0"/>
+              <a:t>128-bit and 64-bit wide</a:t>
             </a:r>
           </a:p>
           <a:p>

--- a/Praese/Presentation1.pptx
+++ b/Praese/Presentation1.pptx
@@ -5,10 +5,10 @@
     <p:sldMasterId id="2147483648" r:id="rId1"/>
   </p:sldMasterIdLst>
   <p:notesMasterIdLst>
-    <p:notesMasterId r:id="rId39"/>
+    <p:notesMasterId r:id="rId40"/>
   </p:notesMasterIdLst>
   <p:handoutMasterIdLst>
-    <p:handoutMasterId r:id="rId40"/>
+    <p:handoutMasterId r:id="rId41"/>
   </p:handoutMasterIdLst>
   <p:sldIdLst>
     <p:sldId id="256" r:id="rId2"/>
@@ -26,28 +26,29 @@
     <p:sldId id="292" r:id="rId14"/>
     <p:sldId id="293" r:id="rId15"/>
     <p:sldId id="294" r:id="rId16"/>
-    <p:sldId id="265" r:id="rId17"/>
-    <p:sldId id="278" r:id="rId18"/>
-    <p:sldId id="257" r:id="rId19"/>
-    <p:sldId id="262" r:id="rId20"/>
-    <p:sldId id="263" r:id="rId21"/>
-    <p:sldId id="273" r:id="rId22"/>
-    <p:sldId id="266" r:id="rId23"/>
-    <p:sldId id="267" r:id="rId24"/>
-    <p:sldId id="268" r:id="rId25"/>
-    <p:sldId id="269" r:id="rId26"/>
-    <p:sldId id="270" r:id="rId27"/>
-    <p:sldId id="271" r:id="rId28"/>
-    <p:sldId id="272" r:id="rId29"/>
-    <p:sldId id="274" r:id="rId30"/>
-    <p:sldId id="279" r:id="rId31"/>
-    <p:sldId id="280" r:id="rId32"/>
-    <p:sldId id="275" r:id="rId33"/>
-    <p:sldId id="276" r:id="rId34"/>
-    <p:sldId id="277" r:id="rId35"/>
-    <p:sldId id="259" r:id="rId36"/>
-    <p:sldId id="260" r:id="rId37"/>
-    <p:sldId id="261" r:id="rId38"/>
+    <p:sldId id="295" r:id="rId17"/>
+    <p:sldId id="265" r:id="rId18"/>
+    <p:sldId id="278" r:id="rId19"/>
+    <p:sldId id="257" r:id="rId20"/>
+    <p:sldId id="262" r:id="rId21"/>
+    <p:sldId id="263" r:id="rId22"/>
+    <p:sldId id="273" r:id="rId23"/>
+    <p:sldId id="266" r:id="rId24"/>
+    <p:sldId id="267" r:id="rId25"/>
+    <p:sldId id="268" r:id="rId26"/>
+    <p:sldId id="269" r:id="rId27"/>
+    <p:sldId id="270" r:id="rId28"/>
+    <p:sldId id="271" r:id="rId29"/>
+    <p:sldId id="272" r:id="rId30"/>
+    <p:sldId id="274" r:id="rId31"/>
+    <p:sldId id="279" r:id="rId32"/>
+    <p:sldId id="280" r:id="rId33"/>
+    <p:sldId id="275" r:id="rId34"/>
+    <p:sldId id="276" r:id="rId35"/>
+    <p:sldId id="277" r:id="rId36"/>
+    <p:sldId id="259" r:id="rId37"/>
+    <p:sldId id="260" r:id="rId38"/>
+    <p:sldId id="261" r:id="rId39"/>
   </p:sldIdLst>
   <p:sldSz cx="9144000" cy="6858000" type="screen4x3"/>
   <p:notesSz cx="6858000" cy="9144000"/>
@@ -174,6 +175,7 @@
             <p14:sldId id="292"/>
             <p14:sldId id="293"/>
             <p14:sldId id="294"/>
+            <p14:sldId id="295"/>
           </p14:sldIdLst>
         </p14:section>
         <p14:section name="SIMD" id="{9965F9AC-B76E-1E47-B6D6-6D2B2B1AF917}">
@@ -306,7 +308,7 @@
               <a:rPr lang="en-US" smtClean="0">
                 <a:latin typeface="HelveticaNeueLT Com 45 Lt"/>
               </a:rPr>
-              <a:t>5/25/13</a:t>
+              <a:t>5/27/13</a:t>
             </a:fld>
             <a:endParaRPr lang="en-US" dirty="0">
               <a:latin typeface="HelveticaNeueLT Com 45 Lt"/>
@@ -485,7 +487,7 @@
             <a:fld id="{FB523993-DA73-FF4D-AF27-9F6E0E628F24}" type="datetimeFigureOut">
               <a:rPr lang="en-US" smtClean="0"/>
               <a:pPr/>
-              <a:t>5/25/13</a:t>
+              <a:t>5/27/13</a:t>
             </a:fld>
             <a:endParaRPr lang="en-US" dirty="0"/>
           </a:p>
@@ -901,7 +903,7 @@
           <a:p>
             <a:fld id="{2ADEDB94-756D-ED4B-814C-B4E518AF2B8F}" type="slidenum">
               <a:rPr lang="en-US" smtClean="0"/>
-              <a:t>19</a:t>
+              <a:t>20</a:t>
             </a:fld>
             <a:endParaRPr lang="en-US"/>
           </a:p>
@@ -1004,7 +1006,7 @@
           <a:p>
             <a:fld id="{2ADEDB94-756D-ED4B-814C-B4E518AF2B8F}" type="slidenum">
               <a:rPr lang="en-US" smtClean="0"/>
-              <a:t>20</a:t>
+              <a:t>21</a:t>
             </a:fld>
             <a:endParaRPr lang="en-US"/>
           </a:p>
@@ -1107,7 +1109,7 @@
           <a:p>
             <a:fld id="{2ADEDB94-756D-ED4B-814C-B4E518AF2B8F}" type="slidenum">
               <a:rPr lang="en-US" smtClean="0"/>
-              <a:t>21</a:t>
+              <a:t>22</a:t>
             </a:fld>
             <a:endParaRPr lang="en-US"/>
           </a:p>
@@ -1210,7 +1212,7 @@
           <a:p>
             <a:fld id="{2ADEDB94-756D-ED4B-814C-B4E518AF2B8F}" type="slidenum">
               <a:rPr lang="en-US" smtClean="0"/>
-              <a:t>22</a:t>
+              <a:t>23</a:t>
             </a:fld>
             <a:endParaRPr lang="en-US"/>
           </a:p>
@@ -1313,7 +1315,7 @@
           <a:p>
             <a:fld id="{2ADEDB94-756D-ED4B-814C-B4E518AF2B8F}" type="slidenum">
               <a:rPr lang="en-US" smtClean="0"/>
-              <a:t>23</a:t>
+              <a:t>24</a:t>
             </a:fld>
             <a:endParaRPr lang="en-US"/>
           </a:p>
@@ -1513,7 +1515,7 @@
           <a:p>
             <a:fld id="{C38AAA9E-B3CF-5841-ADDB-0D05CD855883}" type="datetime4">
               <a:rPr lang="en-US" smtClean="0"/>
-              <a:t>May 25, 2013</a:t>
+              <a:t>May 27, 2013</a:t>
             </a:fld>
             <a:endParaRPr lang="en-US"/>
           </a:p>
@@ -1683,7 +1685,7 @@
           <a:p>
             <a:fld id="{2484F420-DF62-4C41-A0CA-AE848B7B35A7}" type="datetime4">
               <a:rPr lang="en-US" smtClean="0"/>
-              <a:t>May 25, 2013</a:t>
+              <a:t>May 27, 2013</a:t>
             </a:fld>
             <a:endParaRPr lang="en-US"/>
           </a:p>
@@ -1863,7 +1865,7 @@
           <a:p>
             <a:fld id="{050F7323-68A1-BD46-80E4-9F86AB8888E6}" type="datetime4">
               <a:rPr lang="en-US" smtClean="0"/>
-              <a:t>May 25, 2013</a:t>
+              <a:t>May 27, 2013</a:t>
             </a:fld>
             <a:endParaRPr lang="en-US"/>
           </a:p>
@@ -2033,7 +2035,7 @@
           <a:p>
             <a:fld id="{C86DC58E-ADCE-8E4A-8E50-F58411EE889D}" type="datetime4">
               <a:rPr lang="en-US" smtClean="0"/>
-              <a:t>May 25, 2013</a:t>
+              <a:t>May 27, 2013</a:t>
             </a:fld>
             <a:endParaRPr lang="en-US"/>
           </a:p>
@@ -2279,7 +2281,7 @@
           <a:p>
             <a:fld id="{8EE00704-BC3D-F346-AA24-279613A9CABA}" type="datetime4">
               <a:rPr lang="en-US" smtClean="0"/>
-              <a:t>May 25, 2013</a:t>
+              <a:t>May 27, 2013</a:t>
             </a:fld>
             <a:endParaRPr lang="en-US"/>
           </a:p>
@@ -2567,7 +2569,7 @@
           <a:p>
             <a:fld id="{AD1B3A6F-C864-6E4C-A511-12368EAC44C0}" type="datetime4">
               <a:rPr lang="en-US" smtClean="0"/>
-              <a:t>May 25, 2013</a:t>
+              <a:t>May 27, 2013</a:t>
             </a:fld>
             <a:endParaRPr lang="en-US"/>
           </a:p>
@@ -2989,7 +2991,7 @@
           <a:p>
             <a:fld id="{BD90A583-562F-CF47-87F1-8819D8D43F99}" type="datetime4">
               <a:rPr lang="en-US" smtClean="0"/>
-              <a:t>May 25, 2013</a:t>
+              <a:t>May 27, 2013</a:t>
             </a:fld>
             <a:endParaRPr lang="en-US"/>
           </a:p>
@@ -3107,7 +3109,7 @@
           <a:p>
             <a:fld id="{32E445F3-2A4E-B24A-8FB1-BC3BE7C36105}" type="datetime4">
               <a:rPr lang="en-US" smtClean="0"/>
-              <a:t>May 25, 2013</a:t>
+              <a:t>May 27, 2013</a:t>
             </a:fld>
             <a:endParaRPr lang="en-US"/>
           </a:p>
@@ -3202,7 +3204,7 @@
           <a:p>
             <a:fld id="{15C5CFFE-1399-054B-830E-319C23E58888}" type="datetime4">
               <a:rPr lang="en-US" smtClean="0"/>
-              <a:t>May 25, 2013</a:t>
+              <a:t>May 27, 2013</a:t>
             </a:fld>
             <a:endParaRPr lang="en-US"/>
           </a:p>
@@ -3479,7 +3481,7 @@
           <a:p>
             <a:fld id="{E4CB7365-4CA0-964A-96A4-9812DDD666EE}" type="datetime4">
               <a:rPr lang="en-US" smtClean="0"/>
-              <a:t>May 25, 2013</a:t>
+              <a:t>May 27, 2013</a:t>
             </a:fld>
             <a:endParaRPr lang="en-US"/>
           </a:p>
@@ -3732,7 +3734,7 @@
           <a:p>
             <a:fld id="{A51FAB43-6F56-EB49-8714-D4637C141E7D}" type="datetime4">
               <a:rPr lang="en-US" smtClean="0"/>
-              <a:t>May 25, 2013</a:t>
+              <a:t>May 27, 2013</a:t>
             </a:fld>
             <a:endParaRPr lang="en-US"/>
           </a:p>
@@ -4025,7 +4027,7 @@
           <a:p>
             <a:fld id="{125CCC8D-6E13-4A48-B436-F0CE6A2E69AA}" type="datetime4">
               <a:rPr lang="en-US" smtClean="0"/>
-              <a:t>May 25, 2013</a:t>
+              <a:t>May 27, 2013</a:t>
             </a:fld>
             <a:endParaRPr lang="en-US" dirty="0"/>
           </a:p>
@@ -4591,11 +4593,7 @@
           <a:p>
             <a:r>
               <a:rPr lang="en-US" dirty="0" smtClean="0"/>
-              <a:t>Pipeline </a:t>
-            </a:r>
-            <a:r>
-              <a:rPr lang="en-US" dirty="0" smtClean="0"/>
-              <a:t>Pattern</a:t>
+              <a:t>Pipeline Pattern</a:t>
             </a:r>
             <a:endParaRPr lang="en-US" dirty="0"/>
           </a:p>
@@ -4686,12 +4684,6 @@
               </a:rPr>
               <a:t>Car #1</a:t>
             </a:r>
-            <a:endParaRPr lang="en-US" sz="2400" dirty="0">
-              <a:solidFill>
-                <a:schemeClr val="accent5"/>
-              </a:solidFill>
-              <a:latin typeface="HelveticaNeueLT Com 45 Lt"/>
-            </a:endParaRPr>
           </a:p>
         </p:txBody>
       </p:sp>
@@ -4749,11 +4741,7 @@
           <a:p>
             <a:r>
               <a:rPr lang="en-US" dirty="0" smtClean="0"/>
-              <a:t>Pipeline </a:t>
-            </a:r>
-            <a:r>
-              <a:rPr lang="en-US" dirty="0" smtClean="0"/>
-              <a:t>Pattern</a:t>
+              <a:t>Pipeline Pattern</a:t>
             </a:r>
             <a:endParaRPr lang="en-US" dirty="0"/>
           </a:p>
@@ -4844,12 +4832,6 @@
               </a:rPr>
               <a:t>Car #2</a:t>
             </a:r>
-            <a:endParaRPr lang="en-US" sz="2400" dirty="0">
-              <a:solidFill>
-                <a:schemeClr val="accent3"/>
-              </a:solidFill>
-              <a:latin typeface="HelveticaNeueLT Com 45 Lt"/>
-            </a:endParaRPr>
           </a:p>
         </p:txBody>
       </p:sp>
@@ -4885,12 +4867,6 @@
               </a:rPr>
               <a:t>Car #1</a:t>
             </a:r>
-            <a:endParaRPr lang="en-US" sz="2400" dirty="0">
-              <a:solidFill>
-                <a:schemeClr val="accent5"/>
-              </a:solidFill>
-              <a:latin typeface="HelveticaNeueLT Com 45 Lt"/>
-            </a:endParaRPr>
           </a:p>
         </p:txBody>
       </p:sp>
@@ -4948,11 +4924,7 @@
           <a:p>
             <a:r>
               <a:rPr lang="en-US" dirty="0" smtClean="0"/>
-              <a:t>Pipeline </a:t>
-            </a:r>
-            <a:r>
-              <a:rPr lang="en-US" dirty="0" smtClean="0"/>
-              <a:t>Pattern</a:t>
+              <a:t>Pipeline Pattern</a:t>
             </a:r>
             <a:endParaRPr lang="en-US" dirty="0"/>
           </a:p>
@@ -5188,11 +5160,7 @@
           <a:p>
             <a:r>
               <a:rPr lang="en-US" dirty="0" smtClean="0"/>
-              <a:t>Pipeline </a:t>
-            </a:r>
-            <a:r>
-              <a:rPr lang="en-US" dirty="0" smtClean="0"/>
-              <a:t>Pattern</a:t>
+              <a:t>Pipeline Pattern</a:t>
             </a:r>
             <a:endParaRPr lang="en-US" dirty="0"/>
           </a:p>
@@ -5527,8 +5495,20 @@
             <a:pPr lvl="1"/>
             <a:r>
               <a:rPr lang="en-US" dirty="0" smtClean="0"/>
-              <a:t>Cars, or some other items</a:t>
-            </a:r>
+              <a:t>Cars, or some other </a:t>
+            </a:r>
+            <a:r>
+              <a:rPr lang="en-US" dirty="0" smtClean="0"/>
+              <a:t>items</a:t>
+            </a:r>
+          </a:p>
+          <a:p>
+            <a:pPr lvl="1"/>
+            <a:r>
+              <a:rPr lang="en-US" dirty="0" smtClean="0"/>
+              <a:t>Transport mechanism for the cars</a:t>
+            </a:r>
+            <a:endParaRPr lang="en-US" dirty="0" smtClean="0"/>
           </a:p>
         </p:txBody>
       </p:sp>
@@ -5655,8 +5635,13 @@
             </a:br>
             <a:r>
               <a:rPr lang="en-US" dirty="0" smtClean="0"/>
-              <a:t>(instead of Assembly line)</a:t>
-            </a:r>
+              <a:t>(instead </a:t>
+            </a:r>
+            <a:r>
+              <a:rPr lang="en-US" dirty="0" smtClean="0"/>
+              <a:t>of the transport mechanism)</a:t>
+            </a:r>
+            <a:endParaRPr lang="en-US" dirty="0" smtClean="0"/>
           </a:p>
         </p:txBody>
       </p:sp>
@@ -5715,27 +5700,37 @@
       </p:grpSpPr>
       <p:sp>
         <p:nvSpPr>
-          <p:cNvPr id="7" name="Title 6"/>
+          <p:cNvPr id="2" name="Title 1"/>
           <p:cNvSpPr>
             <a:spLocks noGrp="1"/>
           </p:cNvSpPr>
           <p:nvPr>
-            <p:ph type="ctrTitle"/>
+            <p:ph type="title"/>
           </p:nvPr>
         </p:nvSpPr>
-        <p:spPr>
-          <a:xfrm>
-            <a:off x="457200" y="2130425"/>
-            <a:ext cx="8229600" cy="1470025"/>
-          </a:xfrm>
-        </p:spPr>
-        <p:txBody>
-          <a:bodyPr/>
+        <p:spPr/>
+        <p:txBody>
+          <a:bodyPr>
+            <a:normAutofit fontScale="90000"/>
+          </a:bodyPr>
           <a:lstStyle/>
           <a:p>
             <a:r>
               <a:rPr lang="en-US" dirty="0" smtClean="0"/>
-              <a:t>Single Instruction – Multiple Data</a:t>
+              <a:t>Pipeline Pattern</a:t>
+            </a:r>
+            <a:br>
+              <a:rPr lang="en-US" dirty="0" smtClean="0"/>
+            </a:br>
+            <a:r>
+              <a:rPr lang="en-US" sz="2800" dirty="0" smtClean="0">
+                <a:solidFill>
+                  <a:prstClr val="white">
+                    <a:lumMod val="50000"/>
+                  </a:prstClr>
+                </a:solidFill>
+              </a:rPr>
+              <a:t>Pseudo code</a:t>
             </a:r>
             <a:endParaRPr lang="en-US" dirty="0"/>
           </a:p>
@@ -5743,29 +5738,188 @@
       </p:sp>
       <p:sp>
         <p:nvSpPr>
-          <p:cNvPr id="8" name="Subtitle 7"/>
+          <p:cNvPr id="3" name="Content Placeholder 2"/>
           <p:cNvSpPr>
             <a:spLocks noGrp="1"/>
           </p:cNvSpPr>
           <p:nvPr>
-            <p:ph type="subTitle" idx="1"/>
+            <p:ph idx="1"/>
           </p:nvPr>
         </p:nvSpPr>
         <p:spPr>
           <a:xfrm>
-            <a:off x="1371600" y="2724150"/>
-            <a:ext cx="6400800" cy="1752600"/>
+            <a:off x="888449" y="1600200"/>
+            <a:ext cx="7367102" cy="4525963"/>
           </a:xfrm>
         </p:spPr>
         <p:txBody>
-          <a:bodyPr/>
+          <a:bodyPr>
+            <a:normAutofit/>
+          </a:bodyPr>
           <a:lstStyle/>
           <a:p>
-            <a:r>
-              <a:rPr lang="en-US" dirty="0" smtClean="0"/>
-              <a:t>Using the ARM NEON engine</a:t>
-            </a:r>
-            <a:endParaRPr lang="en-US" dirty="0"/>
+            <a:pPr marL="0" indent="0">
+              <a:buNone/>
+            </a:pPr>
+            <a:r>
+              <a:rPr lang="en-US" sz="2400" dirty="0">
+                <a:solidFill>
+                  <a:srgbClr val="FF7800"/>
+                </a:solidFill>
+                <a:latin typeface="SourceCodePro-Regular"/>
+              </a:rPr>
+              <a:t>while</a:t>
+            </a:r>
+            <a:r>
+              <a:rPr lang="en-US" sz="2400" dirty="0">
+                <a:solidFill>
+                  <a:prstClr val="black"/>
+                </a:solidFill>
+                <a:latin typeface="SourceCodePro-Regular"/>
+              </a:rPr>
+              <a:t>(more </a:t>
+            </a:r>
+            <a:r>
+              <a:rPr lang="en-US" sz="2400" dirty="0" smtClean="0">
+                <a:solidFill>
+                  <a:prstClr val="black"/>
+                </a:solidFill>
+                <a:latin typeface="SourceCodePro-Regular"/>
+              </a:rPr>
+              <a:t>elements) </a:t>
+            </a:r>
+            <a:r>
+              <a:rPr lang="en-US" sz="2400" dirty="0">
+                <a:solidFill>
+                  <a:prstClr val="black"/>
+                </a:solidFill>
+                <a:latin typeface="SourceCodePro-Regular"/>
+              </a:rPr>
+              <a:t>{</a:t>
+            </a:r>
+            <a:br>
+              <a:rPr lang="en-US" sz="2400" dirty="0">
+                <a:solidFill>
+                  <a:prstClr val="black"/>
+                </a:solidFill>
+                <a:latin typeface="SourceCodePro-Regular"/>
+              </a:rPr>
+            </a:br>
+            <a:r>
+              <a:rPr lang="en-US" sz="2400" dirty="0">
+                <a:solidFill>
+                  <a:prstClr val="black"/>
+                </a:solidFill>
+                <a:latin typeface="SourceCodePro-Regular"/>
+              </a:rPr>
+              <a:t>    </a:t>
+            </a:r>
+            <a:r>
+              <a:rPr lang="en-US" sz="2400" dirty="0" smtClean="0">
+                <a:solidFill>
+                  <a:prstClr val="black"/>
+                </a:solidFill>
+                <a:latin typeface="SourceCodePro-Regular"/>
+              </a:rPr>
+              <a:t>receive element </a:t>
+            </a:r>
+            <a:r>
+              <a:rPr lang="en-US" sz="2400" dirty="0">
+                <a:solidFill>
+                  <a:prstClr val="black"/>
+                </a:solidFill>
+                <a:latin typeface="SourceCodePro-Regular"/>
+              </a:rPr>
+              <a:t>from previous stage</a:t>
+            </a:r>
+            <a:br>
+              <a:rPr lang="en-US" sz="2400" dirty="0">
+                <a:solidFill>
+                  <a:prstClr val="black"/>
+                </a:solidFill>
+                <a:latin typeface="SourceCodePro-Regular"/>
+              </a:rPr>
+            </a:br>
+            <a:r>
+              <a:rPr lang="en-US" sz="2400" dirty="0">
+                <a:solidFill>
+                  <a:prstClr val="black"/>
+                </a:solidFill>
+                <a:latin typeface="SourceCodePro-Regular"/>
+              </a:rPr>
+              <a:t>    perform operation </a:t>
+            </a:r>
+            <a:r>
+              <a:rPr lang="en-US" sz="2400" dirty="0" smtClean="0">
+                <a:solidFill>
+                  <a:prstClr val="black"/>
+                </a:solidFill>
+                <a:latin typeface="SourceCodePro-Regular"/>
+              </a:rPr>
+              <a:t>on element</a:t>
+            </a:r>
+            <a:r>
+              <a:rPr lang="en-US" sz="2400" dirty="0">
+                <a:solidFill>
+                  <a:prstClr val="black"/>
+                </a:solidFill>
+                <a:latin typeface="SourceCodePro-Regular"/>
+              </a:rPr>
+              <a:t/>
+            </a:r>
+            <a:br>
+              <a:rPr lang="en-US" sz="2400" dirty="0">
+                <a:solidFill>
+                  <a:prstClr val="black"/>
+                </a:solidFill>
+                <a:latin typeface="SourceCodePro-Regular"/>
+              </a:rPr>
+            </a:br>
+            <a:r>
+              <a:rPr lang="en-US" sz="2400" dirty="0">
+                <a:solidFill>
+                  <a:prstClr val="black"/>
+                </a:solidFill>
+                <a:latin typeface="SourceCodePro-Regular"/>
+              </a:rPr>
+              <a:t>    </a:t>
+            </a:r>
+            <a:r>
+              <a:rPr lang="en-US" sz="2400" dirty="0" smtClean="0">
+                <a:solidFill>
+                  <a:prstClr val="black"/>
+                </a:solidFill>
+                <a:latin typeface="SourceCodePro-Regular"/>
+              </a:rPr>
+              <a:t>send element </a:t>
+            </a:r>
+            <a:r>
+              <a:rPr lang="en-US" sz="2400" dirty="0">
+                <a:solidFill>
+                  <a:prstClr val="black"/>
+                </a:solidFill>
+                <a:latin typeface="SourceCodePro-Regular"/>
+              </a:rPr>
+              <a:t>to the next stage</a:t>
+            </a:r>
+            <a:br>
+              <a:rPr lang="en-US" sz="2400" dirty="0">
+                <a:solidFill>
+                  <a:prstClr val="black"/>
+                </a:solidFill>
+                <a:latin typeface="SourceCodePro-Regular"/>
+              </a:rPr>
+            </a:br>
+            <a:r>
+              <a:rPr lang="en-US" sz="2400" dirty="0">
+                <a:solidFill>
+                  <a:prstClr val="black"/>
+                </a:solidFill>
+                <a:latin typeface="SourceCodePro-Regular"/>
+              </a:rPr>
+              <a:t>}</a:t>
+            </a:r>
+            <a:endParaRPr lang="en-US" sz="2400" dirty="0"/>
           </a:p>
         </p:txBody>
       </p:sp>
@@ -5795,20 +5949,13 @@
     </p:spTree>
     <p:extLst>
       <p:ext uri="{BB962C8B-B14F-4D97-AF65-F5344CB8AC3E}">
-        <p14:creationId xmlns:p14="http://schemas.microsoft.com/office/powerpoint/2010/main" val="4194680713"/>
+        <p14:creationId xmlns:p14="http://schemas.microsoft.com/office/powerpoint/2010/main" val="4241900846"/>
       </p:ext>
     </p:extLst>
   </p:cSld>
   <p:clrMapOvr>
     <a:masterClrMapping/>
   </p:clrMapOvr>
-  <p:timing>
-    <p:tnLst>
-      <p:par>
-        <p:cTn xmlns:p14="http://schemas.microsoft.com/office/powerpoint/2010/main" id="1" dur="indefinite" restart="never" nodeType="tmRoot"/>
-      </p:par>
-    </p:tnLst>
-  </p:timing>
 </p:sld>
 </file>
 
@@ -5831,76 +5978,63 @@
       </p:grpSpPr>
       <p:sp>
         <p:nvSpPr>
-          <p:cNvPr id="2" name="Title 1"/>
+          <p:cNvPr id="7" name="Title 6"/>
           <p:cNvSpPr>
             <a:spLocks noGrp="1"/>
           </p:cNvSpPr>
           <p:nvPr>
-            <p:ph type="title"/>
+            <p:ph type="ctrTitle"/>
           </p:nvPr>
         </p:nvSpPr>
-        <p:spPr/>
-        <p:txBody>
-          <a:bodyPr>
-            <a:normAutofit/>
-          </a:bodyPr>
+        <p:spPr>
+          <a:xfrm>
+            <a:off x="457200" y="2130425"/>
+            <a:ext cx="8229600" cy="1470025"/>
+          </a:xfrm>
+        </p:spPr>
+        <p:txBody>
+          <a:bodyPr/>
           <a:lstStyle/>
           <a:p>
             <a:r>
               <a:rPr lang="en-US" dirty="0" smtClean="0"/>
-              <a:t>Single Instruction - Multiple Data</a:t>
-            </a:r>
-            <a:endParaRPr lang="en-US" sz="2800" dirty="0"/>
-          </a:p>
-        </p:txBody>
-      </p:sp>
-      <p:sp>
-        <p:nvSpPr>
-          <p:cNvPr id="3" name="Content Placeholder 2"/>
+              <a:t>Single Instruction – Multiple Data</a:t>
+            </a:r>
+            <a:endParaRPr lang="en-US" dirty="0"/>
+          </a:p>
+        </p:txBody>
+      </p:sp>
+      <p:sp>
+        <p:nvSpPr>
+          <p:cNvPr id="8" name="Subtitle 7"/>
           <p:cNvSpPr>
             <a:spLocks noGrp="1"/>
           </p:cNvSpPr>
           <p:nvPr>
-            <p:ph idx="1"/>
+            <p:ph type="subTitle" idx="1"/>
           </p:nvPr>
         </p:nvSpPr>
         <p:spPr>
           <a:xfrm>
-            <a:off x="457200" y="1397551"/>
-            <a:ext cx="8229600" cy="1358484"/>
+            <a:off x="1371600" y="2724150"/>
+            <a:ext cx="6400800" cy="1752600"/>
           </a:xfrm>
         </p:spPr>
         <p:txBody>
-          <a:bodyPr>
-            <a:normAutofit fontScale="92500"/>
-          </a:bodyPr>
+          <a:bodyPr/>
           <a:lstStyle/>
           <a:p>
             <a:r>
               <a:rPr lang="en-US" dirty="0" smtClean="0"/>
-              <a:t>Exploits </a:t>
-            </a:r>
-            <a:r>
-              <a:rPr lang="en-US" dirty="0"/>
-              <a:t>d</a:t>
-            </a:r>
-            <a:r>
-              <a:rPr lang="en-US" dirty="0" smtClean="0"/>
-              <a:t>ata-level parallelism</a:t>
-            </a:r>
-          </a:p>
-          <a:p>
-            <a:pPr lvl="1"/>
-            <a:r>
-              <a:rPr lang="en-US" dirty="0" smtClean="0"/>
-              <a:t>Operations repeatedly applied to independent data</a:t>
-            </a:r>
-          </a:p>
-        </p:txBody>
-      </p:sp>
-      <p:sp>
-        <p:nvSpPr>
-          <p:cNvPr id="6" name="Slide Number Placeholder 5"/>
+              <a:t>Using the ARM NEON engine</a:t>
+            </a:r>
+            <a:endParaRPr lang="en-US" dirty="0"/>
+          </a:p>
+        </p:txBody>
+      </p:sp>
+      <p:sp>
+        <p:nvSpPr>
+          <p:cNvPr id="4" name="Slide Number Placeholder 3"/>
           <p:cNvSpPr>
             <a:spLocks noGrp="1"/>
           </p:cNvSpPr>
@@ -5924,7 +6058,7 @@
     </p:spTree>
     <p:extLst>
       <p:ext uri="{BB962C8B-B14F-4D97-AF65-F5344CB8AC3E}">
-        <p14:creationId xmlns:p14="http://schemas.microsoft.com/office/powerpoint/2010/main" val="1820839589"/>
+        <p14:creationId xmlns:p14="http://schemas.microsoft.com/office/powerpoint/2010/main" val="4194680713"/>
       </p:ext>
     </p:extLst>
   </p:cSld>
@@ -5960,6 +6094,135 @@
       </p:grpSpPr>
       <p:sp>
         <p:nvSpPr>
+          <p:cNvPr id="2" name="Title 1"/>
+          <p:cNvSpPr>
+            <a:spLocks noGrp="1"/>
+          </p:cNvSpPr>
+          <p:nvPr>
+            <p:ph type="title"/>
+          </p:nvPr>
+        </p:nvSpPr>
+        <p:spPr/>
+        <p:txBody>
+          <a:bodyPr>
+            <a:normAutofit/>
+          </a:bodyPr>
+          <a:lstStyle/>
+          <a:p>
+            <a:r>
+              <a:rPr lang="en-US" dirty="0" smtClean="0"/>
+              <a:t>Single Instruction - Multiple Data</a:t>
+            </a:r>
+            <a:endParaRPr lang="en-US" sz="2800" dirty="0"/>
+          </a:p>
+        </p:txBody>
+      </p:sp>
+      <p:sp>
+        <p:nvSpPr>
+          <p:cNvPr id="3" name="Content Placeholder 2"/>
+          <p:cNvSpPr>
+            <a:spLocks noGrp="1"/>
+          </p:cNvSpPr>
+          <p:nvPr>
+            <p:ph idx="1"/>
+          </p:nvPr>
+        </p:nvSpPr>
+        <p:spPr>
+          <a:xfrm>
+            <a:off x="457200" y="1397551"/>
+            <a:ext cx="8229600" cy="1358484"/>
+          </a:xfrm>
+        </p:spPr>
+        <p:txBody>
+          <a:bodyPr>
+            <a:normAutofit fontScale="92500"/>
+          </a:bodyPr>
+          <a:lstStyle/>
+          <a:p>
+            <a:r>
+              <a:rPr lang="en-US" dirty="0" smtClean="0"/>
+              <a:t>Exploits </a:t>
+            </a:r>
+            <a:r>
+              <a:rPr lang="en-US" dirty="0"/>
+              <a:t>d</a:t>
+            </a:r>
+            <a:r>
+              <a:rPr lang="en-US" dirty="0" smtClean="0"/>
+              <a:t>ata-level parallelism</a:t>
+            </a:r>
+          </a:p>
+          <a:p>
+            <a:pPr lvl="1"/>
+            <a:r>
+              <a:rPr lang="en-US" dirty="0" smtClean="0"/>
+              <a:t>Operations repeatedly applied to independent data</a:t>
+            </a:r>
+          </a:p>
+        </p:txBody>
+      </p:sp>
+      <p:sp>
+        <p:nvSpPr>
+          <p:cNvPr id="6" name="Slide Number Placeholder 5"/>
+          <p:cNvSpPr>
+            <a:spLocks noGrp="1"/>
+          </p:cNvSpPr>
+          <p:nvPr>
+            <p:ph type="sldNum" sz="quarter" idx="12"/>
+          </p:nvPr>
+        </p:nvSpPr>
+        <p:spPr/>
+        <p:txBody>
+          <a:bodyPr/>
+          <a:lstStyle/>
+          <a:p>
+            <a:fld id="{0A3E316F-3D65-2744-BC5B-55B8D60FFFDF}" type="slidenum">
+              <a:rPr lang="en-US" smtClean="0"/>
+              <a:t>18</a:t>
+            </a:fld>
+            <a:endParaRPr lang="en-US"/>
+          </a:p>
+        </p:txBody>
+      </p:sp>
+    </p:spTree>
+    <p:extLst>
+      <p:ext uri="{BB962C8B-B14F-4D97-AF65-F5344CB8AC3E}">
+        <p14:creationId xmlns:p14="http://schemas.microsoft.com/office/powerpoint/2010/main" val="1820839589"/>
+      </p:ext>
+    </p:extLst>
+  </p:cSld>
+  <p:clrMapOvr>
+    <a:masterClrMapping/>
+  </p:clrMapOvr>
+  <p:timing>
+    <p:tnLst>
+      <p:par>
+        <p:cTn xmlns:p14="http://schemas.microsoft.com/office/powerpoint/2010/main" id="1" dur="indefinite" restart="never" nodeType="tmRoot"/>
+      </p:par>
+    </p:tnLst>
+  </p:timing>
+</p:sld>
+</file>
+
+<file path=ppt/slides/slide19.xml><?xml version="1.0" encoding="utf-8"?>
+<p:sld xmlns:a="http://schemas.openxmlformats.org/drawingml/2006/main" xmlns:r="http://schemas.openxmlformats.org/officeDocument/2006/relationships" xmlns:p="http://schemas.openxmlformats.org/presentationml/2006/main">
+  <p:cSld>
+    <p:spTree>
+      <p:nvGrpSpPr>
+        <p:cNvPr id="1" name=""/>
+        <p:cNvGrpSpPr/>
+        <p:nvPr/>
+      </p:nvGrpSpPr>
+      <p:grpSpPr>
+        <a:xfrm>
+          <a:off x="0" y="0"/>
+          <a:ext cx="0" cy="0"/>
+          <a:chOff x="0" y="0"/>
+          <a:chExt cx="0" cy="0"/>
+        </a:xfrm>
+      </p:grpSpPr>
+      <p:sp>
+        <p:nvSpPr>
           <p:cNvPr id="7" name="Right Arrow 6"/>
           <p:cNvSpPr/>
           <p:nvPr/>
@@ -6086,7 +6349,7 @@
           <a:p>
             <a:fld id="{0A3E316F-3D65-2744-BC5B-55B8D60FFFDF}" type="slidenum">
               <a:rPr lang="en-US" smtClean="0"/>
-              <a:t>18</a:t>
+              <a:t>19</a:t>
             </a:fld>
             <a:endParaRPr lang="en-US"/>
           </a:p>
@@ -6172,7 +6435,7 @@
 </p:sld>
 </file>
 
-<file path=ppt/slides/slide19.xml><?xml version="1.0" encoding="utf-8"?>
+<file path=ppt/slides/slide2.xml><?xml version="1.0" encoding="utf-8"?>
 <p:sld xmlns:a="http://schemas.openxmlformats.org/drawingml/2006/main" xmlns:r="http://schemas.openxmlformats.org/officeDocument/2006/relationships" xmlns:p="http://schemas.openxmlformats.org/presentationml/2006/main">
   <p:cSld>
     <p:spTree>
@@ -6201,6 +6464,153 @@
         </p:nvSpPr>
         <p:spPr/>
         <p:txBody>
+          <a:bodyPr/>
+          <a:lstStyle/>
+          <a:p>
+            <a:r>
+              <a:rPr lang="en-US" dirty="0" smtClean="0"/>
+              <a:t>Outline</a:t>
+            </a:r>
+            <a:endParaRPr lang="en-US" dirty="0"/>
+          </a:p>
+        </p:txBody>
+      </p:sp>
+      <p:sp>
+        <p:nvSpPr>
+          <p:cNvPr id="3" name="Content Placeholder 2"/>
+          <p:cNvSpPr>
+            <a:spLocks noGrp="1"/>
+          </p:cNvSpPr>
+          <p:nvPr>
+            <p:ph idx="1"/>
+          </p:nvPr>
+        </p:nvSpPr>
+        <p:spPr/>
+        <p:txBody>
+          <a:bodyPr/>
+          <a:lstStyle/>
+          <a:p>
+            <a:pPr marL="514350" indent="-514350">
+              <a:buFont typeface="+mj-lt"/>
+              <a:buAutoNum type="arabicPeriod"/>
+            </a:pPr>
+            <a:r>
+              <a:rPr lang="en-US" dirty="0" smtClean="0"/>
+              <a:t>Development Platform </a:t>
+            </a:r>
+          </a:p>
+          <a:p>
+            <a:pPr marL="514350" indent="-514350">
+              <a:buFont typeface="+mj-lt"/>
+              <a:buAutoNum type="arabicPeriod"/>
+            </a:pPr>
+            <a:r>
+              <a:rPr lang="en-US" dirty="0" smtClean="0"/>
+              <a:t>Parallelism Techniques</a:t>
+            </a:r>
+          </a:p>
+          <a:p>
+            <a:pPr lvl="1"/>
+            <a:r>
+              <a:rPr lang="en-US" dirty="0" smtClean="0"/>
+              <a:t>Pipeline Pattern</a:t>
+            </a:r>
+          </a:p>
+          <a:p>
+            <a:pPr lvl="1"/>
+            <a:r>
+              <a:rPr lang="en-US" dirty="0"/>
+              <a:t>Single Instruction – Multiple Data (SIMD</a:t>
+            </a:r>
+            <a:r>
+              <a:rPr lang="en-US" dirty="0" smtClean="0"/>
+              <a:t>)</a:t>
+            </a:r>
+          </a:p>
+          <a:p>
+            <a:pPr marL="514350" indent="-514350">
+              <a:buFont typeface="+mj-lt"/>
+              <a:buAutoNum type="arabicPeriod"/>
+            </a:pPr>
+            <a:r>
+              <a:rPr lang="en-US" dirty="0" smtClean="0"/>
+              <a:t>Google Go for parallelism</a:t>
+            </a:r>
+          </a:p>
+        </p:txBody>
+      </p:sp>
+      <p:sp>
+        <p:nvSpPr>
+          <p:cNvPr id="4" name="Slide Number Placeholder 3"/>
+          <p:cNvSpPr>
+            <a:spLocks noGrp="1"/>
+          </p:cNvSpPr>
+          <p:nvPr>
+            <p:ph type="sldNum" sz="quarter" idx="12"/>
+          </p:nvPr>
+        </p:nvSpPr>
+        <p:spPr/>
+        <p:txBody>
+          <a:bodyPr/>
+          <a:lstStyle/>
+          <a:p>
+            <a:fld id="{0A3E316F-3D65-2744-BC5B-55B8D60FFFDF}" type="slidenum">
+              <a:rPr lang="en-US" smtClean="0"/>
+              <a:t>2</a:t>
+            </a:fld>
+            <a:endParaRPr lang="en-US"/>
+          </a:p>
+        </p:txBody>
+      </p:sp>
+    </p:spTree>
+    <p:extLst>
+      <p:ext uri="{BB962C8B-B14F-4D97-AF65-F5344CB8AC3E}">
+        <p14:creationId xmlns:p14="http://schemas.microsoft.com/office/powerpoint/2010/main" val="991397709"/>
+      </p:ext>
+    </p:extLst>
+  </p:cSld>
+  <p:clrMapOvr>
+    <a:masterClrMapping/>
+  </p:clrMapOvr>
+  <p:timing>
+    <p:tnLst>
+      <p:par>
+        <p:cTn xmlns:p14="http://schemas.microsoft.com/office/powerpoint/2010/main" id="1" dur="indefinite" restart="never" nodeType="tmRoot"/>
+      </p:par>
+    </p:tnLst>
+  </p:timing>
+</p:sld>
+</file>
+
+<file path=ppt/slides/slide20.xml><?xml version="1.0" encoding="utf-8"?>
+<p:sld xmlns:a="http://schemas.openxmlformats.org/drawingml/2006/main" xmlns:r="http://schemas.openxmlformats.org/officeDocument/2006/relationships" xmlns:p="http://schemas.openxmlformats.org/presentationml/2006/main">
+  <p:cSld>
+    <p:spTree>
+      <p:nvGrpSpPr>
+        <p:cNvPr id="1" name=""/>
+        <p:cNvGrpSpPr/>
+        <p:nvPr/>
+      </p:nvGrpSpPr>
+      <p:grpSpPr>
+        <a:xfrm>
+          <a:off x="0" y="0"/>
+          <a:ext cx="0" cy="0"/>
+          <a:chOff x="0" y="0"/>
+          <a:chExt cx="0" cy="0"/>
+        </a:xfrm>
+      </p:grpSpPr>
+      <p:sp>
+        <p:nvSpPr>
+          <p:cNvPr id="2" name="Title 1"/>
+          <p:cNvSpPr>
+            <a:spLocks noGrp="1"/>
+          </p:cNvSpPr>
+          <p:nvPr>
+            <p:ph type="title"/>
+          </p:nvPr>
+        </p:nvSpPr>
+        <p:spPr/>
+        <p:txBody>
           <a:bodyPr>
             <a:normAutofit fontScale="90000"/>
           </a:bodyPr>
@@ -6260,7 +6670,7 @@
           <a:p>
             <a:fld id="{0A3E316F-3D65-2744-BC5B-55B8D60FFFDF}" type="slidenum">
               <a:rPr lang="en-US" smtClean="0"/>
-              <a:t>19</a:t>
+              <a:t>20</a:t>
             </a:fld>
             <a:endParaRPr lang="en-US"/>
           </a:p>
@@ -6316,1037 +6726,6 @@
 </p:sld>
 </file>
 
-<file path=ppt/slides/slide2.xml><?xml version="1.0" encoding="utf-8"?>
-<p:sld xmlns:a="http://schemas.openxmlformats.org/drawingml/2006/main" xmlns:r="http://schemas.openxmlformats.org/officeDocument/2006/relationships" xmlns:p="http://schemas.openxmlformats.org/presentationml/2006/main">
-  <p:cSld>
-    <p:spTree>
-      <p:nvGrpSpPr>
-        <p:cNvPr id="1" name=""/>
-        <p:cNvGrpSpPr/>
-        <p:nvPr/>
-      </p:nvGrpSpPr>
-      <p:grpSpPr>
-        <a:xfrm>
-          <a:off x="0" y="0"/>
-          <a:ext cx="0" cy="0"/>
-          <a:chOff x="0" y="0"/>
-          <a:chExt cx="0" cy="0"/>
-        </a:xfrm>
-      </p:grpSpPr>
-      <p:sp>
-        <p:nvSpPr>
-          <p:cNvPr id="2" name="Title 1"/>
-          <p:cNvSpPr>
-            <a:spLocks noGrp="1"/>
-          </p:cNvSpPr>
-          <p:nvPr>
-            <p:ph type="title"/>
-          </p:nvPr>
-        </p:nvSpPr>
-        <p:spPr/>
-        <p:txBody>
-          <a:bodyPr/>
-          <a:lstStyle/>
-          <a:p>
-            <a:r>
-              <a:rPr lang="en-US" dirty="0" smtClean="0"/>
-              <a:t>Outline</a:t>
-            </a:r>
-            <a:endParaRPr lang="en-US" dirty="0"/>
-          </a:p>
-        </p:txBody>
-      </p:sp>
-      <p:sp>
-        <p:nvSpPr>
-          <p:cNvPr id="3" name="Content Placeholder 2"/>
-          <p:cNvSpPr>
-            <a:spLocks noGrp="1"/>
-          </p:cNvSpPr>
-          <p:nvPr>
-            <p:ph idx="1"/>
-          </p:nvPr>
-        </p:nvSpPr>
-        <p:spPr/>
-        <p:txBody>
-          <a:bodyPr/>
-          <a:lstStyle/>
-          <a:p>
-            <a:pPr marL="514350" indent="-514350">
-              <a:buFont typeface="+mj-lt"/>
-              <a:buAutoNum type="arabicPeriod"/>
-            </a:pPr>
-            <a:r>
-              <a:rPr lang="en-US" dirty="0" smtClean="0"/>
-              <a:t>Development Platform </a:t>
-            </a:r>
-          </a:p>
-          <a:p>
-            <a:pPr marL="514350" indent="-514350">
-              <a:buFont typeface="+mj-lt"/>
-              <a:buAutoNum type="arabicPeriod"/>
-            </a:pPr>
-            <a:r>
-              <a:rPr lang="en-US" dirty="0" smtClean="0"/>
-              <a:t>Parallelism Techniques</a:t>
-            </a:r>
-          </a:p>
-          <a:p>
-            <a:pPr lvl="1"/>
-            <a:r>
-              <a:rPr lang="en-US" dirty="0" smtClean="0"/>
-              <a:t>Pipeline Pattern</a:t>
-            </a:r>
-          </a:p>
-          <a:p>
-            <a:pPr lvl="1"/>
-            <a:r>
-              <a:rPr lang="en-US" dirty="0"/>
-              <a:t>Single Instruction – Multiple Data (SIMD</a:t>
-            </a:r>
-            <a:r>
-              <a:rPr lang="en-US" dirty="0" smtClean="0"/>
-              <a:t>)</a:t>
-            </a:r>
-          </a:p>
-          <a:p>
-            <a:pPr marL="514350" indent="-514350">
-              <a:buFont typeface="+mj-lt"/>
-              <a:buAutoNum type="arabicPeriod"/>
-            </a:pPr>
-            <a:r>
-              <a:rPr lang="en-US" dirty="0" smtClean="0"/>
-              <a:t>Google Go for parallelism</a:t>
-            </a:r>
-          </a:p>
-        </p:txBody>
-      </p:sp>
-      <p:sp>
-        <p:nvSpPr>
-          <p:cNvPr id="4" name="Slide Number Placeholder 3"/>
-          <p:cNvSpPr>
-            <a:spLocks noGrp="1"/>
-          </p:cNvSpPr>
-          <p:nvPr>
-            <p:ph type="sldNum" sz="quarter" idx="12"/>
-          </p:nvPr>
-        </p:nvSpPr>
-        <p:spPr/>
-        <p:txBody>
-          <a:bodyPr/>
-          <a:lstStyle/>
-          <a:p>
-            <a:fld id="{0A3E316F-3D65-2744-BC5B-55B8D60FFFDF}" type="slidenum">
-              <a:rPr lang="en-US" smtClean="0"/>
-              <a:t>2</a:t>
-            </a:fld>
-            <a:endParaRPr lang="en-US"/>
-          </a:p>
-        </p:txBody>
-      </p:sp>
-    </p:spTree>
-    <p:extLst>
-      <p:ext uri="{BB962C8B-B14F-4D97-AF65-F5344CB8AC3E}">
-        <p14:creationId xmlns:p14="http://schemas.microsoft.com/office/powerpoint/2010/main" val="991397709"/>
-      </p:ext>
-    </p:extLst>
-  </p:cSld>
-  <p:clrMapOvr>
-    <a:masterClrMapping/>
-  </p:clrMapOvr>
-  <p:timing>
-    <p:tnLst>
-      <p:par>
-        <p:cTn xmlns:p14="http://schemas.microsoft.com/office/powerpoint/2010/main" id="1" dur="indefinite" restart="never" nodeType="tmRoot"/>
-      </p:par>
-    </p:tnLst>
-  </p:timing>
-</p:sld>
-</file>
-
-<file path=ppt/slides/slide20.xml><?xml version="1.0" encoding="utf-8"?>
-<p:sld xmlns:a="http://schemas.openxmlformats.org/drawingml/2006/main" xmlns:r="http://schemas.openxmlformats.org/officeDocument/2006/relationships" xmlns:p="http://schemas.openxmlformats.org/presentationml/2006/main">
-  <p:cSld>
-    <p:spTree>
-      <p:nvGrpSpPr>
-        <p:cNvPr id="1" name=""/>
-        <p:cNvGrpSpPr/>
-        <p:nvPr/>
-      </p:nvGrpSpPr>
-      <p:grpSpPr>
-        <a:xfrm>
-          <a:off x="0" y="0"/>
-          <a:ext cx="0" cy="0"/>
-          <a:chOff x="0" y="0"/>
-          <a:chExt cx="0" cy="0"/>
-        </a:xfrm>
-      </p:grpSpPr>
-      <p:sp>
-        <p:nvSpPr>
-          <p:cNvPr id="2" name="Title 1"/>
-          <p:cNvSpPr>
-            <a:spLocks noGrp="1"/>
-          </p:cNvSpPr>
-          <p:nvPr>
-            <p:ph type="title"/>
-          </p:nvPr>
-        </p:nvSpPr>
-        <p:spPr/>
-        <p:txBody>
-          <a:bodyPr>
-            <a:normAutofit fontScale="90000"/>
-          </a:bodyPr>
-          <a:lstStyle/>
-          <a:p>
-            <a:r>
-              <a:rPr lang="en-US" dirty="0" smtClean="0"/>
-              <a:t>Single Instruction – Single data</a:t>
-            </a:r>
-            <a:br>
-              <a:rPr lang="en-US" dirty="0" smtClean="0"/>
-            </a:br>
-            <a:r>
-              <a:rPr lang="en-US" sz="2800" dirty="0">
-                <a:solidFill>
-                  <a:schemeClr val="bg1">
-                    <a:lumMod val="50000"/>
-                  </a:schemeClr>
-                </a:solidFill>
-              </a:rPr>
-              <a:t>Converting an image to </a:t>
-            </a:r>
-            <a:r>
-              <a:rPr lang="en-US" sz="2800" dirty="0" smtClean="0">
-                <a:solidFill>
-                  <a:schemeClr val="bg1">
-                    <a:lumMod val="50000"/>
-                  </a:schemeClr>
-                </a:solidFill>
-              </a:rPr>
-              <a:t>gray scale</a:t>
-            </a:r>
-            <a:endParaRPr lang="en-US" dirty="0">
-              <a:solidFill>
-                <a:schemeClr val="bg1">
-                  <a:lumMod val="50000"/>
-                </a:schemeClr>
-              </a:solidFill>
-            </a:endParaRPr>
-          </a:p>
-        </p:txBody>
-      </p:sp>
-      <p:sp>
-        <p:nvSpPr>
-          <p:cNvPr id="4" name="Slide Number Placeholder 3"/>
-          <p:cNvSpPr>
-            <a:spLocks noGrp="1"/>
-          </p:cNvSpPr>
-          <p:nvPr>
-            <p:ph type="sldNum" sz="quarter" idx="12"/>
-          </p:nvPr>
-        </p:nvSpPr>
-        <p:spPr/>
-        <p:txBody>
-          <a:bodyPr/>
-          <a:lstStyle/>
-          <a:p>
-            <a:fld id="{0A3E316F-3D65-2744-BC5B-55B8D60FFFDF}" type="slidenum">
-              <a:rPr lang="en-US" smtClean="0"/>
-              <a:t>20</a:t>
-            </a:fld>
-            <a:endParaRPr lang="en-US"/>
-          </a:p>
-        </p:txBody>
-      </p:sp>
-      <p:sp>
-        <p:nvSpPr>
-          <p:cNvPr id="12" name="Rectangle 11"/>
-          <p:cNvSpPr/>
-          <p:nvPr/>
-        </p:nvSpPr>
-        <p:spPr>
-          <a:xfrm>
-            <a:off x="675582" y="1933403"/>
-            <a:ext cx="7796214" cy="4247317"/>
-          </a:xfrm>
-          <a:prstGeom prst="rect">
-            <a:avLst/>
-          </a:prstGeom>
-        </p:spPr>
-        <p:txBody>
-          <a:bodyPr wrap="square">
-            <a:spAutoFit/>
-          </a:bodyPr>
-          <a:lstStyle/>
-          <a:p>
-            <a:r>
-              <a:rPr lang="nl-NL" dirty="0" err="1">
-                <a:solidFill>
-                  <a:srgbClr val="FF7800"/>
-                </a:solidFill>
-                <a:latin typeface="SourceCodePro-Regular"/>
-              </a:rPr>
-              <a:t>void</a:t>
-            </a:r>
-            <a:r>
-              <a:rPr lang="nl-NL" dirty="0">
-                <a:solidFill>
-                  <a:srgbClr val="FF7800"/>
-                </a:solidFill>
-                <a:latin typeface="SourceCodePro-Regular"/>
-              </a:rPr>
-              <a:t> </a:t>
-            </a:r>
-            <a:r>
-              <a:rPr lang="nl-NL" dirty="0">
-                <a:solidFill>
-                  <a:srgbClr val="3B5BB5"/>
-                </a:solidFill>
-                <a:latin typeface="SourceCodePro-Regular"/>
-              </a:rPr>
-              <a:t>rgb2grey</a:t>
-            </a:r>
-            <a:r>
-              <a:rPr lang="nl-NL" dirty="0">
-                <a:solidFill>
-                  <a:prstClr val="black"/>
-                </a:solidFill>
-                <a:latin typeface="SourceCodePro-Regular"/>
-              </a:rPr>
-              <a:t>(</a:t>
-            </a:r>
-            <a:r>
-              <a:rPr lang="nl-NL" dirty="0">
-                <a:solidFill>
-                  <a:srgbClr val="3B5BB5"/>
-                </a:solidFill>
-                <a:latin typeface="SourceCodePro-Regular"/>
-              </a:rPr>
-              <a:t>uint8_t</a:t>
-            </a:r>
-            <a:r>
-              <a:rPr lang="nl-NL" dirty="0">
-                <a:solidFill>
-                  <a:prstClr val="black"/>
-                </a:solidFill>
-                <a:latin typeface="SourceCodePro-Regular"/>
-              </a:rPr>
-              <a:t> *</a:t>
-            </a:r>
-            <a:r>
-              <a:rPr lang="nl-NL" dirty="0" err="1">
-                <a:solidFill>
-                  <a:prstClr val="black"/>
-                </a:solidFill>
-                <a:latin typeface="SourceCodePro-Regular"/>
-              </a:rPr>
-              <a:t>dest</a:t>
-            </a:r>
-            <a:r>
-              <a:rPr lang="nl-NL" dirty="0">
-                <a:solidFill>
-                  <a:prstClr val="black"/>
-                </a:solidFill>
-                <a:latin typeface="SourceCodePro-Regular"/>
-              </a:rPr>
-              <a:t>, </a:t>
-            </a:r>
-            <a:r>
-              <a:rPr lang="nl-NL" dirty="0">
-                <a:solidFill>
-                  <a:srgbClr val="3B5BB5"/>
-                </a:solidFill>
-                <a:latin typeface="SourceCodePro-Regular"/>
-              </a:rPr>
-              <a:t>uint8_t</a:t>
-            </a:r>
-            <a:r>
-              <a:rPr lang="nl-NL" dirty="0">
-                <a:solidFill>
-                  <a:prstClr val="black"/>
-                </a:solidFill>
-                <a:latin typeface="SourceCodePro-Regular"/>
-              </a:rPr>
-              <a:t> *</a:t>
-            </a:r>
-            <a:r>
-              <a:rPr lang="nl-NL" dirty="0" err="1">
-                <a:solidFill>
-                  <a:prstClr val="black"/>
-                </a:solidFill>
-                <a:latin typeface="SourceCodePro-Regular"/>
-              </a:rPr>
-              <a:t>src</a:t>
-            </a:r>
-            <a:r>
-              <a:rPr lang="nl-NL" dirty="0">
-                <a:solidFill>
-                  <a:prstClr val="black"/>
-                </a:solidFill>
-                <a:latin typeface="SourceCodePro-Regular"/>
-              </a:rPr>
-              <a:t>, </a:t>
-            </a:r>
-            <a:r>
-              <a:rPr lang="nl-NL" dirty="0">
-                <a:solidFill>
-                  <a:srgbClr val="FF7800"/>
-                </a:solidFill>
-                <a:latin typeface="SourceCodePro-Regular"/>
-              </a:rPr>
-              <a:t>int</a:t>
-            </a:r>
-            <a:r>
-              <a:rPr lang="nl-NL" dirty="0">
-                <a:solidFill>
-                  <a:prstClr val="black"/>
-                </a:solidFill>
-                <a:latin typeface="SourceCodePro-Regular"/>
-              </a:rPr>
-              <a:t> pixels) {</a:t>
-            </a:r>
-            <a:br>
-              <a:rPr lang="nl-NL" dirty="0">
-                <a:solidFill>
-                  <a:prstClr val="black"/>
-                </a:solidFill>
-                <a:latin typeface="SourceCodePro-Regular"/>
-              </a:rPr>
-            </a:br>
-            <a:r>
-              <a:rPr lang="nl-NL" dirty="0">
-                <a:solidFill>
-                  <a:prstClr val="black"/>
-                </a:solidFill>
-                <a:latin typeface="SourceCodePro-Regular"/>
-              </a:rPr>
-              <a:t>    </a:t>
-            </a:r>
-            <a:r>
-              <a:rPr lang="nl-NL" dirty="0" err="1">
-                <a:solidFill>
-                  <a:srgbClr val="FF7800"/>
-                </a:solidFill>
-                <a:latin typeface="SourceCodePro-Regular"/>
-              </a:rPr>
-              <a:t>for</a:t>
-            </a:r>
-            <a:r>
-              <a:rPr lang="nl-NL" dirty="0">
-                <a:solidFill>
-                  <a:prstClr val="black"/>
-                </a:solidFill>
-                <a:latin typeface="SourceCodePro-Regular"/>
-              </a:rPr>
-              <a:t>(</a:t>
-            </a:r>
-            <a:r>
-              <a:rPr lang="nl-NL" dirty="0">
-                <a:solidFill>
-                  <a:srgbClr val="FF7800"/>
-                </a:solidFill>
-                <a:latin typeface="SourceCodePro-Regular"/>
-              </a:rPr>
-              <a:t>int</a:t>
-            </a:r>
-            <a:r>
-              <a:rPr lang="nl-NL" dirty="0">
-                <a:solidFill>
-                  <a:prstClr val="black"/>
-                </a:solidFill>
-                <a:latin typeface="SourceCodePro-Regular"/>
-              </a:rPr>
-              <a:t> i=</a:t>
-            </a:r>
-            <a:r>
-              <a:rPr lang="nl-NL" dirty="0">
-                <a:solidFill>
-                  <a:srgbClr val="3B5BB5"/>
-                </a:solidFill>
-                <a:latin typeface="SourceCodePro-Regular"/>
-              </a:rPr>
-              <a:t>0</a:t>
-            </a:r>
-            <a:r>
-              <a:rPr lang="nl-NL" dirty="0">
-                <a:solidFill>
-                  <a:prstClr val="black"/>
-                </a:solidFill>
-                <a:latin typeface="SourceCodePro-Regular"/>
-              </a:rPr>
-              <a:t>; i &lt; pixels; i++) {</a:t>
-            </a:r>
-            <a:br>
-              <a:rPr lang="nl-NL" dirty="0">
-                <a:solidFill>
-                  <a:prstClr val="black"/>
-                </a:solidFill>
-                <a:latin typeface="SourceCodePro-Regular"/>
-              </a:rPr>
-            </a:br>
-            <a:r>
-              <a:rPr lang="nl-NL" dirty="0">
-                <a:solidFill>
-                  <a:prstClr val="black"/>
-                </a:solidFill>
-                <a:latin typeface="SourceCodePro-Regular"/>
-              </a:rPr>
-              <a:t>        </a:t>
-            </a:r>
-            <a:r>
-              <a:rPr lang="nl-NL" dirty="0">
-                <a:solidFill>
-                  <a:srgbClr val="3B5BB5"/>
-                </a:solidFill>
-                <a:latin typeface="SourceCodePro-Regular"/>
-              </a:rPr>
-              <a:t>uint8_t</a:t>
-            </a:r>
-            <a:r>
-              <a:rPr lang="nl-NL" dirty="0">
-                <a:solidFill>
-                  <a:prstClr val="black"/>
-                </a:solidFill>
-                <a:latin typeface="SourceCodePro-Regular"/>
-              </a:rPr>
-              <a:t> r = </a:t>
-            </a:r>
-            <a:r>
-              <a:rPr lang="nl-NL" dirty="0" smtClean="0">
-                <a:solidFill>
-                  <a:prstClr val="black"/>
-                </a:solidFill>
-                <a:latin typeface="SourceCodePro-Regular"/>
-              </a:rPr>
-              <a:t>*</a:t>
-            </a:r>
-            <a:r>
-              <a:rPr lang="nl-NL" dirty="0" err="1" smtClean="0">
-                <a:solidFill>
-                  <a:prstClr val="black"/>
-                </a:solidFill>
-                <a:latin typeface="SourceCodePro-Regular"/>
-              </a:rPr>
-              <a:t>src</a:t>
-            </a:r>
-            <a:r>
-              <a:rPr lang="nl-NL" dirty="0" smtClean="0">
-                <a:solidFill>
-                  <a:prstClr val="black"/>
-                </a:solidFill>
-                <a:latin typeface="SourceCodePro-Regular"/>
-              </a:rPr>
-              <a:t>+</a:t>
-            </a:r>
-            <a:r>
-              <a:rPr lang="nl-NL" dirty="0">
-                <a:solidFill>
-                  <a:prstClr val="black"/>
-                </a:solidFill>
-                <a:latin typeface="SourceCodePro-Regular"/>
-              </a:rPr>
-              <a:t>+;</a:t>
-            </a:r>
-            <a:br>
-              <a:rPr lang="nl-NL" dirty="0">
-                <a:solidFill>
-                  <a:prstClr val="black"/>
-                </a:solidFill>
-                <a:latin typeface="SourceCodePro-Regular"/>
-              </a:rPr>
-            </a:br>
-            <a:r>
-              <a:rPr lang="nl-NL" dirty="0">
-                <a:solidFill>
-                  <a:prstClr val="black"/>
-                </a:solidFill>
-                <a:latin typeface="SourceCodePro-Regular"/>
-              </a:rPr>
-              <a:t>        </a:t>
-            </a:r>
-            <a:r>
-              <a:rPr lang="nl-NL" dirty="0">
-                <a:solidFill>
-                  <a:srgbClr val="3B5BB5"/>
-                </a:solidFill>
-                <a:latin typeface="SourceCodePro-Regular"/>
-              </a:rPr>
-              <a:t>uint8_t</a:t>
-            </a:r>
-            <a:r>
-              <a:rPr lang="nl-NL" dirty="0">
-                <a:solidFill>
-                  <a:prstClr val="black"/>
-                </a:solidFill>
-                <a:latin typeface="SourceCodePro-Regular"/>
-              </a:rPr>
-              <a:t> g = *</a:t>
-            </a:r>
-            <a:r>
-              <a:rPr lang="nl-NL" dirty="0" err="1">
-                <a:solidFill>
-                  <a:prstClr val="black"/>
-                </a:solidFill>
-                <a:latin typeface="SourceCodePro-Regular"/>
-              </a:rPr>
-              <a:t>src</a:t>
-            </a:r>
-            <a:r>
-              <a:rPr lang="nl-NL" dirty="0">
-                <a:solidFill>
-                  <a:prstClr val="black"/>
-                </a:solidFill>
-                <a:latin typeface="SourceCodePro-Regular"/>
-              </a:rPr>
-              <a:t>++;</a:t>
-            </a:r>
-            <a:br>
-              <a:rPr lang="nl-NL" dirty="0">
-                <a:solidFill>
-                  <a:prstClr val="black"/>
-                </a:solidFill>
-                <a:latin typeface="SourceCodePro-Regular"/>
-              </a:rPr>
-            </a:br>
-            <a:r>
-              <a:rPr lang="nl-NL" dirty="0">
-                <a:solidFill>
-                  <a:prstClr val="black"/>
-                </a:solidFill>
-                <a:latin typeface="SourceCodePro-Regular"/>
-              </a:rPr>
-              <a:t>        </a:t>
-            </a:r>
-            <a:r>
-              <a:rPr lang="nl-NL" dirty="0">
-                <a:solidFill>
-                  <a:srgbClr val="3B5BB5"/>
-                </a:solidFill>
-                <a:latin typeface="SourceCodePro-Regular"/>
-              </a:rPr>
-              <a:t>uint8_t</a:t>
-            </a:r>
-            <a:r>
-              <a:rPr lang="nl-NL" dirty="0">
-                <a:solidFill>
-                  <a:prstClr val="black"/>
-                </a:solidFill>
-                <a:latin typeface="SourceCodePro-Regular"/>
-              </a:rPr>
-              <a:t> b = *</a:t>
-            </a:r>
-            <a:r>
-              <a:rPr lang="nl-NL" dirty="0" err="1">
-                <a:solidFill>
-                  <a:prstClr val="black"/>
-                </a:solidFill>
-                <a:latin typeface="SourceCodePro-Regular"/>
-              </a:rPr>
-              <a:t>src</a:t>
-            </a:r>
-            <a:r>
-              <a:rPr lang="nl-NL" dirty="0">
-                <a:solidFill>
-                  <a:prstClr val="black"/>
-                </a:solidFill>
-                <a:latin typeface="SourceCodePro-Regular"/>
-              </a:rPr>
-              <a:t>++;</a:t>
-            </a:r>
-            <a:br>
-              <a:rPr lang="nl-NL" dirty="0">
-                <a:solidFill>
-                  <a:prstClr val="black"/>
-                </a:solidFill>
-                <a:latin typeface="SourceCodePro-Regular"/>
-              </a:rPr>
-            </a:br>
-            <a:r>
-              <a:rPr lang="nl-NL" dirty="0">
-                <a:solidFill>
-                  <a:prstClr val="black"/>
-                </a:solidFill>
-                <a:latin typeface="SourceCodePro-Regular"/>
-              </a:rPr>
-              <a:t>        </a:t>
-            </a:r>
-            <a:br>
-              <a:rPr lang="nl-NL" dirty="0">
-                <a:solidFill>
-                  <a:prstClr val="black"/>
-                </a:solidFill>
-                <a:latin typeface="SourceCodePro-Regular"/>
-              </a:rPr>
-            </a:br>
-            <a:r>
-              <a:rPr lang="nl-NL" dirty="0">
-                <a:solidFill>
-                  <a:prstClr val="black"/>
-                </a:solidFill>
-                <a:latin typeface="SourceCodePro-Regular"/>
-              </a:rPr>
-              <a:t>        </a:t>
-            </a:r>
-            <a:r>
-              <a:rPr lang="nl-NL" dirty="0">
-                <a:solidFill>
-                  <a:srgbClr val="3B5BB5"/>
-                </a:solidFill>
-                <a:latin typeface="SourceCodePro-Regular"/>
-              </a:rPr>
-              <a:t>uint16_t</a:t>
-            </a:r>
-            <a:r>
-              <a:rPr lang="nl-NL" dirty="0">
-                <a:solidFill>
-                  <a:prstClr val="black"/>
-                </a:solidFill>
-                <a:latin typeface="SourceCodePro-Regular"/>
-              </a:rPr>
-              <a:t> y =</a:t>
-            </a:r>
-            <a:br>
-              <a:rPr lang="nl-NL" dirty="0">
-                <a:solidFill>
-                  <a:prstClr val="black"/>
-                </a:solidFill>
-                <a:latin typeface="SourceCodePro-Regular"/>
-              </a:rPr>
-            </a:br>
-            <a:r>
-              <a:rPr lang="nl-NL" dirty="0">
-                <a:solidFill>
-                  <a:prstClr val="black"/>
-                </a:solidFill>
-                <a:latin typeface="SourceCodePro-Regular"/>
-              </a:rPr>
-              <a:t>            r * (</a:t>
-            </a:r>
-            <a:r>
-              <a:rPr lang="nl-NL" dirty="0">
-                <a:solidFill>
-                  <a:srgbClr val="FF7800"/>
-                </a:solidFill>
-                <a:latin typeface="SourceCodePro-Regular"/>
-              </a:rPr>
-              <a:t>int</a:t>
-            </a:r>
-            <a:r>
-              <a:rPr lang="nl-NL" dirty="0">
-                <a:solidFill>
-                  <a:prstClr val="black"/>
-                </a:solidFill>
-                <a:latin typeface="SourceCodePro-Regular"/>
-              </a:rPr>
-              <a:t>)(</a:t>
-            </a:r>
-            <a:r>
-              <a:rPr lang="nl-NL" dirty="0">
-                <a:solidFill>
-                  <a:srgbClr val="3B5BB5"/>
-                </a:solidFill>
-                <a:latin typeface="SourceCodePro-Regular"/>
-              </a:rPr>
-              <a:t>0.2126</a:t>
-            </a:r>
-            <a:r>
-              <a:rPr lang="nl-NL" dirty="0">
-                <a:solidFill>
-                  <a:prstClr val="black"/>
-                </a:solidFill>
-                <a:latin typeface="SourceCodePro-Regular"/>
-              </a:rPr>
-              <a:t>*</a:t>
-            </a:r>
-            <a:r>
-              <a:rPr lang="nl-NL" dirty="0">
-                <a:solidFill>
-                  <a:srgbClr val="3B5BB5"/>
-                </a:solidFill>
-                <a:latin typeface="SourceCodePro-Regular"/>
-              </a:rPr>
-              <a:t>256</a:t>
-            </a:r>
-            <a:r>
-              <a:rPr lang="nl-NL" dirty="0">
-                <a:solidFill>
-                  <a:prstClr val="black"/>
-                </a:solidFill>
-                <a:latin typeface="SourceCodePro-Regular"/>
-              </a:rPr>
-              <a:t>) +</a:t>
-            </a:r>
-            <a:br>
-              <a:rPr lang="nl-NL" dirty="0">
-                <a:solidFill>
-                  <a:prstClr val="black"/>
-                </a:solidFill>
-                <a:latin typeface="SourceCodePro-Regular"/>
-              </a:rPr>
-            </a:br>
-            <a:r>
-              <a:rPr lang="nl-NL" dirty="0">
-                <a:solidFill>
-                  <a:prstClr val="black"/>
-                </a:solidFill>
-                <a:latin typeface="SourceCodePro-Regular"/>
-              </a:rPr>
-              <a:t>            g * (</a:t>
-            </a:r>
-            <a:r>
-              <a:rPr lang="nl-NL" dirty="0">
-                <a:solidFill>
-                  <a:srgbClr val="FF7800"/>
-                </a:solidFill>
-                <a:latin typeface="SourceCodePro-Regular"/>
-              </a:rPr>
-              <a:t>int</a:t>
-            </a:r>
-            <a:r>
-              <a:rPr lang="nl-NL" dirty="0">
-                <a:solidFill>
-                  <a:prstClr val="black"/>
-                </a:solidFill>
-                <a:latin typeface="SourceCodePro-Regular"/>
-              </a:rPr>
-              <a:t>)(</a:t>
-            </a:r>
-            <a:r>
-              <a:rPr lang="nl-NL" dirty="0">
-                <a:solidFill>
-                  <a:srgbClr val="3B5BB5"/>
-                </a:solidFill>
-                <a:latin typeface="SourceCodePro-Regular"/>
-              </a:rPr>
-              <a:t>0.7152</a:t>
-            </a:r>
-            <a:r>
-              <a:rPr lang="nl-NL" dirty="0">
-                <a:solidFill>
-                  <a:prstClr val="black"/>
-                </a:solidFill>
-                <a:latin typeface="SourceCodePro-Regular"/>
-              </a:rPr>
-              <a:t>*</a:t>
-            </a:r>
-            <a:r>
-              <a:rPr lang="nl-NL" dirty="0">
-                <a:solidFill>
-                  <a:srgbClr val="3B5BB5"/>
-                </a:solidFill>
-                <a:latin typeface="SourceCodePro-Regular"/>
-              </a:rPr>
-              <a:t>256</a:t>
-            </a:r>
-            <a:r>
-              <a:rPr lang="nl-NL" dirty="0">
-                <a:solidFill>
-                  <a:prstClr val="black"/>
-                </a:solidFill>
-                <a:latin typeface="SourceCodePro-Regular"/>
-              </a:rPr>
-              <a:t>) +</a:t>
-            </a:r>
-            <a:br>
-              <a:rPr lang="nl-NL" dirty="0">
-                <a:solidFill>
-                  <a:prstClr val="black"/>
-                </a:solidFill>
-                <a:latin typeface="SourceCodePro-Regular"/>
-              </a:rPr>
-            </a:br>
-            <a:r>
-              <a:rPr lang="nl-NL" dirty="0">
-                <a:solidFill>
-                  <a:prstClr val="black"/>
-                </a:solidFill>
-                <a:latin typeface="SourceCodePro-Regular"/>
-              </a:rPr>
-              <a:t>            b * (</a:t>
-            </a:r>
-            <a:r>
-              <a:rPr lang="nl-NL" dirty="0">
-                <a:solidFill>
-                  <a:srgbClr val="FF7800"/>
-                </a:solidFill>
-                <a:latin typeface="SourceCodePro-Regular"/>
-              </a:rPr>
-              <a:t>int</a:t>
-            </a:r>
-            <a:r>
-              <a:rPr lang="nl-NL" dirty="0">
-                <a:solidFill>
-                  <a:prstClr val="black"/>
-                </a:solidFill>
-                <a:latin typeface="SourceCodePro-Regular"/>
-              </a:rPr>
-              <a:t>)(</a:t>
-            </a:r>
-            <a:r>
-              <a:rPr lang="nl-NL" dirty="0">
-                <a:solidFill>
-                  <a:srgbClr val="3B5BB5"/>
-                </a:solidFill>
-                <a:latin typeface="SourceCodePro-Regular"/>
-              </a:rPr>
-              <a:t>0.0722</a:t>
-            </a:r>
-            <a:r>
-              <a:rPr lang="nl-NL" dirty="0">
-                <a:solidFill>
-                  <a:prstClr val="black"/>
-                </a:solidFill>
-                <a:latin typeface="SourceCodePro-Regular"/>
-              </a:rPr>
-              <a:t>*</a:t>
-            </a:r>
-            <a:r>
-              <a:rPr lang="nl-NL" dirty="0">
-                <a:solidFill>
-                  <a:srgbClr val="3B5BB5"/>
-                </a:solidFill>
-                <a:latin typeface="SourceCodePro-Regular"/>
-              </a:rPr>
-              <a:t>256</a:t>
-            </a:r>
-            <a:r>
-              <a:rPr lang="nl-NL" dirty="0">
-                <a:solidFill>
-                  <a:prstClr val="black"/>
-                </a:solidFill>
-                <a:latin typeface="SourceCodePro-Regular"/>
-              </a:rPr>
-              <a:t>);</a:t>
-            </a:r>
-            <a:br>
-              <a:rPr lang="nl-NL" dirty="0">
-                <a:solidFill>
-                  <a:prstClr val="black"/>
-                </a:solidFill>
-                <a:latin typeface="SourceCodePro-Regular"/>
-              </a:rPr>
-            </a:br>
-            <a:r>
-              <a:rPr lang="nl-NL" dirty="0">
-                <a:solidFill>
-                  <a:prstClr val="black"/>
-                </a:solidFill>
-                <a:latin typeface="SourceCodePro-Regular"/>
-              </a:rPr>
-              <a:t>        </a:t>
-            </a:r>
-            <a:br>
-              <a:rPr lang="nl-NL" dirty="0">
-                <a:solidFill>
-                  <a:prstClr val="black"/>
-                </a:solidFill>
-                <a:latin typeface="SourceCodePro-Regular"/>
-              </a:rPr>
-            </a:br>
-            <a:r>
-              <a:rPr lang="nl-NL" dirty="0">
-                <a:solidFill>
-                  <a:prstClr val="black"/>
-                </a:solidFill>
-                <a:latin typeface="SourceCodePro-Regular"/>
-              </a:rPr>
-              <a:t>        *</a:t>
-            </a:r>
-            <a:r>
-              <a:rPr lang="nl-NL" dirty="0" err="1">
-                <a:solidFill>
-                  <a:prstClr val="black"/>
-                </a:solidFill>
-                <a:latin typeface="SourceCodePro-Regular"/>
-              </a:rPr>
-              <a:t>dest</a:t>
-            </a:r>
-            <a:r>
-              <a:rPr lang="nl-NL" dirty="0">
-                <a:solidFill>
-                  <a:prstClr val="black"/>
-                </a:solidFill>
-                <a:latin typeface="SourceCodePro-Regular"/>
-              </a:rPr>
-              <a:t>++ = (y &gt;&gt; </a:t>
-            </a:r>
-            <a:r>
-              <a:rPr lang="nl-NL" dirty="0">
-                <a:solidFill>
-                  <a:srgbClr val="3B5BB5"/>
-                </a:solidFill>
-                <a:latin typeface="SourceCodePro-Regular"/>
-              </a:rPr>
-              <a:t>8</a:t>
-            </a:r>
-            <a:r>
-              <a:rPr lang="nl-NL" dirty="0">
-                <a:solidFill>
-                  <a:prstClr val="black"/>
-                </a:solidFill>
-                <a:latin typeface="SourceCodePro-Regular"/>
-              </a:rPr>
-              <a:t>);</a:t>
-            </a:r>
-            <a:br>
-              <a:rPr lang="nl-NL" dirty="0">
-                <a:solidFill>
-                  <a:prstClr val="black"/>
-                </a:solidFill>
-                <a:latin typeface="SourceCodePro-Regular"/>
-              </a:rPr>
-            </a:br>
-            <a:r>
-              <a:rPr lang="nl-NL" dirty="0">
-                <a:solidFill>
-                  <a:prstClr val="black"/>
-                </a:solidFill>
-                <a:latin typeface="SourceCodePro-Regular"/>
-              </a:rPr>
-              <a:t>    }</a:t>
-            </a:r>
-            <a:br>
-              <a:rPr lang="nl-NL" dirty="0">
-                <a:solidFill>
-                  <a:prstClr val="black"/>
-                </a:solidFill>
-                <a:latin typeface="SourceCodePro-Regular"/>
-              </a:rPr>
-            </a:br>
-            <a:r>
-              <a:rPr lang="nl-NL" dirty="0">
-                <a:solidFill>
-                  <a:prstClr val="black"/>
-                </a:solidFill>
-                <a:latin typeface="SourceCodePro-Regular"/>
-              </a:rPr>
-              <a:t>}</a:t>
-            </a:r>
-            <a:endParaRPr lang="en-US" dirty="0">
-              <a:latin typeface="HelveticaNeueLT Com 45 Lt"/>
-            </a:endParaRPr>
-          </a:p>
-        </p:txBody>
-      </p:sp>
-    </p:spTree>
-    <p:extLst>
-      <p:ext uri="{BB962C8B-B14F-4D97-AF65-F5344CB8AC3E}">
-        <p14:creationId xmlns:p14="http://schemas.microsoft.com/office/powerpoint/2010/main" val="1902566264"/>
-      </p:ext>
-    </p:extLst>
-  </p:cSld>
-  <p:clrMapOvr>
-    <a:masterClrMapping/>
-  </p:clrMapOvr>
-  <p:timing>
-    <p:tnLst>
-      <p:par>
-        <p:cTn xmlns:p14="http://schemas.microsoft.com/office/powerpoint/2010/main" id="1" dur="indefinite" restart="never" nodeType="tmRoot"/>
-      </p:par>
-    </p:tnLst>
-  </p:timing>
-</p:sld>
-</file>
-
 <file path=ppt/slides/slide21.xml><?xml version="1.0" encoding="utf-8"?>
 <p:sld xmlns:a="http://schemas.openxmlformats.org/drawingml/2006/main" xmlns:r="http://schemas.openxmlformats.org/officeDocument/2006/relationships" xmlns:p="http://schemas.openxmlformats.org/presentationml/2006/main">
   <p:cSld>
@@ -8211,58 +7590,10 @@
           </a:p>
         </p:txBody>
       </p:sp>
-      <p:sp>
-        <p:nvSpPr>
-          <p:cNvPr id="13" name="Rounded Rectangle 12"/>
-          <p:cNvSpPr/>
-          <p:nvPr/>
-        </p:nvSpPr>
-        <p:spPr>
-          <a:xfrm>
-            <a:off x="1770025" y="2796564"/>
-            <a:ext cx="2769886" cy="878149"/>
-          </a:xfrm>
-          <a:prstGeom prst="roundRect">
-            <a:avLst/>
-          </a:prstGeom>
-          <a:noFill/>
-          <a:ln>
-            <a:solidFill>
-              <a:schemeClr val="accent2"/>
-            </a:solidFill>
-          </a:ln>
-        </p:spPr>
-        <p:style>
-          <a:lnRef idx="2">
-            <a:schemeClr val="dk1">
-              <a:shade val="50000"/>
-            </a:schemeClr>
-          </a:lnRef>
-          <a:fillRef idx="1">
-            <a:schemeClr val="dk1"/>
-          </a:fillRef>
-          <a:effectRef idx="0">
-            <a:schemeClr val="dk1"/>
-          </a:effectRef>
-          <a:fontRef idx="minor">
-            <a:schemeClr val="lt1"/>
-          </a:fontRef>
-        </p:style>
-        <p:txBody>
-          <a:bodyPr rtlCol="0" anchor="ctr"/>
-          <a:lstStyle/>
-          <a:p>
-            <a:pPr algn="ctr"/>
-            <a:endParaRPr lang="en-US" dirty="0">
-              <a:latin typeface="HelveticaNeueLT Com 45 Lt"/>
-            </a:endParaRPr>
-          </a:p>
-        </p:txBody>
-      </p:sp>
     </p:spTree>
     <p:extLst>
       <p:ext uri="{BB962C8B-B14F-4D97-AF65-F5344CB8AC3E}">
-        <p14:creationId xmlns:p14="http://schemas.microsoft.com/office/powerpoint/2010/main" val="4118471890"/>
+        <p14:creationId xmlns:p14="http://schemas.microsoft.com/office/powerpoint/2010/main" val="1902566264"/>
       </p:ext>
     </p:extLst>
   </p:cSld>
@@ -9151,8 +8482,8 @@
         </p:nvSpPr>
         <p:spPr>
           <a:xfrm>
-            <a:off x="1797048" y="3877361"/>
-            <a:ext cx="3931885" cy="1175369"/>
+            <a:off x="1770025" y="2796564"/>
+            <a:ext cx="2769886" cy="878149"/>
           </a:xfrm>
           <a:prstGeom prst="roundRect">
             <a:avLst/>
@@ -9194,7 +8525,7 @@
     </p:spTree>
     <p:extLst>
       <p:ext uri="{BB962C8B-B14F-4D97-AF65-F5344CB8AC3E}">
-        <p14:creationId xmlns:p14="http://schemas.microsoft.com/office/powerpoint/2010/main" val="1781714883"/>
+        <p14:creationId xmlns:p14="http://schemas.microsoft.com/office/powerpoint/2010/main" val="4118471890"/>
       </p:ext>
     </p:extLst>
   </p:cSld>
@@ -10083,8 +9414,8 @@
         </p:nvSpPr>
         <p:spPr>
           <a:xfrm>
-            <a:off x="1797048" y="5180982"/>
-            <a:ext cx="2756373" cy="466188"/>
+            <a:off x="1797048" y="3877361"/>
+            <a:ext cx="3931885" cy="1175369"/>
           </a:xfrm>
           <a:prstGeom prst="roundRect">
             <a:avLst/>
@@ -10126,7 +9457,7 @@
     </p:spTree>
     <p:extLst>
       <p:ext uri="{BB962C8B-B14F-4D97-AF65-F5344CB8AC3E}">
-        <p14:creationId xmlns:p14="http://schemas.microsoft.com/office/powerpoint/2010/main" val="1976411090"/>
+        <p14:creationId xmlns:p14="http://schemas.microsoft.com/office/powerpoint/2010/main" val="1781714883"/>
       </p:ext>
     </p:extLst>
   </p:cSld>
@@ -10178,19 +9509,11 @@
           <a:lstStyle/>
           <a:p>
             <a:r>
-              <a:rPr lang="en-US" dirty="0"/>
-              <a:t>Single Instruction – </a:t>
-            </a:r>
-            <a:r>
               <a:rPr lang="en-US" dirty="0" smtClean="0"/>
-              <a:t>Multiple data</a:t>
-            </a:r>
-            <a:r>
-              <a:rPr lang="en-US" dirty="0"/>
-              <a:t/>
+              <a:t>Single Instruction – Single data</a:t>
             </a:r>
             <a:br>
-              <a:rPr lang="en-US" dirty="0"/>
+              <a:rPr lang="en-US" dirty="0" smtClean="0"/>
             </a:br>
             <a:r>
               <a:rPr lang="en-US" sz="2800" dirty="0">
@@ -10212,98 +9535,13 @@
               </a:rPr>
               <a:t>gray scale</a:t>
             </a:r>
-            <a:endParaRPr lang="en-US" dirty="0"/>
-          </a:p>
-        </p:txBody>
-      </p:sp>
-      <p:sp>
-        <p:nvSpPr>
-          <p:cNvPr id="3" name="Content Placeholder 2"/>
-          <p:cNvSpPr>
-            <a:spLocks noGrp="1"/>
-          </p:cNvSpPr>
-          <p:nvPr>
-            <p:ph idx="1"/>
-          </p:nvPr>
-        </p:nvSpPr>
-        <p:spPr>
-          <a:xfrm>
-            <a:off x="338893" y="1600200"/>
-            <a:ext cx="8466214" cy="4525963"/>
-          </a:xfrm>
-        </p:spPr>
-        <p:txBody>
-          <a:bodyPr/>
-          <a:lstStyle/>
-          <a:p>
-            <a:r>
-              <a:rPr lang="en-US" dirty="0" smtClean="0"/>
-              <a:t>ARM NEON uses special registers</a:t>
-            </a:r>
-          </a:p>
-          <a:p>
-            <a:pPr lvl="1"/>
-            <a:r>
-              <a:rPr lang="en-US" dirty="0" smtClean="0"/>
-              <a:t>Separate from CPU registers</a:t>
-            </a:r>
-          </a:p>
-          <a:p>
-            <a:pPr lvl="1"/>
-            <a:r>
-              <a:rPr lang="en-US" dirty="0" smtClean="0"/>
-              <a:t>“Q”(</a:t>
-            </a:r>
-            <a:r>
-              <a:rPr lang="en-US" dirty="0" err="1" smtClean="0"/>
-              <a:t>uad</a:t>
-            </a:r>
-            <a:r>
-              <a:rPr lang="en-US" dirty="0" smtClean="0"/>
-              <a:t>) </a:t>
-            </a:r>
-            <a:r>
-              <a:rPr lang="en-US" dirty="0" smtClean="0"/>
-              <a:t>and </a:t>
-            </a:r>
-            <a:r>
-              <a:rPr lang="en-US" dirty="0" smtClean="0"/>
-              <a:t>“D”</a:t>
-            </a:r>
-            <a:r>
-              <a:rPr lang="en-US" dirty="0" smtClean="0"/>
-              <a:t>(</a:t>
-            </a:r>
-            <a:r>
-              <a:rPr lang="en-US" dirty="0" err="1" smtClean="0"/>
-              <a:t>ouble</a:t>
-            </a:r>
-            <a:r>
-              <a:rPr lang="en-US" dirty="0" smtClean="0"/>
-              <a:t>)</a:t>
-            </a:r>
-            <a:r>
-              <a:rPr lang="en-US" dirty="0" smtClean="0"/>
-              <a:t>, </a:t>
-            </a:r>
-            <a:r>
-              <a:rPr lang="en-US" dirty="0" smtClean="0"/>
-              <a:t>128-bit and 64-bit wide</a:t>
-            </a:r>
-          </a:p>
-          <a:p>
-            <a:pPr lvl="1"/>
-            <a:r>
-              <a:rPr lang="en-US" dirty="0" smtClean="0"/>
-              <a:t>Multiple elements per register</a:t>
-            </a:r>
-          </a:p>
-          <a:p>
-            <a:pPr lvl="2"/>
-            <a:r>
-              <a:rPr lang="en-US" dirty="0" smtClean="0"/>
-              <a:t>e.g. 8 * 8 bit in “D” register</a:t>
-            </a:r>
+            <a:endParaRPr lang="en-US" dirty="0">
+              <a:solidFill>
+                <a:schemeClr val="bg1">
+                  <a:lumMod val="50000"/>
+                </a:schemeClr>
+              </a:solidFill>
+            </a:endParaRPr>
           </a:p>
         </p:txBody>
       </p:sp>
@@ -10330,10 +9568,828 @@
           </a:p>
         </p:txBody>
       </p:sp>
+      <p:sp>
+        <p:nvSpPr>
+          <p:cNvPr id="12" name="Rectangle 11"/>
+          <p:cNvSpPr/>
+          <p:nvPr/>
+        </p:nvSpPr>
+        <p:spPr>
+          <a:xfrm>
+            <a:off x="675582" y="1933403"/>
+            <a:ext cx="7796214" cy="4247317"/>
+          </a:xfrm>
+          <a:prstGeom prst="rect">
+            <a:avLst/>
+          </a:prstGeom>
+        </p:spPr>
+        <p:txBody>
+          <a:bodyPr wrap="square">
+            <a:spAutoFit/>
+          </a:bodyPr>
+          <a:lstStyle/>
+          <a:p>
+            <a:r>
+              <a:rPr lang="nl-NL" dirty="0" err="1">
+                <a:solidFill>
+                  <a:srgbClr val="FF7800"/>
+                </a:solidFill>
+                <a:latin typeface="SourceCodePro-Regular"/>
+              </a:rPr>
+              <a:t>void</a:t>
+            </a:r>
+            <a:r>
+              <a:rPr lang="nl-NL" dirty="0">
+                <a:solidFill>
+                  <a:srgbClr val="FF7800"/>
+                </a:solidFill>
+                <a:latin typeface="SourceCodePro-Regular"/>
+              </a:rPr>
+              <a:t> </a:t>
+            </a:r>
+            <a:r>
+              <a:rPr lang="nl-NL" dirty="0">
+                <a:solidFill>
+                  <a:srgbClr val="3B5BB5"/>
+                </a:solidFill>
+                <a:latin typeface="SourceCodePro-Regular"/>
+              </a:rPr>
+              <a:t>rgb2grey</a:t>
+            </a:r>
+            <a:r>
+              <a:rPr lang="nl-NL" dirty="0">
+                <a:solidFill>
+                  <a:prstClr val="black"/>
+                </a:solidFill>
+                <a:latin typeface="SourceCodePro-Regular"/>
+              </a:rPr>
+              <a:t>(</a:t>
+            </a:r>
+            <a:r>
+              <a:rPr lang="nl-NL" dirty="0">
+                <a:solidFill>
+                  <a:srgbClr val="3B5BB5"/>
+                </a:solidFill>
+                <a:latin typeface="SourceCodePro-Regular"/>
+              </a:rPr>
+              <a:t>uint8_t</a:t>
+            </a:r>
+            <a:r>
+              <a:rPr lang="nl-NL" dirty="0">
+                <a:solidFill>
+                  <a:prstClr val="black"/>
+                </a:solidFill>
+                <a:latin typeface="SourceCodePro-Regular"/>
+              </a:rPr>
+              <a:t> *</a:t>
+            </a:r>
+            <a:r>
+              <a:rPr lang="nl-NL" dirty="0" err="1">
+                <a:solidFill>
+                  <a:prstClr val="black"/>
+                </a:solidFill>
+                <a:latin typeface="SourceCodePro-Regular"/>
+              </a:rPr>
+              <a:t>dest</a:t>
+            </a:r>
+            <a:r>
+              <a:rPr lang="nl-NL" dirty="0">
+                <a:solidFill>
+                  <a:prstClr val="black"/>
+                </a:solidFill>
+                <a:latin typeface="SourceCodePro-Regular"/>
+              </a:rPr>
+              <a:t>, </a:t>
+            </a:r>
+            <a:r>
+              <a:rPr lang="nl-NL" dirty="0">
+                <a:solidFill>
+                  <a:srgbClr val="3B5BB5"/>
+                </a:solidFill>
+                <a:latin typeface="SourceCodePro-Regular"/>
+              </a:rPr>
+              <a:t>uint8_t</a:t>
+            </a:r>
+            <a:r>
+              <a:rPr lang="nl-NL" dirty="0">
+                <a:solidFill>
+                  <a:prstClr val="black"/>
+                </a:solidFill>
+                <a:latin typeface="SourceCodePro-Regular"/>
+              </a:rPr>
+              <a:t> *</a:t>
+            </a:r>
+            <a:r>
+              <a:rPr lang="nl-NL" dirty="0" err="1">
+                <a:solidFill>
+                  <a:prstClr val="black"/>
+                </a:solidFill>
+                <a:latin typeface="SourceCodePro-Regular"/>
+              </a:rPr>
+              <a:t>src</a:t>
+            </a:r>
+            <a:r>
+              <a:rPr lang="nl-NL" dirty="0">
+                <a:solidFill>
+                  <a:prstClr val="black"/>
+                </a:solidFill>
+                <a:latin typeface="SourceCodePro-Regular"/>
+              </a:rPr>
+              <a:t>, </a:t>
+            </a:r>
+            <a:r>
+              <a:rPr lang="nl-NL" dirty="0">
+                <a:solidFill>
+                  <a:srgbClr val="FF7800"/>
+                </a:solidFill>
+                <a:latin typeface="SourceCodePro-Regular"/>
+              </a:rPr>
+              <a:t>int</a:t>
+            </a:r>
+            <a:r>
+              <a:rPr lang="nl-NL" dirty="0">
+                <a:solidFill>
+                  <a:prstClr val="black"/>
+                </a:solidFill>
+                <a:latin typeface="SourceCodePro-Regular"/>
+              </a:rPr>
+              <a:t> pixels) {</a:t>
+            </a:r>
+            <a:br>
+              <a:rPr lang="nl-NL" dirty="0">
+                <a:solidFill>
+                  <a:prstClr val="black"/>
+                </a:solidFill>
+                <a:latin typeface="SourceCodePro-Regular"/>
+              </a:rPr>
+            </a:br>
+            <a:r>
+              <a:rPr lang="nl-NL" dirty="0">
+                <a:solidFill>
+                  <a:prstClr val="black"/>
+                </a:solidFill>
+                <a:latin typeface="SourceCodePro-Regular"/>
+              </a:rPr>
+              <a:t>    </a:t>
+            </a:r>
+            <a:r>
+              <a:rPr lang="nl-NL" dirty="0" err="1">
+                <a:solidFill>
+                  <a:srgbClr val="FF7800"/>
+                </a:solidFill>
+                <a:latin typeface="SourceCodePro-Regular"/>
+              </a:rPr>
+              <a:t>for</a:t>
+            </a:r>
+            <a:r>
+              <a:rPr lang="nl-NL" dirty="0">
+                <a:solidFill>
+                  <a:prstClr val="black"/>
+                </a:solidFill>
+                <a:latin typeface="SourceCodePro-Regular"/>
+              </a:rPr>
+              <a:t>(</a:t>
+            </a:r>
+            <a:r>
+              <a:rPr lang="nl-NL" dirty="0">
+                <a:solidFill>
+                  <a:srgbClr val="FF7800"/>
+                </a:solidFill>
+                <a:latin typeface="SourceCodePro-Regular"/>
+              </a:rPr>
+              <a:t>int</a:t>
+            </a:r>
+            <a:r>
+              <a:rPr lang="nl-NL" dirty="0">
+                <a:solidFill>
+                  <a:prstClr val="black"/>
+                </a:solidFill>
+                <a:latin typeface="SourceCodePro-Regular"/>
+              </a:rPr>
+              <a:t> i=</a:t>
+            </a:r>
+            <a:r>
+              <a:rPr lang="nl-NL" dirty="0">
+                <a:solidFill>
+                  <a:srgbClr val="3B5BB5"/>
+                </a:solidFill>
+                <a:latin typeface="SourceCodePro-Regular"/>
+              </a:rPr>
+              <a:t>0</a:t>
+            </a:r>
+            <a:r>
+              <a:rPr lang="nl-NL" dirty="0">
+                <a:solidFill>
+                  <a:prstClr val="black"/>
+                </a:solidFill>
+                <a:latin typeface="SourceCodePro-Regular"/>
+              </a:rPr>
+              <a:t>; i &lt; pixels; i++) {</a:t>
+            </a:r>
+            <a:br>
+              <a:rPr lang="nl-NL" dirty="0">
+                <a:solidFill>
+                  <a:prstClr val="black"/>
+                </a:solidFill>
+                <a:latin typeface="SourceCodePro-Regular"/>
+              </a:rPr>
+            </a:br>
+            <a:r>
+              <a:rPr lang="nl-NL" dirty="0">
+                <a:solidFill>
+                  <a:prstClr val="black"/>
+                </a:solidFill>
+                <a:latin typeface="SourceCodePro-Regular"/>
+              </a:rPr>
+              <a:t>        </a:t>
+            </a:r>
+            <a:r>
+              <a:rPr lang="nl-NL" dirty="0">
+                <a:solidFill>
+                  <a:srgbClr val="3B5BB5"/>
+                </a:solidFill>
+                <a:latin typeface="SourceCodePro-Regular"/>
+              </a:rPr>
+              <a:t>uint8_t</a:t>
+            </a:r>
+            <a:r>
+              <a:rPr lang="nl-NL" dirty="0">
+                <a:solidFill>
+                  <a:prstClr val="black"/>
+                </a:solidFill>
+                <a:latin typeface="SourceCodePro-Regular"/>
+              </a:rPr>
+              <a:t> r = </a:t>
+            </a:r>
+            <a:r>
+              <a:rPr lang="nl-NL" dirty="0" smtClean="0">
+                <a:solidFill>
+                  <a:prstClr val="black"/>
+                </a:solidFill>
+                <a:latin typeface="SourceCodePro-Regular"/>
+              </a:rPr>
+              <a:t>*</a:t>
+            </a:r>
+            <a:r>
+              <a:rPr lang="nl-NL" dirty="0" err="1" smtClean="0">
+                <a:solidFill>
+                  <a:prstClr val="black"/>
+                </a:solidFill>
+                <a:latin typeface="SourceCodePro-Regular"/>
+              </a:rPr>
+              <a:t>src</a:t>
+            </a:r>
+            <a:r>
+              <a:rPr lang="nl-NL" dirty="0" smtClean="0">
+                <a:solidFill>
+                  <a:prstClr val="black"/>
+                </a:solidFill>
+                <a:latin typeface="SourceCodePro-Regular"/>
+              </a:rPr>
+              <a:t>+</a:t>
+            </a:r>
+            <a:r>
+              <a:rPr lang="nl-NL" dirty="0">
+                <a:solidFill>
+                  <a:prstClr val="black"/>
+                </a:solidFill>
+                <a:latin typeface="SourceCodePro-Regular"/>
+              </a:rPr>
+              <a:t>+;</a:t>
+            </a:r>
+            <a:br>
+              <a:rPr lang="nl-NL" dirty="0">
+                <a:solidFill>
+                  <a:prstClr val="black"/>
+                </a:solidFill>
+                <a:latin typeface="SourceCodePro-Regular"/>
+              </a:rPr>
+            </a:br>
+            <a:r>
+              <a:rPr lang="nl-NL" dirty="0">
+                <a:solidFill>
+                  <a:prstClr val="black"/>
+                </a:solidFill>
+                <a:latin typeface="SourceCodePro-Regular"/>
+              </a:rPr>
+              <a:t>        </a:t>
+            </a:r>
+            <a:r>
+              <a:rPr lang="nl-NL" dirty="0">
+                <a:solidFill>
+                  <a:srgbClr val="3B5BB5"/>
+                </a:solidFill>
+                <a:latin typeface="SourceCodePro-Regular"/>
+              </a:rPr>
+              <a:t>uint8_t</a:t>
+            </a:r>
+            <a:r>
+              <a:rPr lang="nl-NL" dirty="0">
+                <a:solidFill>
+                  <a:prstClr val="black"/>
+                </a:solidFill>
+                <a:latin typeface="SourceCodePro-Regular"/>
+              </a:rPr>
+              <a:t> g = *</a:t>
+            </a:r>
+            <a:r>
+              <a:rPr lang="nl-NL" dirty="0" err="1">
+                <a:solidFill>
+                  <a:prstClr val="black"/>
+                </a:solidFill>
+                <a:latin typeface="SourceCodePro-Regular"/>
+              </a:rPr>
+              <a:t>src</a:t>
+            </a:r>
+            <a:r>
+              <a:rPr lang="nl-NL" dirty="0">
+                <a:solidFill>
+                  <a:prstClr val="black"/>
+                </a:solidFill>
+                <a:latin typeface="SourceCodePro-Regular"/>
+              </a:rPr>
+              <a:t>++;</a:t>
+            </a:r>
+            <a:br>
+              <a:rPr lang="nl-NL" dirty="0">
+                <a:solidFill>
+                  <a:prstClr val="black"/>
+                </a:solidFill>
+                <a:latin typeface="SourceCodePro-Regular"/>
+              </a:rPr>
+            </a:br>
+            <a:r>
+              <a:rPr lang="nl-NL" dirty="0">
+                <a:solidFill>
+                  <a:prstClr val="black"/>
+                </a:solidFill>
+                <a:latin typeface="SourceCodePro-Regular"/>
+              </a:rPr>
+              <a:t>        </a:t>
+            </a:r>
+            <a:r>
+              <a:rPr lang="nl-NL" dirty="0">
+                <a:solidFill>
+                  <a:srgbClr val="3B5BB5"/>
+                </a:solidFill>
+                <a:latin typeface="SourceCodePro-Regular"/>
+              </a:rPr>
+              <a:t>uint8_t</a:t>
+            </a:r>
+            <a:r>
+              <a:rPr lang="nl-NL" dirty="0">
+                <a:solidFill>
+                  <a:prstClr val="black"/>
+                </a:solidFill>
+                <a:latin typeface="SourceCodePro-Regular"/>
+              </a:rPr>
+              <a:t> b = *</a:t>
+            </a:r>
+            <a:r>
+              <a:rPr lang="nl-NL" dirty="0" err="1">
+                <a:solidFill>
+                  <a:prstClr val="black"/>
+                </a:solidFill>
+                <a:latin typeface="SourceCodePro-Regular"/>
+              </a:rPr>
+              <a:t>src</a:t>
+            </a:r>
+            <a:r>
+              <a:rPr lang="nl-NL" dirty="0">
+                <a:solidFill>
+                  <a:prstClr val="black"/>
+                </a:solidFill>
+                <a:latin typeface="SourceCodePro-Regular"/>
+              </a:rPr>
+              <a:t>++;</a:t>
+            </a:r>
+            <a:br>
+              <a:rPr lang="nl-NL" dirty="0">
+                <a:solidFill>
+                  <a:prstClr val="black"/>
+                </a:solidFill>
+                <a:latin typeface="SourceCodePro-Regular"/>
+              </a:rPr>
+            </a:br>
+            <a:r>
+              <a:rPr lang="nl-NL" dirty="0">
+                <a:solidFill>
+                  <a:prstClr val="black"/>
+                </a:solidFill>
+                <a:latin typeface="SourceCodePro-Regular"/>
+              </a:rPr>
+              <a:t>        </a:t>
+            </a:r>
+            <a:br>
+              <a:rPr lang="nl-NL" dirty="0">
+                <a:solidFill>
+                  <a:prstClr val="black"/>
+                </a:solidFill>
+                <a:latin typeface="SourceCodePro-Regular"/>
+              </a:rPr>
+            </a:br>
+            <a:r>
+              <a:rPr lang="nl-NL" dirty="0">
+                <a:solidFill>
+                  <a:prstClr val="black"/>
+                </a:solidFill>
+                <a:latin typeface="SourceCodePro-Regular"/>
+              </a:rPr>
+              <a:t>        </a:t>
+            </a:r>
+            <a:r>
+              <a:rPr lang="nl-NL" dirty="0">
+                <a:solidFill>
+                  <a:srgbClr val="3B5BB5"/>
+                </a:solidFill>
+                <a:latin typeface="SourceCodePro-Regular"/>
+              </a:rPr>
+              <a:t>uint16_t</a:t>
+            </a:r>
+            <a:r>
+              <a:rPr lang="nl-NL" dirty="0">
+                <a:solidFill>
+                  <a:prstClr val="black"/>
+                </a:solidFill>
+                <a:latin typeface="SourceCodePro-Regular"/>
+              </a:rPr>
+              <a:t> y =</a:t>
+            </a:r>
+            <a:br>
+              <a:rPr lang="nl-NL" dirty="0">
+                <a:solidFill>
+                  <a:prstClr val="black"/>
+                </a:solidFill>
+                <a:latin typeface="SourceCodePro-Regular"/>
+              </a:rPr>
+            </a:br>
+            <a:r>
+              <a:rPr lang="nl-NL" dirty="0">
+                <a:solidFill>
+                  <a:prstClr val="black"/>
+                </a:solidFill>
+                <a:latin typeface="SourceCodePro-Regular"/>
+              </a:rPr>
+              <a:t>            r * (</a:t>
+            </a:r>
+            <a:r>
+              <a:rPr lang="nl-NL" dirty="0">
+                <a:solidFill>
+                  <a:srgbClr val="FF7800"/>
+                </a:solidFill>
+                <a:latin typeface="SourceCodePro-Regular"/>
+              </a:rPr>
+              <a:t>int</a:t>
+            </a:r>
+            <a:r>
+              <a:rPr lang="nl-NL" dirty="0">
+                <a:solidFill>
+                  <a:prstClr val="black"/>
+                </a:solidFill>
+                <a:latin typeface="SourceCodePro-Regular"/>
+              </a:rPr>
+              <a:t>)(</a:t>
+            </a:r>
+            <a:r>
+              <a:rPr lang="nl-NL" dirty="0">
+                <a:solidFill>
+                  <a:srgbClr val="3B5BB5"/>
+                </a:solidFill>
+                <a:latin typeface="SourceCodePro-Regular"/>
+              </a:rPr>
+              <a:t>0.2126</a:t>
+            </a:r>
+            <a:r>
+              <a:rPr lang="nl-NL" dirty="0">
+                <a:solidFill>
+                  <a:prstClr val="black"/>
+                </a:solidFill>
+                <a:latin typeface="SourceCodePro-Regular"/>
+              </a:rPr>
+              <a:t>*</a:t>
+            </a:r>
+            <a:r>
+              <a:rPr lang="nl-NL" dirty="0">
+                <a:solidFill>
+                  <a:srgbClr val="3B5BB5"/>
+                </a:solidFill>
+                <a:latin typeface="SourceCodePro-Regular"/>
+              </a:rPr>
+              <a:t>256</a:t>
+            </a:r>
+            <a:r>
+              <a:rPr lang="nl-NL" dirty="0">
+                <a:solidFill>
+                  <a:prstClr val="black"/>
+                </a:solidFill>
+                <a:latin typeface="SourceCodePro-Regular"/>
+              </a:rPr>
+              <a:t>) +</a:t>
+            </a:r>
+            <a:br>
+              <a:rPr lang="nl-NL" dirty="0">
+                <a:solidFill>
+                  <a:prstClr val="black"/>
+                </a:solidFill>
+                <a:latin typeface="SourceCodePro-Regular"/>
+              </a:rPr>
+            </a:br>
+            <a:r>
+              <a:rPr lang="nl-NL" dirty="0">
+                <a:solidFill>
+                  <a:prstClr val="black"/>
+                </a:solidFill>
+                <a:latin typeface="SourceCodePro-Regular"/>
+              </a:rPr>
+              <a:t>            g * (</a:t>
+            </a:r>
+            <a:r>
+              <a:rPr lang="nl-NL" dirty="0">
+                <a:solidFill>
+                  <a:srgbClr val="FF7800"/>
+                </a:solidFill>
+                <a:latin typeface="SourceCodePro-Regular"/>
+              </a:rPr>
+              <a:t>int</a:t>
+            </a:r>
+            <a:r>
+              <a:rPr lang="nl-NL" dirty="0">
+                <a:solidFill>
+                  <a:prstClr val="black"/>
+                </a:solidFill>
+                <a:latin typeface="SourceCodePro-Regular"/>
+              </a:rPr>
+              <a:t>)(</a:t>
+            </a:r>
+            <a:r>
+              <a:rPr lang="nl-NL" dirty="0">
+                <a:solidFill>
+                  <a:srgbClr val="3B5BB5"/>
+                </a:solidFill>
+                <a:latin typeface="SourceCodePro-Regular"/>
+              </a:rPr>
+              <a:t>0.7152</a:t>
+            </a:r>
+            <a:r>
+              <a:rPr lang="nl-NL" dirty="0">
+                <a:solidFill>
+                  <a:prstClr val="black"/>
+                </a:solidFill>
+                <a:latin typeface="SourceCodePro-Regular"/>
+              </a:rPr>
+              <a:t>*</a:t>
+            </a:r>
+            <a:r>
+              <a:rPr lang="nl-NL" dirty="0">
+                <a:solidFill>
+                  <a:srgbClr val="3B5BB5"/>
+                </a:solidFill>
+                <a:latin typeface="SourceCodePro-Regular"/>
+              </a:rPr>
+              <a:t>256</a:t>
+            </a:r>
+            <a:r>
+              <a:rPr lang="nl-NL" dirty="0">
+                <a:solidFill>
+                  <a:prstClr val="black"/>
+                </a:solidFill>
+                <a:latin typeface="SourceCodePro-Regular"/>
+              </a:rPr>
+              <a:t>) +</a:t>
+            </a:r>
+            <a:br>
+              <a:rPr lang="nl-NL" dirty="0">
+                <a:solidFill>
+                  <a:prstClr val="black"/>
+                </a:solidFill>
+                <a:latin typeface="SourceCodePro-Regular"/>
+              </a:rPr>
+            </a:br>
+            <a:r>
+              <a:rPr lang="nl-NL" dirty="0">
+                <a:solidFill>
+                  <a:prstClr val="black"/>
+                </a:solidFill>
+                <a:latin typeface="SourceCodePro-Regular"/>
+              </a:rPr>
+              <a:t>            b * (</a:t>
+            </a:r>
+            <a:r>
+              <a:rPr lang="nl-NL" dirty="0">
+                <a:solidFill>
+                  <a:srgbClr val="FF7800"/>
+                </a:solidFill>
+                <a:latin typeface="SourceCodePro-Regular"/>
+              </a:rPr>
+              <a:t>int</a:t>
+            </a:r>
+            <a:r>
+              <a:rPr lang="nl-NL" dirty="0">
+                <a:solidFill>
+                  <a:prstClr val="black"/>
+                </a:solidFill>
+                <a:latin typeface="SourceCodePro-Regular"/>
+              </a:rPr>
+              <a:t>)(</a:t>
+            </a:r>
+            <a:r>
+              <a:rPr lang="nl-NL" dirty="0">
+                <a:solidFill>
+                  <a:srgbClr val="3B5BB5"/>
+                </a:solidFill>
+                <a:latin typeface="SourceCodePro-Regular"/>
+              </a:rPr>
+              <a:t>0.0722</a:t>
+            </a:r>
+            <a:r>
+              <a:rPr lang="nl-NL" dirty="0">
+                <a:solidFill>
+                  <a:prstClr val="black"/>
+                </a:solidFill>
+                <a:latin typeface="SourceCodePro-Regular"/>
+              </a:rPr>
+              <a:t>*</a:t>
+            </a:r>
+            <a:r>
+              <a:rPr lang="nl-NL" dirty="0">
+                <a:solidFill>
+                  <a:srgbClr val="3B5BB5"/>
+                </a:solidFill>
+                <a:latin typeface="SourceCodePro-Regular"/>
+              </a:rPr>
+              <a:t>256</a:t>
+            </a:r>
+            <a:r>
+              <a:rPr lang="nl-NL" dirty="0">
+                <a:solidFill>
+                  <a:prstClr val="black"/>
+                </a:solidFill>
+                <a:latin typeface="SourceCodePro-Regular"/>
+              </a:rPr>
+              <a:t>);</a:t>
+            </a:r>
+            <a:br>
+              <a:rPr lang="nl-NL" dirty="0">
+                <a:solidFill>
+                  <a:prstClr val="black"/>
+                </a:solidFill>
+                <a:latin typeface="SourceCodePro-Regular"/>
+              </a:rPr>
+            </a:br>
+            <a:r>
+              <a:rPr lang="nl-NL" dirty="0">
+                <a:solidFill>
+                  <a:prstClr val="black"/>
+                </a:solidFill>
+                <a:latin typeface="SourceCodePro-Regular"/>
+              </a:rPr>
+              <a:t>        </a:t>
+            </a:r>
+            <a:br>
+              <a:rPr lang="nl-NL" dirty="0">
+                <a:solidFill>
+                  <a:prstClr val="black"/>
+                </a:solidFill>
+                <a:latin typeface="SourceCodePro-Regular"/>
+              </a:rPr>
+            </a:br>
+            <a:r>
+              <a:rPr lang="nl-NL" dirty="0">
+                <a:solidFill>
+                  <a:prstClr val="black"/>
+                </a:solidFill>
+                <a:latin typeface="SourceCodePro-Regular"/>
+              </a:rPr>
+              <a:t>        *</a:t>
+            </a:r>
+            <a:r>
+              <a:rPr lang="nl-NL" dirty="0" err="1">
+                <a:solidFill>
+                  <a:prstClr val="black"/>
+                </a:solidFill>
+                <a:latin typeface="SourceCodePro-Regular"/>
+              </a:rPr>
+              <a:t>dest</a:t>
+            </a:r>
+            <a:r>
+              <a:rPr lang="nl-NL" dirty="0">
+                <a:solidFill>
+                  <a:prstClr val="black"/>
+                </a:solidFill>
+                <a:latin typeface="SourceCodePro-Regular"/>
+              </a:rPr>
+              <a:t>++ = (y &gt;&gt; </a:t>
+            </a:r>
+            <a:r>
+              <a:rPr lang="nl-NL" dirty="0">
+                <a:solidFill>
+                  <a:srgbClr val="3B5BB5"/>
+                </a:solidFill>
+                <a:latin typeface="SourceCodePro-Regular"/>
+              </a:rPr>
+              <a:t>8</a:t>
+            </a:r>
+            <a:r>
+              <a:rPr lang="nl-NL" dirty="0">
+                <a:solidFill>
+                  <a:prstClr val="black"/>
+                </a:solidFill>
+                <a:latin typeface="SourceCodePro-Regular"/>
+              </a:rPr>
+              <a:t>);</a:t>
+            </a:r>
+            <a:br>
+              <a:rPr lang="nl-NL" dirty="0">
+                <a:solidFill>
+                  <a:prstClr val="black"/>
+                </a:solidFill>
+                <a:latin typeface="SourceCodePro-Regular"/>
+              </a:rPr>
+            </a:br>
+            <a:r>
+              <a:rPr lang="nl-NL" dirty="0">
+                <a:solidFill>
+                  <a:prstClr val="black"/>
+                </a:solidFill>
+                <a:latin typeface="SourceCodePro-Regular"/>
+              </a:rPr>
+              <a:t>    }</a:t>
+            </a:r>
+            <a:br>
+              <a:rPr lang="nl-NL" dirty="0">
+                <a:solidFill>
+                  <a:prstClr val="black"/>
+                </a:solidFill>
+                <a:latin typeface="SourceCodePro-Regular"/>
+              </a:rPr>
+            </a:br>
+            <a:r>
+              <a:rPr lang="nl-NL" dirty="0">
+                <a:solidFill>
+                  <a:prstClr val="black"/>
+                </a:solidFill>
+                <a:latin typeface="SourceCodePro-Regular"/>
+              </a:rPr>
+              <a:t>}</a:t>
+            </a:r>
+            <a:endParaRPr lang="en-US" dirty="0">
+              <a:latin typeface="HelveticaNeueLT Com 45 Lt"/>
+            </a:endParaRPr>
+          </a:p>
+        </p:txBody>
+      </p:sp>
+      <p:sp>
+        <p:nvSpPr>
+          <p:cNvPr id="13" name="Rounded Rectangle 12"/>
+          <p:cNvSpPr/>
+          <p:nvPr/>
+        </p:nvSpPr>
+        <p:spPr>
+          <a:xfrm>
+            <a:off x="1797048" y="5180982"/>
+            <a:ext cx="2756373" cy="466188"/>
+          </a:xfrm>
+          <a:prstGeom prst="roundRect">
+            <a:avLst/>
+          </a:prstGeom>
+          <a:noFill/>
+          <a:ln>
+            <a:solidFill>
+              <a:schemeClr val="accent2"/>
+            </a:solidFill>
+          </a:ln>
+        </p:spPr>
+        <p:style>
+          <a:lnRef idx="2">
+            <a:schemeClr val="dk1">
+              <a:shade val="50000"/>
+            </a:schemeClr>
+          </a:lnRef>
+          <a:fillRef idx="1">
+            <a:schemeClr val="dk1"/>
+          </a:fillRef>
+          <a:effectRef idx="0">
+            <a:schemeClr val="dk1"/>
+          </a:effectRef>
+          <a:fontRef idx="minor">
+            <a:schemeClr val="lt1"/>
+          </a:fontRef>
+        </p:style>
+        <p:txBody>
+          <a:bodyPr rtlCol="0" anchor="ctr"/>
+          <a:lstStyle/>
+          <a:p>
+            <a:pPr algn="ctr"/>
+            <a:endParaRPr lang="en-US" dirty="0">
+              <a:latin typeface="HelveticaNeueLT Com 45 Lt"/>
+            </a:endParaRPr>
+          </a:p>
+        </p:txBody>
+      </p:sp>
     </p:spTree>
     <p:extLst>
       <p:ext uri="{BB962C8B-B14F-4D97-AF65-F5344CB8AC3E}">
-        <p14:creationId xmlns:p14="http://schemas.microsoft.com/office/powerpoint/2010/main" val="526523729"/>
+        <p14:creationId xmlns:p14="http://schemas.microsoft.com/office/powerpoint/2010/main" val="1976411090"/>
       </p:ext>
     </p:extLst>
   </p:cSld>
@@ -10433,48 +10489,63 @@
             <p:ph idx="1"/>
           </p:nvPr>
         </p:nvSpPr>
-        <p:spPr/>
+        <p:spPr>
+          <a:xfrm>
+            <a:off x="338893" y="1600200"/>
+            <a:ext cx="8466214" cy="4525963"/>
+          </a:xfrm>
+        </p:spPr>
         <p:txBody>
           <a:bodyPr/>
           <a:lstStyle/>
           <a:p>
             <a:r>
               <a:rPr lang="en-US" dirty="0" smtClean="0"/>
-              <a:t>Steps to use SIMD:</a:t>
-            </a:r>
-          </a:p>
-          <a:p>
-            <a:pPr marL="971550" lvl="1" indent="-514350">
-              <a:buFont typeface="+mj-lt"/>
-              <a:buAutoNum type="arabicPeriod"/>
-            </a:pPr>
+              <a:t>ARM NEON uses special registers</a:t>
+            </a:r>
+          </a:p>
+          <a:p>
+            <a:pPr lvl="1"/>
             <a:r>
               <a:rPr lang="en-US" dirty="0" smtClean="0"/>
-              <a:t>Load data into NEON registers</a:t>
-            </a:r>
-          </a:p>
-          <a:p>
-            <a:pPr marL="971550" lvl="1" indent="-514350">
-              <a:buFont typeface="+mj-lt"/>
-              <a:buAutoNum type="arabicPeriod"/>
-            </a:pPr>
+              <a:t>Separate from CPU registers</a:t>
+            </a:r>
+          </a:p>
+          <a:p>
+            <a:pPr lvl="1"/>
             <a:r>
               <a:rPr lang="en-US" dirty="0" smtClean="0"/>
-              <a:t>Apply </a:t>
-            </a:r>
-            <a:r>
-              <a:rPr lang="en-US" dirty="0"/>
-              <a:t>operations</a:t>
-            </a:r>
-          </a:p>
-          <a:p>
-            <a:pPr marL="971550" lvl="1" indent="-514350">
-              <a:buFont typeface="+mj-lt"/>
-              <a:buAutoNum type="arabicPeriod"/>
-            </a:pPr>
-            <a:r>
-              <a:rPr lang="en-US" dirty="0"/>
-              <a:t>Write data back to memory</a:t>
+              <a:t>“Q”(</a:t>
+            </a:r>
+            <a:r>
+              <a:rPr lang="en-US" dirty="0" err="1" smtClean="0"/>
+              <a:t>uad</a:t>
+            </a:r>
+            <a:r>
+              <a:rPr lang="en-US" dirty="0" smtClean="0"/>
+              <a:t>) and “D”(</a:t>
+            </a:r>
+            <a:r>
+              <a:rPr lang="en-US" dirty="0" err="1" smtClean="0"/>
+              <a:t>ouble</a:t>
+            </a:r>
+            <a:r>
+              <a:rPr lang="en-US" dirty="0" smtClean="0"/>
+              <a:t>), 128-bit and 64-bit wide</a:t>
+            </a:r>
+          </a:p>
+          <a:p>
+            <a:pPr lvl="1"/>
+            <a:r>
+              <a:rPr lang="en-US" dirty="0" smtClean="0"/>
+              <a:t>Multiple elements per register</a:t>
+            </a:r>
+          </a:p>
+          <a:p>
+            <a:pPr lvl="2"/>
+            <a:r>
+              <a:rPr lang="en-US" dirty="0" smtClean="0"/>
+              <a:t>e.g. 8 * 8 bit in “D” register</a:t>
             </a:r>
           </a:p>
         </p:txBody>
@@ -10505,7 +10576,7 @@
     </p:spTree>
     <p:extLst>
       <p:ext uri="{BB962C8B-B14F-4D97-AF65-F5344CB8AC3E}">
-        <p14:creationId xmlns:p14="http://schemas.microsoft.com/office/powerpoint/2010/main" val="2751796948"/>
+        <p14:creationId xmlns:p14="http://schemas.microsoft.com/office/powerpoint/2010/main" val="526523729"/>
       </p:ext>
     </p:extLst>
   </p:cSld>
@@ -10572,16 +10643,82 @@
               <a:rPr lang="en-US" dirty="0"/>
             </a:br>
             <a:r>
-              <a:rPr lang="en-US" sz="2800" dirty="0" smtClean="0">
+              <a:rPr lang="en-US" sz="2800" dirty="0">
                 <a:solidFill>
                   <a:schemeClr val="bg1">
                     <a:lumMod val="50000"/>
                   </a:schemeClr>
                 </a:solidFill>
               </a:rPr>
+              <a:t>Converting an image to </a:t>
+            </a:r>
+            <a:r>
+              <a:rPr lang="en-US" sz="2800" dirty="0" smtClean="0">
+                <a:solidFill>
+                  <a:schemeClr val="bg1">
+                    <a:lumMod val="50000"/>
+                  </a:schemeClr>
+                </a:solidFill>
+              </a:rPr>
+              <a:t>gray scale</a:t>
+            </a:r>
+            <a:endParaRPr lang="en-US" dirty="0"/>
+          </a:p>
+        </p:txBody>
+      </p:sp>
+      <p:sp>
+        <p:nvSpPr>
+          <p:cNvPr id="3" name="Content Placeholder 2"/>
+          <p:cNvSpPr>
+            <a:spLocks noGrp="1"/>
+          </p:cNvSpPr>
+          <p:nvPr>
+            <p:ph idx="1"/>
+          </p:nvPr>
+        </p:nvSpPr>
+        <p:spPr/>
+        <p:txBody>
+          <a:bodyPr/>
+          <a:lstStyle/>
+          <a:p>
+            <a:r>
+              <a:rPr lang="en-US" dirty="0" smtClean="0"/>
+              <a:t>Steps to use SIMD:</a:t>
+            </a:r>
+          </a:p>
+          <a:p>
+            <a:pPr marL="971550" lvl="1" indent="-514350">
+              <a:buFont typeface="+mj-lt"/>
+              <a:buAutoNum type="arabicPeriod"/>
+            </a:pPr>
+            <a:r>
+              <a:rPr lang="en-US" dirty="0" smtClean="0"/>
               <a:t>Load data into NEON registers</a:t>
             </a:r>
-            <a:endParaRPr lang="en-US" dirty="0"/>
+          </a:p>
+          <a:p>
+            <a:pPr marL="971550" lvl="1" indent="-514350">
+              <a:buFont typeface="+mj-lt"/>
+              <a:buAutoNum type="arabicPeriod"/>
+            </a:pPr>
+            <a:r>
+              <a:rPr lang="en-US" dirty="0" smtClean="0"/>
+              <a:t>Apply </a:t>
+            </a:r>
+            <a:r>
+              <a:rPr lang="en-US" dirty="0"/>
+              <a:t>operations</a:t>
+            </a:r>
+          </a:p>
+          <a:p>
+            <a:pPr marL="971550" lvl="1" indent="-514350">
+              <a:buFont typeface="+mj-lt"/>
+              <a:buAutoNum type="arabicPeriod"/>
+            </a:pPr>
+            <a:r>
+              <a:rPr lang="en-US" dirty="0"/>
+              <a:t>Write data back to memory</a:t>
+            </a:r>
           </a:p>
         </p:txBody>
       </p:sp>
@@ -10603,6 +10740,112 @@
             <a:fld id="{0A3E316F-3D65-2744-BC5B-55B8D60FFFDF}" type="slidenum">
               <a:rPr lang="en-US" smtClean="0"/>
               <a:t>26</a:t>
+            </a:fld>
+            <a:endParaRPr lang="en-US"/>
+          </a:p>
+        </p:txBody>
+      </p:sp>
+    </p:spTree>
+    <p:extLst>
+      <p:ext uri="{BB962C8B-B14F-4D97-AF65-F5344CB8AC3E}">
+        <p14:creationId xmlns:p14="http://schemas.microsoft.com/office/powerpoint/2010/main" val="2751796948"/>
+      </p:ext>
+    </p:extLst>
+  </p:cSld>
+  <p:clrMapOvr>
+    <a:masterClrMapping/>
+  </p:clrMapOvr>
+  <p:timing>
+    <p:tnLst>
+      <p:par>
+        <p:cTn xmlns:p14="http://schemas.microsoft.com/office/powerpoint/2010/main" id="1" dur="indefinite" restart="never" nodeType="tmRoot"/>
+      </p:par>
+    </p:tnLst>
+  </p:timing>
+</p:sld>
+</file>
+
+<file path=ppt/slides/slide27.xml><?xml version="1.0" encoding="utf-8"?>
+<p:sld xmlns:a="http://schemas.openxmlformats.org/drawingml/2006/main" xmlns:r="http://schemas.openxmlformats.org/officeDocument/2006/relationships" xmlns:p="http://schemas.openxmlformats.org/presentationml/2006/main">
+  <p:cSld>
+    <p:spTree>
+      <p:nvGrpSpPr>
+        <p:cNvPr id="1" name=""/>
+        <p:cNvGrpSpPr/>
+        <p:nvPr/>
+      </p:nvGrpSpPr>
+      <p:grpSpPr>
+        <a:xfrm>
+          <a:off x="0" y="0"/>
+          <a:ext cx="0" cy="0"/>
+          <a:chOff x="0" y="0"/>
+          <a:chExt cx="0" cy="0"/>
+        </a:xfrm>
+      </p:grpSpPr>
+      <p:sp>
+        <p:nvSpPr>
+          <p:cNvPr id="2" name="Title 1"/>
+          <p:cNvSpPr>
+            <a:spLocks noGrp="1"/>
+          </p:cNvSpPr>
+          <p:nvPr>
+            <p:ph type="title"/>
+          </p:nvPr>
+        </p:nvSpPr>
+        <p:spPr/>
+        <p:txBody>
+          <a:bodyPr>
+            <a:normAutofit fontScale="90000"/>
+          </a:bodyPr>
+          <a:lstStyle/>
+          <a:p>
+            <a:r>
+              <a:rPr lang="en-US" dirty="0"/>
+              <a:t>Single Instruction – </a:t>
+            </a:r>
+            <a:r>
+              <a:rPr lang="en-US" dirty="0" smtClean="0"/>
+              <a:t>Multiple data</a:t>
+            </a:r>
+            <a:r>
+              <a:rPr lang="en-US" dirty="0"/>
+              <a:t/>
+            </a:r>
+            <a:br>
+              <a:rPr lang="en-US" dirty="0"/>
+            </a:br>
+            <a:r>
+              <a:rPr lang="en-US" sz="2800" dirty="0" smtClean="0">
+                <a:solidFill>
+                  <a:schemeClr val="bg1">
+                    <a:lumMod val="50000"/>
+                  </a:schemeClr>
+                </a:solidFill>
+              </a:rPr>
+              <a:t>Load data into NEON registers</a:t>
+            </a:r>
+            <a:endParaRPr lang="en-US" dirty="0"/>
+          </a:p>
+        </p:txBody>
+      </p:sp>
+      <p:sp>
+        <p:nvSpPr>
+          <p:cNvPr id="4" name="Slide Number Placeholder 3"/>
+          <p:cNvSpPr>
+            <a:spLocks noGrp="1"/>
+          </p:cNvSpPr>
+          <p:nvPr>
+            <p:ph type="sldNum" sz="quarter" idx="12"/>
+          </p:nvPr>
+        </p:nvSpPr>
+        <p:spPr/>
+        <p:txBody>
+          <a:bodyPr/>
+          <a:lstStyle/>
+          <a:p>
+            <a:fld id="{0A3E316F-3D65-2744-BC5B-55B8D60FFFDF}" type="slidenum">
+              <a:rPr lang="en-US" smtClean="0"/>
+              <a:t>27</a:t>
             </a:fld>
             <a:endParaRPr lang="en-US"/>
           </a:p>
@@ -10658,7 +10901,7 @@
 </p:sld>
 </file>
 
-<file path=ppt/slides/slide27.xml><?xml version="1.0" encoding="utf-8"?>
+<file path=ppt/slides/slide28.xml><?xml version="1.0" encoding="utf-8"?>
 <p:sld xmlns:a="http://schemas.openxmlformats.org/drawingml/2006/main" xmlns:r="http://schemas.openxmlformats.org/officeDocument/2006/relationships" xmlns:p="http://schemas.openxmlformats.org/presentationml/2006/main">
   <p:cSld>
     <p:spTree>
@@ -10730,7 +10973,7 @@
           <a:p>
             <a:fld id="{0A3E316F-3D65-2744-BC5B-55B8D60FFFDF}" type="slidenum">
               <a:rPr lang="en-US" smtClean="0"/>
-              <a:t>27</a:t>
+              <a:t>28</a:t>
             </a:fld>
             <a:endParaRPr lang="en-US"/>
           </a:p>
@@ -10838,955 +11081,6 @@
     <p:extLst>
       <p:ext uri="{BB962C8B-B14F-4D97-AF65-F5344CB8AC3E}">
         <p14:creationId xmlns:p14="http://schemas.microsoft.com/office/powerpoint/2010/main" val="876821257"/>
-      </p:ext>
-    </p:extLst>
-  </p:cSld>
-  <p:clrMapOvr>
-    <a:masterClrMapping/>
-  </p:clrMapOvr>
-  <p:timing>
-    <p:tnLst>
-      <p:par>
-        <p:cTn xmlns:p14="http://schemas.microsoft.com/office/powerpoint/2010/main" id="1" dur="indefinite" restart="never" nodeType="tmRoot"/>
-      </p:par>
-    </p:tnLst>
-  </p:timing>
-</p:sld>
-</file>
-
-<file path=ppt/slides/slide28.xml><?xml version="1.0" encoding="utf-8"?>
-<p:sld xmlns:a="http://schemas.openxmlformats.org/drawingml/2006/main" xmlns:r="http://schemas.openxmlformats.org/officeDocument/2006/relationships" xmlns:p="http://schemas.openxmlformats.org/presentationml/2006/main">
-  <p:cSld>
-    <p:spTree>
-      <p:nvGrpSpPr>
-        <p:cNvPr id="1" name=""/>
-        <p:cNvGrpSpPr/>
-        <p:nvPr/>
-      </p:nvGrpSpPr>
-      <p:grpSpPr>
-        <a:xfrm>
-          <a:off x="0" y="0"/>
-          <a:ext cx="0" cy="0"/>
-          <a:chOff x="0" y="0"/>
-          <a:chExt cx="0" cy="0"/>
-        </a:xfrm>
-      </p:grpSpPr>
-      <p:sp>
-        <p:nvSpPr>
-          <p:cNvPr id="2" name="Title 1"/>
-          <p:cNvSpPr>
-            <a:spLocks noGrp="1"/>
-          </p:cNvSpPr>
-          <p:nvPr>
-            <p:ph type="title"/>
-          </p:nvPr>
-        </p:nvSpPr>
-        <p:spPr/>
-        <p:txBody>
-          <a:bodyPr>
-            <a:normAutofit fontScale="90000"/>
-          </a:bodyPr>
-          <a:lstStyle/>
-          <a:p>
-            <a:r>
-              <a:rPr lang="en-US" dirty="0" smtClean="0"/>
-              <a:t>Single Instruction – Multiple data</a:t>
-            </a:r>
-            <a:br>
-              <a:rPr lang="en-US" dirty="0" smtClean="0"/>
-            </a:br>
-            <a:r>
-              <a:rPr lang="en-US" sz="2800" dirty="0" smtClean="0">
-                <a:solidFill>
-                  <a:schemeClr val="bg1">
-                    <a:lumMod val="50000"/>
-                  </a:schemeClr>
-                </a:solidFill>
-              </a:rPr>
-              <a:t>Converting to gray scale</a:t>
-            </a:r>
-            <a:endParaRPr lang="en-US" dirty="0"/>
-          </a:p>
-        </p:txBody>
-      </p:sp>
-      <p:sp>
-        <p:nvSpPr>
-          <p:cNvPr id="4" name="Slide Number Placeholder 3"/>
-          <p:cNvSpPr>
-            <a:spLocks noGrp="1"/>
-          </p:cNvSpPr>
-          <p:nvPr>
-            <p:ph type="sldNum" sz="quarter" idx="12"/>
-          </p:nvPr>
-        </p:nvSpPr>
-        <p:spPr/>
-        <p:txBody>
-          <a:bodyPr/>
-          <a:lstStyle/>
-          <a:p>
-            <a:fld id="{0A3E316F-3D65-2744-BC5B-55B8D60FFFDF}" type="slidenum">
-              <a:rPr lang="en-US" smtClean="0"/>
-              <a:t>28</a:t>
-            </a:fld>
-            <a:endParaRPr lang="en-US"/>
-          </a:p>
-        </p:txBody>
-      </p:sp>
-      <p:sp>
-        <p:nvSpPr>
-          <p:cNvPr id="3" name="Rectangle 2"/>
-          <p:cNvSpPr/>
-          <p:nvPr/>
-        </p:nvSpPr>
-        <p:spPr>
-          <a:xfrm>
-            <a:off x="1137506" y="1930200"/>
-            <a:ext cx="6712750" cy="3970318"/>
-          </a:xfrm>
-          <a:prstGeom prst="rect">
-            <a:avLst/>
-          </a:prstGeom>
-        </p:spPr>
-        <p:txBody>
-          <a:bodyPr wrap="square">
-            <a:spAutoFit/>
-          </a:bodyPr>
-          <a:lstStyle/>
-          <a:p>
-            <a:r>
-              <a:rPr lang="nl-NL" dirty="0" err="1">
-                <a:solidFill>
-                  <a:srgbClr val="FF7800"/>
-                </a:solidFill>
-                <a:latin typeface="SourceCodePro-Regular"/>
-              </a:rPr>
-              <a:t>for</a:t>
-            </a:r>
-            <a:r>
-              <a:rPr lang="nl-NL" dirty="0">
-                <a:solidFill>
-                  <a:prstClr val="black"/>
-                </a:solidFill>
-                <a:latin typeface="SourceCodePro-Regular"/>
-              </a:rPr>
-              <a:t>(</a:t>
-            </a:r>
-            <a:r>
-              <a:rPr lang="nl-NL" dirty="0">
-                <a:solidFill>
-                  <a:srgbClr val="FF7800"/>
-                </a:solidFill>
-                <a:latin typeface="SourceCodePro-Regular"/>
-              </a:rPr>
-              <a:t>int</a:t>
-            </a:r>
-            <a:r>
-              <a:rPr lang="nl-NL" dirty="0">
-                <a:solidFill>
-                  <a:prstClr val="black"/>
-                </a:solidFill>
-                <a:latin typeface="SourceCodePro-Regular"/>
-              </a:rPr>
-              <a:t> i=</a:t>
-            </a:r>
-            <a:r>
-              <a:rPr lang="nl-NL" dirty="0">
-                <a:solidFill>
-                  <a:srgbClr val="3B5BB5"/>
-                </a:solidFill>
-                <a:latin typeface="SourceCodePro-Regular"/>
-              </a:rPr>
-              <a:t>0</a:t>
-            </a:r>
-            <a:r>
-              <a:rPr lang="nl-NL" dirty="0">
-                <a:solidFill>
-                  <a:prstClr val="black"/>
-                </a:solidFill>
-                <a:latin typeface="SourceCodePro-Regular"/>
-              </a:rPr>
-              <a:t>; i &lt; pixels; i += FACTOR) {</a:t>
-            </a:r>
-            <a:br>
-              <a:rPr lang="nl-NL" dirty="0">
-                <a:solidFill>
-                  <a:prstClr val="black"/>
-                </a:solidFill>
-                <a:latin typeface="SourceCodePro-Regular"/>
-              </a:rPr>
-            </a:br>
-            <a:r>
-              <a:rPr lang="nl-NL" dirty="0">
-                <a:solidFill>
-                  <a:prstClr val="black"/>
-                </a:solidFill>
-                <a:latin typeface="SourceCodePro-Regular"/>
-              </a:rPr>
-              <a:t>    uint8x8x3_t </a:t>
-            </a:r>
-            <a:r>
-              <a:rPr lang="nl-NL" dirty="0" err="1" smtClean="0">
-                <a:solidFill>
-                  <a:prstClr val="black"/>
-                </a:solidFill>
-                <a:latin typeface="SourceCodePro-Regular"/>
-              </a:rPr>
-              <a:t>rgb</a:t>
-            </a:r>
-            <a:r>
-              <a:rPr lang="nl-NL" dirty="0" smtClean="0">
-                <a:solidFill>
-                  <a:prstClr val="black"/>
-                </a:solidFill>
-                <a:latin typeface="SourceCodePro-Regular"/>
-              </a:rPr>
-              <a:t> </a:t>
-            </a:r>
-            <a:r>
-              <a:rPr lang="nl-NL" dirty="0">
-                <a:solidFill>
-                  <a:prstClr val="black"/>
-                </a:solidFill>
-                <a:latin typeface="SourceCodePro-Regular"/>
-              </a:rPr>
-              <a:t>= </a:t>
-            </a:r>
-            <a:r>
-              <a:rPr lang="nl-NL" dirty="0">
-                <a:solidFill>
-                  <a:srgbClr val="3B5BB5"/>
-                </a:solidFill>
-                <a:latin typeface="SourceCodePro-Regular"/>
-              </a:rPr>
-              <a:t>vld3_u8</a:t>
-            </a:r>
-            <a:r>
-              <a:rPr lang="nl-NL" dirty="0">
-                <a:solidFill>
-                  <a:prstClr val="black"/>
-                </a:solidFill>
-                <a:latin typeface="SourceCodePro-Regular"/>
-              </a:rPr>
-              <a:t>(</a:t>
-            </a:r>
-            <a:r>
-              <a:rPr lang="nl-NL" dirty="0" err="1">
-                <a:solidFill>
-                  <a:prstClr val="black"/>
-                </a:solidFill>
-                <a:latin typeface="SourceCodePro-Regular"/>
-              </a:rPr>
-              <a:t>src</a:t>
-            </a:r>
-            <a:r>
-              <a:rPr lang="nl-NL" dirty="0">
-                <a:solidFill>
-                  <a:prstClr val="black"/>
-                </a:solidFill>
-                <a:latin typeface="SourceCodePro-Regular"/>
-              </a:rPr>
-              <a:t>);</a:t>
-            </a:r>
-            <a:br>
-              <a:rPr lang="nl-NL" dirty="0">
-                <a:solidFill>
-                  <a:prstClr val="black"/>
-                </a:solidFill>
-                <a:latin typeface="SourceCodePro-Regular"/>
-              </a:rPr>
-            </a:br>
-            <a:r>
-              <a:rPr lang="nl-NL" dirty="0">
-                <a:solidFill>
-                  <a:prstClr val="black"/>
-                </a:solidFill>
-                <a:latin typeface="SourceCodePro-Regular"/>
-              </a:rPr>
-              <a:t>    uint16x8_t </a:t>
-            </a:r>
-            <a:r>
-              <a:rPr lang="nl-NL" dirty="0" err="1">
-                <a:solidFill>
-                  <a:prstClr val="black"/>
-                </a:solidFill>
-                <a:latin typeface="SourceCodePro-Regular"/>
-              </a:rPr>
-              <a:t>acc</a:t>
-            </a:r>
-            <a:r>
-              <a:rPr lang="nl-NL" dirty="0">
-                <a:solidFill>
-                  <a:prstClr val="black"/>
-                </a:solidFill>
-                <a:latin typeface="SourceCodePro-Regular"/>
-              </a:rPr>
-              <a:t>;</a:t>
-            </a:r>
-            <a:br>
-              <a:rPr lang="nl-NL" dirty="0">
-                <a:solidFill>
-                  <a:prstClr val="black"/>
-                </a:solidFill>
-                <a:latin typeface="SourceCodePro-Regular"/>
-              </a:rPr>
-            </a:br>
-            <a:r>
-              <a:rPr lang="nl-NL" dirty="0">
-                <a:solidFill>
-                  <a:prstClr val="black"/>
-                </a:solidFill>
-                <a:latin typeface="SourceCodePro-Regular"/>
-              </a:rPr>
-              <a:t>    </a:t>
-            </a:r>
-            <a:br>
-              <a:rPr lang="nl-NL" dirty="0">
-                <a:solidFill>
-                  <a:prstClr val="black"/>
-                </a:solidFill>
-                <a:latin typeface="SourceCodePro-Regular"/>
-              </a:rPr>
-            </a:br>
-            <a:r>
-              <a:rPr lang="nl-NL" dirty="0">
-                <a:solidFill>
-                  <a:prstClr val="black"/>
-                </a:solidFill>
-                <a:latin typeface="SourceCodePro-Regular"/>
-              </a:rPr>
-              <a:t>    </a:t>
-            </a:r>
-            <a:r>
-              <a:rPr lang="nl-NL" dirty="0" err="1">
-                <a:solidFill>
-                  <a:prstClr val="black"/>
-                </a:solidFill>
-                <a:latin typeface="SourceCodePro-Regular"/>
-              </a:rPr>
-              <a:t>acc</a:t>
-            </a:r>
-            <a:r>
-              <a:rPr lang="nl-NL" dirty="0">
-                <a:solidFill>
-                  <a:prstClr val="black"/>
-                </a:solidFill>
-                <a:latin typeface="SourceCodePro-Regular"/>
-              </a:rPr>
-              <a:t> = </a:t>
-            </a:r>
-            <a:r>
-              <a:rPr lang="nl-NL" dirty="0">
-                <a:solidFill>
-                  <a:srgbClr val="3B5BB5"/>
-                </a:solidFill>
-                <a:latin typeface="SourceCodePro-Regular"/>
-              </a:rPr>
-              <a:t>vmull_u8</a:t>
-            </a:r>
-            <a:r>
-              <a:rPr lang="nl-NL" dirty="0">
-                <a:solidFill>
-                  <a:prstClr val="black"/>
-                </a:solidFill>
-                <a:latin typeface="SourceCodePro-Regular"/>
-              </a:rPr>
-              <a:t>(</a:t>
-            </a:r>
-            <a:r>
-              <a:rPr lang="nl-NL" dirty="0" err="1" smtClean="0">
-                <a:solidFill>
-                  <a:prstClr val="black"/>
-                </a:solidFill>
-                <a:latin typeface="SourceCodePro-Regular"/>
-              </a:rPr>
-              <a:t>rgb.val</a:t>
-            </a:r>
-            <a:r>
-              <a:rPr lang="nl-NL" dirty="0">
-                <a:solidFill>
-                  <a:prstClr val="black"/>
-                </a:solidFill>
-                <a:latin typeface="SourceCodePro-Regular"/>
-              </a:rPr>
-              <a:t>[</a:t>
-            </a:r>
-            <a:r>
-              <a:rPr lang="nl-NL" dirty="0">
-                <a:solidFill>
-                  <a:srgbClr val="3B5BB5"/>
-                </a:solidFill>
-                <a:latin typeface="SourceCodePro-Regular"/>
-              </a:rPr>
-              <a:t>0</a:t>
-            </a:r>
-            <a:r>
-              <a:rPr lang="nl-NL" dirty="0">
-                <a:solidFill>
-                  <a:prstClr val="black"/>
-                </a:solidFill>
-                <a:latin typeface="SourceCodePro-Regular"/>
-              </a:rPr>
-              <a:t>], </a:t>
-            </a:r>
-            <a:r>
-              <a:rPr lang="nl-NL" dirty="0" err="1">
-                <a:solidFill>
-                  <a:prstClr val="black"/>
-                </a:solidFill>
-                <a:latin typeface="SourceCodePro-Regular"/>
-              </a:rPr>
-              <a:t>rcoeff</a:t>
-            </a:r>
-            <a:r>
-              <a:rPr lang="nl-NL" dirty="0">
-                <a:solidFill>
-                  <a:prstClr val="black"/>
-                </a:solidFill>
-                <a:latin typeface="SourceCodePro-Regular"/>
-              </a:rPr>
-              <a:t>);</a:t>
-            </a:r>
-            <a:br>
-              <a:rPr lang="nl-NL" dirty="0">
-                <a:solidFill>
-                  <a:prstClr val="black"/>
-                </a:solidFill>
-                <a:latin typeface="SourceCodePro-Regular"/>
-              </a:rPr>
-            </a:br>
-            <a:r>
-              <a:rPr lang="nl-NL" dirty="0">
-                <a:solidFill>
-                  <a:prstClr val="black"/>
-                </a:solidFill>
-                <a:latin typeface="SourceCodePro-Regular"/>
-              </a:rPr>
-              <a:t>    </a:t>
-            </a:r>
-            <a:r>
-              <a:rPr lang="nl-NL" dirty="0" err="1">
-                <a:solidFill>
-                  <a:prstClr val="black"/>
-                </a:solidFill>
-                <a:latin typeface="SourceCodePro-Regular"/>
-              </a:rPr>
-              <a:t>acc</a:t>
-            </a:r>
-            <a:r>
-              <a:rPr lang="nl-NL" dirty="0">
-                <a:solidFill>
-                  <a:prstClr val="black"/>
-                </a:solidFill>
-                <a:latin typeface="SourceCodePro-Regular"/>
-              </a:rPr>
-              <a:t> = </a:t>
-            </a:r>
-            <a:r>
-              <a:rPr lang="nl-NL" dirty="0">
-                <a:solidFill>
-                  <a:srgbClr val="3B5BB5"/>
-                </a:solidFill>
-                <a:latin typeface="SourceCodePro-Regular"/>
-              </a:rPr>
-              <a:t>vmlal_u8</a:t>
-            </a:r>
-            <a:r>
-              <a:rPr lang="nl-NL" dirty="0">
-                <a:solidFill>
-                  <a:prstClr val="black"/>
-                </a:solidFill>
-                <a:latin typeface="SourceCodePro-Regular"/>
-              </a:rPr>
-              <a:t>(</a:t>
-            </a:r>
-            <a:r>
-              <a:rPr lang="nl-NL" dirty="0" err="1">
-                <a:solidFill>
-                  <a:prstClr val="black"/>
-                </a:solidFill>
-                <a:latin typeface="SourceCodePro-Regular"/>
-              </a:rPr>
-              <a:t>acc</a:t>
-            </a:r>
-            <a:r>
-              <a:rPr lang="nl-NL" dirty="0">
-                <a:solidFill>
-                  <a:prstClr val="black"/>
-                </a:solidFill>
-                <a:latin typeface="SourceCodePro-Regular"/>
-              </a:rPr>
-              <a:t>, </a:t>
-            </a:r>
-            <a:r>
-              <a:rPr lang="nl-NL" dirty="0" err="1" smtClean="0">
-                <a:solidFill>
-                  <a:prstClr val="black"/>
-                </a:solidFill>
-                <a:latin typeface="SourceCodePro-Regular"/>
-              </a:rPr>
-              <a:t>rgb.val</a:t>
-            </a:r>
-            <a:r>
-              <a:rPr lang="nl-NL" dirty="0">
-                <a:solidFill>
-                  <a:prstClr val="black"/>
-                </a:solidFill>
-                <a:latin typeface="SourceCodePro-Regular"/>
-              </a:rPr>
-              <a:t>[</a:t>
-            </a:r>
-            <a:r>
-              <a:rPr lang="nl-NL" dirty="0">
-                <a:solidFill>
-                  <a:srgbClr val="3B5BB5"/>
-                </a:solidFill>
-                <a:latin typeface="SourceCodePro-Regular"/>
-              </a:rPr>
-              <a:t>1</a:t>
-            </a:r>
-            <a:r>
-              <a:rPr lang="nl-NL" dirty="0">
-                <a:solidFill>
-                  <a:prstClr val="black"/>
-                </a:solidFill>
-                <a:latin typeface="SourceCodePro-Regular"/>
-              </a:rPr>
-              <a:t>], </a:t>
-            </a:r>
-            <a:r>
-              <a:rPr lang="nl-NL" dirty="0" err="1">
-                <a:solidFill>
-                  <a:prstClr val="black"/>
-                </a:solidFill>
-                <a:latin typeface="SourceCodePro-Regular"/>
-              </a:rPr>
-              <a:t>gcoeff</a:t>
-            </a:r>
-            <a:r>
-              <a:rPr lang="nl-NL" dirty="0">
-                <a:solidFill>
-                  <a:prstClr val="black"/>
-                </a:solidFill>
-                <a:latin typeface="SourceCodePro-Regular"/>
-              </a:rPr>
-              <a:t>);</a:t>
-            </a:r>
-            <a:br>
-              <a:rPr lang="nl-NL" dirty="0">
-                <a:solidFill>
-                  <a:prstClr val="black"/>
-                </a:solidFill>
-                <a:latin typeface="SourceCodePro-Regular"/>
-              </a:rPr>
-            </a:br>
-            <a:r>
-              <a:rPr lang="nl-NL" dirty="0">
-                <a:solidFill>
-                  <a:prstClr val="black"/>
-                </a:solidFill>
-                <a:latin typeface="SourceCodePro-Regular"/>
-              </a:rPr>
-              <a:t>    </a:t>
-            </a:r>
-            <a:r>
-              <a:rPr lang="nl-NL" dirty="0" err="1">
-                <a:solidFill>
-                  <a:prstClr val="black"/>
-                </a:solidFill>
-                <a:latin typeface="SourceCodePro-Regular"/>
-              </a:rPr>
-              <a:t>acc</a:t>
-            </a:r>
-            <a:r>
-              <a:rPr lang="nl-NL" dirty="0">
-                <a:solidFill>
-                  <a:prstClr val="black"/>
-                </a:solidFill>
-                <a:latin typeface="SourceCodePro-Regular"/>
-              </a:rPr>
-              <a:t> = </a:t>
-            </a:r>
-            <a:r>
-              <a:rPr lang="nl-NL" dirty="0">
-                <a:solidFill>
-                  <a:srgbClr val="3B5BB5"/>
-                </a:solidFill>
-                <a:latin typeface="SourceCodePro-Regular"/>
-              </a:rPr>
-              <a:t>vmlal_u8</a:t>
-            </a:r>
-            <a:r>
-              <a:rPr lang="nl-NL" dirty="0">
-                <a:solidFill>
-                  <a:prstClr val="black"/>
-                </a:solidFill>
-                <a:latin typeface="SourceCodePro-Regular"/>
-              </a:rPr>
-              <a:t>(</a:t>
-            </a:r>
-            <a:r>
-              <a:rPr lang="nl-NL" dirty="0" err="1">
-                <a:solidFill>
-                  <a:prstClr val="black"/>
-                </a:solidFill>
-                <a:latin typeface="SourceCodePro-Regular"/>
-              </a:rPr>
-              <a:t>acc</a:t>
-            </a:r>
-            <a:r>
-              <a:rPr lang="nl-NL" dirty="0">
-                <a:solidFill>
-                  <a:prstClr val="black"/>
-                </a:solidFill>
-                <a:latin typeface="SourceCodePro-Regular"/>
-              </a:rPr>
-              <a:t>, </a:t>
-            </a:r>
-            <a:r>
-              <a:rPr lang="nl-NL" dirty="0" err="1" smtClean="0">
-                <a:solidFill>
-                  <a:prstClr val="black"/>
-                </a:solidFill>
-                <a:latin typeface="SourceCodePro-Regular"/>
-              </a:rPr>
-              <a:t>rgb.val</a:t>
-            </a:r>
-            <a:r>
-              <a:rPr lang="nl-NL" dirty="0">
-                <a:solidFill>
-                  <a:prstClr val="black"/>
-                </a:solidFill>
-                <a:latin typeface="SourceCodePro-Regular"/>
-              </a:rPr>
-              <a:t>[</a:t>
-            </a:r>
-            <a:r>
-              <a:rPr lang="nl-NL" dirty="0">
-                <a:solidFill>
-                  <a:srgbClr val="3B5BB5"/>
-                </a:solidFill>
-                <a:latin typeface="SourceCodePro-Regular"/>
-              </a:rPr>
-              <a:t>2</a:t>
-            </a:r>
-            <a:r>
-              <a:rPr lang="nl-NL" dirty="0">
-                <a:solidFill>
-                  <a:prstClr val="black"/>
-                </a:solidFill>
-                <a:latin typeface="SourceCodePro-Regular"/>
-              </a:rPr>
-              <a:t>], </a:t>
-            </a:r>
-            <a:r>
-              <a:rPr lang="nl-NL" dirty="0" err="1">
-                <a:solidFill>
-                  <a:prstClr val="black"/>
-                </a:solidFill>
-                <a:latin typeface="SourceCodePro-Regular"/>
-              </a:rPr>
-              <a:t>bcoeff</a:t>
-            </a:r>
-            <a:r>
-              <a:rPr lang="nl-NL" dirty="0">
-                <a:solidFill>
-                  <a:prstClr val="black"/>
-                </a:solidFill>
-                <a:latin typeface="SourceCodePro-Regular"/>
-              </a:rPr>
-              <a:t>);</a:t>
-            </a:r>
-            <a:br>
-              <a:rPr lang="nl-NL" dirty="0">
-                <a:solidFill>
-                  <a:prstClr val="black"/>
-                </a:solidFill>
-                <a:latin typeface="SourceCodePro-Regular"/>
-              </a:rPr>
-            </a:br>
-            <a:r>
-              <a:rPr lang="nl-NL" dirty="0">
-                <a:solidFill>
-                  <a:prstClr val="black"/>
-                </a:solidFill>
-                <a:latin typeface="SourceCodePro-Regular"/>
-              </a:rPr>
-              <a:t>    </a:t>
-            </a:r>
-            <a:br>
-              <a:rPr lang="nl-NL" dirty="0">
-                <a:solidFill>
-                  <a:prstClr val="black"/>
-                </a:solidFill>
-                <a:latin typeface="SourceCodePro-Regular"/>
-              </a:rPr>
-            </a:br>
-            <a:r>
-              <a:rPr lang="nl-NL" dirty="0">
-                <a:solidFill>
-                  <a:prstClr val="black"/>
-                </a:solidFill>
-                <a:latin typeface="SourceCodePro-Regular"/>
-              </a:rPr>
-              <a:t>    uint8x8_t </a:t>
-            </a:r>
-            <a:r>
-              <a:rPr lang="nl-NL" dirty="0" err="1">
-                <a:solidFill>
-                  <a:prstClr val="black"/>
-                </a:solidFill>
-                <a:latin typeface="SourceCodePro-Regular"/>
-              </a:rPr>
-              <a:t>result</a:t>
-            </a:r>
-            <a:r>
-              <a:rPr lang="nl-NL" dirty="0">
-                <a:solidFill>
-                  <a:prstClr val="black"/>
-                </a:solidFill>
-                <a:latin typeface="SourceCodePro-Regular"/>
-              </a:rPr>
-              <a:t> = </a:t>
-            </a:r>
-            <a:r>
-              <a:rPr lang="nl-NL" dirty="0">
-                <a:solidFill>
-                  <a:srgbClr val="3B5BB5"/>
-                </a:solidFill>
-                <a:latin typeface="SourceCodePro-Regular"/>
-              </a:rPr>
-              <a:t>vshrn_n_u16</a:t>
-            </a:r>
-            <a:r>
-              <a:rPr lang="nl-NL" dirty="0">
-                <a:solidFill>
-                  <a:prstClr val="black"/>
-                </a:solidFill>
-                <a:latin typeface="SourceCodePro-Regular"/>
-              </a:rPr>
-              <a:t>(</a:t>
-            </a:r>
-            <a:r>
-              <a:rPr lang="nl-NL" dirty="0" err="1">
-                <a:solidFill>
-                  <a:prstClr val="black"/>
-                </a:solidFill>
-                <a:latin typeface="SourceCodePro-Regular"/>
-              </a:rPr>
-              <a:t>acc</a:t>
-            </a:r>
-            <a:r>
-              <a:rPr lang="nl-NL" dirty="0">
-                <a:solidFill>
-                  <a:prstClr val="black"/>
-                </a:solidFill>
-                <a:latin typeface="SourceCodePro-Regular"/>
-              </a:rPr>
-              <a:t>, </a:t>
-            </a:r>
-            <a:r>
-              <a:rPr lang="nl-NL" dirty="0">
-                <a:solidFill>
-                  <a:srgbClr val="3B5BB5"/>
-                </a:solidFill>
-                <a:latin typeface="SourceCodePro-Regular"/>
-              </a:rPr>
-              <a:t>8</a:t>
-            </a:r>
-            <a:r>
-              <a:rPr lang="nl-NL" dirty="0">
-                <a:solidFill>
-                  <a:prstClr val="black"/>
-                </a:solidFill>
-                <a:latin typeface="SourceCodePro-Regular"/>
-              </a:rPr>
-              <a:t>);</a:t>
-            </a:r>
-            <a:br>
-              <a:rPr lang="nl-NL" dirty="0">
-                <a:solidFill>
-                  <a:prstClr val="black"/>
-                </a:solidFill>
-                <a:latin typeface="SourceCodePro-Regular"/>
-              </a:rPr>
-            </a:br>
-            <a:r>
-              <a:rPr lang="nl-NL" dirty="0">
-                <a:solidFill>
-                  <a:prstClr val="black"/>
-                </a:solidFill>
-                <a:latin typeface="SourceCodePro-Regular"/>
-              </a:rPr>
-              <a:t>    </a:t>
-            </a:r>
-            <a:r>
-              <a:rPr lang="nl-NL" dirty="0">
-                <a:solidFill>
-                  <a:srgbClr val="3B5BB5"/>
-                </a:solidFill>
-                <a:latin typeface="SourceCodePro-Regular"/>
-              </a:rPr>
-              <a:t>vst1_u8</a:t>
-            </a:r>
-            <a:r>
-              <a:rPr lang="nl-NL" dirty="0">
-                <a:solidFill>
-                  <a:prstClr val="black"/>
-                </a:solidFill>
-                <a:latin typeface="SourceCodePro-Regular"/>
-              </a:rPr>
-              <a:t>(</a:t>
-            </a:r>
-            <a:r>
-              <a:rPr lang="nl-NL" dirty="0" err="1">
-                <a:solidFill>
-                  <a:prstClr val="black"/>
-                </a:solidFill>
-                <a:latin typeface="SourceCodePro-Regular"/>
-              </a:rPr>
-              <a:t>dest</a:t>
-            </a:r>
-            <a:r>
-              <a:rPr lang="nl-NL" dirty="0">
-                <a:solidFill>
-                  <a:prstClr val="black"/>
-                </a:solidFill>
-                <a:latin typeface="SourceCodePro-Regular"/>
-              </a:rPr>
-              <a:t>, </a:t>
-            </a:r>
-            <a:r>
-              <a:rPr lang="nl-NL" dirty="0" err="1">
-                <a:solidFill>
-                  <a:prstClr val="black"/>
-                </a:solidFill>
-                <a:latin typeface="SourceCodePro-Regular"/>
-              </a:rPr>
-              <a:t>result</a:t>
-            </a:r>
-            <a:r>
-              <a:rPr lang="nl-NL" dirty="0">
-                <a:solidFill>
-                  <a:prstClr val="black"/>
-                </a:solidFill>
-                <a:latin typeface="SourceCodePro-Regular"/>
-              </a:rPr>
-              <a:t>);</a:t>
-            </a:r>
-            <a:br>
-              <a:rPr lang="nl-NL" dirty="0">
-                <a:solidFill>
-                  <a:prstClr val="black"/>
-                </a:solidFill>
-                <a:latin typeface="SourceCodePro-Regular"/>
-              </a:rPr>
-            </a:br>
-            <a:r>
-              <a:rPr lang="nl-NL" dirty="0">
-                <a:solidFill>
-                  <a:prstClr val="black"/>
-                </a:solidFill>
-                <a:latin typeface="SourceCodePro-Regular"/>
-              </a:rPr>
-              <a:t>       </a:t>
-            </a:r>
-            <a:br>
-              <a:rPr lang="nl-NL" dirty="0">
-                <a:solidFill>
-                  <a:prstClr val="black"/>
-                </a:solidFill>
-                <a:latin typeface="SourceCodePro-Regular"/>
-              </a:rPr>
-            </a:br>
-            <a:r>
-              <a:rPr lang="nl-NL" dirty="0">
-                <a:solidFill>
-                  <a:prstClr val="black"/>
-                </a:solidFill>
-                <a:latin typeface="SourceCodePro-Regular"/>
-              </a:rPr>
-              <a:t>    </a:t>
-            </a:r>
-            <a:r>
-              <a:rPr lang="nl-NL" dirty="0" err="1">
-                <a:solidFill>
-                  <a:prstClr val="black"/>
-                </a:solidFill>
-                <a:latin typeface="SourceCodePro-Regular"/>
-              </a:rPr>
-              <a:t>src</a:t>
-            </a:r>
-            <a:r>
-              <a:rPr lang="nl-NL" dirty="0">
-                <a:solidFill>
-                  <a:prstClr val="black"/>
-                </a:solidFill>
-                <a:latin typeface="SourceCodePro-Regular"/>
-              </a:rPr>
-              <a:t> += FACTOR;</a:t>
-            </a:r>
-            <a:br>
-              <a:rPr lang="nl-NL" dirty="0">
-                <a:solidFill>
-                  <a:prstClr val="black"/>
-                </a:solidFill>
-                <a:latin typeface="SourceCodePro-Regular"/>
-              </a:rPr>
-            </a:br>
-            <a:r>
-              <a:rPr lang="nl-NL" dirty="0">
-                <a:solidFill>
-                  <a:prstClr val="black"/>
-                </a:solidFill>
-                <a:latin typeface="SourceCodePro-Regular"/>
-              </a:rPr>
-              <a:t>    </a:t>
-            </a:r>
-            <a:r>
-              <a:rPr lang="nl-NL" dirty="0" err="1">
-                <a:solidFill>
-                  <a:prstClr val="black"/>
-                </a:solidFill>
-                <a:latin typeface="SourceCodePro-Regular"/>
-              </a:rPr>
-              <a:t>dest</a:t>
-            </a:r>
-            <a:r>
-              <a:rPr lang="nl-NL" dirty="0">
-                <a:solidFill>
-                  <a:prstClr val="black"/>
-                </a:solidFill>
-                <a:latin typeface="SourceCodePro-Regular"/>
-              </a:rPr>
-              <a:t> += FACTOR;</a:t>
-            </a:r>
-            <a:br>
-              <a:rPr lang="nl-NL" dirty="0">
-                <a:solidFill>
-                  <a:prstClr val="black"/>
-                </a:solidFill>
-                <a:latin typeface="SourceCodePro-Regular"/>
-              </a:rPr>
-            </a:br>
-            <a:r>
-              <a:rPr lang="nl-NL" dirty="0">
-                <a:solidFill>
-                  <a:prstClr val="black"/>
-                </a:solidFill>
-                <a:latin typeface="SourceCodePro-Regular"/>
-              </a:rPr>
-              <a:t>}</a:t>
-            </a:r>
-            <a:endParaRPr lang="en-US" dirty="0">
-              <a:latin typeface="HelveticaNeueLT Com 45 Lt"/>
-            </a:endParaRPr>
-          </a:p>
-        </p:txBody>
-      </p:sp>
-    </p:spTree>
-    <p:extLst>
-      <p:ext uri="{BB962C8B-B14F-4D97-AF65-F5344CB8AC3E}">
-        <p14:creationId xmlns:p14="http://schemas.microsoft.com/office/powerpoint/2010/main" val="3282497539"/>
       </p:ext>
     </p:extLst>
   </p:cSld>
@@ -12732,98 +12026,10 @@
           </a:p>
         </p:txBody>
       </p:sp>
-      <p:sp>
-        <p:nvSpPr>
-          <p:cNvPr id="5" name="Rounded Rectangle 4"/>
-          <p:cNvSpPr/>
-          <p:nvPr/>
-        </p:nvSpPr>
-        <p:spPr>
-          <a:xfrm>
-            <a:off x="1675443" y="2256165"/>
-            <a:ext cx="4620980" cy="580930"/>
-          </a:xfrm>
-          <a:prstGeom prst="roundRect">
-            <a:avLst/>
-          </a:prstGeom>
-          <a:noFill/>
-          <a:ln>
-            <a:solidFill>
-              <a:schemeClr val="accent2"/>
-            </a:solidFill>
-          </a:ln>
-        </p:spPr>
-        <p:style>
-          <a:lnRef idx="2">
-            <a:schemeClr val="dk1">
-              <a:shade val="50000"/>
-            </a:schemeClr>
-          </a:lnRef>
-          <a:fillRef idx="1">
-            <a:schemeClr val="dk1"/>
-          </a:fillRef>
-          <a:effectRef idx="0">
-            <a:schemeClr val="dk1"/>
-          </a:effectRef>
-          <a:fontRef idx="minor">
-            <a:schemeClr val="lt1"/>
-          </a:fontRef>
-        </p:style>
-        <p:txBody>
-          <a:bodyPr rtlCol="0" anchor="ctr"/>
-          <a:lstStyle/>
-          <a:p>
-            <a:pPr algn="ctr"/>
-            <a:endParaRPr lang="en-US" dirty="0">
-              <a:latin typeface="HelveticaNeueLT Com 45 Lt"/>
-            </a:endParaRPr>
-          </a:p>
-        </p:txBody>
-      </p:sp>
-      <p:sp>
-        <p:nvSpPr>
-          <p:cNvPr id="6" name="TextBox 5"/>
-          <p:cNvSpPr txBox="1"/>
-          <p:nvPr/>
-        </p:nvSpPr>
-        <p:spPr>
-          <a:xfrm>
-            <a:off x="6296423" y="2301081"/>
-            <a:ext cx="2888231" cy="461665"/>
-          </a:xfrm>
-          <a:prstGeom prst="rect">
-            <a:avLst/>
-          </a:prstGeom>
-          <a:noFill/>
-        </p:spPr>
-        <p:txBody>
-          <a:bodyPr wrap="none" rtlCol="0">
-            <a:spAutoFit/>
-          </a:bodyPr>
-          <a:lstStyle/>
-          <a:p>
-            <a:r>
-              <a:rPr lang="en-US" sz="2400" dirty="0" smtClean="0">
-                <a:solidFill>
-                  <a:schemeClr val="accent2"/>
-                </a:solidFill>
-                <a:latin typeface="HelveticaNeueLT Com 45 Lt"/>
-              </a:rPr>
-              <a:t>Load (3 Interleaved)</a:t>
-            </a:r>
-            <a:endParaRPr lang="en-US" sz="2400" dirty="0">
-              <a:solidFill>
-                <a:schemeClr val="accent2"/>
-              </a:solidFill>
-              <a:latin typeface="HelveticaNeueLT Com 45 Lt"/>
-            </a:endParaRPr>
-          </a:p>
-        </p:txBody>
-      </p:sp>
     </p:spTree>
     <p:extLst>
       <p:ext uri="{BB962C8B-B14F-4D97-AF65-F5344CB8AC3E}">
-        <p14:creationId xmlns:p14="http://schemas.microsoft.com/office/powerpoint/2010/main" val="144447164"/>
+        <p14:creationId xmlns:p14="http://schemas.microsoft.com/office/powerpoint/2010/main" val="3282497539"/>
       </p:ext>
     </p:extLst>
   </p:cSld>
@@ -13259,25 +12465,12 @@
                 </a:solidFill>
                 <a:latin typeface="SourceCodePro-Regular"/>
               </a:rPr>
-              <a:t>   </a:t>
-            </a:r>
-            <a:r>
-              <a:rPr lang="nl-NL" dirty="0">
-                <a:solidFill>
-                  <a:schemeClr val="accent1">
-                    <a:alpha val="10000"/>
-                  </a:schemeClr>
-                </a:solidFill>
-                <a:latin typeface="SourceCodePro-Regular"/>
-              </a:rPr>
-              <a:t> </a:t>
+              <a:t>    </a:t>
             </a:r>
             <a:r>
               <a:rPr lang="nl-NL" dirty="0" err="1">
                 <a:solidFill>
-                  <a:schemeClr val="accent1">
-                    <a:alpha val="10000"/>
-                  </a:schemeClr>
+                  <a:prstClr val="black"/>
                 </a:solidFill>
                 <a:latin typeface="SourceCodePro-Regular"/>
               </a:rPr>
@@ -13286,20 +12479,34 @@
             <a:r>
               <a:rPr lang="nl-NL" dirty="0">
                 <a:solidFill>
-                  <a:schemeClr val="accent1">
-                    <a:alpha val="10000"/>
-                  </a:schemeClr>
-                </a:solidFill>
-                <a:latin typeface="SourceCodePro-Regular"/>
-              </a:rPr>
-              <a:t> = vmull_u8(</a:t>
+                  <a:prstClr val="black"/>
+                </a:solidFill>
+                <a:latin typeface="SourceCodePro-Regular"/>
+              </a:rPr>
+              <a:t> = </a:t>
+            </a:r>
+            <a:r>
+              <a:rPr lang="nl-NL" dirty="0">
+                <a:solidFill>
+                  <a:srgbClr val="3B5BB5"/>
+                </a:solidFill>
+                <a:latin typeface="SourceCodePro-Regular"/>
+              </a:rPr>
+              <a:t>vmull_u8</a:t>
+            </a:r>
+            <a:r>
+              <a:rPr lang="nl-NL" dirty="0">
+                <a:solidFill>
+                  <a:prstClr val="black"/>
+                </a:solidFill>
+                <a:latin typeface="SourceCodePro-Regular"/>
+              </a:rPr>
+              <a:t>(</a:t>
             </a:r>
             <a:r>
               <a:rPr lang="nl-NL" dirty="0" err="1" smtClean="0">
                 <a:solidFill>
-                  <a:schemeClr val="accent1">
-                    <a:alpha val="10000"/>
-                  </a:schemeClr>
+                  <a:prstClr val="black"/>
                 </a:solidFill>
                 <a:latin typeface="SourceCodePro-Regular"/>
               </a:rPr>
@@ -13308,20 +12515,34 @@
             <a:r>
               <a:rPr lang="nl-NL" dirty="0">
                 <a:solidFill>
-                  <a:schemeClr val="accent1">
-                    <a:alpha val="10000"/>
-                  </a:schemeClr>
-                </a:solidFill>
-                <a:latin typeface="SourceCodePro-Regular"/>
-              </a:rPr>
-              <a:t>[0], </a:t>
+                  <a:prstClr val="black"/>
+                </a:solidFill>
+                <a:latin typeface="SourceCodePro-Regular"/>
+              </a:rPr>
+              <a:t>[</a:t>
+            </a:r>
+            <a:r>
+              <a:rPr lang="nl-NL" dirty="0">
+                <a:solidFill>
+                  <a:srgbClr val="3B5BB5"/>
+                </a:solidFill>
+                <a:latin typeface="SourceCodePro-Regular"/>
+              </a:rPr>
+              <a:t>0</a:t>
+            </a:r>
+            <a:r>
+              <a:rPr lang="nl-NL" dirty="0">
+                <a:solidFill>
+                  <a:prstClr val="black"/>
+                </a:solidFill>
+                <a:latin typeface="SourceCodePro-Regular"/>
+              </a:rPr>
+              <a:t>], </a:t>
             </a:r>
             <a:r>
               <a:rPr lang="nl-NL" dirty="0" err="1">
                 <a:solidFill>
-                  <a:schemeClr val="accent1">
-                    <a:alpha val="10000"/>
-                  </a:schemeClr>
+                  <a:prstClr val="black"/>
                 </a:solidFill>
                 <a:latin typeface="SourceCodePro-Regular"/>
               </a:rPr>
@@ -13330,9 +12551,7 @@
             <a:r>
               <a:rPr lang="nl-NL" dirty="0">
                 <a:solidFill>
-                  <a:schemeClr val="accent1">
-                    <a:alpha val="10000"/>
-                  </a:schemeClr>
+                  <a:prstClr val="black"/>
                 </a:solidFill>
                 <a:latin typeface="SourceCodePro-Regular"/>
               </a:rPr>
@@ -13341,9 +12560,7 @@
             <a:br>
               <a:rPr lang="nl-NL" dirty="0">
                 <a:solidFill>
-                  <a:schemeClr val="accent1">
-                    <a:alpha val="10000"/>
-                  </a:schemeClr>
+                  <a:prstClr val="black"/>
                 </a:solidFill>
                 <a:latin typeface="SourceCodePro-Regular"/>
               </a:rPr>
@@ -13351,9 +12568,7 @@
             <a:r>
               <a:rPr lang="nl-NL" dirty="0">
                 <a:solidFill>
-                  <a:schemeClr val="accent1">
-                    <a:alpha val="10000"/>
-                  </a:schemeClr>
+                  <a:prstClr val="black"/>
                 </a:solidFill>
                 <a:latin typeface="SourceCodePro-Regular"/>
               </a:rPr>
@@ -13362,9 +12577,7 @@
             <a:r>
               <a:rPr lang="nl-NL" dirty="0" err="1">
                 <a:solidFill>
-                  <a:schemeClr val="accent1">
-                    <a:alpha val="10000"/>
-                  </a:schemeClr>
+                  <a:prstClr val="black"/>
                 </a:solidFill>
                 <a:latin typeface="SourceCodePro-Regular"/>
               </a:rPr>
@@ -13373,20 +12586,34 @@
             <a:r>
               <a:rPr lang="nl-NL" dirty="0">
                 <a:solidFill>
-                  <a:schemeClr val="accent1">
-                    <a:alpha val="10000"/>
-                  </a:schemeClr>
-                </a:solidFill>
-                <a:latin typeface="SourceCodePro-Regular"/>
-              </a:rPr>
-              <a:t> = vmlal_u8(</a:t>
+                  <a:prstClr val="black"/>
+                </a:solidFill>
+                <a:latin typeface="SourceCodePro-Regular"/>
+              </a:rPr>
+              <a:t> = </a:t>
+            </a:r>
+            <a:r>
+              <a:rPr lang="nl-NL" dirty="0">
+                <a:solidFill>
+                  <a:srgbClr val="3B5BB5"/>
+                </a:solidFill>
+                <a:latin typeface="SourceCodePro-Regular"/>
+              </a:rPr>
+              <a:t>vmlal_u8</a:t>
+            </a:r>
+            <a:r>
+              <a:rPr lang="nl-NL" dirty="0">
+                <a:solidFill>
+                  <a:prstClr val="black"/>
+                </a:solidFill>
+                <a:latin typeface="SourceCodePro-Regular"/>
+              </a:rPr>
+              <a:t>(</a:t>
             </a:r>
             <a:r>
               <a:rPr lang="nl-NL" dirty="0" err="1">
                 <a:solidFill>
-                  <a:schemeClr val="accent1">
-                    <a:alpha val="10000"/>
-                  </a:schemeClr>
+                  <a:prstClr val="black"/>
                 </a:solidFill>
                 <a:latin typeface="SourceCodePro-Regular"/>
               </a:rPr>
@@ -13395,9 +12622,7 @@
             <a:r>
               <a:rPr lang="nl-NL" dirty="0">
                 <a:solidFill>
-                  <a:schemeClr val="accent1">
-                    <a:alpha val="10000"/>
-                  </a:schemeClr>
+                  <a:prstClr val="black"/>
                 </a:solidFill>
                 <a:latin typeface="SourceCodePro-Regular"/>
               </a:rPr>
@@ -13406,9 +12631,7 @@
             <a:r>
               <a:rPr lang="nl-NL" dirty="0" err="1" smtClean="0">
                 <a:solidFill>
-                  <a:schemeClr val="accent1">
-                    <a:alpha val="10000"/>
-                  </a:schemeClr>
+                  <a:prstClr val="black"/>
                 </a:solidFill>
                 <a:latin typeface="SourceCodePro-Regular"/>
               </a:rPr>
@@ -13417,20 +12640,34 @@
             <a:r>
               <a:rPr lang="nl-NL" dirty="0">
                 <a:solidFill>
-                  <a:schemeClr val="accent1">
-                    <a:alpha val="10000"/>
-                  </a:schemeClr>
-                </a:solidFill>
-                <a:latin typeface="SourceCodePro-Regular"/>
-              </a:rPr>
-              <a:t>[1], </a:t>
+                  <a:prstClr val="black"/>
+                </a:solidFill>
+                <a:latin typeface="SourceCodePro-Regular"/>
+              </a:rPr>
+              <a:t>[</a:t>
+            </a:r>
+            <a:r>
+              <a:rPr lang="nl-NL" dirty="0">
+                <a:solidFill>
+                  <a:srgbClr val="3B5BB5"/>
+                </a:solidFill>
+                <a:latin typeface="SourceCodePro-Regular"/>
+              </a:rPr>
+              <a:t>1</a:t>
+            </a:r>
+            <a:r>
+              <a:rPr lang="nl-NL" dirty="0">
+                <a:solidFill>
+                  <a:prstClr val="black"/>
+                </a:solidFill>
+                <a:latin typeface="SourceCodePro-Regular"/>
+              </a:rPr>
+              <a:t>], </a:t>
             </a:r>
             <a:r>
               <a:rPr lang="nl-NL" dirty="0" err="1">
                 <a:solidFill>
-                  <a:schemeClr val="accent1">
-                    <a:alpha val="10000"/>
-                  </a:schemeClr>
+                  <a:prstClr val="black"/>
                 </a:solidFill>
                 <a:latin typeface="SourceCodePro-Regular"/>
               </a:rPr>
@@ -13439,9 +12676,7 @@
             <a:r>
               <a:rPr lang="nl-NL" dirty="0">
                 <a:solidFill>
-                  <a:schemeClr val="accent1">
-                    <a:alpha val="10000"/>
-                  </a:schemeClr>
+                  <a:prstClr val="black"/>
                 </a:solidFill>
                 <a:latin typeface="SourceCodePro-Regular"/>
               </a:rPr>
@@ -13450,9 +12685,7 @@
             <a:br>
               <a:rPr lang="nl-NL" dirty="0">
                 <a:solidFill>
-                  <a:schemeClr val="accent1">
-                    <a:alpha val="10000"/>
-                  </a:schemeClr>
+                  <a:prstClr val="black"/>
                 </a:solidFill>
                 <a:latin typeface="SourceCodePro-Regular"/>
               </a:rPr>
@@ -13460,9 +12693,7 @@
             <a:r>
               <a:rPr lang="nl-NL" dirty="0">
                 <a:solidFill>
-                  <a:schemeClr val="accent1">
-                    <a:alpha val="10000"/>
-                  </a:schemeClr>
+                  <a:prstClr val="black"/>
                 </a:solidFill>
                 <a:latin typeface="SourceCodePro-Regular"/>
               </a:rPr>
@@ -13471,9 +12702,7 @@
             <a:r>
               <a:rPr lang="nl-NL" dirty="0" err="1">
                 <a:solidFill>
-                  <a:schemeClr val="accent1">
-                    <a:alpha val="10000"/>
-                  </a:schemeClr>
+                  <a:prstClr val="black"/>
                 </a:solidFill>
                 <a:latin typeface="SourceCodePro-Regular"/>
               </a:rPr>
@@ -13482,20 +12711,34 @@
             <a:r>
               <a:rPr lang="nl-NL" dirty="0">
                 <a:solidFill>
-                  <a:schemeClr val="accent1">
-                    <a:alpha val="10000"/>
-                  </a:schemeClr>
-                </a:solidFill>
-                <a:latin typeface="SourceCodePro-Regular"/>
-              </a:rPr>
-              <a:t> = vmlal_u8(</a:t>
+                  <a:prstClr val="black"/>
+                </a:solidFill>
+                <a:latin typeface="SourceCodePro-Regular"/>
+              </a:rPr>
+              <a:t> = </a:t>
+            </a:r>
+            <a:r>
+              <a:rPr lang="nl-NL" dirty="0">
+                <a:solidFill>
+                  <a:srgbClr val="3B5BB5"/>
+                </a:solidFill>
+                <a:latin typeface="SourceCodePro-Regular"/>
+              </a:rPr>
+              <a:t>vmlal_u8</a:t>
+            </a:r>
+            <a:r>
+              <a:rPr lang="nl-NL" dirty="0">
+                <a:solidFill>
+                  <a:prstClr val="black"/>
+                </a:solidFill>
+                <a:latin typeface="SourceCodePro-Regular"/>
+              </a:rPr>
+              <a:t>(</a:t>
             </a:r>
             <a:r>
               <a:rPr lang="nl-NL" dirty="0" err="1">
                 <a:solidFill>
-                  <a:schemeClr val="accent1">
-                    <a:alpha val="10000"/>
-                  </a:schemeClr>
+                  <a:prstClr val="black"/>
                 </a:solidFill>
                 <a:latin typeface="SourceCodePro-Regular"/>
               </a:rPr>
@@ -13504,9 +12747,7 @@
             <a:r>
               <a:rPr lang="nl-NL" dirty="0">
                 <a:solidFill>
-                  <a:schemeClr val="accent1">
-                    <a:alpha val="10000"/>
-                  </a:schemeClr>
+                  <a:prstClr val="black"/>
                 </a:solidFill>
                 <a:latin typeface="SourceCodePro-Regular"/>
               </a:rPr>
@@ -13515,9 +12756,7 @@
             <a:r>
               <a:rPr lang="nl-NL" dirty="0" err="1" smtClean="0">
                 <a:solidFill>
-                  <a:schemeClr val="accent1">
-                    <a:alpha val="10000"/>
-                  </a:schemeClr>
+                  <a:prstClr val="black"/>
                 </a:solidFill>
                 <a:latin typeface="SourceCodePro-Regular"/>
               </a:rPr>
@@ -13526,20 +12765,34 @@
             <a:r>
               <a:rPr lang="nl-NL" dirty="0">
                 <a:solidFill>
-                  <a:schemeClr val="accent1">
-                    <a:alpha val="10000"/>
-                  </a:schemeClr>
-                </a:solidFill>
-                <a:latin typeface="SourceCodePro-Regular"/>
-              </a:rPr>
-              <a:t>[2], </a:t>
+                  <a:prstClr val="black"/>
+                </a:solidFill>
+                <a:latin typeface="SourceCodePro-Regular"/>
+              </a:rPr>
+              <a:t>[</a:t>
+            </a:r>
+            <a:r>
+              <a:rPr lang="nl-NL" dirty="0">
+                <a:solidFill>
+                  <a:srgbClr val="3B5BB5"/>
+                </a:solidFill>
+                <a:latin typeface="SourceCodePro-Regular"/>
+              </a:rPr>
+              <a:t>2</a:t>
+            </a:r>
+            <a:r>
+              <a:rPr lang="nl-NL" dirty="0">
+                <a:solidFill>
+                  <a:prstClr val="black"/>
+                </a:solidFill>
+                <a:latin typeface="SourceCodePro-Regular"/>
+              </a:rPr>
+              <a:t>], </a:t>
             </a:r>
             <a:r>
               <a:rPr lang="nl-NL" dirty="0" err="1">
                 <a:solidFill>
-                  <a:schemeClr val="accent1">
-                    <a:alpha val="10000"/>
-                  </a:schemeClr>
+                  <a:prstClr val="black"/>
                 </a:solidFill>
                 <a:latin typeface="SourceCodePro-Regular"/>
               </a:rPr>
@@ -13548,9 +12801,7 @@
             <a:r>
               <a:rPr lang="nl-NL" dirty="0">
                 <a:solidFill>
-                  <a:schemeClr val="accent1">
-                    <a:alpha val="10000"/>
-                  </a:schemeClr>
+                  <a:prstClr val="black"/>
                 </a:solidFill>
                 <a:latin typeface="SourceCodePro-Regular"/>
               </a:rPr>
@@ -13559,9 +12810,7 @@
             <a:br>
               <a:rPr lang="nl-NL" dirty="0">
                 <a:solidFill>
-                  <a:schemeClr val="accent1">
-                    <a:alpha val="10000"/>
-                  </a:schemeClr>
+                  <a:prstClr val="black"/>
                 </a:solidFill>
                 <a:latin typeface="SourceCodePro-Regular"/>
               </a:rPr>
@@ -13569,9 +12818,7 @@
             <a:r>
               <a:rPr lang="nl-NL" dirty="0">
                 <a:solidFill>
-                  <a:schemeClr val="accent1">
-                    <a:alpha val="10000"/>
-                  </a:schemeClr>
+                  <a:prstClr val="black"/>
                 </a:solidFill>
                 <a:latin typeface="SourceCodePro-Regular"/>
               </a:rPr>
@@ -13580,9 +12827,7 @@
             <a:br>
               <a:rPr lang="nl-NL" dirty="0">
                 <a:solidFill>
-                  <a:schemeClr val="accent1">
-                    <a:alpha val="10000"/>
-                  </a:schemeClr>
+                  <a:prstClr val="black"/>
                 </a:solidFill>
                 <a:latin typeface="SourceCodePro-Regular"/>
               </a:rPr>
@@ -13590,9 +12835,7 @@
             <a:r>
               <a:rPr lang="nl-NL" dirty="0">
                 <a:solidFill>
-                  <a:schemeClr val="accent1">
-                    <a:alpha val="10000"/>
-                  </a:schemeClr>
+                  <a:prstClr val="black"/>
                 </a:solidFill>
                 <a:latin typeface="SourceCodePro-Regular"/>
               </a:rPr>
@@ -13601,9 +12844,7 @@
             <a:r>
               <a:rPr lang="nl-NL" dirty="0" err="1">
                 <a:solidFill>
-                  <a:schemeClr val="accent1">
-                    <a:alpha val="10000"/>
-                  </a:schemeClr>
+                  <a:prstClr val="black"/>
                 </a:solidFill>
                 <a:latin typeface="SourceCodePro-Regular"/>
               </a:rPr>
@@ -13612,20 +12853,34 @@
             <a:r>
               <a:rPr lang="nl-NL" dirty="0">
                 <a:solidFill>
-                  <a:schemeClr val="accent1">
-                    <a:alpha val="10000"/>
-                  </a:schemeClr>
-                </a:solidFill>
-                <a:latin typeface="SourceCodePro-Regular"/>
-              </a:rPr>
-              <a:t> = vshrn_n_u16(</a:t>
+                  <a:prstClr val="black"/>
+                </a:solidFill>
+                <a:latin typeface="SourceCodePro-Regular"/>
+              </a:rPr>
+              <a:t> = </a:t>
+            </a:r>
+            <a:r>
+              <a:rPr lang="nl-NL" dirty="0">
+                <a:solidFill>
+                  <a:srgbClr val="3B5BB5"/>
+                </a:solidFill>
+                <a:latin typeface="SourceCodePro-Regular"/>
+              </a:rPr>
+              <a:t>vshrn_n_u16</a:t>
+            </a:r>
+            <a:r>
+              <a:rPr lang="nl-NL" dirty="0">
+                <a:solidFill>
+                  <a:prstClr val="black"/>
+                </a:solidFill>
+                <a:latin typeface="SourceCodePro-Regular"/>
+              </a:rPr>
+              <a:t>(</a:t>
             </a:r>
             <a:r>
               <a:rPr lang="nl-NL" dirty="0" err="1">
                 <a:solidFill>
-                  <a:schemeClr val="accent1">
-                    <a:alpha val="10000"/>
-                  </a:schemeClr>
+                  <a:prstClr val="black"/>
                 </a:solidFill>
                 <a:latin typeface="SourceCodePro-Regular"/>
               </a:rPr>
@@ -13634,20 +12889,34 @@
             <a:r>
               <a:rPr lang="nl-NL" dirty="0">
                 <a:solidFill>
-                  <a:schemeClr val="accent1">
-                    <a:alpha val="10000"/>
-                  </a:schemeClr>
-                </a:solidFill>
-                <a:latin typeface="SourceCodePro-Regular"/>
-              </a:rPr>
-              <a:t>, 8);</a:t>
+                  <a:prstClr val="black"/>
+                </a:solidFill>
+                <a:latin typeface="SourceCodePro-Regular"/>
+              </a:rPr>
+              <a:t>, </a:t>
+            </a:r>
+            <a:r>
+              <a:rPr lang="nl-NL" dirty="0">
+                <a:solidFill>
+                  <a:srgbClr val="3B5BB5"/>
+                </a:solidFill>
+                <a:latin typeface="SourceCodePro-Regular"/>
+              </a:rPr>
+              <a:t>8</a:t>
+            </a:r>
+            <a:r>
+              <a:rPr lang="nl-NL" dirty="0">
+                <a:solidFill>
+                  <a:prstClr val="black"/>
+                </a:solidFill>
+                <a:latin typeface="SourceCodePro-Regular"/>
+              </a:rPr>
+              <a:t>);</a:t>
             </a:r>
             <a:br>
               <a:rPr lang="nl-NL" dirty="0">
                 <a:solidFill>
-                  <a:schemeClr val="accent1">
-                    <a:alpha val="10000"/>
-                  </a:schemeClr>
+                  <a:prstClr val="black"/>
                 </a:solidFill>
                 <a:latin typeface="SourceCodePro-Regular"/>
               </a:rPr>
@@ -13655,20 +12924,34 @@
             <a:r>
               <a:rPr lang="nl-NL" dirty="0">
                 <a:solidFill>
-                  <a:schemeClr val="accent1">
-                    <a:alpha val="10000"/>
-                  </a:schemeClr>
-                </a:solidFill>
-                <a:latin typeface="SourceCodePro-Regular"/>
-              </a:rPr>
-              <a:t>    vst1_u8(</a:t>
+                  <a:prstClr val="black"/>
+                </a:solidFill>
+                <a:latin typeface="SourceCodePro-Regular"/>
+              </a:rPr>
+              <a:t>    </a:t>
+            </a:r>
+            <a:r>
+              <a:rPr lang="nl-NL" dirty="0">
+                <a:solidFill>
+                  <a:srgbClr val="3B5BB5"/>
+                </a:solidFill>
+                <a:latin typeface="SourceCodePro-Regular"/>
+              </a:rPr>
+              <a:t>vst1_u8</a:t>
+            </a:r>
+            <a:r>
+              <a:rPr lang="nl-NL" dirty="0">
+                <a:solidFill>
+                  <a:prstClr val="black"/>
+                </a:solidFill>
+                <a:latin typeface="SourceCodePro-Regular"/>
+              </a:rPr>
+              <a:t>(</a:t>
             </a:r>
             <a:r>
               <a:rPr lang="nl-NL" dirty="0" err="1">
                 <a:solidFill>
-                  <a:schemeClr val="accent1">
-                    <a:alpha val="10000"/>
-                  </a:schemeClr>
+                  <a:prstClr val="black"/>
                 </a:solidFill>
                 <a:latin typeface="SourceCodePro-Regular"/>
               </a:rPr>
@@ -13677,9 +12960,7 @@
             <a:r>
               <a:rPr lang="nl-NL" dirty="0">
                 <a:solidFill>
-                  <a:schemeClr val="accent1">
-                    <a:alpha val="10000"/>
-                  </a:schemeClr>
+                  <a:prstClr val="black"/>
                 </a:solidFill>
                 <a:latin typeface="SourceCodePro-Regular"/>
               </a:rPr>
@@ -13688,9 +12969,7 @@
             <a:r>
               <a:rPr lang="nl-NL" dirty="0" err="1">
                 <a:solidFill>
-                  <a:schemeClr val="accent1">
-                    <a:alpha val="10000"/>
-                  </a:schemeClr>
+                  <a:prstClr val="black"/>
                 </a:solidFill>
                 <a:latin typeface="SourceCodePro-Regular"/>
               </a:rPr>
@@ -13699,9 +12978,7 @@
             <a:r>
               <a:rPr lang="nl-NL" dirty="0">
                 <a:solidFill>
-                  <a:schemeClr val="accent1">
-                    <a:alpha val="10000"/>
-                  </a:schemeClr>
+                  <a:prstClr val="black"/>
                 </a:solidFill>
                 <a:latin typeface="SourceCodePro-Regular"/>
               </a:rPr>
@@ -13710,9 +12987,7 @@
             <a:br>
               <a:rPr lang="nl-NL" dirty="0">
                 <a:solidFill>
-                  <a:schemeClr val="accent1">
-                    <a:alpha val="10000"/>
-                  </a:schemeClr>
+                  <a:prstClr val="black"/>
                 </a:solidFill>
                 <a:latin typeface="SourceCodePro-Regular"/>
               </a:rPr>
@@ -13720,9 +12995,7 @@
             <a:r>
               <a:rPr lang="nl-NL" dirty="0">
                 <a:solidFill>
-                  <a:schemeClr val="accent1">
-                    <a:alpha val="10000"/>
-                  </a:schemeClr>
+                  <a:prstClr val="black"/>
                 </a:solidFill>
                 <a:latin typeface="SourceCodePro-Regular"/>
               </a:rPr>
@@ -13731,9 +13004,7 @@
             <a:br>
               <a:rPr lang="nl-NL" dirty="0">
                 <a:solidFill>
-                  <a:schemeClr val="accent1">
-                    <a:alpha val="10000"/>
-                  </a:schemeClr>
+                  <a:prstClr val="black"/>
                 </a:solidFill>
                 <a:latin typeface="SourceCodePro-Regular"/>
               </a:rPr>
@@ -13741,9 +13012,7 @@
             <a:r>
               <a:rPr lang="nl-NL" dirty="0">
                 <a:solidFill>
-                  <a:schemeClr val="accent1">
-                    <a:alpha val="10000"/>
-                  </a:schemeClr>
+                  <a:prstClr val="black"/>
                 </a:solidFill>
                 <a:latin typeface="SourceCodePro-Regular"/>
               </a:rPr>
@@ -13752,9 +13021,7 @@
             <a:r>
               <a:rPr lang="nl-NL" dirty="0" err="1">
                 <a:solidFill>
-                  <a:schemeClr val="accent1">
-                    <a:alpha val="10000"/>
-                  </a:schemeClr>
+                  <a:prstClr val="black"/>
                 </a:solidFill>
                 <a:latin typeface="SourceCodePro-Regular"/>
               </a:rPr>
@@ -13763,9 +13030,7 @@
             <a:r>
               <a:rPr lang="nl-NL" dirty="0">
                 <a:solidFill>
-                  <a:schemeClr val="accent1">
-                    <a:alpha val="10000"/>
-                  </a:schemeClr>
+                  <a:prstClr val="black"/>
                 </a:solidFill>
                 <a:latin typeface="SourceCodePro-Regular"/>
               </a:rPr>
@@ -13774,9 +13039,7 @@
             <a:br>
               <a:rPr lang="nl-NL" dirty="0">
                 <a:solidFill>
-                  <a:schemeClr val="accent1">
-                    <a:alpha val="10000"/>
-                  </a:schemeClr>
+                  <a:prstClr val="black"/>
                 </a:solidFill>
                 <a:latin typeface="SourceCodePro-Regular"/>
               </a:rPr>
@@ -13784,9 +13047,7 @@
             <a:r>
               <a:rPr lang="nl-NL" dirty="0">
                 <a:solidFill>
-                  <a:schemeClr val="accent1">
-                    <a:alpha val="10000"/>
-                  </a:schemeClr>
+                  <a:prstClr val="black"/>
                 </a:solidFill>
                 <a:latin typeface="SourceCodePro-Regular"/>
               </a:rPr>
@@ -13795,9 +13056,7 @@
             <a:r>
               <a:rPr lang="nl-NL" dirty="0" err="1">
                 <a:solidFill>
-                  <a:schemeClr val="accent1">
-                    <a:alpha val="10000"/>
-                  </a:schemeClr>
+                  <a:prstClr val="black"/>
                 </a:solidFill>
                 <a:latin typeface="SourceCodePro-Regular"/>
               </a:rPr>
@@ -13806,22 +13065,11 @@
             <a:r>
               <a:rPr lang="nl-NL" dirty="0">
                 <a:solidFill>
-                  <a:schemeClr val="accent1">
-                    <a:alpha val="10000"/>
-                  </a:schemeClr>
+                  <a:prstClr val="black"/>
                 </a:solidFill>
                 <a:latin typeface="SourceCodePro-Regular"/>
               </a:rPr>
               <a:t> += FACTOR;</a:t>
-            </a:r>
-            <a:r>
-              <a:rPr lang="nl-NL" dirty="0">
-                <a:solidFill>
-                  <a:prstClr val="black"/>
-                </a:solidFill>
-                <a:latin typeface="SourceCodePro-Regular"/>
-              </a:rPr>
-              <a:t/>
             </a:r>
             <a:br>
               <a:rPr lang="nl-NL" dirty="0">
@@ -13855,7 +13103,7 @@
         <p:spPr>
           <a:xfrm>
             <a:off x="1675443" y="2256165"/>
-            <a:ext cx="1702466" cy="283710"/>
+            <a:ext cx="4620980" cy="580930"/>
           </a:xfrm>
           <a:prstGeom prst="roundRect">
             <a:avLst/>
@@ -13896,14 +13144,14 @@
       </p:sp>
       <p:sp>
         <p:nvSpPr>
-          <p:cNvPr id="8" name="TextBox 7"/>
+          <p:cNvPr id="6" name="TextBox 5"/>
           <p:cNvSpPr txBox="1"/>
           <p:nvPr/>
         </p:nvSpPr>
         <p:spPr>
           <a:xfrm>
-            <a:off x="0" y="3338395"/>
-            <a:ext cx="9143999" cy="923330"/>
+            <a:off x="6296423" y="2301081"/>
+            <a:ext cx="2888231" cy="461665"/>
           </a:xfrm>
           <a:prstGeom prst="rect">
             <a:avLst/>
@@ -13911,130 +13159,23 @@
           <a:noFill/>
         </p:spPr>
         <p:txBody>
-          <a:bodyPr wrap="square" rtlCol="0">
+          <a:bodyPr wrap="none" rtlCol="0">
             <a:spAutoFit/>
           </a:bodyPr>
           <a:lstStyle/>
           <a:p>
-            <a:pPr algn="ctr"/>
-            <a:r>
-              <a:rPr lang="nl-NL" sz="5400" dirty="0">
+            <a:r>
+              <a:rPr lang="en-US" sz="2400" dirty="0" smtClean="0">
                 <a:solidFill>
                   <a:schemeClr val="accent2"/>
                 </a:solidFill>
-                <a:latin typeface="SourceCodePro-Regular"/>
-              </a:rPr>
-              <a:t>uint8</a:t>
-            </a:r>
-            <a:r>
-              <a:rPr lang="nl-NL" sz="5400" dirty="0">
-                <a:solidFill>
-                  <a:prstClr val="black"/>
-                </a:solidFill>
-                <a:latin typeface="SourceCodePro-Regular"/>
-              </a:rPr>
-              <a:t>x</a:t>
-            </a:r>
-            <a:r>
-              <a:rPr lang="nl-NL" sz="5400" dirty="0">
-                <a:solidFill>
-                  <a:schemeClr val="accent3"/>
-                </a:solidFill>
-                <a:latin typeface="SourceCodePro-Regular"/>
-              </a:rPr>
-              <a:t>8</a:t>
-            </a:r>
-            <a:r>
-              <a:rPr lang="nl-NL" sz="5400" dirty="0">
-                <a:solidFill>
-                  <a:prstClr val="black"/>
-                </a:solidFill>
-                <a:latin typeface="SourceCodePro-Regular"/>
-              </a:rPr>
-              <a:t>x</a:t>
-            </a:r>
-            <a:r>
-              <a:rPr lang="nl-NL" sz="5400" dirty="0">
-                <a:solidFill>
-                  <a:schemeClr val="accent6"/>
-                </a:solidFill>
-                <a:latin typeface="SourceCodePro-Regular"/>
-              </a:rPr>
-              <a:t>3</a:t>
-            </a:r>
-            <a:r>
-              <a:rPr lang="nl-NL" sz="5400" dirty="0">
-                <a:solidFill>
-                  <a:prstClr val="black"/>
-                </a:solidFill>
-                <a:latin typeface="SourceCodePro-Regular"/>
-              </a:rPr>
-              <a:t>_t</a:t>
-            </a:r>
-            <a:endParaRPr lang="en-US" sz="5400" dirty="0">
-              <a:latin typeface="HelveticaNeueLT Com 45 Lt"/>
-            </a:endParaRPr>
-          </a:p>
-        </p:txBody>
-      </p:sp>
-      <p:sp>
-        <p:nvSpPr>
-          <p:cNvPr id="9" name="TextBox 8"/>
-          <p:cNvSpPr txBox="1"/>
-          <p:nvPr/>
-        </p:nvSpPr>
-        <p:spPr>
-          <a:xfrm>
-            <a:off x="1999721" y="4344395"/>
-            <a:ext cx="5323585" cy="1754327"/>
-          </a:xfrm>
-          <a:prstGeom prst="rect">
-            <a:avLst/>
-          </a:prstGeom>
-          <a:noFill/>
-        </p:spPr>
-        <p:txBody>
-          <a:bodyPr wrap="square" rtlCol="0">
-            <a:spAutoFit/>
-          </a:bodyPr>
-          <a:lstStyle/>
-          <a:p>
-            <a:r>
-              <a:rPr lang="en-US" sz="3600" dirty="0" smtClean="0">
-                <a:solidFill>
-                  <a:schemeClr val="accent2"/>
-                </a:solidFill>
                 <a:latin typeface="HelveticaNeueLT Com 45 Lt"/>
               </a:rPr>
-              <a:t>Type</a:t>
-            </a:r>
-          </a:p>
-          <a:p>
-            <a:pPr algn="ctr"/>
-            <a:r>
-              <a:rPr lang="en-US" sz="3600" dirty="0" smtClean="0">
-                <a:solidFill>
-                  <a:schemeClr val="accent3"/>
-                </a:solidFill>
-                <a:latin typeface="HelveticaNeueLT Com 45 Lt"/>
-              </a:rPr>
-              <a:t># of Elements</a:t>
-            </a:r>
-          </a:p>
-          <a:p>
-            <a:pPr algn="r"/>
-            <a:r>
-              <a:rPr lang="en-US" sz="3600" dirty="0" smtClean="0">
-                <a:solidFill>
-                  <a:schemeClr val="accent6"/>
-                </a:solidFill>
-                <a:latin typeface="HelveticaNeueLT Com 45 Lt"/>
-              </a:rPr>
-              <a:t># of Registers</a:t>
-            </a:r>
-            <a:endParaRPr lang="en-US" sz="3600" dirty="0">
+              <a:t>Load (3 Interleaved)</a:t>
+            </a:r>
+            <a:endParaRPr lang="en-US" sz="2400" dirty="0">
               <a:solidFill>
-                <a:schemeClr val="accent6"/>
+                <a:schemeClr val="accent2"/>
               </a:solidFill>
               <a:latin typeface="HelveticaNeueLT Com 45 Lt"/>
             </a:endParaRPr>
@@ -14044,7 +13185,7 @@
     </p:spTree>
     <p:extLst>
       <p:ext uri="{BB962C8B-B14F-4D97-AF65-F5344CB8AC3E}">
-        <p14:creationId xmlns:p14="http://schemas.microsoft.com/office/powerpoint/2010/main" val="2300281688"/>
+        <p14:creationId xmlns:p14="http://schemas.microsoft.com/office/powerpoint/2010/main" val="144447164"/>
       </p:ext>
     </p:extLst>
   </p:cSld>
@@ -14996,6 +14137,1108 @@
           </a:p>
         </p:txBody>
       </p:sp>
+      <p:sp>
+        <p:nvSpPr>
+          <p:cNvPr id="8" name="TextBox 7"/>
+          <p:cNvSpPr txBox="1"/>
+          <p:nvPr/>
+        </p:nvSpPr>
+        <p:spPr>
+          <a:xfrm>
+            <a:off x="0" y="3338395"/>
+            <a:ext cx="9143999" cy="923330"/>
+          </a:xfrm>
+          <a:prstGeom prst="rect">
+            <a:avLst/>
+          </a:prstGeom>
+          <a:noFill/>
+        </p:spPr>
+        <p:txBody>
+          <a:bodyPr wrap="square" rtlCol="0">
+            <a:spAutoFit/>
+          </a:bodyPr>
+          <a:lstStyle/>
+          <a:p>
+            <a:pPr algn="ctr"/>
+            <a:r>
+              <a:rPr lang="nl-NL" sz="5400" dirty="0">
+                <a:solidFill>
+                  <a:schemeClr val="accent2"/>
+                </a:solidFill>
+                <a:latin typeface="SourceCodePro-Regular"/>
+              </a:rPr>
+              <a:t>uint8</a:t>
+            </a:r>
+            <a:r>
+              <a:rPr lang="nl-NL" sz="5400" dirty="0">
+                <a:solidFill>
+                  <a:prstClr val="black"/>
+                </a:solidFill>
+                <a:latin typeface="SourceCodePro-Regular"/>
+              </a:rPr>
+              <a:t>x</a:t>
+            </a:r>
+            <a:r>
+              <a:rPr lang="nl-NL" sz="5400" dirty="0">
+                <a:solidFill>
+                  <a:schemeClr val="accent3"/>
+                </a:solidFill>
+                <a:latin typeface="SourceCodePro-Regular"/>
+              </a:rPr>
+              <a:t>8</a:t>
+            </a:r>
+            <a:r>
+              <a:rPr lang="nl-NL" sz="5400" dirty="0">
+                <a:solidFill>
+                  <a:prstClr val="black"/>
+                </a:solidFill>
+                <a:latin typeface="SourceCodePro-Regular"/>
+              </a:rPr>
+              <a:t>x</a:t>
+            </a:r>
+            <a:r>
+              <a:rPr lang="nl-NL" sz="5400" dirty="0">
+                <a:solidFill>
+                  <a:schemeClr val="accent6"/>
+                </a:solidFill>
+                <a:latin typeface="SourceCodePro-Regular"/>
+              </a:rPr>
+              <a:t>3</a:t>
+            </a:r>
+            <a:r>
+              <a:rPr lang="nl-NL" sz="5400" dirty="0">
+                <a:solidFill>
+                  <a:prstClr val="black"/>
+                </a:solidFill>
+                <a:latin typeface="SourceCodePro-Regular"/>
+              </a:rPr>
+              <a:t>_t</a:t>
+            </a:r>
+            <a:endParaRPr lang="en-US" sz="5400" dirty="0">
+              <a:latin typeface="HelveticaNeueLT Com 45 Lt"/>
+            </a:endParaRPr>
+          </a:p>
+        </p:txBody>
+      </p:sp>
+      <p:sp>
+        <p:nvSpPr>
+          <p:cNvPr id="9" name="TextBox 8"/>
+          <p:cNvSpPr txBox="1"/>
+          <p:nvPr/>
+        </p:nvSpPr>
+        <p:spPr>
+          <a:xfrm>
+            <a:off x="1999721" y="4344395"/>
+            <a:ext cx="5323585" cy="1754327"/>
+          </a:xfrm>
+          <a:prstGeom prst="rect">
+            <a:avLst/>
+          </a:prstGeom>
+          <a:noFill/>
+        </p:spPr>
+        <p:txBody>
+          <a:bodyPr wrap="square" rtlCol="0">
+            <a:spAutoFit/>
+          </a:bodyPr>
+          <a:lstStyle/>
+          <a:p>
+            <a:r>
+              <a:rPr lang="en-US" sz="3600" dirty="0" smtClean="0">
+                <a:solidFill>
+                  <a:schemeClr val="accent2"/>
+                </a:solidFill>
+                <a:latin typeface="HelveticaNeueLT Com 45 Lt"/>
+              </a:rPr>
+              <a:t>Type</a:t>
+            </a:r>
+          </a:p>
+          <a:p>
+            <a:pPr algn="ctr"/>
+            <a:r>
+              <a:rPr lang="en-US" sz="3600" dirty="0" smtClean="0">
+                <a:solidFill>
+                  <a:schemeClr val="accent3"/>
+                </a:solidFill>
+                <a:latin typeface="HelveticaNeueLT Com 45 Lt"/>
+              </a:rPr>
+              <a:t># of Elements</a:t>
+            </a:r>
+          </a:p>
+          <a:p>
+            <a:pPr algn="r"/>
+            <a:r>
+              <a:rPr lang="en-US" sz="3600" dirty="0" smtClean="0">
+                <a:solidFill>
+                  <a:schemeClr val="accent6"/>
+                </a:solidFill>
+                <a:latin typeface="HelveticaNeueLT Com 45 Lt"/>
+              </a:rPr>
+              <a:t># of Registers</a:t>
+            </a:r>
+            <a:endParaRPr lang="en-US" sz="3600" dirty="0">
+              <a:solidFill>
+                <a:schemeClr val="accent6"/>
+              </a:solidFill>
+              <a:latin typeface="HelveticaNeueLT Com 45 Lt"/>
+            </a:endParaRPr>
+          </a:p>
+        </p:txBody>
+      </p:sp>
+    </p:spTree>
+    <p:extLst>
+      <p:ext uri="{BB962C8B-B14F-4D97-AF65-F5344CB8AC3E}">
+        <p14:creationId xmlns:p14="http://schemas.microsoft.com/office/powerpoint/2010/main" val="2300281688"/>
+      </p:ext>
+    </p:extLst>
+  </p:cSld>
+  <p:clrMapOvr>
+    <a:masterClrMapping/>
+  </p:clrMapOvr>
+  <p:timing>
+    <p:tnLst>
+      <p:par>
+        <p:cTn xmlns:p14="http://schemas.microsoft.com/office/powerpoint/2010/main" id="1" dur="indefinite" restart="never" nodeType="tmRoot"/>
+      </p:par>
+    </p:tnLst>
+  </p:timing>
+</p:sld>
+</file>
+
+<file path=ppt/slides/slide32.xml><?xml version="1.0" encoding="utf-8"?>
+<p:sld xmlns:a="http://schemas.openxmlformats.org/drawingml/2006/main" xmlns:r="http://schemas.openxmlformats.org/officeDocument/2006/relationships" xmlns:p="http://schemas.openxmlformats.org/presentationml/2006/main">
+  <p:cSld>
+    <p:spTree>
+      <p:nvGrpSpPr>
+        <p:cNvPr id="1" name=""/>
+        <p:cNvGrpSpPr/>
+        <p:nvPr/>
+      </p:nvGrpSpPr>
+      <p:grpSpPr>
+        <a:xfrm>
+          <a:off x="0" y="0"/>
+          <a:ext cx="0" cy="0"/>
+          <a:chOff x="0" y="0"/>
+          <a:chExt cx="0" cy="0"/>
+        </a:xfrm>
+      </p:grpSpPr>
+      <p:sp>
+        <p:nvSpPr>
+          <p:cNvPr id="2" name="Title 1"/>
+          <p:cNvSpPr>
+            <a:spLocks noGrp="1"/>
+          </p:cNvSpPr>
+          <p:nvPr>
+            <p:ph type="title"/>
+          </p:nvPr>
+        </p:nvSpPr>
+        <p:spPr/>
+        <p:txBody>
+          <a:bodyPr>
+            <a:normAutofit fontScale="90000"/>
+          </a:bodyPr>
+          <a:lstStyle/>
+          <a:p>
+            <a:r>
+              <a:rPr lang="en-US" dirty="0" smtClean="0"/>
+              <a:t>Single Instruction – Multiple data</a:t>
+            </a:r>
+            <a:br>
+              <a:rPr lang="en-US" dirty="0" smtClean="0"/>
+            </a:br>
+            <a:r>
+              <a:rPr lang="en-US" sz="2800" dirty="0" smtClean="0">
+                <a:solidFill>
+                  <a:schemeClr val="bg1">
+                    <a:lumMod val="50000"/>
+                  </a:schemeClr>
+                </a:solidFill>
+              </a:rPr>
+              <a:t>Converting to gray scale</a:t>
+            </a:r>
+            <a:endParaRPr lang="en-US" dirty="0"/>
+          </a:p>
+        </p:txBody>
+      </p:sp>
+      <p:sp>
+        <p:nvSpPr>
+          <p:cNvPr id="4" name="Slide Number Placeholder 3"/>
+          <p:cNvSpPr>
+            <a:spLocks noGrp="1"/>
+          </p:cNvSpPr>
+          <p:nvPr>
+            <p:ph type="sldNum" sz="quarter" idx="12"/>
+          </p:nvPr>
+        </p:nvSpPr>
+        <p:spPr/>
+        <p:txBody>
+          <a:bodyPr/>
+          <a:lstStyle/>
+          <a:p>
+            <a:fld id="{0A3E316F-3D65-2744-BC5B-55B8D60FFFDF}" type="slidenum">
+              <a:rPr lang="en-US" smtClean="0"/>
+              <a:t>32</a:t>
+            </a:fld>
+            <a:endParaRPr lang="en-US"/>
+          </a:p>
+        </p:txBody>
+      </p:sp>
+      <p:sp>
+        <p:nvSpPr>
+          <p:cNvPr id="3" name="Rectangle 2"/>
+          <p:cNvSpPr/>
+          <p:nvPr/>
+        </p:nvSpPr>
+        <p:spPr>
+          <a:xfrm>
+            <a:off x="1137506" y="1930200"/>
+            <a:ext cx="6712750" cy="3970318"/>
+          </a:xfrm>
+          <a:prstGeom prst="rect">
+            <a:avLst/>
+          </a:prstGeom>
+        </p:spPr>
+        <p:txBody>
+          <a:bodyPr wrap="square">
+            <a:spAutoFit/>
+          </a:bodyPr>
+          <a:lstStyle/>
+          <a:p>
+            <a:r>
+              <a:rPr lang="nl-NL" dirty="0" err="1">
+                <a:solidFill>
+                  <a:srgbClr val="FF7800"/>
+                </a:solidFill>
+                <a:latin typeface="SourceCodePro-Regular"/>
+              </a:rPr>
+              <a:t>for</a:t>
+            </a:r>
+            <a:r>
+              <a:rPr lang="nl-NL" dirty="0">
+                <a:solidFill>
+                  <a:prstClr val="black"/>
+                </a:solidFill>
+                <a:latin typeface="SourceCodePro-Regular"/>
+              </a:rPr>
+              <a:t>(</a:t>
+            </a:r>
+            <a:r>
+              <a:rPr lang="nl-NL" dirty="0">
+                <a:solidFill>
+                  <a:srgbClr val="FF7800"/>
+                </a:solidFill>
+                <a:latin typeface="SourceCodePro-Regular"/>
+              </a:rPr>
+              <a:t>int</a:t>
+            </a:r>
+            <a:r>
+              <a:rPr lang="nl-NL" dirty="0">
+                <a:solidFill>
+                  <a:prstClr val="black"/>
+                </a:solidFill>
+                <a:latin typeface="SourceCodePro-Regular"/>
+              </a:rPr>
+              <a:t> i=</a:t>
+            </a:r>
+            <a:r>
+              <a:rPr lang="nl-NL" dirty="0">
+                <a:solidFill>
+                  <a:srgbClr val="3B5BB5"/>
+                </a:solidFill>
+                <a:latin typeface="SourceCodePro-Regular"/>
+              </a:rPr>
+              <a:t>0</a:t>
+            </a:r>
+            <a:r>
+              <a:rPr lang="nl-NL" dirty="0">
+                <a:solidFill>
+                  <a:prstClr val="black"/>
+                </a:solidFill>
+                <a:latin typeface="SourceCodePro-Regular"/>
+              </a:rPr>
+              <a:t>; i &lt; pixels; i += FACTOR) {</a:t>
+            </a:r>
+            <a:br>
+              <a:rPr lang="nl-NL" dirty="0">
+                <a:solidFill>
+                  <a:prstClr val="black"/>
+                </a:solidFill>
+                <a:latin typeface="SourceCodePro-Regular"/>
+              </a:rPr>
+            </a:br>
+            <a:r>
+              <a:rPr lang="nl-NL" dirty="0">
+                <a:solidFill>
+                  <a:prstClr val="black"/>
+                </a:solidFill>
+                <a:latin typeface="SourceCodePro-Regular"/>
+              </a:rPr>
+              <a:t>    uint8x8x3_t </a:t>
+            </a:r>
+            <a:r>
+              <a:rPr lang="nl-NL" dirty="0" err="1" smtClean="0">
+                <a:solidFill>
+                  <a:prstClr val="black"/>
+                </a:solidFill>
+                <a:latin typeface="SourceCodePro-Regular"/>
+              </a:rPr>
+              <a:t>rgb</a:t>
+            </a:r>
+            <a:r>
+              <a:rPr lang="nl-NL" dirty="0" smtClean="0">
+                <a:solidFill>
+                  <a:prstClr val="black"/>
+                </a:solidFill>
+                <a:latin typeface="SourceCodePro-Regular"/>
+              </a:rPr>
+              <a:t> </a:t>
+            </a:r>
+            <a:r>
+              <a:rPr lang="nl-NL" dirty="0">
+                <a:solidFill>
+                  <a:prstClr val="black"/>
+                </a:solidFill>
+                <a:latin typeface="SourceCodePro-Regular"/>
+              </a:rPr>
+              <a:t>= </a:t>
+            </a:r>
+            <a:r>
+              <a:rPr lang="nl-NL" dirty="0">
+                <a:solidFill>
+                  <a:srgbClr val="3B5BB5"/>
+                </a:solidFill>
+                <a:latin typeface="SourceCodePro-Regular"/>
+              </a:rPr>
+              <a:t>vld3_u8</a:t>
+            </a:r>
+            <a:r>
+              <a:rPr lang="nl-NL" dirty="0">
+                <a:solidFill>
+                  <a:prstClr val="black"/>
+                </a:solidFill>
+                <a:latin typeface="SourceCodePro-Regular"/>
+              </a:rPr>
+              <a:t>(</a:t>
+            </a:r>
+            <a:r>
+              <a:rPr lang="nl-NL" dirty="0" err="1">
+                <a:solidFill>
+                  <a:prstClr val="black"/>
+                </a:solidFill>
+                <a:latin typeface="SourceCodePro-Regular"/>
+              </a:rPr>
+              <a:t>src</a:t>
+            </a:r>
+            <a:r>
+              <a:rPr lang="nl-NL" dirty="0">
+                <a:solidFill>
+                  <a:prstClr val="black"/>
+                </a:solidFill>
+                <a:latin typeface="SourceCodePro-Regular"/>
+              </a:rPr>
+              <a:t>);</a:t>
+            </a:r>
+            <a:br>
+              <a:rPr lang="nl-NL" dirty="0">
+                <a:solidFill>
+                  <a:prstClr val="black"/>
+                </a:solidFill>
+                <a:latin typeface="SourceCodePro-Regular"/>
+              </a:rPr>
+            </a:br>
+            <a:r>
+              <a:rPr lang="nl-NL" dirty="0">
+                <a:solidFill>
+                  <a:prstClr val="black"/>
+                </a:solidFill>
+                <a:latin typeface="SourceCodePro-Regular"/>
+              </a:rPr>
+              <a:t>    uint16x8_t </a:t>
+            </a:r>
+            <a:r>
+              <a:rPr lang="nl-NL" dirty="0" err="1">
+                <a:solidFill>
+                  <a:prstClr val="black"/>
+                </a:solidFill>
+                <a:latin typeface="SourceCodePro-Regular"/>
+              </a:rPr>
+              <a:t>acc</a:t>
+            </a:r>
+            <a:r>
+              <a:rPr lang="nl-NL" dirty="0">
+                <a:solidFill>
+                  <a:prstClr val="black"/>
+                </a:solidFill>
+                <a:latin typeface="SourceCodePro-Regular"/>
+              </a:rPr>
+              <a:t>;</a:t>
+            </a:r>
+            <a:br>
+              <a:rPr lang="nl-NL" dirty="0">
+                <a:solidFill>
+                  <a:prstClr val="black"/>
+                </a:solidFill>
+                <a:latin typeface="SourceCodePro-Regular"/>
+              </a:rPr>
+            </a:br>
+            <a:r>
+              <a:rPr lang="nl-NL" dirty="0">
+                <a:solidFill>
+                  <a:prstClr val="black"/>
+                </a:solidFill>
+                <a:latin typeface="SourceCodePro-Regular"/>
+              </a:rPr>
+              <a:t>    </a:t>
+            </a:r>
+            <a:br>
+              <a:rPr lang="nl-NL" dirty="0">
+                <a:solidFill>
+                  <a:prstClr val="black"/>
+                </a:solidFill>
+                <a:latin typeface="SourceCodePro-Regular"/>
+              </a:rPr>
+            </a:br>
+            <a:r>
+              <a:rPr lang="nl-NL" dirty="0">
+                <a:solidFill>
+                  <a:prstClr val="black"/>
+                </a:solidFill>
+                <a:latin typeface="SourceCodePro-Regular"/>
+              </a:rPr>
+              <a:t>   </a:t>
+            </a:r>
+            <a:r>
+              <a:rPr lang="nl-NL" dirty="0">
+                <a:solidFill>
+                  <a:schemeClr val="accent1">
+                    <a:alpha val="10000"/>
+                  </a:schemeClr>
+                </a:solidFill>
+                <a:latin typeface="SourceCodePro-Regular"/>
+              </a:rPr>
+              <a:t> </a:t>
+            </a:r>
+            <a:r>
+              <a:rPr lang="nl-NL" dirty="0" err="1">
+                <a:solidFill>
+                  <a:schemeClr val="accent1">
+                    <a:alpha val="10000"/>
+                  </a:schemeClr>
+                </a:solidFill>
+                <a:latin typeface="SourceCodePro-Regular"/>
+              </a:rPr>
+              <a:t>acc</a:t>
+            </a:r>
+            <a:r>
+              <a:rPr lang="nl-NL" dirty="0">
+                <a:solidFill>
+                  <a:schemeClr val="accent1">
+                    <a:alpha val="10000"/>
+                  </a:schemeClr>
+                </a:solidFill>
+                <a:latin typeface="SourceCodePro-Regular"/>
+              </a:rPr>
+              <a:t> = vmull_u8(</a:t>
+            </a:r>
+            <a:r>
+              <a:rPr lang="nl-NL" dirty="0" err="1" smtClean="0">
+                <a:solidFill>
+                  <a:schemeClr val="accent1">
+                    <a:alpha val="10000"/>
+                  </a:schemeClr>
+                </a:solidFill>
+                <a:latin typeface="SourceCodePro-Regular"/>
+              </a:rPr>
+              <a:t>rgb.val</a:t>
+            </a:r>
+            <a:r>
+              <a:rPr lang="nl-NL" dirty="0">
+                <a:solidFill>
+                  <a:schemeClr val="accent1">
+                    <a:alpha val="10000"/>
+                  </a:schemeClr>
+                </a:solidFill>
+                <a:latin typeface="SourceCodePro-Regular"/>
+              </a:rPr>
+              <a:t>[0], </a:t>
+            </a:r>
+            <a:r>
+              <a:rPr lang="nl-NL" dirty="0" err="1">
+                <a:solidFill>
+                  <a:schemeClr val="accent1">
+                    <a:alpha val="10000"/>
+                  </a:schemeClr>
+                </a:solidFill>
+                <a:latin typeface="SourceCodePro-Regular"/>
+              </a:rPr>
+              <a:t>rcoeff</a:t>
+            </a:r>
+            <a:r>
+              <a:rPr lang="nl-NL" dirty="0">
+                <a:solidFill>
+                  <a:schemeClr val="accent1">
+                    <a:alpha val="10000"/>
+                  </a:schemeClr>
+                </a:solidFill>
+                <a:latin typeface="SourceCodePro-Regular"/>
+              </a:rPr>
+              <a:t>);</a:t>
+            </a:r>
+            <a:br>
+              <a:rPr lang="nl-NL" dirty="0">
+                <a:solidFill>
+                  <a:schemeClr val="accent1">
+                    <a:alpha val="10000"/>
+                  </a:schemeClr>
+                </a:solidFill>
+                <a:latin typeface="SourceCodePro-Regular"/>
+              </a:rPr>
+            </a:br>
+            <a:r>
+              <a:rPr lang="nl-NL" dirty="0">
+                <a:solidFill>
+                  <a:schemeClr val="accent1">
+                    <a:alpha val="10000"/>
+                  </a:schemeClr>
+                </a:solidFill>
+                <a:latin typeface="SourceCodePro-Regular"/>
+              </a:rPr>
+              <a:t>    </a:t>
+            </a:r>
+            <a:r>
+              <a:rPr lang="nl-NL" dirty="0" err="1">
+                <a:solidFill>
+                  <a:schemeClr val="accent1">
+                    <a:alpha val="10000"/>
+                  </a:schemeClr>
+                </a:solidFill>
+                <a:latin typeface="SourceCodePro-Regular"/>
+              </a:rPr>
+              <a:t>acc</a:t>
+            </a:r>
+            <a:r>
+              <a:rPr lang="nl-NL" dirty="0">
+                <a:solidFill>
+                  <a:schemeClr val="accent1">
+                    <a:alpha val="10000"/>
+                  </a:schemeClr>
+                </a:solidFill>
+                <a:latin typeface="SourceCodePro-Regular"/>
+              </a:rPr>
+              <a:t> = vmlal_u8(</a:t>
+            </a:r>
+            <a:r>
+              <a:rPr lang="nl-NL" dirty="0" err="1">
+                <a:solidFill>
+                  <a:schemeClr val="accent1">
+                    <a:alpha val="10000"/>
+                  </a:schemeClr>
+                </a:solidFill>
+                <a:latin typeface="SourceCodePro-Regular"/>
+              </a:rPr>
+              <a:t>acc</a:t>
+            </a:r>
+            <a:r>
+              <a:rPr lang="nl-NL" dirty="0">
+                <a:solidFill>
+                  <a:schemeClr val="accent1">
+                    <a:alpha val="10000"/>
+                  </a:schemeClr>
+                </a:solidFill>
+                <a:latin typeface="SourceCodePro-Regular"/>
+              </a:rPr>
+              <a:t>, </a:t>
+            </a:r>
+            <a:r>
+              <a:rPr lang="nl-NL" dirty="0" err="1" smtClean="0">
+                <a:solidFill>
+                  <a:schemeClr val="accent1">
+                    <a:alpha val="10000"/>
+                  </a:schemeClr>
+                </a:solidFill>
+                <a:latin typeface="SourceCodePro-Regular"/>
+              </a:rPr>
+              <a:t>rgb.val</a:t>
+            </a:r>
+            <a:r>
+              <a:rPr lang="nl-NL" dirty="0">
+                <a:solidFill>
+                  <a:schemeClr val="accent1">
+                    <a:alpha val="10000"/>
+                  </a:schemeClr>
+                </a:solidFill>
+                <a:latin typeface="SourceCodePro-Regular"/>
+              </a:rPr>
+              <a:t>[1], </a:t>
+            </a:r>
+            <a:r>
+              <a:rPr lang="nl-NL" dirty="0" err="1">
+                <a:solidFill>
+                  <a:schemeClr val="accent1">
+                    <a:alpha val="10000"/>
+                  </a:schemeClr>
+                </a:solidFill>
+                <a:latin typeface="SourceCodePro-Regular"/>
+              </a:rPr>
+              <a:t>gcoeff</a:t>
+            </a:r>
+            <a:r>
+              <a:rPr lang="nl-NL" dirty="0">
+                <a:solidFill>
+                  <a:schemeClr val="accent1">
+                    <a:alpha val="10000"/>
+                  </a:schemeClr>
+                </a:solidFill>
+                <a:latin typeface="SourceCodePro-Regular"/>
+              </a:rPr>
+              <a:t>);</a:t>
+            </a:r>
+            <a:br>
+              <a:rPr lang="nl-NL" dirty="0">
+                <a:solidFill>
+                  <a:schemeClr val="accent1">
+                    <a:alpha val="10000"/>
+                  </a:schemeClr>
+                </a:solidFill>
+                <a:latin typeface="SourceCodePro-Regular"/>
+              </a:rPr>
+            </a:br>
+            <a:r>
+              <a:rPr lang="nl-NL" dirty="0">
+                <a:solidFill>
+                  <a:schemeClr val="accent1">
+                    <a:alpha val="10000"/>
+                  </a:schemeClr>
+                </a:solidFill>
+                <a:latin typeface="SourceCodePro-Regular"/>
+              </a:rPr>
+              <a:t>    </a:t>
+            </a:r>
+            <a:r>
+              <a:rPr lang="nl-NL" dirty="0" err="1">
+                <a:solidFill>
+                  <a:schemeClr val="accent1">
+                    <a:alpha val="10000"/>
+                  </a:schemeClr>
+                </a:solidFill>
+                <a:latin typeface="SourceCodePro-Regular"/>
+              </a:rPr>
+              <a:t>acc</a:t>
+            </a:r>
+            <a:r>
+              <a:rPr lang="nl-NL" dirty="0">
+                <a:solidFill>
+                  <a:schemeClr val="accent1">
+                    <a:alpha val="10000"/>
+                  </a:schemeClr>
+                </a:solidFill>
+                <a:latin typeface="SourceCodePro-Regular"/>
+              </a:rPr>
+              <a:t> = vmlal_u8(</a:t>
+            </a:r>
+            <a:r>
+              <a:rPr lang="nl-NL" dirty="0" err="1">
+                <a:solidFill>
+                  <a:schemeClr val="accent1">
+                    <a:alpha val="10000"/>
+                  </a:schemeClr>
+                </a:solidFill>
+                <a:latin typeface="SourceCodePro-Regular"/>
+              </a:rPr>
+              <a:t>acc</a:t>
+            </a:r>
+            <a:r>
+              <a:rPr lang="nl-NL" dirty="0">
+                <a:solidFill>
+                  <a:schemeClr val="accent1">
+                    <a:alpha val="10000"/>
+                  </a:schemeClr>
+                </a:solidFill>
+                <a:latin typeface="SourceCodePro-Regular"/>
+              </a:rPr>
+              <a:t>, </a:t>
+            </a:r>
+            <a:r>
+              <a:rPr lang="nl-NL" dirty="0" err="1" smtClean="0">
+                <a:solidFill>
+                  <a:schemeClr val="accent1">
+                    <a:alpha val="10000"/>
+                  </a:schemeClr>
+                </a:solidFill>
+                <a:latin typeface="SourceCodePro-Regular"/>
+              </a:rPr>
+              <a:t>rgb.val</a:t>
+            </a:r>
+            <a:r>
+              <a:rPr lang="nl-NL" dirty="0">
+                <a:solidFill>
+                  <a:schemeClr val="accent1">
+                    <a:alpha val="10000"/>
+                  </a:schemeClr>
+                </a:solidFill>
+                <a:latin typeface="SourceCodePro-Regular"/>
+              </a:rPr>
+              <a:t>[2], </a:t>
+            </a:r>
+            <a:r>
+              <a:rPr lang="nl-NL" dirty="0" err="1">
+                <a:solidFill>
+                  <a:schemeClr val="accent1">
+                    <a:alpha val="10000"/>
+                  </a:schemeClr>
+                </a:solidFill>
+                <a:latin typeface="SourceCodePro-Regular"/>
+              </a:rPr>
+              <a:t>bcoeff</a:t>
+            </a:r>
+            <a:r>
+              <a:rPr lang="nl-NL" dirty="0">
+                <a:solidFill>
+                  <a:schemeClr val="accent1">
+                    <a:alpha val="10000"/>
+                  </a:schemeClr>
+                </a:solidFill>
+                <a:latin typeface="SourceCodePro-Regular"/>
+              </a:rPr>
+              <a:t>);</a:t>
+            </a:r>
+            <a:br>
+              <a:rPr lang="nl-NL" dirty="0">
+                <a:solidFill>
+                  <a:schemeClr val="accent1">
+                    <a:alpha val="10000"/>
+                  </a:schemeClr>
+                </a:solidFill>
+                <a:latin typeface="SourceCodePro-Regular"/>
+              </a:rPr>
+            </a:br>
+            <a:r>
+              <a:rPr lang="nl-NL" dirty="0">
+                <a:solidFill>
+                  <a:schemeClr val="accent1">
+                    <a:alpha val="10000"/>
+                  </a:schemeClr>
+                </a:solidFill>
+                <a:latin typeface="SourceCodePro-Regular"/>
+              </a:rPr>
+              <a:t>    </a:t>
+            </a:r>
+            <a:br>
+              <a:rPr lang="nl-NL" dirty="0">
+                <a:solidFill>
+                  <a:schemeClr val="accent1">
+                    <a:alpha val="10000"/>
+                  </a:schemeClr>
+                </a:solidFill>
+                <a:latin typeface="SourceCodePro-Regular"/>
+              </a:rPr>
+            </a:br>
+            <a:r>
+              <a:rPr lang="nl-NL" dirty="0">
+                <a:solidFill>
+                  <a:schemeClr val="accent1">
+                    <a:alpha val="10000"/>
+                  </a:schemeClr>
+                </a:solidFill>
+                <a:latin typeface="SourceCodePro-Regular"/>
+              </a:rPr>
+              <a:t>    uint8x8_t </a:t>
+            </a:r>
+            <a:r>
+              <a:rPr lang="nl-NL" dirty="0" err="1">
+                <a:solidFill>
+                  <a:schemeClr val="accent1">
+                    <a:alpha val="10000"/>
+                  </a:schemeClr>
+                </a:solidFill>
+                <a:latin typeface="SourceCodePro-Regular"/>
+              </a:rPr>
+              <a:t>result</a:t>
+            </a:r>
+            <a:r>
+              <a:rPr lang="nl-NL" dirty="0">
+                <a:solidFill>
+                  <a:schemeClr val="accent1">
+                    <a:alpha val="10000"/>
+                  </a:schemeClr>
+                </a:solidFill>
+                <a:latin typeface="SourceCodePro-Regular"/>
+              </a:rPr>
+              <a:t> = vshrn_n_u16(</a:t>
+            </a:r>
+            <a:r>
+              <a:rPr lang="nl-NL" dirty="0" err="1">
+                <a:solidFill>
+                  <a:schemeClr val="accent1">
+                    <a:alpha val="10000"/>
+                  </a:schemeClr>
+                </a:solidFill>
+                <a:latin typeface="SourceCodePro-Regular"/>
+              </a:rPr>
+              <a:t>acc</a:t>
+            </a:r>
+            <a:r>
+              <a:rPr lang="nl-NL" dirty="0">
+                <a:solidFill>
+                  <a:schemeClr val="accent1">
+                    <a:alpha val="10000"/>
+                  </a:schemeClr>
+                </a:solidFill>
+                <a:latin typeface="SourceCodePro-Regular"/>
+              </a:rPr>
+              <a:t>, 8);</a:t>
+            </a:r>
+            <a:br>
+              <a:rPr lang="nl-NL" dirty="0">
+                <a:solidFill>
+                  <a:schemeClr val="accent1">
+                    <a:alpha val="10000"/>
+                  </a:schemeClr>
+                </a:solidFill>
+                <a:latin typeface="SourceCodePro-Regular"/>
+              </a:rPr>
+            </a:br>
+            <a:r>
+              <a:rPr lang="nl-NL" dirty="0">
+                <a:solidFill>
+                  <a:schemeClr val="accent1">
+                    <a:alpha val="10000"/>
+                  </a:schemeClr>
+                </a:solidFill>
+                <a:latin typeface="SourceCodePro-Regular"/>
+              </a:rPr>
+              <a:t>    vst1_u8(</a:t>
+            </a:r>
+            <a:r>
+              <a:rPr lang="nl-NL" dirty="0" err="1">
+                <a:solidFill>
+                  <a:schemeClr val="accent1">
+                    <a:alpha val="10000"/>
+                  </a:schemeClr>
+                </a:solidFill>
+                <a:latin typeface="SourceCodePro-Regular"/>
+              </a:rPr>
+              <a:t>dest</a:t>
+            </a:r>
+            <a:r>
+              <a:rPr lang="nl-NL" dirty="0">
+                <a:solidFill>
+                  <a:schemeClr val="accent1">
+                    <a:alpha val="10000"/>
+                  </a:schemeClr>
+                </a:solidFill>
+                <a:latin typeface="SourceCodePro-Regular"/>
+              </a:rPr>
+              <a:t>, </a:t>
+            </a:r>
+            <a:r>
+              <a:rPr lang="nl-NL" dirty="0" err="1">
+                <a:solidFill>
+                  <a:schemeClr val="accent1">
+                    <a:alpha val="10000"/>
+                  </a:schemeClr>
+                </a:solidFill>
+                <a:latin typeface="SourceCodePro-Regular"/>
+              </a:rPr>
+              <a:t>result</a:t>
+            </a:r>
+            <a:r>
+              <a:rPr lang="nl-NL" dirty="0">
+                <a:solidFill>
+                  <a:schemeClr val="accent1">
+                    <a:alpha val="10000"/>
+                  </a:schemeClr>
+                </a:solidFill>
+                <a:latin typeface="SourceCodePro-Regular"/>
+              </a:rPr>
+              <a:t>);</a:t>
+            </a:r>
+            <a:br>
+              <a:rPr lang="nl-NL" dirty="0">
+                <a:solidFill>
+                  <a:schemeClr val="accent1">
+                    <a:alpha val="10000"/>
+                  </a:schemeClr>
+                </a:solidFill>
+                <a:latin typeface="SourceCodePro-Regular"/>
+              </a:rPr>
+            </a:br>
+            <a:r>
+              <a:rPr lang="nl-NL" dirty="0">
+                <a:solidFill>
+                  <a:schemeClr val="accent1">
+                    <a:alpha val="10000"/>
+                  </a:schemeClr>
+                </a:solidFill>
+                <a:latin typeface="SourceCodePro-Regular"/>
+              </a:rPr>
+              <a:t>       </a:t>
+            </a:r>
+            <a:br>
+              <a:rPr lang="nl-NL" dirty="0">
+                <a:solidFill>
+                  <a:schemeClr val="accent1">
+                    <a:alpha val="10000"/>
+                  </a:schemeClr>
+                </a:solidFill>
+                <a:latin typeface="SourceCodePro-Regular"/>
+              </a:rPr>
+            </a:br>
+            <a:r>
+              <a:rPr lang="nl-NL" dirty="0">
+                <a:solidFill>
+                  <a:schemeClr val="accent1">
+                    <a:alpha val="10000"/>
+                  </a:schemeClr>
+                </a:solidFill>
+                <a:latin typeface="SourceCodePro-Regular"/>
+              </a:rPr>
+              <a:t>    </a:t>
+            </a:r>
+            <a:r>
+              <a:rPr lang="nl-NL" dirty="0" err="1">
+                <a:solidFill>
+                  <a:schemeClr val="accent1">
+                    <a:alpha val="10000"/>
+                  </a:schemeClr>
+                </a:solidFill>
+                <a:latin typeface="SourceCodePro-Regular"/>
+              </a:rPr>
+              <a:t>src</a:t>
+            </a:r>
+            <a:r>
+              <a:rPr lang="nl-NL" dirty="0">
+                <a:solidFill>
+                  <a:schemeClr val="accent1">
+                    <a:alpha val="10000"/>
+                  </a:schemeClr>
+                </a:solidFill>
+                <a:latin typeface="SourceCodePro-Regular"/>
+              </a:rPr>
+              <a:t> += FACTOR;</a:t>
+            </a:r>
+            <a:br>
+              <a:rPr lang="nl-NL" dirty="0">
+                <a:solidFill>
+                  <a:schemeClr val="accent1">
+                    <a:alpha val="10000"/>
+                  </a:schemeClr>
+                </a:solidFill>
+                <a:latin typeface="SourceCodePro-Regular"/>
+              </a:rPr>
+            </a:br>
+            <a:r>
+              <a:rPr lang="nl-NL" dirty="0">
+                <a:solidFill>
+                  <a:schemeClr val="accent1">
+                    <a:alpha val="10000"/>
+                  </a:schemeClr>
+                </a:solidFill>
+                <a:latin typeface="SourceCodePro-Regular"/>
+              </a:rPr>
+              <a:t>    </a:t>
+            </a:r>
+            <a:r>
+              <a:rPr lang="nl-NL" dirty="0" err="1">
+                <a:solidFill>
+                  <a:schemeClr val="accent1">
+                    <a:alpha val="10000"/>
+                  </a:schemeClr>
+                </a:solidFill>
+                <a:latin typeface="SourceCodePro-Regular"/>
+              </a:rPr>
+              <a:t>dest</a:t>
+            </a:r>
+            <a:r>
+              <a:rPr lang="nl-NL" dirty="0">
+                <a:solidFill>
+                  <a:schemeClr val="accent1">
+                    <a:alpha val="10000"/>
+                  </a:schemeClr>
+                </a:solidFill>
+                <a:latin typeface="SourceCodePro-Regular"/>
+              </a:rPr>
+              <a:t> += FACTOR;</a:t>
+            </a:r>
+            <a:r>
+              <a:rPr lang="nl-NL" dirty="0">
+                <a:solidFill>
+                  <a:prstClr val="black"/>
+                </a:solidFill>
+                <a:latin typeface="SourceCodePro-Regular"/>
+              </a:rPr>
+              <a:t/>
+            </a:r>
+            <a:br>
+              <a:rPr lang="nl-NL" dirty="0">
+                <a:solidFill>
+                  <a:prstClr val="black"/>
+                </a:solidFill>
+                <a:latin typeface="SourceCodePro-Regular"/>
+              </a:rPr>
+            </a:br>
+            <a:r>
+              <a:rPr lang="nl-NL" dirty="0">
+                <a:solidFill>
+                  <a:prstClr val="black"/>
+                </a:solidFill>
+                <a:latin typeface="SourceCodePro-Regular"/>
+              </a:rPr>
+              <a:t>}</a:t>
+            </a:r>
+            <a:endParaRPr lang="en-US" dirty="0">
+              <a:latin typeface="HelveticaNeueLT Com 45 Lt"/>
+            </a:endParaRPr>
+          </a:p>
+        </p:txBody>
+      </p:sp>
+      <p:sp>
+        <p:nvSpPr>
+          <p:cNvPr id="5" name="Rounded Rectangle 4"/>
+          <p:cNvSpPr/>
+          <p:nvPr/>
+        </p:nvSpPr>
+        <p:spPr>
+          <a:xfrm>
+            <a:off x="1675443" y="2256165"/>
+            <a:ext cx="1702466" cy="283710"/>
+          </a:xfrm>
+          <a:prstGeom prst="roundRect">
+            <a:avLst/>
+          </a:prstGeom>
+          <a:noFill/>
+          <a:ln>
+            <a:solidFill>
+              <a:schemeClr val="accent2"/>
+            </a:solidFill>
+          </a:ln>
+        </p:spPr>
+        <p:style>
+          <a:lnRef idx="2">
+            <a:schemeClr val="dk1">
+              <a:shade val="50000"/>
+            </a:schemeClr>
+          </a:lnRef>
+          <a:fillRef idx="1">
+            <a:schemeClr val="dk1"/>
+          </a:fillRef>
+          <a:effectRef idx="0">
+            <a:schemeClr val="dk1"/>
+          </a:effectRef>
+          <a:fontRef idx="minor">
+            <a:schemeClr val="lt1"/>
+          </a:fontRef>
+        </p:style>
+        <p:txBody>
+          <a:bodyPr rtlCol="0" anchor="ctr"/>
+          <a:lstStyle/>
+          <a:p>
+            <a:pPr algn="ctr"/>
+            <a:endParaRPr lang="en-US" dirty="0">
+              <a:latin typeface="HelveticaNeueLT Com 45 Lt"/>
+            </a:endParaRPr>
+          </a:p>
+        </p:txBody>
+      </p:sp>
       <p:cxnSp>
         <p:nvCxnSpPr>
           <p:cNvPr id="7" name="Straight Arrow Connector 6"/>
@@ -15083,7 +15326,7 @@
 </p:sld>
 </file>
 
-<file path=ppt/slides/slide32.xml><?xml version="1.0" encoding="utf-8"?>
+<file path=ppt/slides/slide33.xml><?xml version="1.0" encoding="utf-8"?>
 <p:sld xmlns:a="http://schemas.openxmlformats.org/drawingml/2006/main" xmlns:r="http://schemas.openxmlformats.org/officeDocument/2006/relationships" xmlns:p="http://schemas.openxmlformats.org/presentationml/2006/main">
   <p:cSld>
     <p:spTree>
@@ -15165,7 +15408,7 @@
           <a:p>
             <a:fld id="{0A3E316F-3D65-2744-BC5B-55B8D60FFFDF}" type="slidenum">
               <a:rPr lang="en-US" smtClean="0"/>
-              <a:t>32</a:t>
+              <a:t>33</a:t>
             </a:fld>
             <a:endParaRPr lang="en-US"/>
           </a:p>
@@ -16125,1107 +16368,6 @@
     <p:extLst>
       <p:ext uri="{BB962C8B-B14F-4D97-AF65-F5344CB8AC3E}">
         <p14:creationId xmlns:p14="http://schemas.microsoft.com/office/powerpoint/2010/main" val="4000603390"/>
-      </p:ext>
-    </p:extLst>
-  </p:cSld>
-  <p:clrMapOvr>
-    <a:masterClrMapping/>
-  </p:clrMapOvr>
-  <p:timing>
-    <p:tnLst>
-      <p:par>
-        <p:cTn xmlns:p14="http://schemas.microsoft.com/office/powerpoint/2010/main" id="1" dur="indefinite" restart="never" nodeType="tmRoot"/>
-      </p:par>
-    </p:tnLst>
-  </p:timing>
-</p:sld>
-</file>
-
-<file path=ppt/slides/slide33.xml><?xml version="1.0" encoding="utf-8"?>
-<p:sld xmlns:a="http://schemas.openxmlformats.org/drawingml/2006/main" xmlns:r="http://schemas.openxmlformats.org/officeDocument/2006/relationships" xmlns:p="http://schemas.openxmlformats.org/presentationml/2006/main">
-  <p:cSld>
-    <p:spTree>
-      <p:nvGrpSpPr>
-        <p:cNvPr id="1" name=""/>
-        <p:cNvGrpSpPr/>
-        <p:nvPr/>
-      </p:nvGrpSpPr>
-      <p:grpSpPr>
-        <a:xfrm>
-          <a:off x="0" y="0"/>
-          <a:ext cx="0" cy="0"/>
-          <a:chOff x="0" y="0"/>
-          <a:chExt cx="0" cy="0"/>
-        </a:xfrm>
-      </p:grpSpPr>
-      <p:sp>
-        <p:nvSpPr>
-          <p:cNvPr id="2" name="Title 1"/>
-          <p:cNvSpPr>
-            <a:spLocks noGrp="1"/>
-          </p:cNvSpPr>
-          <p:nvPr>
-            <p:ph type="title"/>
-          </p:nvPr>
-        </p:nvSpPr>
-        <p:spPr/>
-        <p:txBody>
-          <a:bodyPr>
-            <a:normAutofit fontScale="90000"/>
-          </a:bodyPr>
-          <a:lstStyle/>
-          <a:p>
-            <a:r>
-              <a:rPr lang="en-US" dirty="0" smtClean="0"/>
-              <a:t>Single Instruction – Multiple data</a:t>
-            </a:r>
-            <a:br>
-              <a:rPr lang="en-US" dirty="0" smtClean="0"/>
-            </a:br>
-            <a:r>
-              <a:rPr lang="en-US" sz="2800" dirty="0" smtClean="0">
-                <a:solidFill>
-                  <a:schemeClr val="bg1">
-                    <a:lumMod val="50000"/>
-                  </a:schemeClr>
-                </a:solidFill>
-              </a:rPr>
-              <a:t>Converting to </a:t>
-            </a:r>
-            <a:r>
-              <a:rPr lang="en-US" sz="2800" dirty="0" err="1" smtClean="0">
-                <a:solidFill>
-                  <a:schemeClr val="bg1">
-                    <a:lumMod val="50000"/>
-                  </a:schemeClr>
-                </a:solidFill>
-              </a:rPr>
-              <a:t>grayscale</a:t>
-            </a:r>
-            <a:endParaRPr lang="en-US" dirty="0"/>
-          </a:p>
-        </p:txBody>
-      </p:sp>
-      <p:sp>
-        <p:nvSpPr>
-          <p:cNvPr id="4" name="Slide Number Placeholder 3"/>
-          <p:cNvSpPr>
-            <a:spLocks noGrp="1"/>
-          </p:cNvSpPr>
-          <p:nvPr>
-            <p:ph type="sldNum" sz="quarter" idx="12"/>
-          </p:nvPr>
-        </p:nvSpPr>
-        <p:spPr/>
-        <p:txBody>
-          <a:bodyPr/>
-          <a:lstStyle/>
-          <a:p>
-            <a:fld id="{0A3E316F-3D65-2744-BC5B-55B8D60FFFDF}" type="slidenum">
-              <a:rPr lang="en-US" smtClean="0"/>
-              <a:t>33</a:t>
-            </a:fld>
-            <a:endParaRPr lang="en-US"/>
-          </a:p>
-        </p:txBody>
-      </p:sp>
-      <p:sp>
-        <p:nvSpPr>
-          <p:cNvPr id="3" name="Rectangle 2"/>
-          <p:cNvSpPr/>
-          <p:nvPr/>
-        </p:nvSpPr>
-        <p:spPr>
-          <a:xfrm>
-            <a:off x="1137506" y="1930200"/>
-            <a:ext cx="6712750" cy="3970318"/>
-          </a:xfrm>
-          <a:prstGeom prst="rect">
-            <a:avLst/>
-          </a:prstGeom>
-        </p:spPr>
-        <p:txBody>
-          <a:bodyPr wrap="square">
-            <a:spAutoFit/>
-          </a:bodyPr>
-          <a:lstStyle/>
-          <a:p>
-            <a:r>
-              <a:rPr lang="nl-NL" dirty="0" err="1">
-                <a:solidFill>
-                  <a:srgbClr val="FF7800"/>
-                </a:solidFill>
-                <a:latin typeface="SourceCodePro-Regular"/>
-              </a:rPr>
-              <a:t>for</a:t>
-            </a:r>
-            <a:r>
-              <a:rPr lang="nl-NL" dirty="0">
-                <a:solidFill>
-                  <a:prstClr val="black"/>
-                </a:solidFill>
-                <a:latin typeface="SourceCodePro-Regular"/>
-              </a:rPr>
-              <a:t>(</a:t>
-            </a:r>
-            <a:r>
-              <a:rPr lang="nl-NL" dirty="0">
-                <a:solidFill>
-                  <a:srgbClr val="FF7800"/>
-                </a:solidFill>
-                <a:latin typeface="SourceCodePro-Regular"/>
-              </a:rPr>
-              <a:t>int</a:t>
-            </a:r>
-            <a:r>
-              <a:rPr lang="nl-NL" dirty="0">
-                <a:solidFill>
-                  <a:prstClr val="black"/>
-                </a:solidFill>
-                <a:latin typeface="SourceCodePro-Regular"/>
-              </a:rPr>
-              <a:t> i=</a:t>
-            </a:r>
-            <a:r>
-              <a:rPr lang="nl-NL" dirty="0">
-                <a:solidFill>
-                  <a:srgbClr val="3B5BB5"/>
-                </a:solidFill>
-                <a:latin typeface="SourceCodePro-Regular"/>
-              </a:rPr>
-              <a:t>0</a:t>
-            </a:r>
-            <a:r>
-              <a:rPr lang="nl-NL" dirty="0">
-                <a:solidFill>
-                  <a:prstClr val="black"/>
-                </a:solidFill>
-                <a:latin typeface="SourceCodePro-Regular"/>
-              </a:rPr>
-              <a:t>; i &lt; pixels; i += </a:t>
-            </a:r>
-            <a:r>
-              <a:rPr lang="nl-NL" dirty="0" smtClean="0">
-                <a:solidFill>
-                  <a:prstClr val="black"/>
-                </a:solidFill>
-                <a:latin typeface="SourceCodePro-Regular"/>
-              </a:rPr>
-              <a:t>FACTOR) </a:t>
-            </a:r>
-            <a:r>
-              <a:rPr lang="nl-NL" dirty="0">
-                <a:solidFill>
-                  <a:prstClr val="black"/>
-                </a:solidFill>
-                <a:latin typeface="SourceCodePro-Regular"/>
-              </a:rPr>
-              <a:t>{</a:t>
-            </a:r>
-            <a:br>
-              <a:rPr lang="nl-NL" dirty="0">
-                <a:solidFill>
-                  <a:prstClr val="black"/>
-                </a:solidFill>
-                <a:latin typeface="SourceCodePro-Regular"/>
-              </a:rPr>
-            </a:br>
-            <a:r>
-              <a:rPr lang="nl-NL" dirty="0">
-                <a:solidFill>
-                  <a:prstClr val="black"/>
-                </a:solidFill>
-                <a:latin typeface="SourceCodePro-Regular"/>
-              </a:rPr>
-              <a:t>    uint8x8x3_t </a:t>
-            </a:r>
-            <a:r>
-              <a:rPr lang="nl-NL" dirty="0" err="1" smtClean="0">
-                <a:solidFill>
-                  <a:prstClr val="black"/>
-                </a:solidFill>
-                <a:latin typeface="SourceCodePro-Regular"/>
-              </a:rPr>
-              <a:t>rgb</a:t>
-            </a:r>
-            <a:r>
-              <a:rPr lang="nl-NL" dirty="0" smtClean="0">
-                <a:solidFill>
-                  <a:prstClr val="black"/>
-                </a:solidFill>
-                <a:latin typeface="SourceCodePro-Regular"/>
-              </a:rPr>
-              <a:t> </a:t>
-            </a:r>
-            <a:r>
-              <a:rPr lang="nl-NL" dirty="0">
-                <a:solidFill>
-                  <a:prstClr val="black"/>
-                </a:solidFill>
-                <a:latin typeface="SourceCodePro-Regular"/>
-              </a:rPr>
-              <a:t>= </a:t>
-            </a:r>
-            <a:r>
-              <a:rPr lang="nl-NL" dirty="0">
-                <a:solidFill>
-                  <a:srgbClr val="3B5BB5"/>
-                </a:solidFill>
-                <a:latin typeface="SourceCodePro-Regular"/>
-              </a:rPr>
-              <a:t>vld3_u8</a:t>
-            </a:r>
-            <a:r>
-              <a:rPr lang="nl-NL" dirty="0">
-                <a:solidFill>
-                  <a:prstClr val="black"/>
-                </a:solidFill>
-                <a:latin typeface="SourceCodePro-Regular"/>
-              </a:rPr>
-              <a:t>(</a:t>
-            </a:r>
-            <a:r>
-              <a:rPr lang="nl-NL" dirty="0" err="1">
-                <a:solidFill>
-                  <a:prstClr val="black"/>
-                </a:solidFill>
-                <a:latin typeface="SourceCodePro-Regular"/>
-              </a:rPr>
-              <a:t>src</a:t>
-            </a:r>
-            <a:r>
-              <a:rPr lang="nl-NL" dirty="0">
-                <a:solidFill>
-                  <a:prstClr val="black"/>
-                </a:solidFill>
-                <a:latin typeface="SourceCodePro-Regular"/>
-              </a:rPr>
-              <a:t>);</a:t>
-            </a:r>
-            <a:br>
-              <a:rPr lang="nl-NL" dirty="0">
-                <a:solidFill>
-                  <a:prstClr val="black"/>
-                </a:solidFill>
-                <a:latin typeface="SourceCodePro-Regular"/>
-              </a:rPr>
-            </a:br>
-            <a:r>
-              <a:rPr lang="nl-NL" dirty="0">
-                <a:solidFill>
-                  <a:prstClr val="black"/>
-                </a:solidFill>
-                <a:latin typeface="SourceCodePro-Regular"/>
-              </a:rPr>
-              <a:t>    uint16x8_t </a:t>
-            </a:r>
-            <a:r>
-              <a:rPr lang="nl-NL" dirty="0" err="1">
-                <a:solidFill>
-                  <a:prstClr val="black"/>
-                </a:solidFill>
-                <a:latin typeface="SourceCodePro-Regular"/>
-              </a:rPr>
-              <a:t>acc</a:t>
-            </a:r>
-            <a:r>
-              <a:rPr lang="nl-NL" dirty="0">
-                <a:solidFill>
-                  <a:prstClr val="black"/>
-                </a:solidFill>
-                <a:latin typeface="SourceCodePro-Regular"/>
-              </a:rPr>
-              <a:t>;</a:t>
-            </a:r>
-            <a:br>
-              <a:rPr lang="nl-NL" dirty="0">
-                <a:solidFill>
-                  <a:prstClr val="black"/>
-                </a:solidFill>
-                <a:latin typeface="SourceCodePro-Regular"/>
-              </a:rPr>
-            </a:br>
-            <a:r>
-              <a:rPr lang="nl-NL" dirty="0">
-                <a:solidFill>
-                  <a:prstClr val="black"/>
-                </a:solidFill>
-                <a:latin typeface="SourceCodePro-Regular"/>
-              </a:rPr>
-              <a:t>    </a:t>
-            </a:r>
-            <a:br>
-              <a:rPr lang="nl-NL" dirty="0">
-                <a:solidFill>
-                  <a:prstClr val="black"/>
-                </a:solidFill>
-                <a:latin typeface="SourceCodePro-Regular"/>
-              </a:rPr>
-            </a:br>
-            <a:r>
-              <a:rPr lang="nl-NL" dirty="0">
-                <a:solidFill>
-                  <a:prstClr val="black"/>
-                </a:solidFill>
-                <a:latin typeface="SourceCodePro-Regular"/>
-              </a:rPr>
-              <a:t>    </a:t>
-            </a:r>
-            <a:r>
-              <a:rPr lang="nl-NL" dirty="0" err="1">
-                <a:solidFill>
-                  <a:prstClr val="black"/>
-                </a:solidFill>
-                <a:latin typeface="SourceCodePro-Regular"/>
-              </a:rPr>
-              <a:t>acc</a:t>
-            </a:r>
-            <a:r>
-              <a:rPr lang="nl-NL" dirty="0">
-                <a:solidFill>
-                  <a:prstClr val="black"/>
-                </a:solidFill>
-                <a:latin typeface="SourceCodePro-Regular"/>
-              </a:rPr>
-              <a:t> = </a:t>
-            </a:r>
-            <a:r>
-              <a:rPr lang="nl-NL" dirty="0">
-                <a:solidFill>
-                  <a:srgbClr val="3B5BB5"/>
-                </a:solidFill>
-                <a:latin typeface="SourceCodePro-Regular"/>
-              </a:rPr>
-              <a:t>vmull_u8</a:t>
-            </a:r>
-            <a:r>
-              <a:rPr lang="nl-NL" dirty="0">
-                <a:solidFill>
-                  <a:prstClr val="black"/>
-                </a:solidFill>
-                <a:latin typeface="SourceCodePro-Regular"/>
-              </a:rPr>
-              <a:t>(</a:t>
-            </a:r>
-            <a:r>
-              <a:rPr lang="nl-NL" dirty="0" err="1" smtClean="0">
-                <a:solidFill>
-                  <a:prstClr val="black"/>
-                </a:solidFill>
-                <a:latin typeface="SourceCodePro-Regular"/>
-              </a:rPr>
-              <a:t>rgb.val</a:t>
-            </a:r>
-            <a:r>
-              <a:rPr lang="nl-NL" dirty="0">
-                <a:solidFill>
-                  <a:prstClr val="black"/>
-                </a:solidFill>
-                <a:latin typeface="SourceCodePro-Regular"/>
-              </a:rPr>
-              <a:t>[</a:t>
-            </a:r>
-            <a:r>
-              <a:rPr lang="nl-NL" dirty="0">
-                <a:solidFill>
-                  <a:srgbClr val="3B5BB5"/>
-                </a:solidFill>
-                <a:latin typeface="SourceCodePro-Regular"/>
-              </a:rPr>
-              <a:t>0</a:t>
-            </a:r>
-            <a:r>
-              <a:rPr lang="nl-NL" dirty="0">
-                <a:solidFill>
-                  <a:prstClr val="black"/>
-                </a:solidFill>
-                <a:latin typeface="SourceCodePro-Regular"/>
-              </a:rPr>
-              <a:t>], </a:t>
-            </a:r>
-            <a:r>
-              <a:rPr lang="nl-NL" dirty="0" err="1">
-                <a:solidFill>
-                  <a:prstClr val="black"/>
-                </a:solidFill>
-                <a:latin typeface="SourceCodePro-Regular"/>
-              </a:rPr>
-              <a:t>rcoeff</a:t>
-            </a:r>
-            <a:r>
-              <a:rPr lang="nl-NL" dirty="0">
-                <a:solidFill>
-                  <a:prstClr val="black"/>
-                </a:solidFill>
-                <a:latin typeface="SourceCodePro-Regular"/>
-              </a:rPr>
-              <a:t>);</a:t>
-            </a:r>
-            <a:br>
-              <a:rPr lang="nl-NL" dirty="0">
-                <a:solidFill>
-                  <a:prstClr val="black"/>
-                </a:solidFill>
-                <a:latin typeface="SourceCodePro-Regular"/>
-              </a:rPr>
-            </a:br>
-            <a:r>
-              <a:rPr lang="nl-NL" dirty="0">
-                <a:solidFill>
-                  <a:prstClr val="black"/>
-                </a:solidFill>
-                <a:latin typeface="SourceCodePro-Regular"/>
-              </a:rPr>
-              <a:t>    </a:t>
-            </a:r>
-            <a:r>
-              <a:rPr lang="nl-NL" dirty="0" err="1">
-                <a:solidFill>
-                  <a:prstClr val="black"/>
-                </a:solidFill>
-                <a:latin typeface="SourceCodePro-Regular"/>
-              </a:rPr>
-              <a:t>acc</a:t>
-            </a:r>
-            <a:r>
-              <a:rPr lang="nl-NL" dirty="0">
-                <a:solidFill>
-                  <a:prstClr val="black"/>
-                </a:solidFill>
-                <a:latin typeface="SourceCodePro-Regular"/>
-              </a:rPr>
-              <a:t> = </a:t>
-            </a:r>
-            <a:r>
-              <a:rPr lang="nl-NL" dirty="0">
-                <a:solidFill>
-                  <a:srgbClr val="3B5BB5"/>
-                </a:solidFill>
-                <a:latin typeface="SourceCodePro-Regular"/>
-              </a:rPr>
-              <a:t>vmlal_u8</a:t>
-            </a:r>
-            <a:r>
-              <a:rPr lang="nl-NL" dirty="0">
-                <a:solidFill>
-                  <a:prstClr val="black"/>
-                </a:solidFill>
-                <a:latin typeface="SourceCodePro-Regular"/>
-              </a:rPr>
-              <a:t>(</a:t>
-            </a:r>
-            <a:r>
-              <a:rPr lang="nl-NL" dirty="0" err="1">
-                <a:solidFill>
-                  <a:prstClr val="black"/>
-                </a:solidFill>
-                <a:latin typeface="SourceCodePro-Regular"/>
-              </a:rPr>
-              <a:t>acc</a:t>
-            </a:r>
-            <a:r>
-              <a:rPr lang="nl-NL" dirty="0">
-                <a:solidFill>
-                  <a:prstClr val="black"/>
-                </a:solidFill>
-                <a:latin typeface="SourceCodePro-Regular"/>
-              </a:rPr>
-              <a:t>, </a:t>
-            </a:r>
-            <a:r>
-              <a:rPr lang="nl-NL" dirty="0" err="1" smtClean="0">
-                <a:solidFill>
-                  <a:prstClr val="black"/>
-                </a:solidFill>
-                <a:latin typeface="SourceCodePro-Regular"/>
-              </a:rPr>
-              <a:t>rgb.val</a:t>
-            </a:r>
-            <a:r>
-              <a:rPr lang="nl-NL" dirty="0">
-                <a:solidFill>
-                  <a:prstClr val="black"/>
-                </a:solidFill>
-                <a:latin typeface="SourceCodePro-Regular"/>
-              </a:rPr>
-              <a:t>[</a:t>
-            </a:r>
-            <a:r>
-              <a:rPr lang="nl-NL" dirty="0">
-                <a:solidFill>
-                  <a:srgbClr val="3B5BB5"/>
-                </a:solidFill>
-                <a:latin typeface="SourceCodePro-Regular"/>
-              </a:rPr>
-              <a:t>1</a:t>
-            </a:r>
-            <a:r>
-              <a:rPr lang="nl-NL" dirty="0">
-                <a:solidFill>
-                  <a:prstClr val="black"/>
-                </a:solidFill>
-                <a:latin typeface="SourceCodePro-Regular"/>
-              </a:rPr>
-              <a:t>], </a:t>
-            </a:r>
-            <a:r>
-              <a:rPr lang="nl-NL" dirty="0" err="1">
-                <a:solidFill>
-                  <a:prstClr val="black"/>
-                </a:solidFill>
-                <a:latin typeface="SourceCodePro-Regular"/>
-              </a:rPr>
-              <a:t>gcoeff</a:t>
-            </a:r>
-            <a:r>
-              <a:rPr lang="nl-NL" dirty="0">
-                <a:solidFill>
-                  <a:prstClr val="black"/>
-                </a:solidFill>
-                <a:latin typeface="SourceCodePro-Regular"/>
-              </a:rPr>
-              <a:t>);</a:t>
-            </a:r>
-            <a:br>
-              <a:rPr lang="nl-NL" dirty="0">
-                <a:solidFill>
-                  <a:prstClr val="black"/>
-                </a:solidFill>
-                <a:latin typeface="SourceCodePro-Regular"/>
-              </a:rPr>
-            </a:br>
-            <a:r>
-              <a:rPr lang="nl-NL" dirty="0">
-                <a:solidFill>
-                  <a:prstClr val="black"/>
-                </a:solidFill>
-                <a:latin typeface="SourceCodePro-Regular"/>
-              </a:rPr>
-              <a:t>    </a:t>
-            </a:r>
-            <a:r>
-              <a:rPr lang="nl-NL" dirty="0" err="1">
-                <a:solidFill>
-                  <a:prstClr val="black"/>
-                </a:solidFill>
-                <a:latin typeface="SourceCodePro-Regular"/>
-              </a:rPr>
-              <a:t>acc</a:t>
-            </a:r>
-            <a:r>
-              <a:rPr lang="nl-NL" dirty="0">
-                <a:solidFill>
-                  <a:prstClr val="black"/>
-                </a:solidFill>
-                <a:latin typeface="SourceCodePro-Regular"/>
-              </a:rPr>
-              <a:t> = </a:t>
-            </a:r>
-            <a:r>
-              <a:rPr lang="nl-NL" dirty="0">
-                <a:solidFill>
-                  <a:srgbClr val="3B5BB5"/>
-                </a:solidFill>
-                <a:latin typeface="SourceCodePro-Regular"/>
-              </a:rPr>
-              <a:t>vmlal_u8</a:t>
-            </a:r>
-            <a:r>
-              <a:rPr lang="nl-NL" dirty="0">
-                <a:solidFill>
-                  <a:prstClr val="black"/>
-                </a:solidFill>
-                <a:latin typeface="SourceCodePro-Regular"/>
-              </a:rPr>
-              <a:t>(</a:t>
-            </a:r>
-            <a:r>
-              <a:rPr lang="nl-NL" dirty="0" err="1">
-                <a:solidFill>
-                  <a:prstClr val="black"/>
-                </a:solidFill>
-                <a:latin typeface="SourceCodePro-Regular"/>
-              </a:rPr>
-              <a:t>acc</a:t>
-            </a:r>
-            <a:r>
-              <a:rPr lang="nl-NL" dirty="0">
-                <a:solidFill>
-                  <a:prstClr val="black"/>
-                </a:solidFill>
-                <a:latin typeface="SourceCodePro-Regular"/>
-              </a:rPr>
-              <a:t>, </a:t>
-            </a:r>
-            <a:r>
-              <a:rPr lang="nl-NL" dirty="0" err="1" smtClean="0">
-                <a:solidFill>
-                  <a:prstClr val="black"/>
-                </a:solidFill>
-                <a:latin typeface="SourceCodePro-Regular"/>
-              </a:rPr>
-              <a:t>rgb.val</a:t>
-            </a:r>
-            <a:r>
-              <a:rPr lang="nl-NL" dirty="0">
-                <a:solidFill>
-                  <a:prstClr val="black"/>
-                </a:solidFill>
-                <a:latin typeface="SourceCodePro-Regular"/>
-              </a:rPr>
-              <a:t>[</a:t>
-            </a:r>
-            <a:r>
-              <a:rPr lang="nl-NL" dirty="0">
-                <a:solidFill>
-                  <a:srgbClr val="3B5BB5"/>
-                </a:solidFill>
-                <a:latin typeface="SourceCodePro-Regular"/>
-              </a:rPr>
-              <a:t>2</a:t>
-            </a:r>
-            <a:r>
-              <a:rPr lang="nl-NL" dirty="0">
-                <a:solidFill>
-                  <a:prstClr val="black"/>
-                </a:solidFill>
-                <a:latin typeface="SourceCodePro-Regular"/>
-              </a:rPr>
-              <a:t>], </a:t>
-            </a:r>
-            <a:r>
-              <a:rPr lang="nl-NL" dirty="0" err="1">
-                <a:solidFill>
-                  <a:prstClr val="black"/>
-                </a:solidFill>
-                <a:latin typeface="SourceCodePro-Regular"/>
-              </a:rPr>
-              <a:t>bcoeff</a:t>
-            </a:r>
-            <a:r>
-              <a:rPr lang="nl-NL" dirty="0">
-                <a:solidFill>
-                  <a:prstClr val="black"/>
-                </a:solidFill>
-                <a:latin typeface="SourceCodePro-Regular"/>
-              </a:rPr>
-              <a:t>);</a:t>
-            </a:r>
-            <a:br>
-              <a:rPr lang="nl-NL" dirty="0">
-                <a:solidFill>
-                  <a:prstClr val="black"/>
-                </a:solidFill>
-                <a:latin typeface="SourceCodePro-Regular"/>
-              </a:rPr>
-            </a:br>
-            <a:r>
-              <a:rPr lang="nl-NL" dirty="0">
-                <a:solidFill>
-                  <a:prstClr val="black"/>
-                </a:solidFill>
-                <a:latin typeface="SourceCodePro-Regular"/>
-              </a:rPr>
-              <a:t>    </a:t>
-            </a:r>
-            <a:br>
-              <a:rPr lang="nl-NL" dirty="0">
-                <a:solidFill>
-                  <a:prstClr val="black"/>
-                </a:solidFill>
-                <a:latin typeface="SourceCodePro-Regular"/>
-              </a:rPr>
-            </a:br>
-            <a:r>
-              <a:rPr lang="nl-NL" dirty="0">
-                <a:solidFill>
-                  <a:prstClr val="black"/>
-                </a:solidFill>
-                <a:latin typeface="SourceCodePro-Regular"/>
-              </a:rPr>
-              <a:t>    uint8x8_t </a:t>
-            </a:r>
-            <a:r>
-              <a:rPr lang="nl-NL" dirty="0" err="1">
-                <a:solidFill>
-                  <a:prstClr val="black"/>
-                </a:solidFill>
-                <a:latin typeface="SourceCodePro-Regular"/>
-              </a:rPr>
-              <a:t>result</a:t>
-            </a:r>
-            <a:r>
-              <a:rPr lang="nl-NL" dirty="0">
-                <a:solidFill>
-                  <a:prstClr val="black"/>
-                </a:solidFill>
-                <a:latin typeface="SourceCodePro-Regular"/>
-              </a:rPr>
-              <a:t> = </a:t>
-            </a:r>
-            <a:r>
-              <a:rPr lang="nl-NL" dirty="0">
-                <a:solidFill>
-                  <a:srgbClr val="3B5BB5"/>
-                </a:solidFill>
-                <a:latin typeface="SourceCodePro-Regular"/>
-              </a:rPr>
-              <a:t>vshrn_n_u16</a:t>
-            </a:r>
-            <a:r>
-              <a:rPr lang="nl-NL" dirty="0">
-                <a:solidFill>
-                  <a:prstClr val="black"/>
-                </a:solidFill>
-                <a:latin typeface="SourceCodePro-Regular"/>
-              </a:rPr>
-              <a:t>(</a:t>
-            </a:r>
-            <a:r>
-              <a:rPr lang="nl-NL" dirty="0" err="1">
-                <a:solidFill>
-                  <a:prstClr val="black"/>
-                </a:solidFill>
-                <a:latin typeface="SourceCodePro-Regular"/>
-              </a:rPr>
-              <a:t>acc</a:t>
-            </a:r>
-            <a:r>
-              <a:rPr lang="nl-NL" dirty="0">
-                <a:solidFill>
-                  <a:prstClr val="black"/>
-                </a:solidFill>
-                <a:latin typeface="SourceCodePro-Regular"/>
-              </a:rPr>
-              <a:t>, </a:t>
-            </a:r>
-            <a:r>
-              <a:rPr lang="nl-NL" dirty="0">
-                <a:solidFill>
-                  <a:srgbClr val="3B5BB5"/>
-                </a:solidFill>
-                <a:latin typeface="SourceCodePro-Regular"/>
-              </a:rPr>
-              <a:t>8</a:t>
-            </a:r>
-            <a:r>
-              <a:rPr lang="nl-NL" dirty="0">
-                <a:solidFill>
-                  <a:prstClr val="black"/>
-                </a:solidFill>
-                <a:latin typeface="SourceCodePro-Regular"/>
-              </a:rPr>
-              <a:t>);</a:t>
-            </a:r>
-            <a:br>
-              <a:rPr lang="nl-NL" dirty="0">
-                <a:solidFill>
-                  <a:prstClr val="black"/>
-                </a:solidFill>
-                <a:latin typeface="SourceCodePro-Regular"/>
-              </a:rPr>
-            </a:br>
-            <a:r>
-              <a:rPr lang="nl-NL" dirty="0">
-                <a:solidFill>
-                  <a:prstClr val="black"/>
-                </a:solidFill>
-                <a:latin typeface="SourceCodePro-Regular"/>
-              </a:rPr>
-              <a:t>    </a:t>
-            </a:r>
-            <a:r>
-              <a:rPr lang="nl-NL" dirty="0">
-                <a:solidFill>
-                  <a:srgbClr val="3B5BB5"/>
-                </a:solidFill>
-                <a:latin typeface="SourceCodePro-Regular"/>
-              </a:rPr>
-              <a:t>vst1_u8</a:t>
-            </a:r>
-            <a:r>
-              <a:rPr lang="nl-NL" dirty="0">
-                <a:solidFill>
-                  <a:prstClr val="black"/>
-                </a:solidFill>
-                <a:latin typeface="SourceCodePro-Regular"/>
-              </a:rPr>
-              <a:t>(</a:t>
-            </a:r>
-            <a:r>
-              <a:rPr lang="nl-NL" dirty="0" err="1">
-                <a:solidFill>
-                  <a:prstClr val="black"/>
-                </a:solidFill>
-                <a:latin typeface="SourceCodePro-Regular"/>
-              </a:rPr>
-              <a:t>dest</a:t>
-            </a:r>
-            <a:r>
-              <a:rPr lang="nl-NL" dirty="0">
-                <a:solidFill>
-                  <a:prstClr val="black"/>
-                </a:solidFill>
-                <a:latin typeface="SourceCodePro-Regular"/>
-              </a:rPr>
-              <a:t>, </a:t>
-            </a:r>
-            <a:r>
-              <a:rPr lang="nl-NL" dirty="0" err="1">
-                <a:solidFill>
-                  <a:prstClr val="black"/>
-                </a:solidFill>
-                <a:latin typeface="SourceCodePro-Regular"/>
-              </a:rPr>
-              <a:t>result</a:t>
-            </a:r>
-            <a:r>
-              <a:rPr lang="nl-NL" dirty="0">
-                <a:solidFill>
-                  <a:prstClr val="black"/>
-                </a:solidFill>
-                <a:latin typeface="SourceCodePro-Regular"/>
-              </a:rPr>
-              <a:t>);</a:t>
-            </a:r>
-            <a:br>
-              <a:rPr lang="nl-NL" dirty="0">
-                <a:solidFill>
-                  <a:prstClr val="black"/>
-                </a:solidFill>
-                <a:latin typeface="SourceCodePro-Regular"/>
-              </a:rPr>
-            </a:br>
-            <a:r>
-              <a:rPr lang="nl-NL" dirty="0">
-                <a:solidFill>
-                  <a:prstClr val="black"/>
-                </a:solidFill>
-                <a:latin typeface="SourceCodePro-Regular"/>
-              </a:rPr>
-              <a:t>       </a:t>
-            </a:r>
-            <a:br>
-              <a:rPr lang="nl-NL" dirty="0">
-                <a:solidFill>
-                  <a:prstClr val="black"/>
-                </a:solidFill>
-                <a:latin typeface="SourceCodePro-Regular"/>
-              </a:rPr>
-            </a:br>
-            <a:r>
-              <a:rPr lang="nl-NL" dirty="0">
-                <a:solidFill>
-                  <a:prstClr val="black"/>
-                </a:solidFill>
-                <a:latin typeface="SourceCodePro-Regular"/>
-              </a:rPr>
-              <a:t>    </a:t>
-            </a:r>
-            <a:r>
-              <a:rPr lang="nl-NL" dirty="0" err="1">
-                <a:solidFill>
-                  <a:prstClr val="black"/>
-                </a:solidFill>
-                <a:latin typeface="SourceCodePro-Regular"/>
-              </a:rPr>
-              <a:t>src</a:t>
-            </a:r>
-            <a:r>
-              <a:rPr lang="nl-NL" dirty="0">
-                <a:solidFill>
-                  <a:prstClr val="black"/>
-                </a:solidFill>
-                <a:latin typeface="SourceCodePro-Regular"/>
-              </a:rPr>
-              <a:t> += </a:t>
-            </a:r>
-            <a:r>
-              <a:rPr lang="nl-NL" dirty="0" smtClean="0">
-                <a:solidFill>
-                  <a:prstClr val="black"/>
-                </a:solidFill>
-                <a:latin typeface="SourceCodePro-Regular"/>
-              </a:rPr>
-              <a:t>FACTOR;</a:t>
-            </a:r>
-            <a:r>
-              <a:rPr lang="nl-NL" dirty="0">
-                <a:solidFill>
-                  <a:prstClr val="black"/>
-                </a:solidFill>
-                <a:latin typeface="SourceCodePro-Regular"/>
-              </a:rPr>
-              <a:t/>
-            </a:r>
-            <a:br>
-              <a:rPr lang="nl-NL" dirty="0">
-                <a:solidFill>
-                  <a:prstClr val="black"/>
-                </a:solidFill>
-                <a:latin typeface="SourceCodePro-Regular"/>
-              </a:rPr>
-            </a:br>
-            <a:r>
-              <a:rPr lang="nl-NL" dirty="0">
-                <a:solidFill>
-                  <a:prstClr val="black"/>
-                </a:solidFill>
-                <a:latin typeface="SourceCodePro-Regular"/>
-              </a:rPr>
-              <a:t>    </a:t>
-            </a:r>
-            <a:r>
-              <a:rPr lang="nl-NL" dirty="0" err="1">
-                <a:solidFill>
-                  <a:prstClr val="black"/>
-                </a:solidFill>
-                <a:latin typeface="SourceCodePro-Regular"/>
-              </a:rPr>
-              <a:t>dest</a:t>
-            </a:r>
-            <a:r>
-              <a:rPr lang="nl-NL" dirty="0">
-                <a:solidFill>
-                  <a:prstClr val="black"/>
-                </a:solidFill>
-                <a:latin typeface="SourceCodePro-Regular"/>
-              </a:rPr>
-              <a:t> += </a:t>
-            </a:r>
-            <a:r>
-              <a:rPr lang="nl-NL" dirty="0" smtClean="0">
-                <a:solidFill>
-                  <a:prstClr val="black"/>
-                </a:solidFill>
-                <a:latin typeface="SourceCodePro-Regular"/>
-              </a:rPr>
-              <a:t>FACTOR;</a:t>
-            </a:r>
-            <a:r>
-              <a:rPr lang="nl-NL" dirty="0">
-                <a:solidFill>
-                  <a:prstClr val="black"/>
-                </a:solidFill>
-                <a:latin typeface="SourceCodePro-Regular"/>
-              </a:rPr>
-              <a:t/>
-            </a:r>
-            <a:br>
-              <a:rPr lang="nl-NL" dirty="0">
-                <a:solidFill>
-                  <a:prstClr val="black"/>
-                </a:solidFill>
-                <a:latin typeface="SourceCodePro-Regular"/>
-              </a:rPr>
-            </a:br>
-            <a:r>
-              <a:rPr lang="nl-NL" dirty="0">
-                <a:solidFill>
-                  <a:prstClr val="black"/>
-                </a:solidFill>
-                <a:latin typeface="SourceCodePro-Regular"/>
-              </a:rPr>
-              <a:t>}</a:t>
-            </a:r>
-            <a:endParaRPr lang="en-US" dirty="0">
-              <a:latin typeface="HelveticaNeueLT Com 45 Lt"/>
-            </a:endParaRPr>
-          </a:p>
-        </p:txBody>
-      </p:sp>
-      <p:sp>
-        <p:nvSpPr>
-          <p:cNvPr id="5" name="Rounded Rectangle 4"/>
-          <p:cNvSpPr/>
-          <p:nvPr/>
-        </p:nvSpPr>
-        <p:spPr>
-          <a:xfrm>
-            <a:off x="1675442" y="4444779"/>
-            <a:ext cx="3134701" cy="364771"/>
-          </a:xfrm>
-          <a:prstGeom prst="roundRect">
-            <a:avLst/>
-          </a:prstGeom>
-          <a:noFill/>
-          <a:ln>
-            <a:solidFill>
-              <a:schemeClr val="accent2"/>
-            </a:solidFill>
-          </a:ln>
-        </p:spPr>
-        <p:style>
-          <a:lnRef idx="2">
-            <a:schemeClr val="dk1">
-              <a:shade val="50000"/>
-            </a:schemeClr>
-          </a:lnRef>
-          <a:fillRef idx="1">
-            <a:schemeClr val="dk1"/>
-          </a:fillRef>
-          <a:effectRef idx="0">
-            <a:schemeClr val="dk1"/>
-          </a:effectRef>
-          <a:fontRef idx="minor">
-            <a:schemeClr val="lt1"/>
-          </a:fontRef>
-        </p:style>
-        <p:txBody>
-          <a:bodyPr rtlCol="0" anchor="ctr"/>
-          <a:lstStyle/>
-          <a:p>
-            <a:pPr algn="ctr"/>
-            <a:endParaRPr lang="en-US" dirty="0">
-              <a:latin typeface="HelveticaNeueLT Com 45 Lt"/>
-            </a:endParaRPr>
-          </a:p>
-        </p:txBody>
-      </p:sp>
-      <p:sp>
-        <p:nvSpPr>
-          <p:cNvPr id="6" name="TextBox 5"/>
-          <p:cNvSpPr txBox="1"/>
-          <p:nvPr/>
-        </p:nvSpPr>
-        <p:spPr>
-          <a:xfrm>
-            <a:off x="4851171" y="4390739"/>
-            <a:ext cx="3512532" cy="461665"/>
-          </a:xfrm>
-          <a:prstGeom prst="rect">
-            <a:avLst/>
-          </a:prstGeom>
-          <a:noFill/>
-        </p:spPr>
-        <p:txBody>
-          <a:bodyPr wrap="square" rtlCol="0">
-            <a:spAutoFit/>
-          </a:bodyPr>
-          <a:lstStyle/>
-          <a:p>
-            <a:r>
-              <a:rPr lang="en-US" sz="2400" dirty="0" smtClean="0">
-                <a:solidFill>
-                  <a:schemeClr val="accent2"/>
-                </a:solidFill>
-                <a:latin typeface="HelveticaNeueLT Com 45 Lt"/>
-              </a:rPr>
-              <a:t>Write back to memory</a:t>
-            </a:r>
-            <a:endParaRPr lang="en-US" sz="2400" dirty="0">
-              <a:solidFill>
-                <a:schemeClr val="accent2"/>
-              </a:solidFill>
-              <a:latin typeface="HelveticaNeueLT Com 45 Lt"/>
-            </a:endParaRPr>
-          </a:p>
-        </p:txBody>
-      </p:sp>
-    </p:spTree>
-    <p:extLst>
-      <p:ext uri="{BB962C8B-B14F-4D97-AF65-F5344CB8AC3E}">
-        <p14:creationId xmlns:p14="http://schemas.microsoft.com/office/powerpoint/2010/main" val="781761880"/>
       </p:ext>
     </p:extLst>
   </p:cSld>
@@ -17309,59 +16451,6 @@
       </p:sp>
       <p:sp>
         <p:nvSpPr>
-          <p:cNvPr id="7" name="Content Placeholder 6"/>
-          <p:cNvSpPr>
-            <a:spLocks noGrp="1"/>
-          </p:cNvSpPr>
-          <p:nvPr>
-            <p:ph idx="1"/>
-          </p:nvPr>
-        </p:nvSpPr>
-        <p:spPr/>
-        <p:txBody>
-          <a:bodyPr/>
-          <a:lstStyle/>
-          <a:p>
-            <a:r>
-              <a:rPr lang="en-US" dirty="0" smtClean="0"/>
-              <a:t>Native C-Version</a:t>
-            </a:r>
-          </a:p>
-          <a:p>
-            <a:pPr lvl="1"/>
-            <a:r>
-              <a:rPr lang="en-US" dirty="0" smtClean="0"/>
-              <a:t>16 Instructions / Pixel</a:t>
-            </a:r>
-          </a:p>
-          <a:p>
-            <a:pPr lvl="1"/>
-            <a:endParaRPr lang="en-US" dirty="0" smtClean="0"/>
-          </a:p>
-          <a:p>
-            <a:r>
-              <a:rPr lang="en-US" dirty="0" smtClean="0"/>
-              <a:t>SIMD Version:</a:t>
-            </a:r>
-          </a:p>
-          <a:p>
-            <a:pPr lvl="1"/>
-            <a:r>
-              <a:rPr lang="en-US" dirty="0" smtClean="0"/>
-              <a:t>15 Instructions / 8 Pixels</a:t>
-            </a:r>
-          </a:p>
-          <a:p>
-            <a:pPr lvl="1"/>
-            <a:r>
-              <a:rPr lang="en-US" dirty="0" smtClean="0"/>
-              <a:t>~2 Instructions / Pixel</a:t>
-            </a:r>
-          </a:p>
-        </p:txBody>
-      </p:sp>
-      <p:sp>
-        <p:nvSpPr>
           <p:cNvPr id="4" name="Slide Number Placeholder 3"/>
           <p:cNvSpPr>
             <a:spLocks noGrp="1"/>
@@ -17383,10 +16472,1003 @@
           </a:p>
         </p:txBody>
       </p:sp>
+      <p:sp>
+        <p:nvSpPr>
+          <p:cNvPr id="3" name="Rectangle 2"/>
+          <p:cNvSpPr/>
+          <p:nvPr/>
+        </p:nvSpPr>
+        <p:spPr>
+          <a:xfrm>
+            <a:off x="1137506" y="1930200"/>
+            <a:ext cx="6712750" cy="3970318"/>
+          </a:xfrm>
+          <a:prstGeom prst="rect">
+            <a:avLst/>
+          </a:prstGeom>
+        </p:spPr>
+        <p:txBody>
+          <a:bodyPr wrap="square">
+            <a:spAutoFit/>
+          </a:bodyPr>
+          <a:lstStyle/>
+          <a:p>
+            <a:r>
+              <a:rPr lang="nl-NL" dirty="0" err="1">
+                <a:solidFill>
+                  <a:srgbClr val="FF7800"/>
+                </a:solidFill>
+                <a:latin typeface="SourceCodePro-Regular"/>
+              </a:rPr>
+              <a:t>for</a:t>
+            </a:r>
+            <a:r>
+              <a:rPr lang="nl-NL" dirty="0">
+                <a:solidFill>
+                  <a:prstClr val="black"/>
+                </a:solidFill>
+                <a:latin typeface="SourceCodePro-Regular"/>
+              </a:rPr>
+              <a:t>(</a:t>
+            </a:r>
+            <a:r>
+              <a:rPr lang="nl-NL" dirty="0">
+                <a:solidFill>
+                  <a:srgbClr val="FF7800"/>
+                </a:solidFill>
+                <a:latin typeface="SourceCodePro-Regular"/>
+              </a:rPr>
+              <a:t>int</a:t>
+            </a:r>
+            <a:r>
+              <a:rPr lang="nl-NL" dirty="0">
+                <a:solidFill>
+                  <a:prstClr val="black"/>
+                </a:solidFill>
+                <a:latin typeface="SourceCodePro-Regular"/>
+              </a:rPr>
+              <a:t> i=</a:t>
+            </a:r>
+            <a:r>
+              <a:rPr lang="nl-NL" dirty="0">
+                <a:solidFill>
+                  <a:srgbClr val="3B5BB5"/>
+                </a:solidFill>
+                <a:latin typeface="SourceCodePro-Regular"/>
+              </a:rPr>
+              <a:t>0</a:t>
+            </a:r>
+            <a:r>
+              <a:rPr lang="nl-NL" dirty="0">
+                <a:solidFill>
+                  <a:prstClr val="black"/>
+                </a:solidFill>
+                <a:latin typeface="SourceCodePro-Regular"/>
+              </a:rPr>
+              <a:t>; i &lt; pixels; i += </a:t>
+            </a:r>
+            <a:r>
+              <a:rPr lang="nl-NL" dirty="0" smtClean="0">
+                <a:solidFill>
+                  <a:prstClr val="black"/>
+                </a:solidFill>
+                <a:latin typeface="SourceCodePro-Regular"/>
+              </a:rPr>
+              <a:t>FACTOR) </a:t>
+            </a:r>
+            <a:r>
+              <a:rPr lang="nl-NL" dirty="0">
+                <a:solidFill>
+                  <a:prstClr val="black"/>
+                </a:solidFill>
+                <a:latin typeface="SourceCodePro-Regular"/>
+              </a:rPr>
+              <a:t>{</a:t>
+            </a:r>
+            <a:br>
+              <a:rPr lang="nl-NL" dirty="0">
+                <a:solidFill>
+                  <a:prstClr val="black"/>
+                </a:solidFill>
+                <a:latin typeface="SourceCodePro-Regular"/>
+              </a:rPr>
+            </a:br>
+            <a:r>
+              <a:rPr lang="nl-NL" dirty="0">
+                <a:solidFill>
+                  <a:prstClr val="black"/>
+                </a:solidFill>
+                <a:latin typeface="SourceCodePro-Regular"/>
+              </a:rPr>
+              <a:t>    uint8x8x3_t </a:t>
+            </a:r>
+            <a:r>
+              <a:rPr lang="nl-NL" dirty="0" err="1" smtClean="0">
+                <a:solidFill>
+                  <a:prstClr val="black"/>
+                </a:solidFill>
+                <a:latin typeface="SourceCodePro-Regular"/>
+              </a:rPr>
+              <a:t>rgb</a:t>
+            </a:r>
+            <a:r>
+              <a:rPr lang="nl-NL" dirty="0" smtClean="0">
+                <a:solidFill>
+                  <a:prstClr val="black"/>
+                </a:solidFill>
+                <a:latin typeface="SourceCodePro-Regular"/>
+              </a:rPr>
+              <a:t> </a:t>
+            </a:r>
+            <a:r>
+              <a:rPr lang="nl-NL" dirty="0">
+                <a:solidFill>
+                  <a:prstClr val="black"/>
+                </a:solidFill>
+                <a:latin typeface="SourceCodePro-Regular"/>
+              </a:rPr>
+              <a:t>= </a:t>
+            </a:r>
+            <a:r>
+              <a:rPr lang="nl-NL" dirty="0">
+                <a:solidFill>
+                  <a:srgbClr val="3B5BB5"/>
+                </a:solidFill>
+                <a:latin typeface="SourceCodePro-Regular"/>
+              </a:rPr>
+              <a:t>vld3_u8</a:t>
+            </a:r>
+            <a:r>
+              <a:rPr lang="nl-NL" dirty="0">
+                <a:solidFill>
+                  <a:prstClr val="black"/>
+                </a:solidFill>
+                <a:latin typeface="SourceCodePro-Regular"/>
+              </a:rPr>
+              <a:t>(</a:t>
+            </a:r>
+            <a:r>
+              <a:rPr lang="nl-NL" dirty="0" err="1">
+                <a:solidFill>
+                  <a:prstClr val="black"/>
+                </a:solidFill>
+                <a:latin typeface="SourceCodePro-Regular"/>
+              </a:rPr>
+              <a:t>src</a:t>
+            </a:r>
+            <a:r>
+              <a:rPr lang="nl-NL" dirty="0">
+                <a:solidFill>
+                  <a:prstClr val="black"/>
+                </a:solidFill>
+                <a:latin typeface="SourceCodePro-Regular"/>
+              </a:rPr>
+              <a:t>);</a:t>
+            </a:r>
+            <a:br>
+              <a:rPr lang="nl-NL" dirty="0">
+                <a:solidFill>
+                  <a:prstClr val="black"/>
+                </a:solidFill>
+                <a:latin typeface="SourceCodePro-Regular"/>
+              </a:rPr>
+            </a:br>
+            <a:r>
+              <a:rPr lang="nl-NL" dirty="0">
+                <a:solidFill>
+                  <a:prstClr val="black"/>
+                </a:solidFill>
+                <a:latin typeface="SourceCodePro-Regular"/>
+              </a:rPr>
+              <a:t>    uint16x8_t </a:t>
+            </a:r>
+            <a:r>
+              <a:rPr lang="nl-NL" dirty="0" err="1">
+                <a:solidFill>
+                  <a:prstClr val="black"/>
+                </a:solidFill>
+                <a:latin typeface="SourceCodePro-Regular"/>
+              </a:rPr>
+              <a:t>acc</a:t>
+            </a:r>
+            <a:r>
+              <a:rPr lang="nl-NL" dirty="0">
+                <a:solidFill>
+                  <a:prstClr val="black"/>
+                </a:solidFill>
+                <a:latin typeface="SourceCodePro-Regular"/>
+              </a:rPr>
+              <a:t>;</a:t>
+            </a:r>
+            <a:br>
+              <a:rPr lang="nl-NL" dirty="0">
+                <a:solidFill>
+                  <a:prstClr val="black"/>
+                </a:solidFill>
+                <a:latin typeface="SourceCodePro-Regular"/>
+              </a:rPr>
+            </a:br>
+            <a:r>
+              <a:rPr lang="nl-NL" dirty="0">
+                <a:solidFill>
+                  <a:prstClr val="black"/>
+                </a:solidFill>
+                <a:latin typeface="SourceCodePro-Regular"/>
+              </a:rPr>
+              <a:t>    </a:t>
+            </a:r>
+            <a:br>
+              <a:rPr lang="nl-NL" dirty="0">
+                <a:solidFill>
+                  <a:prstClr val="black"/>
+                </a:solidFill>
+                <a:latin typeface="SourceCodePro-Regular"/>
+              </a:rPr>
+            </a:br>
+            <a:r>
+              <a:rPr lang="nl-NL" dirty="0">
+                <a:solidFill>
+                  <a:prstClr val="black"/>
+                </a:solidFill>
+                <a:latin typeface="SourceCodePro-Regular"/>
+              </a:rPr>
+              <a:t>    </a:t>
+            </a:r>
+            <a:r>
+              <a:rPr lang="nl-NL" dirty="0" err="1">
+                <a:solidFill>
+                  <a:prstClr val="black"/>
+                </a:solidFill>
+                <a:latin typeface="SourceCodePro-Regular"/>
+              </a:rPr>
+              <a:t>acc</a:t>
+            </a:r>
+            <a:r>
+              <a:rPr lang="nl-NL" dirty="0">
+                <a:solidFill>
+                  <a:prstClr val="black"/>
+                </a:solidFill>
+                <a:latin typeface="SourceCodePro-Regular"/>
+              </a:rPr>
+              <a:t> = </a:t>
+            </a:r>
+            <a:r>
+              <a:rPr lang="nl-NL" dirty="0">
+                <a:solidFill>
+                  <a:srgbClr val="3B5BB5"/>
+                </a:solidFill>
+                <a:latin typeface="SourceCodePro-Regular"/>
+              </a:rPr>
+              <a:t>vmull_u8</a:t>
+            </a:r>
+            <a:r>
+              <a:rPr lang="nl-NL" dirty="0">
+                <a:solidFill>
+                  <a:prstClr val="black"/>
+                </a:solidFill>
+                <a:latin typeface="SourceCodePro-Regular"/>
+              </a:rPr>
+              <a:t>(</a:t>
+            </a:r>
+            <a:r>
+              <a:rPr lang="nl-NL" dirty="0" err="1" smtClean="0">
+                <a:solidFill>
+                  <a:prstClr val="black"/>
+                </a:solidFill>
+                <a:latin typeface="SourceCodePro-Regular"/>
+              </a:rPr>
+              <a:t>rgb.val</a:t>
+            </a:r>
+            <a:r>
+              <a:rPr lang="nl-NL" dirty="0">
+                <a:solidFill>
+                  <a:prstClr val="black"/>
+                </a:solidFill>
+                <a:latin typeface="SourceCodePro-Regular"/>
+              </a:rPr>
+              <a:t>[</a:t>
+            </a:r>
+            <a:r>
+              <a:rPr lang="nl-NL" dirty="0">
+                <a:solidFill>
+                  <a:srgbClr val="3B5BB5"/>
+                </a:solidFill>
+                <a:latin typeface="SourceCodePro-Regular"/>
+              </a:rPr>
+              <a:t>0</a:t>
+            </a:r>
+            <a:r>
+              <a:rPr lang="nl-NL" dirty="0">
+                <a:solidFill>
+                  <a:prstClr val="black"/>
+                </a:solidFill>
+                <a:latin typeface="SourceCodePro-Regular"/>
+              </a:rPr>
+              <a:t>], </a:t>
+            </a:r>
+            <a:r>
+              <a:rPr lang="nl-NL" dirty="0" err="1">
+                <a:solidFill>
+                  <a:prstClr val="black"/>
+                </a:solidFill>
+                <a:latin typeface="SourceCodePro-Regular"/>
+              </a:rPr>
+              <a:t>rcoeff</a:t>
+            </a:r>
+            <a:r>
+              <a:rPr lang="nl-NL" dirty="0">
+                <a:solidFill>
+                  <a:prstClr val="black"/>
+                </a:solidFill>
+                <a:latin typeface="SourceCodePro-Regular"/>
+              </a:rPr>
+              <a:t>);</a:t>
+            </a:r>
+            <a:br>
+              <a:rPr lang="nl-NL" dirty="0">
+                <a:solidFill>
+                  <a:prstClr val="black"/>
+                </a:solidFill>
+                <a:latin typeface="SourceCodePro-Regular"/>
+              </a:rPr>
+            </a:br>
+            <a:r>
+              <a:rPr lang="nl-NL" dirty="0">
+                <a:solidFill>
+                  <a:prstClr val="black"/>
+                </a:solidFill>
+                <a:latin typeface="SourceCodePro-Regular"/>
+              </a:rPr>
+              <a:t>    </a:t>
+            </a:r>
+            <a:r>
+              <a:rPr lang="nl-NL" dirty="0" err="1">
+                <a:solidFill>
+                  <a:prstClr val="black"/>
+                </a:solidFill>
+                <a:latin typeface="SourceCodePro-Regular"/>
+              </a:rPr>
+              <a:t>acc</a:t>
+            </a:r>
+            <a:r>
+              <a:rPr lang="nl-NL" dirty="0">
+                <a:solidFill>
+                  <a:prstClr val="black"/>
+                </a:solidFill>
+                <a:latin typeface="SourceCodePro-Regular"/>
+              </a:rPr>
+              <a:t> = </a:t>
+            </a:r>
+            <a:r>
+              <a:rPr lang="nl-NL" dirty="0">
+                <a:solidFill>
+                  <a:srgbClr val="3B5BB5"/>
+                </a:solidFill>
+                <a:latin typeface="SourceCodePro-Regular"/>
+              </a:rPr>
+              <a:t>vmlal_u8</a:t>
+            </a:r>
+            <a:r>
+              <a:rPr lang="nl-NL" dirty="0">
+                <a:solidFill>
+                  <a:prstClr val="black"/>
+                </a:solidFill>
+                <a:latin typeface="SourceCodePro-Regular"/>
+              </a:rPr>
+              <a:t>(</a:t>
+            </a:r>
+            <a:r>
+              <a:rPr lang="nl-NL" dirty="0" err="1">
+                <a:solidFill>
+                  <a:prstClr val="black"/>
+                </a:solidFill>
+                <a:latin typeface="SourceCodePro-Regular"/>
+              </a:rPr>
+              <a:t>acc</a:t>
+            </a:r>
+            <a:r>
+              <a:rPr lang="nl-NL" dirty="0">
+                <a:solidFill>
+                  <a:prstClr val="black"/>
+                </a:solidFill>
+                <a:latin typeface="SourceCodePro-Regular"/>
+              </a:rPr>
+              <a:t>, </a:t>
+            </a:r>
+            <a:r>
+              <a:rPr lang="nl-NL" dirty="0" err="1" smtClean="0">
+                <a:solidFill>
+                  <a:prstClr val="black"/>
+                </a:solidFill>
+                <a:latin typeface="SourceCodePro-Regular"/>
+              </a:rPr>
+              <a:t>rgb.val</a:t>
+            </a:r>
+            <a:r>
+              <a:rPr lang="nl-NL" dirty="0">
+                <a:solidFill>
+                  <a:prstClr val="black"/>
+                </a:solidFill>
+                <a:latin typeface="SourceCodePro-Regular"/>
+              </a:rPr>
+              <a:t>[</a:t>
+            </a:r>
+            <a:r>
+              <a:rPr lang="nl-NL" dirty="0">
+                <a:solidFill>
+                  <a:srgbClr val="3B5BB5"/>
+                </a:solidFill>
+                <a:latin typeface="SourceCodePro-Regular"/>
+              </a:rPr>
+              <a:t>1</a:t>
+            </a:r>
+            <a:r>
+              <a:rPr lang="nl-NL" dirty="0">
+                <a:solidFill>
+                  <a:prstClr val="black"/>
+                </a:solidFill>
+                <a:latin typeface="SourceCodePro-Regular"/>
+              </a:rPr>
+              <a:t>], </a:t>
+            </a:r>
+            <a:r>
+              <a:rPr lang="nl-NL" dirty="0" err="1">
+                <a:solidFill>
+                  <a:prstClr val="black"/>
+                </a:solidFill>
+                <a:latin typeface="SourceCodePro-Regular"/>
+              </a:rPr>
+              <a:t>gcoeff</a:t>
+            </a:r>
+            <a:r>
+              <a:rPr lang="nl-NL" dirty="0">
+                <a:solidFill>
+                  <a:prstClr val="black"/>
+                </a:solidFill>
+                <a:latin typeface="SourceCodePro-Regular"/>
+              </a:rPr>
+              <a:t>);</a:t>
+            </a:r>
+            <a:br>
+              <a:rPr lang="nl-NL" dirty="0">
+                <a:solidFill>
+                  <a:prstClr val="black"/>
+                </a:solidFill>
+                <a:latin typeface="SourceCodePro-Regular"/>
+              </a:rPr>
+            </a:br>
+            <a:r>
+              <a:rPr lang="nl-NL" dirty="0">
+                <a:solidFill>
+                  <a:prstClr val="black"/>
+                </a:solidFill>
+                <a:latin typeface="SourceCodePro-Regular"/>
+              </a:rPr>
+              <a:t>    </a:t>
+            </a:r>
+            <a:r>
+              <a:rPr lang="nl-NL" dirty="0" err="1">
+                <a:solidFill>
+                  <a:prstClr val="black"/>
+                </a:solidFill>
+                <a:latin typeface="SourceCodePro-Regular"/>
+              </a:rPr>
+              <a:t>acc</a:t>
+            </a:r>
+            <a:r>
+              <a:rPr lang="nl-NL" dirty="0">
+                <a:solidFill>
+                  <a:prstClr val="black"/>
+                </a:solidFill>
+                <a:latin typeface="SourceCodePro-Regular"/>
+              </a:rPr>
+              <a:t> = </a:t>
+            </a:r>
+            <a:r>
+              <a:rPr lang="nl-NL" dirty="0">
+                <a:solidFill>
+                  <a:srgbClr val="3B5BB5"/>
+                </a:solidFill>
+                <a:latin typeface="SourceCodePro-Regular"/>
+              </a:rPr>
+              <a:t>vmlal_u8</a:t>
+            </a:r>
+            <a:r>
+              <a:rPr lang="nl-NL" dirty="0">
+                <a:solidFill>
+                  <a:prstClr val="black"/>
+                </a:solidFill>
+                <a:latin typeface="SourceCodePro-Regular"/>
+              </a:rPr>
+              <a:t>(</a:t>
+            </a:r>
+            <a:r>
+              <a:rPr lang="nl-NL" dirty="0" err="1">
+                <a:solidFill>
+                  <a:prstClr val="black"/>
+                </a:solidFill>
+                <a:latin typeface="SourceCodePro-Regular"/>
+              </a:rPr>
+              <a:t>acc</a:t>
+            </a:r>
+            <a:r>
+              <a:rPr lang="nl-NL" dirty="0">
+                <a:solidFill>
+                  <a:prstClr val="black"/>
+                </a:solidFill>
+                <a:latin typeface="SourceCodePro-Regular"/>
+              </a:rPr>
+              <a:t>, </a:t>
+            </a:r>
+            <a:r>
+              <a:rPr lang="nl-NL" dirty="0" err="1" smtClean="0">
+                <a:solidFill>
+                  <a:prstClr val="black"/>
+                </a:solidFill>
+                <a:latin typeface="SourceCodePro-Regular"/>
+              </a:rPr>
+              <a:t>rgb.val</a:t>
+            </a:r>
+            <a:r>
+              <a:rPr lang="nl-NL" dirty="0">
+                <a:solidFill>
+                  <a:prstClr val="black"/>
+                </a:solidFill>
+                <a:latin typeface="SourceCodePro-Regular"/>
+              </a:rPr>
+              <a:t>[</a:t>
+            </a:r>
+            <a:r>
+              <a:rPr lang="nl-NL" dirty="0">
+                <a:solidFill>
+                  <a:srgbClr val="3B5BB5"/>
+                </a:solidFill>
+                <a:latin typeface="SourceCodePro-Regular"/>
+              </a:rPr>
+              <a:t>2</a:t>
+            </a:r>
+            <a:r>
+              <a:rPr lang="nl-NL" dirty="0">
+                <a:solidFill>
+                  <a:prstClr val="black"/>
+                </a:solidFill>
+                <a:latin typeface="SourceCodePro-Regular"/>
+              </a:rPr>
+              <a:t>], </a:t>
+            </a:r>
+            <a:r>
+              <a:rPr lang="nl-NL" dirty="0" err="1">
+                <a:solidFill>
+                  <a:prstClr val="black"/>
+                </a:solidFill>
+                <a:latin typeface="SourceCodePro-Regular"/>
+              </a:rPr>
+              <a:t>bcoeff</a:t>
+            </a:r>
+            <a:r>
+              <a:rPr lang="nl-NL" dirty="0">
+                <a:solidFill>
+                  <a:prstClr val="black"/>
+                </a:solidFill>
+                <a:latin typeface="SourceCodePro-Regular"/>
+              </a:rPr>
+              <a:t>);</a:t>
+            </a:r>
+            <a:br>
+              <a:rPr lang="nl-NL" dirty="0">
+                <a:solidFill>
+                  <a:prstClr val="black"/>
+                </a:solidFill>
+                <a:latin typeface="SourceCodePro-Regular"/>
+              </a:rPr>
+            </a:br>
+            <a:r>
+              <a:rPr lang="nl-NL" dirty="0">
+                <a:solidFill>
+                  <a:prstClr val="black"/>
+                </a:solidFill>
+                <a:latin typeface="SourceCodePro-Regular"/>
+              </a:rPr>
+              <a:t>    </a:t>
+            </a:r>
+            <a:br>
+              <a:rPr lang="nl-NL" dirty="0">
+                <a:solidFill>
+                  <a:prstClr val="black"/>
+                </a:solidFill>
+                <a:latin typeface="SourceCodePro-Regular"/>
+              </a:rPr>
+            </a:br>
+            <a:r>
+              <a:rPr lang="nl-NL" dirty="0">
+                <a:solidFill>
+                  <a:prstClr val="black"/>
+                </a:solidFill>
+                <a:latin typeface="SourceCodePro-Regular"/>
+              </a:rPr>
+              <a:t>    uint8x8_t </a:t>
+            </a:r>
+            <a:r>
+              <a:rPr lang="nl-NL" dirty="0" err="1">
+                <a:solidFill>
+                  <a:prstClr val="black"/>
+                </a:solidFill>
+                <a:latin typeface="SourceCodePro-Regular"/>
+              </a:rPr>
+              <a:t>result</a:t>
+            </a:r>
+            <a:r>
+              <a:rPr lang="nl-NL" dirty="0">
+                <a:solidFill>
+                  <a:prstClr val="black"/>
+                </a:solidFill>
+                <a:latin typeface="SourceCodePro-Regular"/>
+              </a:rPr>
+              <a:t> = </a:t>
+            </a:r>
+            <a:r>
+              <a:rPr lang="nl-NL" dirty="0">
+                <a:solidFill>
+                  <a:srgbClr val="3B5BB5"/>
+                </a:solidFill>
+                <a:latin typeface="SourceCodePro-Regular"/>
+              </a:rPr>
+              <a:t>vshrn_n_u16</a:t>
+            </a:r>
+            <a:r>
+              <a:rPr lang="nl-NL" dirty="0">
+                <a:solidFill>
+                  <a:prstClr val="black"/>
+                </a:solidFill>
+                <a:latin typeface="SourceCodePro-Regular"/>
+              </a:rPr>
+              <a:t>(</a:t>
+            </a:r>
+            <a:r>
+              <a:rPr lang="nl-NL" dirty="0" err="1">
+                <a:solidFill>
+                  <a:prstClr val="black"/>
+                </a:solidFill>
+                <a:latin typeface="SourceCodePro-Regular"/>
+              </a:rPr>
+              <a:t>acc</a:t>
+            </a:r>
+            <a:r>
+              <a:rPr lang="nl-NL" dirty="0">
+                <a:solidFill>
+                  <a:prstClr val="black"/>
+                </a:solidFill>
+                <a:latin typeface="SourceCodePro-Regular"/>
+              </a:rPr>
+              <a:t>, </a:t>
+            </a:r>
+            <a:r>
+              <a:rPr lang="nl-NL" dirty="0">
+                <a:solidFill>
+                  <a:srgbClr val="3B5BB5"/>
+                </a:solidFill>
+                <a:latin typeface="SourceCodePro-Regular"/>
+              </a:rPr>
+              <a:t>8</a:t>
+            </a:r>
+            <a:r>
+              <a:rPr lang="nl-NL" dirty="0">
+                <a:solidFill>
+                  <a:prstClr val="black"/>
+                </a:solidFill>
+                <a:latin typeface="SourceCodePro-Regular"/>
+              </a:rPr>
+              <a:t>);</a:t>
+            </a:r>
+            <a:br>
+              <a:rPr lang="nl-NL" dirty="0">
+                <a:solidFill>
+                  <a:prstClr val="black"/>
+                </a:solidFill>
+                <a:latin typeface="SourceCodePro-Regular"/>
+              </a:rPr>
+            </a:br>
+            <a:r>
+              <a:rPr lang="nl-NL" dirty="0">
+                <a:solidFill>
+                  <a:prstClr val="black"/>
+                </a:solidFill>
+                <a:latin typeface="SourceCodePro-Regular"/>
+              </a:rPr>
+              <a:t>    </a:t>
+            </a:r>
+            <a:r>
+              <a:rPr lang="nl-NL" dirty="0">
+                <a:solidFill>
+                  <a:srgbClr val="3B5BB5"/>
+                </a:solidFill>
+                <a:latin typeface="SourceCodePro-Regular"/>
+              </a:rPr>
+              <a:t>vst1_u8</a:t>
+            </a:r>
+            <a:r>
+              <a:rPr lang="nl-NL" dirty="0">
+                <a:solidFill>
+                  <a:prstClr val="black"/>
+                </a:solidFill>
+                <a:latin typeface="SourceCodePro-Regular"/>
+              </a:rPr>
+              <a:t>(</a:t>
+            </a:r>
+            <a:r>
+              <a:rPr lang="nl-NL" dirty="0" err="1">
+                <a:solidFill>
+                  <a:prstClr val="black"/>
+                </a:solidFill>
+                <a:latin typeface="SourceCodePro-Regular"/>
+              </a:rPr>
+              <a:t>dest</a:t>
+            </a:r>
+            <a:r>
+              <a:rPr lang="nl-NL" dirty="0">
+                <a:solidFill>
+                  <a:prstClr val="black"/>
+                </a:solidFill>
+                <a:latin typeface="SourceCodePro-Regular"/>
+              </a:rPr>
+              <a:t>, </a:t>
+            </a:r>
+            <a:r>
+              <a:rPr lang="nl-NL" dirty="0" err="1">
+                <a:solidFill>
+                  <a:prstClr val="black"/>
+                </a:solidFill>
+                <a:latin typeface="SourceCodePro-Regular"/>
+              </a:rPr>
+              <a:t>result</a:t>
+            </a:r>
+            <a:r>
+              <a:rPr lang="nl-NL" dirty="0">
+                <a:solidFill>
+                  <a:prstClr val="black"/>
+                </a:solidFill>
+                <a:latin typeface="SourceCodePro-Regular"/>
+              </a:rPr>
+              <a:t>);</a:t>
+            </a:r>
+            <a:br>
+              <a:rPr lang="nl-NL" dirty="0">
+                <a:solidFill>
+                  <a:prstClr val="black"/>
+                </a:solidFill>
+                <a:latin typeface="SourceCodePro-Regular"/>
+              </a:rPr>
+            </a:br>
+            <a:r>
+              <a:rPr lang="nl-NL" dirty="0">
+                <a:solidFill>
+                  <a:prstClr val="black"/>
+                </a:solidFill>
+                <a:latin typeface="SourceCodePro-Regular"/>
+              </a:rPr>
+              <a:t>       </a:t>
+            </a:r>
+            <a:br>
+              <a:rPr lang="nl-NL" dirty="0">
+                <a:solidFill>
+                  <a:prstClr val="black"/>
+                </a:solidFill>
+                <a:latin typeface="SourceCodePro-Regular"/>
+              </a:rPr>
+            </a:br>
+            <a:r>
+              <a:rPr lang="nl-NL" dirty="0">
+                <a:solidFill>
+                  <a:prstClr val="black"/>
+                </a:solidFill>
+                <a:latin typeface="SourceCodePro-Regular"/>
+              </a:rPr>
+              <a:t>    </a:t>
+            </a:r>
+            <a:r>
+              <a:rPr lang="nl-NL" dirty="0" err="1">
+                <a:solidFill>
+                  <a:prstClr val="black"/>
+                </a:solidFill>
+                <a:latin typeface="SourceCodePro-Regular"/>
+              </a:rPr>
+              <a:t>src</a:t>
+            </a:r>
+            <a:r>
+              <a:rPr lang="nl-NL" dirty="0">
+                <a:solidFill>
+                  <a:prstClr val="black"/>
+                </a:solidFill>
+                <a:latin typeface="SourceCodePro-Regular"/>
+              </a:rPr>
+              <a:t> += </a:t>
+            </a:r>
+            <a:r>
+              <a:rPr lang="nl-NL" dirty="0" smtClean="0">
+                <a:solidFill>
+                  <a:prstClr val="black"/>
+                </a:solidFill>
+                <a:latin typeface="SourceCodePro-Regular"/>
+              </a:rPr>
+              <a:t>FACTOR;</a:t>
+            </a:r>
+            <a:r>
+              <a:rPr lang="nl-NL" dirty="0">
+                <a:solidFill>
+                  <a:prstClr val="black"/>
+                </a:solidFill>
+                <a:latin typeface="SourceCodePro-Regular"/>
+              </a:rPr>
+              <a:t/>
+            </a:r>
+            <a:br>
+              <a:rPr lang="nl-NL" dirty="0">
+                <a:solidFill>
+                  <a:prstClr val="black"/>
+                </a:solidFill>
+                <a:latin typeface="SourceCodePro-Regular"/>
+              </a:rPr>
+            </a:br>
+            <a:r>
+              <a:rPr lang="nl-NL" dirty="0">
+                <a:solidFill>
+                  <a:prstClr val="black"/>
+                </a:solidFill>
+                <a:latin typeface="SourceCodePro-Regular"/>
+              </a:rPr>
+              <a:t>    </a:t>
+            </a:r>
+            <a:r>
+              <a:rPr lang="nl-NL" dirty="0" err="1">
+                <a:solidFill>
+                  <a:prstClr val="black"/>
+                </a:solidFill>
+                <a:latin typeface="SourceCodePro-Regular"/>
+              </a:rPr>
+              <a:t>dest</a:t>
+            </a:r>
+            <a:r>
+              <a:rPr lang="nl-NL" dirty="0">
+                <a:solidFill>
+                  <a:prstClr val="black"/>
+                </a:solidFill>
+                <a:latin typeface="SourceCodePro-Regular"/>
+              </a:rPr>
+              <a:t> += </a:t>
+            </a:r>
+            <a:r>
+              <a:rPr lang="nl-NL" dirty="0" smtClean="0">
+                <a:solidFill>
+                  <a:prstClr val="black"/>
+                </a:solidFill>
+                <a:latin typeface="SourceCodePro-Regular"/>
+              </a:rPr>
+              <a:t>FACTOR;</a:t>
+            </a:r>
+            <a:r>
+              <a:rPr lang="nl-NL" dirty="0">
+                <a:solidFill>
+                  <a:prstClr val="black"/>
+                </a:solidFill>
+                <a:latin typeface="SourceCodePro-Regular"/>
+              </a:rPr>
+              <a:t/>
+            </a:r>
+            <a:br>
+              <a:rPr lang="nl-NL" dirty="0">
+                <a:solidFill>
+                  <a:prstClr val="black"/>
+                </a:solidFill>
+                <a:latin typeface="SourceCodePro-Regular"/>
+              </a:rPr>
+            </a:br>
+            <a:r>
+              <a:rPr lang="nl-NL" dirty="0">
+                <a:solidFill>
+                  <a:prstClr val="black"/>
+                </a:solidFill>
+                <a:latin typeface="SourceCodePro-Regular"/>
+              </a:rPr>
+              <a:t>}</a:t>
+            </a:r>
+            <a:endParaRPr lang="en-US" dirty="0">
+              <a:latin typeface="HelveticaNeueLT Com 45 Lt"/>
+            </a:endParaRPr>
+          </a:p>
+        </p:txBody>
+      </p:sp>
+      <p:sp>
+        <p:nvSpPr>
+          <p:cNvPr id="5" name="Rounded Rectangle 4"/>
+          <p:cNvSpPr/>
+          <p:nvPr/>
+        </p:nvSpPr>
+        <p:spPr>
+          <a:xfrm>
+            <a:off x="1675442" y="4444779"/>
+            <a:ext cx="3134701" cy="364771"/>
+          </a:xfrm>
+          <a:prstGeom prst="roundRect">
+            <a:avLst/>
+          </a:prstGeom>
+          <a:noFill/>
+          <a:ln>
+            <a:solidFill>
+              <a:schemeClr val="accent2"/>
+            </a:solidFill>
+          </a:ln>
+        </p:spPr>
+        <p:style>
+          <a:lnRef idx="2">
+            <a:schemeClr val="dk1">
+              <a:shade val="50000"/>
+            </a:schemeClr>
+          </a:lnRef>
+          <a:fillRef idx="1">
+            <a:schemeClr val="dk1"/>
+          </a:fillRef>
+          <a:effectRef idx="0">
+            <a:schemeClr val="dk1"/>
+          </a:effectRef>
+          <a:fontRef idx="minor">
+            <a:schemeClr val="lt1"/>
+          </a:fontRef>
+        </p:style>
+        <p:txBody>
+          <a:bodyPr rtlCol="0" anchor="ctr"/>
+          <a:lstStyle/>
+          <a:p>
+            <a:pPr algn="ctr"/>
+            <a:endParaRPr lang="en-US" dirty="0">
+              <a:latin typeface="HelveticaNeueLT Com 45 Lt"/>
+            </a:endParaRPr>
+          </a:p>
+        </p:txBody>
+      </p:sp>
+      <p:sp>
+        <p:nvSpPr>
+          <p:cNvPr id="6" name="TextBox 5"/>
+          <p:cNvSpPr txBox="1"/>
+          <p:nvPr/>
+        </p:nvSpPr>
+        <p:spPr>
+          <a:xfrm>
+            <a:off x="4851171" y="4390739"/>
+            <a:ext cx="3512532" cy="461665"/>
+          </a:xfrm>
+          <a:prstGeom prst="rect">
+            <a:avLst/>
+          </a:prstGeom>
+          <a:noFill/>
+        </p:spPr>
+        <p:txBody>
+          <a:bodyPr wrap="square" rtlCol="0">
+            <a:spAutoFit/>
+          </a:bodyPr>
+          <a:lstStyle/>
+          <a:p>
+            <a:r>
+              <a:rPr lang="en-US" sz="2400" dirty="0" smtClean="0">
+                <a:solidFill>
+                  <a:schemeClr val="accent2"/>
+                </a:solidFill>
+                <a:latin typeface="HelveticaNeueLT Com 45 Lt"/>
+              </a:rPr>
+              <a:t>Write back to memory</a:t>
+            </a:r>
+            <a:endParaRPr lang="en-US" sz="2400" dirty="0">
+              <a:solidFill>
+                <a:schemeClr val="accent2"/>
+              </a:solidFill>
+              <a:latin typeface="HelveticaNeueLT Com 45 Lt"/>
+            </a:endParaRPr>
+          </a:p>
+        </p:txBody>
+      </p:sp>
     </p:spTree>
     <p:extLst>
       <p:ext uri="{BB962C8B-B14F-4D97-AF65-F5344CB8AC3E}">
-        <p14:creationId xmlns:p14="http://schemas.microsoft.com/office/powerpoint/2010/main" val="3608574956"/>
+        <p14:creationId xmlns:p14="http://schemas.microsoft.com/office/powerpoint/2010/main" val="781761880"/>
       </p:ext>
     </p:extLst>
   </p:cSld>
@@ -17432,12 +17514,37 @@
         </p:nvSpPr>
         <p:spPr/>
         <p:txBody>
-          <a:bodyPr/>
+          <a:bodyPr>
+            <a:normAutofit fontScale="90000"/>
+          </a:bodyPr>
           <a:lstStyle/>
           <a:p>
             <a:r>
               <a:rPr lang="en-US" dirty="0" smtClean="0"/>
-              <a:t>Google Go</a:t>
+              <a:t>Single Instruction – Multiple data</a:t>
+            </a:r>
+            <a:br>
+              <a:rPr lang="en-US" dirty="0" smtClean="0"/>
+            </a:br>
+            <a:r>
+              <a:rPr lang="en-US" sz="2800" dirty="0" smtClean="0">
+                <a:solidFill>
+                  <a:schemeClr val="bg1">
+                    <a:lumMod val="50000"/>
+                  </a:schemeClr>
+                </a:solidFill>
+              </a:rPr>
+              <a:t>Converting to </a:t>
+            </a:r>
+            <a:r>
+              <a:rPr lang="en-US" sz="2800" dirty="0" err="1" smtClean="0">
+                <a:solidFill>
+                  <a:schemeClr val="bg1">
+                    <a:lumMod val="50000"/>
+                  </a:schemeClr>
+                </a:solidFill>
+              </a:rPr>
+              <a:t>grayscale</a:t>
             </a:r>
             <a:endParaRPr lang="en-US" dirty="0"/>
           </a:p>
@@ -17445,7 +17552,7 @@
       </p:sp>
       <p:sp>
         <p:nvSpPr>
-          <p:cNvPr id="3" name="Content Placeholder 2"/>
+          <p:cNvPr id="7" name="Content Placeholder 6"/>
           <p:cNvSpPr>
             <a:spLocks noGrp="1"/>
           </p:cNvSpPr>
@@ -17460,9 +17567,39 @@
           <a:p>
             <a:r>
               <a:rPr lang="en-US" dirty="0" smtClean="0"/>
-              <a:t>TODO</a:t>
-            </a:r>
-            <a:endParaRPr lang="en-US" dirty="0"/>
+              <a:t>Native C-Version</a:t>
+            </a:r>
+          </a:p>
+          <a:p>
+            <a:pPr lvl="1"/>
+            <a:r>
+              <a:rPr lang="en-US" dirty="0" smtClean="0"/>
+              <a:t>16 Instructions / Pixel</a:t>
+            </a:r>
+          </a:p>
+          <a:p>
+            <a:pPr lvl="1"/>
+            <a:endParaRPr lang="en-US" dirty="0" smtClean="0"/>
+          </a:p>
+          <a:p>
+            <a:r>
+              <a:rPr lang="en-US" dirty="0" smtClean="0"/>
+              <a:t>SIMD Version:</a:t>
+            </a:r>
+          </a:p>
+          <a:p>
+            <a:pPr lvl="1"/>
+            <a:r>
+              <a:rPr lang="en-US" dirty="0" smtClean="0"/>
+              <a:t>15 Instructions / 8 Pixels</a:t>
+            </a:r>
+          </a:p>
+          <a:p>
+            <a:pPr lvl="1"/>
+            <a:r>
+              <a:rPr lang="en-US" dirty="0" smtClean="0"/>
+              <a:t>~2 Instructions / Pixel</a:t>
+            </a:r>
           </a:p>
         </p:txBody>
       </p:sp>
@@ -17492,7 +17629,7 @@
     </p:spTree>
     <p:extLst>
       <p:ext uri="{BB962C8B-B14F-4D97-AF65-F5344CB8AC3E}">
-        <p14:creationId xmlns:p14="http://schemas.microsoft.com/office/powerpoint/2010/main" val="1196601780"/>
+        <p14:creationId xmlns:p14="http://schemas.microsoft.com/office/powerpoint/2010/main" val="3608574956"/>
       </p:ext>
     </p:extLst>
   </p:cSld>
@@ -17543,7 +17680,7 @@
           <a:p>
             <a:r>
               <a:rPr lang="en-US" dirty="0" smtClean="0"/>
-              <a:t>Evaluation</a:t>
+              <a:t>Google Go</a:t>
             </a:r>
             <a:endParaRPr lang="en-US" dirty="0"/>
           </a:p>
@@ -17598,7 +17735,7 @@
     </p:spTree>
     <p:extLst>
       <p:ext uri="{BB962C8B-B14F-4D97-AF65-F5344CB8AC3E}">
-        <p14:creationId xmlns:p14="http://schemas.microsoft.com/office/powerpoint/2010/main" val="562772578"/>
+        <p14:creationId xmlns:p14="http://schemas.microsoft.com/office/powerpoint/2010/main" val="1196601780"/>
       </p:ext>
     </p:extLst>
   </p:cSld>
@@ -17639,6 +17776,112 @@
             <a:spLocks noGrp="1"/>
           </p:cNvSpPr>
           <p:nvPr>
+            <p:ph type="title"/>
+          </p:nvPr>
+        </p:nvSpPr>
+        <p:spPr/>
+        <p:txBody>
+          <a:bodyPr/>
+          <a:lstStyle/>
+          <a:p>
+            <a:r>
+              <a:rPr lang="en-US" dirty="0" smtClean="0"/>
+              <a:t>Evaluation</a:t>
+            </a:r>
+            <a:endParaRPr lang="en-US" dirty="0"/>
+          </a:p>
+        </p:txBody>
+      </p:sp>
+      <p:sp>
+        <p:nvSpPr>
+          <p:cNvPr id="3" name="Content Placeholder 2"/>
+          <p:cNvSpPr>
+            <a:spLocks noGrp="1"/>
+          </p:cNvSpPr>
+          <p:nvPr>
+            <p:ph idx="1"/>
+          </p:nvPr>
+        </p:nvSpPr>
+        <p:spPr/>
+        <p:txBody>
+          <a:bodyPr/>
+          <a:lstStyle/>
+          <a:p>
+            <a:r>
+              <a:rPr lang="en-US" dirty="0" smtClean="0"/>
+              <a:t>TODO</a:t>
+            </a:r>
+            <a:endParaRPr lang="en-US" dirty="0"/>
+          </a:p>
+        </p:txBody>
+      </p:sp>
+      <p:sp>
+        <p:nvSpPr>
+          <p:cNvPr id="4" name="Slide Number Placeholder 3"/>
+          <p:cNvSpPr>
+            <a:spLocks noGrp="1"/>
+          </p:cNvSpPr>
+          <p:nvPr>
+            <p:ph type="sldNum" sz="quarter" idx="12"/>
+          </p:nvPr>
+        </p:nvSpPr>
+        <p:spPr/>
+        <p:txBody>
+          <a:bodyPr/>
+          <a:lstStyle/>
+          <a:p>
+            <a:fld id="{0A3E316F-3D65-2744-BC5B-55B8D60FFFDF}" type="slidenum">
+              <a:rPr lang="en-US" smtClean="0"/>
+              <a:t>37</a:t>
+            </a:fld>
+            <a:endParaRPr lang="en-US"/>
+          </a:p>
+        </p:txBody>
+      </p:sp>
+    </p:spTree>
+    <p:extLst>
+      <p:ext uri="{BB962C8B-B14F-4D97-AF65-F5344CB8AC3E}">
+        <p14:creationId xmlns:p14="http://schemas.microsoft.com/office/powerpoint/2010/main" val="562772578"/>
+      </p:ext>
+    </p:extLst>
+  </p:cSld>
+  <p:clrMapOvr>
+    <a:masterClrMapping/>
+  </p:clrMapOvr>
+  <p:timing>
+    <p:tnLst>
+      <p:par>
+        <p:cTn xmlns:p14="http://schemas.microsoft.com/office/powerpoint/2010/main" id="1" dur="indefinite" restart="never" nodeType="tmRoot"/>
+      </p:par>
+    </p:tnLst>
+  </p:timing>
+</p:sld>
+</file>
+
+<file path=ppt/slides/slide38.xml><?xml version="1.0" encoding="utf-8"?>
+<p:sld xmlns:a="http://schemas.openxmlformats.org/drawingml/2006/main" xmlns:r="http://schemas.openxmlformats.org/officeDocument/2006/relationships" xmlns:p="http://schemas.openxmlformats.org/presentationml/2006/main">
+  <p:cSld>
+    <p:spTree>
+      <p:nvGrpSpPr>
+        <p:cNvPr id="1" name=""/>
+        <p:cNvGrpSpPr/>
+        <p:nvPr/>
+      </p:nvGrpSpPr>
+      <p:grpSpPr>
+        <a:xfrm>
+          <a:off x="0" y="0"/>
+          <a:ext cx="0" cy="0"/>
+          <a:chOff x="0" y="0"/>
+          <a:chExt cx="0" cy="0"/>
+        </a:xfrm>
+      </p:grpSpPr>
+      <p:sp>
+        <p:nvSpPr>
+          <p:cNvPr id="2" name="Title 1"/>
+          <p:cNvSpPr>
+            <a:spLocks noGrp="1"/>
+          </p:cNvSpPr>
+          <p:nvPr>
             <p:ph type="ctrTitle"/>
           </p:nvPr>
         </p:nvSpPr>
@@ -17700,7 +17943,7 @@
           <a:p>
             <a:fld id="{0A3E316F-3D65-2744-BC5B-55B8D60FFFDF}" type="slidenum">
               <a:rPr lang="en-US" smtClean="0"/>
-              <a:t>37</a:t>
+              <a:t>38</a:t>
             </a:fld>
             <a:endParaRPr lang="en-US"/>
           </a:p>
@@ -17944,9 +18187,6 @@
               </a:rPr>
               <a:t>urrently implemented with Java on Android OS</a:t>
             </a:r>
-            <a:endParaRPr lang="en-US" dirty="0" smtClean="0">
-              <a:cs typeface="HelveticaNeueLT Com 45 Lt"/>
-            </a:endParaRPr>
           </a:p>
         </p:txBody>
       </p:sp>
@@ -18550,11 +18790,7 @@
           <a:p>
             <a:r>
               <a:rPr lang="en-US" dirty="0" smtClean="0"/>
-              <a:t>Pipeline </a:t>
-            </a:r>
-            <a:r>
-              <a:rPr lang="en-US" dirty="0" smtClean="0"/>
-              <a:t>Pattern</a:t>
+              <a:t>Pipeline Pattern</a:t>
             </a:r>
             <a:endParaRPr lang="en-US" dirty="0"/>
           </a:p>
